--- a/2018-06-01 - Atlanta Dapphack/blockstack4beginners.pptx
+++ b/2018-06-01 - Atlanta Dapphack/blockstack4beginners.pptx
@@ -1,6 +1,6 @@
 
 <file path=ppt/presentation.xml><?xml version="1.0" encoding="utf-8"?>
-<p:presentation xmlns:a="http://schemas.openxmlformats.org/drawingml/2006/main" xmlns:r="http://schemas.openxmlformats.org/officeDocument/2006/relationships" xmlns:mc="http://schemas.openxmlformats.org/markup-compatibility/2006" xmlns:mv="urn:schemas-microsoft-com:mac:vml" xmlns:p="http://schemas.openxmlformats.org/presentationml/2006/main" xmlns:c="http://schemas.openxmlformats.org/drawingml/2006/chart" xmlns:dgm="http://schemas.openxmlformats.org/drawingml/2006/diagram" xmlns:o="urn:schemas-microsoft-com:office:office" xmlns:v="urn:schemas-microsoft-com:vml" xmlns:pvml="urn:schemas-microsoft-com:office:powerpoint" xmlns:com="http://schemas.openxmlformats.org/drawingml/2006/compatibility" xmlns:p14="http://schemas.microsoft.com/office/powerpoint/2010/main" xmlns:p15="http://schemas.microsoft.com/office/powerpoint/2012/main" autoCompressPictures="0" embedTrueTypeFonts="1" strictFirstAndLastChars="0" saveSubsetFonts="1">
+<p:presentation xmlns:a="http://schemas.openxmlformats.org/drawingml/2006/main" xmlns:r="http://schemas.openxmlformats.org/officeDocument/2006/relationships" xmlns:mc="http://schemas.openxmlformats.org/markup-compatibility/2006" xmlns:mv="urn:schemas-microsoft-com:mac:vml" xmlns:p="http://schemas.openxmlformats.org/presentationml/2006/main" xmlns:c="http://schemas.openxmlformats.org/drawingml/2006/chart" xmlns:dgm="http://schemas.openxmlformats.org/drawingml/2006/diagram" xmlns:o="urn:schemas-microsoft-com:office:office" xmlns:v="urn:schemas-microsoft-com:vml" xmlns:pvml="urn:schemas-microsoft-com:office:powerpoint" xmlns:com="http://schemas.openxmlformats.org/drawingml/2006/compatibility" xmlns:p14="http://schemas.microsoft.com/office/powerpoint/2010/main" xmlns:p15="http://schemas.microsoft.com/office/powerpoint/2012/main" autoCompressPictures="0" embedTrueTypeFonts="1" saveSubsetFonts="1" strictFirstAndLastChars="0">
   <p:sldMasterIdLst>
     <p:sldMasterId id="2147483660" r:id="rId3"/>
   </p:sldMasterIdLst>
@@ -26,7 +26,7 @@
     <p:sldId id="271" r:id="rId20"/>
     <p:sldId id="272" r:id="rId21"/>
   </p:sldIdLst>
-  <p:sldSz cy="9753600" cx="13004800"/>
+  <p:sldSz cx="13004800" cy="9753600"/>
   <p:notesSz cx="6858000" cy="9144000"/>
   <p:embeddedFontLst>
     <p:embeddedFont>
@@ -45,7 +45,7 @@
     </p:embeddedFont>
   </p:embeddedFontLst>
   <p:defaultTextStyle>
-    <a:defPPr lvl="0" marR="0" rtl="0" algn="l">
+    <a:defPPr algn="l" lvl="0" marR="0" rtl="0">
       <a:lnSpc>
         <a:spcPct val="100000"/>
       </a:lnSpc>
@@ -56,7 +56,7 @@
         <a:spcPts val="0"/>
       </a:spcAft>
     </a:defPPr>
-    <a:lvl1pPr lvl="0" marR="0" rtl="0" algn="l">
+    <a:lvl1pPr algn="l" lvl="0" marR="0" rtl="0">
       <a:lnSpc>
         <a:spcPct val="100000"/>
       </a:lnSpc>
@@ -70,7 +70,7 @@
         <a:srgbClr val="000000"/>
       </a:buClr>
       <a:buFont typeface="Arial"/>
-      <a:defRPr b="0" i="0" sz="1400" u="none" cap="none" strike="noStrike">
+      <a:defRPr b="0" cap="none" i="0" strike="noStrike" sz="1400" u="none">
         <a:solidFill>
           <a:srgbClr val="000000"/>
         </a:solidFill>
@@ -80,7 +80,7 @@
         <a:sym typeface="Arial"/>
       </a:defRPr>
     </a:lvl1pPr>
-    <a:lvl2pPr lvl="1" marR="0" rtl="0" algn="l">
+    <a:lvl2pPr algn="l" lvl="1" marR="0" rtl="0">
       <a:lnSpc>
         <a:spcPct val="100000"/>
       </a:lnSpc>
@@ -94,7 +94,7 @@
         <a:srgbClr val="000000"/>
       </a:buClr>
       <a:buFont typeface="Arial"/>
-      <a:defRPr b="0" i="0" sz="1400" u="none" cap="none" strike="noStrike">
+      <a:defRPr b="0" cap="none" i="0" strike="noStrike" sz="1400" u="none">
         <a:solidFill>
           <a:srgbClr val="000000"/>
         </a:solidFill>
@@ -104,7 +104,7 @@
         <a:sym typeface="Arial"/>
       </a:defRPr>
     </a:lvl2pPr>
-    <a:lvl3pPr lvl="2" marR="0" rtl="0" algn="l">
+    <a:lvl3pPr algn="l" lvl="2" marR="0" rtl="0">
       <a:lnSpc>
         <a:spcPct val="100000"/>
       </a:lnSpc>
@@ -118,7 +118,7 @@
         <a:srgbClr val="000000"/>
       </a:buClr>
       <a:buFont typeface="Arial"/>
-      <a:defRPr b="0" i="0" sz="1400" u="none" cap="none" strike="noStrike">
+      <a:defRPr b="0" cap="none" i="0" strike="noStrike" sz="1400" u="none">
         <a:solidFill>
           <a:srgbClr val="000000"/>
         </a:solidFill>
@@ -128,7 +128,7 @@
         <a:sym typeface="Arial"/>
       </a:defRPr>
     </a:lvl3pPr>
-    <a:lvl4pPr lvl="3" marR="0" rtl="0" algn="l">
+    <a:lvl4pPr algn="l" lvl="3" marR="0" rtl="0">
       <a:lnSpc>
         <a:spcPct val="100000"/>
       </a:lnSpc>
@@ -142,7 +142,7 @@
         <a:srgbClr val="000000"/>
       </a:buClr>
       <a:buFont typeface="Arial"/>
-      <a:defRPr b="0" i="0" sz="1400" u="none" cap="none" strike="noStrike">
+      <a:defRPr b="0" cap="none" i="0" strike="noStrike" sz="1400" u="none">
         <a:solidFill>
           <a:srgbClr val="000000"/>
         </a:solidFill>
@@ -152,7 +152,7 @@
         <a:sym typeface="Arial"/>
       </a:defRPr>
     </a:lvl4pPr>
-    <a:lvl5pPr lvl="4" marR="0" rtl="0" algn="l">
+    <a:lvl5pPr algn="l" lvl="4" marR="0" rtl="0">
       <a:lnSpc>
         <a:spcPct val="100000"/>
       </a:lnSpc>
@@ -166,7 +166,7 @@
         <a:srgbClr val="000000"/>
       </a:buClr>
       <a:buFont typeface="Arial"/>
-      <a:defRPr b="0" i="0" sz="1400" u="none" cap="none" strike="noStrike">
+      <a:defRPr b="0" cap="none" i="0" strike="noStrike" sz="1400" u="none">
         <a:solidFill>
           <a:srgbClr val="000000"/>
         </a:solidFill>
@@ -176,7 +176,7 @@
         <a:sym typeface="Arial"/>
       </a:defRPr>
     </a:lvl5pPr>
-    <a:lvl6pPr lvl="5" marR="0" rtl="0" algn="l">
+    <a:lvl6pPr algn="l" lvl="5" marR="0" rtl="0">
       <a:lnSpc>
         <a:spcPct val="100000"/>
       </a:lnSpc>
@@ -190,7 +190,7 @@
         <a:srgbClr val="000000"/>
       </a:buClr>
       <a:buFont typeface="Arial"/>
-      <a:defRPr b="0" i="0" sz="1400" u="none" cap="none" strike="noStrike">
+      <a:defRPr b="0" cap="none" i="0" strike="noStrike" sz="1400" u="none">
         <a:solidFill>
           <a:srgbClr val="000000"/>
         </a:solidFill>
@@ -200,7 +200,7 @@
         <a:sym typeface="Arial"/>
       </a:defRPr>
     </a:lvl6pPr>
-    <a:lvl7pPr lvl="6" marR="0" rtl="0" algn="l">
+    <a:lvl7pPr algn="l" lvl="6" marR="0" rtl="0">
       <a:lnSpc>
         <a:spcPct val="100000"/>
       </a:lnSpc>
@@ -214,7 +214,7 @@
         <a:srgbClr val="000000"/>
       </a:buClr>
       <a:buFont typeface="Arial"/>
-      <a:defRPr b="0" i="0" sz="1400" u="none" cap="none" strike="noStrike">
+      <a:defRPr b="0" cap="none" i="0" strike="noStrike" sz="1400" u="none">
         <a:solidFill>
           <a:srgbClr val="000000"/>
         </a:solidFill>
@@ -224,7 +224,7 @@
         <a:sym typeface="Arial"/>
       </a:defRPr>
     </a:lvl7pPr>
-    <a:lvl8pPr lvl="7" marR="0" rtl="0" algn="l">
+    <a:lvl8pPr algn="l" lvl="7" marR="0" rtl="0">
       <a:lnSpc>
         <a:spcPct val="100000"/>
       </a:lnSpc>
@@ -238,7 +238,7 @@
         <a:srgbClr val="000000"/>
       </a:buClr>
       <a:buFont typeface="Arial"/>
-      <a:defRPr b="0" i="0" sz="1400" u="none" cap="none" strike="noStrike">
+      <a:defRPr b="0" cap="none" i="0" strike="noStrike" sz="1400" u="none">
         <a:solidFill>
           <a:srgbClr val="000000"/>
         </a:solidFill>
@@ -248,7 +248,7 @@
         <a:sym typeface="Arial"/>
       </a:defRPr>
     </a:lvl8pPr>
-    <a:lvl9pPr lvl="8" marR="0" rtl="0" algn="l">
+    <a:lvl9pPr algn="l" lvl="8" marR="0" rtl="0">
       <a:lnSpc>
         <a:spcPct val="100000"/>
       </a:lnSpc>
@@ -262,7 +262,7 @@
         <a:srgbClr val="000000"/>
       </a:buClr>
       <a:buFont typeface="Arial"/>
-      <a:defRPr b="0" i="0" sz="1400" u="none" cap="none" strike="noStrike">
+      <a:defRPr b="0" cap="none" i="0" strike="noStrike" sz="1400" u="none">
         <a:solidFill>
           <a:srgbClr val="000000"/>
         </a:solidFill>
@@ -353,9 +353,9 @@
           </a:ln>
         </p:spPr>
         <p:txBody>
-          <a:bodyPr anchorCtr="0" anchor="t" bIns="45700" lIns="91425" spcFirstLastPara="1" rIns="91425" wrap="square" tIns="45700"/>
+          <a:bodyPr anchor="t" anchorCtr="0" bIns="45700" lIns="91425" numCol="1" rIns="91425" spcFirstLastPara="1" tIns="45700" wrap="square"/>
           <a:lstStyle>
-            <a:lvl1pPr indent="-228600" lvl="0" marL="457200" marR="0" rtl="0" algn="l">
+            <a:lvl1pPr algn="l" indent="-228600" lvl="0" marL="457200" marR="0" rtl="0">
               <a:lnSpc>
                 <a:spcPct val="117999"/>
               </a:lnSpc>
@@ -367,14 +367,14 @@
               </a:spcAft>
               <a:buSzPts val="1400"/>
               <a:buNone/>
-              <a:defRPr b="0" i="0" sz="2200" u="none" cap="none" strike="noStrike">
+              <a:defRPr b="0" cap="none" i="0" strike="noStrike" sz="2200" u="none">
                 <a:latin typeface="Helvetica Neue"/>
                 <a:ea typeface="Helvetica Neue"/>
                 <a:cs typeface="Helvetica Neue"/>
                 <a:sym typeface="Helvetica Neue"/>
               </a:defRPr>
             </a:lvl1pPr>
-            <a:lvl2pPr indent="-228600" lvl="1" marL="914400" marR="0" rtl="0" algn="l">
+            <a:lvl2pPr algn="l" indent="-228600" lvl="1" marL="914400" marR="0" rtl="0">
               <a:lnSpc>
                 <a:spcPct val="117999"/>
               </a:lnSpc>
@@ -386,14 +386,14 @@
               </a:spcAft>
               <a:buSzPts val="1400"/>
               <a:buNone/>
-              <a:defRPr b="0" i="0" sz="2200" u="none" cap="none" strike="noStrike">
+              <a:defRPr b="0" cap="none" i="0" strike="noStrike" sz="2200" u="none">
                 <a:latin typeface="Helvetica Neue"/>
                 <a:ea typeface="Helvetica Neue"/>
                 <a:cs typeface="Helvetica Neue"/>
                 <a:sym typeface="Helvetica Neue"/>
               </a:defRPr>
             </a:lvl2pPr>
-            <a:lvl3pPr indent="-228600" lvl="2" marL="1371600" marR="0" rtl="0" algn="l">
+            <a:lvl3pPr algn="l" indent="-228600" lvl="2" marL="1371600" marR="0" rtl="0">
               <a:lnSpc>
                 <a:spcPct val="117999"/>
               </a:lnSpc>
@@ -405,14 +405,14 @@
               </a:spcAft>
               <a:buSzPts val="1400"/>
               <a:buNone/>
-              <a:defRPr b="0" i="0" sz="2200" u="none" cap="none" strike="noStrike">
+              <a:defRPr b="0" cap="none" i="0" strike="noStrike" sz="2200" u="none">
                 <a:latin typeface="Helvetica Neue"/>
                 <a:ea typeface="Helvetica Neue"/>
                 <a:cs typeface="Helvetica Neue"/>
                 <a:sym typeface="Helvetica Neue"/>
               </a:defRPr>
             </a:lvl3pPr>
-            <a:lvl4pPr indent="-228600" lvl="3" marL="1828800" marR="0" rtl="0" algn="l">
+            <a:lvl4pPr algn="l" indent="-228600" lvl="3" marL="1828800" marR="0" rtl="0">
               <a:lnSpc>
                 <a:spcPct val="117999"/>
               </a:lnSpc>
@@ -424,14 +424,14 @@
               </a:spcAft>
               <a:buSzPts val="1400"/>
               <a:buNone/>
-              <a:defRPr b="0" i="0" sz="2200" u="none" cap="none" strike="noStrike">
+              <a:defRPr b="0" cap="none" i="0" strike="noStrike" sz="2200" u="none">
                 <a:latin typeface="Helvetica Neue"/>
                 <a:ea typeface="Helvetica Neue"/>
                 <a:cs typeface="Helvetica Neue"/>
                 <a:sym typeface="Helvetica Neue"/>
               </a:defRPr>
             </a:lvl4pPr>
-            <a:lvl5pPr indent="-228600" lvl="4" marL="2286000" marR="0" rtl="0" algn="l">
+            <a:lvl5pPr algn="l" indent="-228600" lvl="4" marL="2286000" marR="0" rtl="0">
               <a:lnSpc>
                 <a:spcPct val="117999"/>
               </a:lnSpc>
@@ -443,14 +443,14 @@
               </a:spcAft>
               <a:buSzPts val="1400"/>
               <a:buNone/>
-              <a:defRPr b="0" i="0" sz="2200" u="none" cap="none" strike="noStrike">
+              <a:defRPr b="0" cap="none" i="0" strike="noStrike" sz="2200" u="none">
                 <a:latin typeface="Helvetica Neue"/>
                 <a:ea typeface="Helvetica Neue"/>
                 <a:cs typeface="Helvetica Neue"/>
                 <a:sym typeface="Helvetica Neue"/>
               </a:defRPr>
             </a:lvl5pPr>
-            <a:lvl6pPr indent="-228600" lvl="5" marL="2743200" marR="0" rtl="0" algn="l">
+            <a:lvl6pPr algn="l" indent="-228600" lvl="5" marL="2743200" marR="0" rtl="0">
               <a:lnSpc>
                 <a:spcPct val="117999"/>
               </a:lnSpc>
@@ -462,14 +462,14 @@
               </a:spcAft>
               <a:buSzPts val="1400"/>
               <a:buNone/>
-              <a:defRPr b="0" i="0" sz="2200" u="none" cap="none" strike="noStrike">
+              <a:defRPr b="0" cap="none" i="0" strike="noStrike" sz="2200" u="none">
                 <a:latin typeface="Helvetica Neue"/>
                 <a:ea typeface="Helvetica Neue"/>
                 <a:cs typeface="Helvetica Neue"/>
                 <a:sym typeface="Helvetica Neue"/>
               </a:defRPr>
             </a:lvl6pPr>
-            <a:lvl7pPr indent="-228600" lvl="6" marL="3200400" marR="0" rtl="0" algn="l">
+            <a:lvl7pPr algn="l" indent="-228600" lvl="6" marL="3200400" marR="0" rtl="0">
               <a:lnSpc>
                 <a:spcPct val="117999"/>
               </a:lnSpc>
@@ -481,14 +481,14 @@
               </a:spcAft>
               <a:buSzPts val="1400"/>
               <a:buNone/>
-              <a:defRPr b="0" i="0" sz="2200" u="none" cap="none" strike="noStrike">
+              <a:defRPr b="0" cap="none" i="0" strike="noStrike" sz="2200" u="none">
                 <a:latin typeface="Helvetica Neue"/>
                 <a:ea typeface="Helvetica Neue"/>
                 <a:cs typeface="Helvetica Neue"/>
                 <a:sym typeface="Helvetica Neue"/>
               </a:defRPr>
             </a:lvl7pPr>
-            <a:lvl8pPr indent="-228600" lvl="7" marL="3657600" marR="0" rtl="0" algn="l">
+            <a:lvl8pPr algn="l" indent="-228600" lvl="7" marL="3657600" marR="0" rtl="0">
               <a:lnSpc>
                 <a:spcPct val="117999"/>
               </a:lnSpc>
@@ -500,14 +500,14 @@
               </a:spcAft>
               <a:buSzPts val="1400"/>
               <a:buNone/>
-              <a:defRPr b="0" i="0" sz="2200" u="none" cap="none" strike="noStrike">
+              <a:defRPr b="0" cap="none" i="0" strike="noStrike" sz="2200" u="none">
                 <a:latin typeface="Helvetica Neue"/>
                 <a:ea typeface="Helvetica Neue"/>
                 <a:cs typeface="Helvetica Neue"/>
                 <a:sym typeface="Helvetica Neue"/>
               </a:defRPr>
             </a:lvl8pPr>
-            <a:lvl9pPr indent="-228600" lvl="8" marL="4114800" marR="0" rtl="0" algn="l">
+            <a:lvl9pPr algn="l" indent="-228600" lvl="8" marL="4114800" marR="0" rtl="0">
               <a:lnSpc>
                 <a:spcPct val="117999"/>
               </a:lnSpc>
@@ -519,7 +519,7 @@
               </a:spcAft>
               <a:buSzPts val="1400"/>
               <a:buNone/>
-              <a:defRPr b="0" i="0" sz="2200" u="none" cap="none" strike="noStrike">
+              <a:defRPr b="0" cap="none" i="0" strike="noStrike" sz="2200" u="none">
                 <a:latin typeface="Helvetica Neue"/>
                 <a:ea typeface="Helvetica Neue"/>
                 <a:cs typeface="Helvetica Neue"/>
@@ -532,9 +532,9 @@
       </p:sp>
     </p:spTree>
   </p:cSld>
-  <p:clrMap accent1="accent1" accent2="accent2" accent3="accent3" accent4="accent4" accent5="accent5" accent6="accent6" bg1="lt1" bg2="dk2" tx1="dk1" tx2="lt2" folHlink="folHlink" hlink="hlink"/>
+  <p:clrMap accent1="accent1" accent2="accent2" accent3="accent3" accent4="accent4" accent5="accent5" accent6="accent6" bg1="lt1" bg2="dk2" folHlink="folHlink" hlink="hlink" tx1="dk1" tx2="lt2"/>
   <p:notesStyle>
-    <a:defPPr lvl="0" marR="0" rtl="0" algn="l">
+    <a:defPPr algn="l" lvl="0" marR="0" rtl="0">
       <a:lnSpc>
         <a:spcPct val="100000"/>
       </a:lnSpc>
@@ -545,7 +545,7 @@
         <a:spcPts val="0"/>
       </a:spcAft>
     </a:defPPr>
-    <a:lvl1pPr lvl="0" marR="0" rtl="0" algn="l">
+    <a:lvl1pPr algn="l" lvl="0" marR="0" rtl="0">
       <a:lnSpc>
         <a:spcPct val="100000"/>
       </a:lnSpc>
@@ -559,7 +559,7 @@
         <a:srgbClr val="000000"/>
       </a:buClr>
       <a:buFont typeface="Arial"/>
-      <a:defRPr b="0" i="0" sz="1400" u="none" cap="none" strike="noStrike">
+      <a:defRPr b="0" cap="none" i="0" strike="noStrike" sz="1400" u="none">
         <a:solidFill>
           <a:srgbClr val="000000"/>
         </a:solidFill>
@@ -569,7 +569,7 @@
         <a:sym typeface="Arial"/>
       </a:defRPr>
     </a:lvl1pPr>
-    <a:lvl2pPr lvl="1" marR="0" rtl="0" algn="l">
+    <a:lvl2pPr algn="l" lvl="1" marR="0" rtl="0">
       <a:lnSpc>
         <a:spcPct val="100000"/>
       </a:lnSpc>
@@ -583,7 +583,7 @@
         <a:srgbClr val="000000"/>
       </a:buClr>
       <a:buFont typeface="Arial"/>
-      <a:defRPr b="0" i="0" sz="1400" u="none" cap="none" strike="noStrike">
+      <a:defRPr b="0" cap="none" i="0" strike="noStrike" sz="1400" u="none">
         <a:solidFill>
           <a:srgbClr val="000000"/>
         </a:solidFill>
@@ -593,7 +593,7 @@
         <a:sym typeface="Arial"/>
       </a:defRPr>
     </a:lvl2pPr>
-    <a:lvl3pPr lvl="2" marR="0" rtl="0" algn="l">
+    <a:lvl3pPr algn="l" lvl="2" marR="0" rtl="0">
       <a:lnSpc>
         <a:spcPct val="100000"/>
       </a:lnSpc>
@@ -607,7 +607,7 @@
         <a:srgbClr val="000000"/>
       </a:buClr>
       <a:buFont typeface="Arial"/>
-      <a:defRPr b="0" i="0" sz="1400" u="none" cap="none" strike="noStrike">
+      <a:defRPr b="0" cap="none" i="0" strike="noStrike" sz="1400" u="none">
         <a:solidFill>
           <a:srgbClr val="000000"/>
         </a:solidFill>
@@ -617,7 +617,7 @@
         <a:sym typeface="Arial"/>
       </a:defRPr>
     </a:lvl3pPr>
-    <a:lvl4pPr lvl="3" marR="0" rtl="0" algn="l">
+    <a:lvl4pPr algn="l" lvl="3" marR="0" rtl="0">
       <a:lnSpc>
         <a:spcPct val="100000"/>
       </a:lnSpc>
@@ -631,7 +631,7 @@
         <a:srgbClr val="000000"/>
       </a:buClr>
       <a:buFont typeface="Arial"/>
-      <a:defRPr b="0" i="0" sz="1400" u="none" cap="none" strike="noStrike">
+      <a:defRPr b="0" cap="none" i="0" strike="noStrike" sz="1400" u="none">
         <a:solidFill>
           <a:srgbClr val="000000"/>
         </a:solidFill>
@@ -641,7 +641,7 @@
         <a:sym typeface="Arial"/>
       </a:defRPr>
     </a:lvl4pPr>
-    <a:lvl5pPr lvl="4" marR="0" rtl="0" algn="l">
+    <a:lvl5pPr algn="l" lvl="4" marR="0" rtl="0">
       <a:lnSpc>
         <a:spcPct val="100000"/>
       </a:lnSpc>
@@ -655,7 +655,7 @@
         <a:srgbClr val="000000"/>
       </a:buClr>
       <a:buFont typeface="Arial"/>
-      <a:defRPr b="0" i="0" sz="1400" u="none" cap="none" strike="noStrike">
+      <a:defRPr b="0" cap="none" i="0" strike="noStrike" sz="1400" u="none">
         <a:solidFill>
           <a:srgbClr val="000000"/>
         </a:solidFill>
@@ -665,7 +665,7 @@
         <a:sym typeface="Arial"/>
       </a:defRPr>
     </a:lvl5pPr>
-    <a:lvl6pPr lvl="5" marR="0" rtl="0" algn="l">
+    <a:lvl6pPr algn="l" lvl="5" marR="0" rtl="0">
       <a:lnSpc>
         <a:spcPct val="100000"/>
       </a:lnSpc>
@@ -679,7 +679,7 @@
         <a:srgbClr val="000000"/>
       </a:buClr>
       <a:buFont typeface="Arial"/>
-      <a:defRPr b="0" i="0" sz="1400" u="none" cap="none" strike="noStrike">
+      <a:defRPr b="0" cap="none" i="0" strike="noStrike" sz="1400" u="none">
         <a:solidFill>
           <a:srgbClr val="000000"/>
         </a:solidFill>
@@ -689,7 +689,7 @@
         <a:sym typeface="Arial"/>
       </a:defRPr>
     </a:lvl6pPr>
-    <a:lvl7pPr lvl="6" marR="0" rtl="0" algn="l">
+    <a:lvl7pPr algn="l" lvl="6" marR="0" rtl="0">
       <a:lnSpc>
         <a:spcPct val="100000"/>
       </a:lnSpc>
@@ -703,7 +703,7 @@
         <a:srgbClr val="000000"/>
       </a:buClr>
       <a:buFont typeface="Arial"/>
-      <a:defRPr b="0" i="0" sz="1400" u="none" cap="none" strike="noStrike">
+      <a:defRPr b="0" cap="none" i="0" strike="noStrike" sz="1400" u="none">
         <a:solidFill>
           <a:srgbClr val="000000"/>
         </a:solidFill>
@@ -713,7 +713,7 @@
         <a:sym typeface="Arial"/>
       </a:defRPr>
     </a:lvl7pPr>
-    <a:lvl8pPr lvl="7" marR="0" rtl="0" algn="l">
+    <a:lvl8pPr algn="l" lvl="7" marR="0" rtl="0">
       <a:lnSpc>
         <a:spcPct val="100000"/>
       </a:lnSpc>
@@ -727,7 +727,7 @@
         <a:srgbClr val="000000"/>
       </a:buClr>
       <a:buFont typeface="Arial"/>
-      <a:defRPr b="0" i="0" sz="1400" u="none" cap="none" strike="noStrike">
+      <a:defRPr b="0" cap="none" i="0" strike="noStrike" sz="1400" u="none">
         <a:solidFill>
           <a:srgbClr val="000000"/>
         </a:solidFill>
@@ -737,7 +737,7 @@
         <a:sym typeface="Arial"/>
       </a:defRPr>
     </a:lvl8pPr>
-    <a:lvl9pPr lvl="8" marR="0" rtl="0" algn="l">
+    <a:lvl9pPr algn="l" lvl="8" marR="0" rtl="0">
       <a:lnSpc>
         <a:spcPct val="100000"/>
       </a:lnSpc>
@@ -751,7 +751,7 @@
         <a:srgbClr val="000000"/>
       </a:buClr>
       <a:buFont typeface="Arial"/>
-      <a:defRPr b="0" i="0" sz="1400" u="none" cap="none" strike="noStrike">
+      <a:defRPr b="0" cap="none" i="0" strike="noStrike" sz="1400" u="none">
         <a:solidFill>
           <a:srgbClr val="000000"/>
         </a:solidFill>
@@ -800,7 +800,7 @@
           </a:prstGeom>
         </p:spPr>
         <p:txBody>
-          <a:bodyPr anchorCtr="0" anchor="t" bIns="45700" lIns="91425" spcFirstLastPara="1" rIns="91425" wrap="square" tIns="45700">
+          <a:bodyPr anchor="t" anchorCtr="0" bIns="45700" lIns="91425" numCol="1" rIns="91425" spcFirstLastPara="1" tIns="45700" wrap="square">
             <a:noAutofit/>
           </a:bodyPr>
           <a:lstStyle/>
@@ -898,7 +898,7 @@
           </a:prstGeom>
         </p:spPr>
         <p:txBody>
-          <a:bodyPr anchorCtr="0" anchor="t" bIns="45700" lIns="91425" spcFirstLastPara="1" rIns="91425" wrap="square" tIns="45700">
+          <a:bodyPr anchor="t" anchorCtr="0" bIns="45700" lIns="91425" numCol="1" rIns="91425" spcFirstLastPara="1" tIns="45700" wrap="square">
             <a:noAutofit/>
           </a:bodyPr>
           <a:lstStyle/>
@@ -996,7 +996,7 @@
           </a:prstGeom>
         </p:spPr>
         <p:txBody>
-          <a:bodyPr anchorCtr="0" anchor="t" bIns="45700" lIns="91425" spcFirstLastPara="1" rIns="91425" wrap="square" tIns="45700">
+          <a:bodyPr anchor="t" anchorCtr="0" bIns="45700" lIns="91425" numCol="1" rIns="91425" spcFirstLastPara="1" tIns="45700" wrap="square">
             <a:noAutofit/>
           </a:bodyPr>
           <a:lstStyle/>
@@ -1094,7 +1094,7 @@
           </a:prstGeom>
         </p:spPr>
         <p:txBody>
-          <a:bodyPr anchorCtr="0" anchor="t" bIns="45700" lIns="91425" spcFirstLastPara="1" rIns="91425" wrap="square" tIns="45700">
+          <a:bodyPr anchor="t" anchorCtr="0" bIns="45700" lIns="91425" numCol="1" rIns="91425" spcFirstLastPara="1" tIns="45700" wrap="square">
             <a:noAutofit/>
           </a:bodyPr>
           <a:lstStyle/>
@@ -1192,7 +1192,7 @@
           </a:prstGeom>
         </p:spPr>
         <p:txBody>
-          <a:bodyPr anchorCtr="0" anchor="t" bIns="45700" lIns="91425" spcFirstLastPara="1" rIns="91425" wrap="square" tIns="45700">
+          <a:bodyPr anchor="t" anchorCtr="0" bIns="45700" lIns="91425" numCol="1" rIns="91425" spcFirstLastPara="1" tIns="45700" wrap="square">
             <a:noAutofit/>
           </a:bodyPr>
           <a:lstStyle/>
@@ -1290,7 +1290,7 @@
           </a:prstGeom>
         </p:spPr>
         <p:txBody>
-          <a:bodyPr anchorCtr="0" anchor="t" bIns="45700" lIns="91425" spcFirstLastPara="1" rIns="91425" wrap="square" tIns="45700">
+          <a:bodyPr anchor="t" anchorCtr="0" bIns="45700" lIns="91425" numCol="1" rIns="91425" spcFirstLastPara="1" tIns="45700" wrap="square">
             <a:noAutofit/>
           </a:bodyPr>
           <a:lstStyle/>
@@ -1388,7 +1388,7 @@
           </a:prstGeom>
         </p:spPr>
         <p:txBody>
-          <a:bodyPr anchorCtr="0" anchor="t" bIns="45700" lIns="91425" spcFirstLastPara="1" rIns="91425" wrap="square" tIns="45700">
+          <a:bodyPr anchor="t" anchorCtr="0" bIns="45700" lIns="91425" numCol="1" rIns="91425" spcFirstLastPara="1" tIns="45700" wrap="square">
             <a:noAutofit/>
           </a:bodyPr>
           <a:lstStyle/>
@@ -1486,7 +1486,7 @@
           </a:prstGeom>
         </p:spPr>
         <p:txBody>
-          <a:bodyPr anchorCtr="0" anchor="t" bIns="45700" lIns="91425" spcFirstLastPara="1" rIns="91425" wrap="square" tIns="45700">
+          <a:bodyPr anchor="t" anchorCtr="0" bIns="45700" lIns="91425" numCol="1" rIns="91425" spcFirstLastPara="1" tIns="45700" wrap="square">
             <a:noAutofit/>
           </a:bodyPr>
           <a:lstStyle/>
@@ -1584,7 +1584,7 @@
           </a:prstGeom>
         </p:spPr>
         <p:txBody>
-          <a:bodyPr anchorCtr="0" anchor="t" bIns="45700" lIns="91425" spcFirstLastPara="1" rIns="91425" wrap="square" tIns="45700">
+          <a:bodyPr anchor="t" anchorCtr="0" bIns="45700" lIns="91425" numCol="1" rIns="91425" spcFirstLastPara="1" tIns="45700" wrap="square">
             <a:noAutofit/>
           </a:bodyPr>
           <a:lstStyle/>
@@ -1682,7 +1682,7 @@
           </a:prstGeom>
         </p:spPr>
         <p:txBody>
-          <a:bodyPr anchorCtr="0" anchor="t" bIns="45700" lIns="91425" spcFirstLastPara="1" rIns="91425" wrap="square" tIns="45700">
+          <a:bodyPr anchor="t" anchorCtr="0" bIns="45700" lIns="91425" numCol="1" rIns="91425" spcFirstLastPara="1" tIns="45700" wrap="square">
             <a:noAutofit/>
           </a:bodyPr>
           <a:lstStyle/>
@@ -1780,7 +1780,7 @@
           </a:prstGeom>
         </p:spPr>
         <p:txBody>
-          <a:bodyPr anchorCtr="0" anchor="t" bIns="45700" lIns="91425" spcFirstLastPara="1" rIns="91425" wrap="square" tIns="45700">
+          <a:bodyPr anchor="t" anchorCtr="0" bIns="45700" lIns="91425" numCol="1" rIns="91425" spcFirstLastPara="1" tIns="45700" wrap="square">
             <a:noAutofit/>
           </a:bodyPr>
           <a:lstStyle/>
@@ -1878,7 +1878,7 @@
           </a:prstGeom>
         </p:spPr>
         <p:txBody>
-          <a:bodyPr anchorCtr="0" anchor="t" bIns="45700" lIns="91425" spcFirstLastPara="1" rIns="91425" wrap="square" tIns="45700">
+          <a:bodyPr anchor="t" anchorCtr="0" bIns="45700" lIns="91425" numCol="1" rIns="91425" spcFirstLastPara="1" tIns="45700" wrap="square">
             <a:noAutofit/>
           </a:bodyPr>
           <a:lstStyle/>
@@ -1976,7 +1976,7 @@
           </a:prstGeom>
         </p:spPr>
         <p:txBody>
-          <a:bodyPr anchorCtr="0" anchor="t" bIns="45700" lIns="91425" spcFirstLastPara="1" rIns="91425" wrap="square" tIns="45700">
+          <a:bodyPr anchor="t" anchorCtr="0" bIns="45700" lIns="91425" numCol="1" rIns="91425" spcFirstLastPara="1" tIns="45700" wrap="square">
             <a:noAutofit/>
           </a:bodyPr>
           <a:lstStyle/>
@@ -2074,7 +2074,7 @@
           </a:prstGeom>
         </p:spPr>
         <p:txBody>
-          <a:bodyPr anchorCtr="0" anchor="t" bIns="45700" lIns="91425" spcFirstLastPara="1" rIns="91425" wrap="square" tIns="45700">
+          <a:bodyPr anchor="t" anchorCtr="0" bIns="45700" lIns="91425" numCol="1" rIns="91425" spcFirstLastPara="1" tIns="45700" wrap="square">
             <a:noAutofit/>
           </a:bodyPr>
           <a:lstStyle/>
@@ -2172,7 +2172,7 @@
           </a:prstGeom>
         </p:spPr>
         <p:txBody>
-          <a:bodyPr anchorCtr="0" anchor="t" bIns="45700" lIns="91425" spcFirstLastPara="1" rIns="91425" wrap="square" tIns="45700">
+          <a:bodyPr anchor="t" anchorCtr="0" bIns="45700" lIns="91425" numCol="1" rIns="91425" spcFirstLastPara="1" tIns="45700" wrap="square">
             <a:noAutofit/>
           </a:bodyPr>
           <a:lstStyle/>
@@ -2270,7 +2270,7 @@
           </a:prstGeom>
         </p:spPr>
         <p:txBody>
-          <a:bodyPr anchorCtr="0" anchor="t" bIns="45700" lIns="91425" spcFirstLastPara="1" rIns="91425" wrap="square" tIns="45700">
+          <a:bodyPr anchor="t" anchorCtr="0" bIns="45700" lIns="91425" numCol="1" rIns="91425" spcFirstLastPara="1" tIns="45700" wrap="square">
             <a:noAutofit/>
           </a:bodyPr>
           <a:lstStyle/>
@@ -2368,7 +2368,7 @@
           </a:prstGeom>
         </p:spPr>
         <p:txBody>
-          <a:bodyPr anchorCtr="0" anchor="t" bIns="45700" lIns="91425" spcFirstLastPara="1" rIns="91425" wrap="square" tIns="45700">
+          <a:bodyPr anchor="t" anchorCtr="0" bIns="45700" lIns="91425" numCol="1" rIns="91425" spcFirstLastPara="1" tIns="45700" wrap="square">
             <a:noAutofit/>
           </a:bodyPr>
           <a:lstStyle/>
@@ -2470,11 +2470,11 @@
           </a:ln>
         </p:spPr>
         <p:txBody>
-          <a:bodyPr anchorCtr="0" anchor="t" bIns="50800" lIns="50800" spcFirstLastPara="1" rIns="50800" wrap="square" tIns="50800">
+          <a:bodyPr anchor="t" anchorCtr="0" bIns="50800" lIns="50800" numCol="1" rIns="50800" spcFirstLastPara="1" tIns="50800" wrap="square">
             <a:noAutofit/>
           </a:bodyPr>
           <a:lstStyle>
-            <a:lvl1pPr indent="0" lvl="0" marL="0" marR="0" rtl="0" algn="ctr">
+            <a:lvl1pPr algn="ctr" indent="0" lvl="0" marL="0" marR="0" rtl="0">
               <a:lnSpc>
                 <a:spcPct val="100000"/>
               </a:lnSpc>
@@ -2490,7 +2490,7 @@
               <a:buSzPts val="2100"/>
               <a:buFont typeface="Helvetica Neue Light"/>
               <a:buNone/>
-              <a:defRPr b="0" i="0" sz="2100" u="none" cap="none" strike="noStrike">
+              <a:defRPr b="0" cap="none" i="0" strike="noStrike" sz="2100" u="none">
                 <a:solidFill>
                   <a:srgbClr val="000000"/>
                 </a:solidFill>
@@ -2500,7 +2500,7 @@
                 <a:sym typeface="Helvetica Neue Light"/>
               </a:defRPr>
             </a:lvl1pPr>
-            <a:lvl2pPr indent="0" lvl="1" marL="0" marR="0" rtl="0" algn="ctr">
+            <a:lvl2pPr algn="ctr" indent="0" lvl="1" marL="0" marR="0" rtl="0">
               <a:lnSpc>
                 <a:spcPct val="100000"/>
               </a:lnSpc>
@@ -2516,7 +2516,7 @@
               <a:buSzPts val="2100"/>
               <a:buFont typeface="Helvetica Neue Light"/>
               <a:buNone/>
-              <a:defRPr b="0" i="0" sz="2100" u="none" cap="none" strike="noStrike">
+              <a:defRPr b="0" cap="none" i="0" strike="noStrike" sz="2100" u="none">
                 <a:solidFill>
                   <a:srgbClr val="000000"/>
                 </a:solidFill>
@@ -2526,7 +2526,7 @@
                 <a:sym typeface="Helvetica Neue Light"/>
               </a:defRPr>
             </a:lvl2pPr>
-            <a:lvl3pPr indent="0" lvl="2" marL="0" marR="0" rtl="0" algn="ctr">
+            <a:lvl3pPr algn="ctr" indent="0" lvl="2" marL="0" marR="0" rtl="0">
               <a:lnSpc>
                 <a:spcPct val="100000"/>
               </a:lnSpc>
@@ -2542,7 +2542,7 @@
               <a:buSzPts val="2100"/>
               <a:buFont typeface="Helvetica Neue Light"/>
               <a:buNone/>
-              <a:defRPr b="0" i="0" sz="2100" u="none" cap="none" strike="noStrike">
+              <a:defRPr b="0" cap="none" i="0" strike="noStrike" sz="2100" u="none">
                 <a:solidFill>
                   <a:srgbClr val="000000"/>
                 </a:solidFill>
@@ -2552,7 +2552,7 @@
                 <a:sym typeface="Helvetica Neue Light"/>
               </a:defRPr>
             </a:lvl3pPr>
-            <a:lvl4pPr indent="0" lvl="3" marL="0" marR="0" rtl="0" algn="ctr">
+            <a:lvl4pPr algn="ctr" indent="0" lvl="3" marL="0" marR="0" rtl="0">
               <a:lnSpc>
                 <a:spcPct val="100000"/>
               </a:lnSpc>
@@ -2568,7 +2568,7 @@
               <a:buSzPts val="2100"/>
               <a:buFont typeface="Helvetica Neue Light"/>
               <a:buNone/>
-              <a:defRPr b="0" i="0" sz="2100" u="none" cap="none" strike="noStrike">
+              <a:defRPr b="0" cap="none" i="0" strike="noStrike" sz="2100" u="none">
                 <a:solidFill>
                   <a:srgbClr val="000000"/>
                 </a:solidFill>
@@ -2578,7 +2578,7 @@
                 <a:sym typeface="Helvetica Neue Light"/>
               </a:defRPr>
             </a:lvl4pPr>
-            <a:lvl5pPr indent="0" lvl="4" marL="0" marR="0" rtl="0" algn="ctr">
+            <a:lvl5pPr algn="ctr" indent="0" lvl="4" marL="0" marR="0" rtl="0">
               <a:lnSpc>
                 <a:spcPct val="100000"/>
               </a:lnSpc>
@@ -2594,7 +2594,7 @@
               <a:buSzPts val="2100"/>
               <a:buFont typeface="Helvetica Neue Light"/>
               <a:buNone/>
-              <a:defRPr b="0" i="0" sz="2100" u="none" cap="none" strike="noStrike">
+              <a:defRPr b="0" cap="none" i="0" strike="noStrike" sz="2100" u="none">
                 <a:solidFill>
                   <a:srgbClr val="000000"/>
                 </a:solidFill>
@@ -2604,7 +2604,7 @@
                 <a:sym typeface="Helvetica Neue Light"/>
               </a:defRPr>
             </a:lvl5pPr>
-            <a:lvl6pPr indent="0" lvl="5" marL="0" marR="0" rtl="0" algn="ctr">
+            <a:lvl6pPr algn="ctr" indent="0" lvl="5" marL="0" marR="0" rtl="0">
               <a:lnSpc>
                 <a:spcPct val="100000"/>
               </a:lnSpc>
@@ -2620,7 +2620,7 @@
               <a:buSzPts val="2100"/>
               <a:buFont typeface="Helvetica Neue Light"/>
               <a:buNone/>
-              <a:defRPr b="0" i="0" sz="2100" u="none" cap="none" strike="noStrike">
+              <a:defRPr b="0" cap="none" i="0" strike="noStrike" sz="2100" u="none">
                 <a:solidFill>
                   <a:srgbClr val="000000"/>
                 </a:solidFill>
@@ -2630,7 +2630,7 @@
                 <a:sym typeface="Helvetica Neue Light"/>
               </a:defRPr>
             </a:lvl6pPr>
-            <a:lvl7pPr indent="0" lvl="6" marL="0" marR="0" rtl="0" algn="ctr">
+            <a:lvl7pPr algn="ctr" indent="0" lvl="6" marL="0" marR="0" rtl="0">
               <a:lnSpc>
                 <a:spcPct val="100000"/>
               </a:lnSpc>
@@ -2646,7 +2646,7 @@
               <a:buSzPts val="2100"/>
               <a:buFont typeface="Helvetica Neue Light"/>
               <a:buNone/>
-              <a:defRPr b="0" i="0" sz="2100" u="none" cap="none" strike="noStrike">
+              <a:defRPr b="0" cap="none" i="0" strike="noStrike" sz="2100" u="none">
                 <a:solidFill>
                   <a:srgbClr val="000000"/>
                 </a:solidFill>
@@ -2656,7 +2656,7 @@
                 <a:sym typeface="Helvetica Neue Light"/>
               </a:defRPr>
             </a:lvl7pPr>
-            <a:lvl8pPr indent="0" lvl="7" marL="0" marR="0" rtl="0" algn="ctr">
+            <a:lvl8pPr algn="ctr" indent="0" lvl="7" marL="0" marR="0" rtl="0">
               <a:lnSpc>
                 <a:spcPct val="100000"/>
               </a:lnSpc>
@@ -2672,7 +2672,7 @@
               <a:buSzPts val="2100"/>
               <a:buFont typeface="Helvetica Neue Light"/>
               <a:buNone/>
-              <a:defRPr b="0" i="0" sz="2100" u="none" cap="none" strike="noStrike">
+              <a:defRPr b="0" cap="none" i="0" strike="noStrike" sz="2100" u="none">
                 <a:solidFill>
                   <a:srgbClr val="000000"/>
                 </a:solidFill>
@@ -2682,7 +2682,7 @@
                 <a:sym typeface="Helvetica Neue Light"/>
               </a:defRPr>
             </a:lvl8pPr>
-            <a:lvl9pPr indent="0" lvl="8" marL="0" marR="0" rtl="0" algn="ctr">
+            <a:lvl9pPr algn="ctr" indent="0" lvl="8" marL="0" marR="0" rtl="0">
               <a:lnSpc>
                 <a:spcPct val="100000"/>
               </a:lnSpc>
@@ -2698,7 +2698,7 @@
               <a:buSzPts val="2100"/>
               <a:buFont typeface="Helvetica Neue Light"/>
               <a:buNone/>
-              <a:defRPr b="0" i="0" sz="2100" u="none" cap="none" strike="noStrike">
+              <a:defRPr b="0" cap="none" i="0" strike="noStrike" sz="2100" u="none">
                 <a:solidFill>
                   <a:srgbClr val="000000"/>
                 </a:solidFill>
@@ -2774,9 +2774,9 @@
           </a:ln>
         </p:spPr>
         <p:txBody>
-          <a:bodyPr anchorCtr="0" anchor="t" bIns="50800" lIns="50800" spcFirstLastPara="1" rIns="50800" wrap="square" tIns="50800"/>
+          <a:bodyPr anchor="t" anchorCtr="0" bIns="50800" lIns="50800" numCol="1" rIns="50800" spcFirstLastPara="1" tIns="50800" wrap="square"/>
           <a:lstStyle>
-            <a:lvl1pPr indent="-228600" lvl="0" marL="457200" marR="0" rtl="0" algn="ctr">
+            <a:lvl1pPr algn="ctr" indent="-228600" lvl="0" marL="457200" marR="0" rtl="0">
               <a:lnSpc>
                 <a:spcPct val="100000"/>
               </a:lnSpc>
@@ -2792,7 +2792,7 @@
               <a:buSzPts val="3200"/>
               <a:buFont typeface="Helvetica Neue"/>
               <a:buNone/>
-              <a:defRPr b="0" i="1" sz="3200" u="none" cap="none" strike="noStrike">
+              <a:defRPr b="0" cap="none" i="1" strike="noStrike" sz="3200" u="none">
                 <a:solidFill>
                   <a:srgbClr val="000000"/>
                 </a:solidFill>
@@ -2802,7 +2802,7 @@
                 <a:sym typeface="Helvetica Neue"/>
               </a:defRPr>
             </a:lvl1pPr>
-            <a:lvl2pPr indent="-523240" lvl="1" marL="914400" marR="0" rtl="0" algn="ctr">
+            <a:lvl2pPr algn="ctr" indent="-523240" lvl="1" marL="914400" marR="0" rtl="0">
               <a:lnSpc>
                 <a:spcPct val="100000"/>
               </a:lnSpc>
@@ -2818,7 +2818,7 @@
               <a:buSzPts val="4640"/>
               <a:buFont typeface="Helvetica Neue"/>
               <a:buChar char="•"/>
-              <a:defRPr b="0" i="1" sz="3200" u="none" cap="none" strike="noStrike">
+              <a:defRPr b="0" cap="none" i="1" strike="noStrike" sz="3200" u="none">
                 <a:solidFill>
                   <a:srgbClr val="000000"/>
                 </a:solidFill>
@@ -2828,7 +2828,7 @@
                 <a:sym typeface="Helvetica Neue"/>
               </a:defRPr>
             </a:lvl2pPr>
-            <a:lvl3pPr indent="-523239" lvl="2" marL="1371600" marR="0" rtl="0" algn="ctr">
+            <a:lvl3pPr algn="ctr" indent="-523239" lvl="2" marL="1371600" marR="0" rtl="0">
               <a:lnSpc>
                 <a:spcPct val="100000"/>
               </a:lnSpc>
@@ -2844,7 +2844,7 @@
               <a:buSzPts val="4640"/>
               <a:buFont typeface="Helvetica Neue"/>
               <a:buChar char="•"/>
-              <a:defRPr b="0" i="1" sz="3200" u="none" cap="none" strike="noStrike">
+              <a:defRPr b="0" cap="none" i="1" strike="noStrike" sz="3200" u="none">
                 <a:solidFill>
                   <a:srgbClr val="000000"/>
                 </a:solidFill>
@@ -2854,7 +2854,7 @@
                 <a:sym typeface="Helvetica Neue"/>
               </a:defRPr>
             </a:lvl3pPr>
-            <a:lvl4pPr indent="-523239" lvl="3" marL="1828800" marR="0" rtl="0" algn="ctr">
+            <a:lvl4pPr algn="ctr" indent="-523239" lvl="3" marL="1828800" marR="0" rtl="0">
               <a:lnSpc>
                 <a:spcPct val="100000"/>
               </a:lnSpc>
@@ -2870,7 +2870,7 @@
               <a:buSzPts val="4640"/>
               <a:buFont typeface="Helvetica Neue"/>
               <a:buChar char="•"/>
-              <a:defRPr b="0" i="1" sz="3200" u="none" cap="none" strike="noStrike">
+              <a:defRPr b="0" cap="none" i="1" strike="noStrike" sz="3200" u="none">
                 <a:solidFill>
                   <a:srgbClr val="000000"/>
                 </a:solidFill>
@@ -2880,7 +2880,7 @@
                 <a:sym typeface="Helvetica Neue"/>
               </a:defRPr>
             </a:lvl4pPr>
-            <a:lvl5pPr indent="-523239" lvl="4" marL="2286000" marR="0" rtl="0" algn="ctr">
+            <a:lvl5pPr algn="ctr" indent="-523239" lvl="4" marL="2286000" marR="0" rtl="0">
               <a:lnSpc>
                 <a:spcPct val="100000"/>
               </a:lnSpc>
@@ -2896,7 +2896,7 @@
               <a:buSzPts val="4640"/>
               <a:buFont typeface="Helvetica Neue"/>
               <a:buChar char="•"/>
-              <a:defRPr b="0" i="1" sz="3200" u="none" cap="none" strike="noStrike">
+              <a:defRPr b="0" cap="none" i="1" strike="noStrike" sz="3200" u="none">
                 <a:solidFill>
                   <a:srgbClr val="000000"/>
                 </a:solidFill>
@@ -2906,7 +2906,7 @@
                 <a:sym typeface="Helvetica Neue"/>
               </a:defRPr>
             </a:lvl5pPr>
-            <a:lvl6pPr indent="-615314" lvl="5" marL="2743200" marR="0" rtl="0" algn="l">
+            <a:lvl6pPr algn="l" indent="-615314" lvl="5" marL="2743200" marR="0" rtl="0">
               <a:lnSpc>
                 <a:spcPct val="100000"/>
               </a:lnSpc>
@@ -2922,7 +2922,7 @@
               <a:buSzPts val="6090"/>
               <a:buFont typeface="Helvetica Neue"/>
               <a:buChar char="•"/>
-              <a:defRPr b="0" i="0" sz="4200" u="none" cap="none" strike="noStrike">
+              <a:defRPr b="0" cap="none" i="0" strike="noStrike" sz="4200" u="none">
                 <a:solidFill>
                   <a:srgbClr val="000000"/>
                 </a:solidFill>
@@ -2932,7 +2932,7 @@
                 <a:sym typeface="Helvetica Neue"/>
               </a:defRPr>
             </a:lvl6pPr>
-            <a:lvl7pPr indent="-615314" lvl="6" marL="3200400" marR="0" rtl="0" algn="l">
+            <a:lvl7pPr algn="l" indent="-615314" lvl="6" marL="3200400" marR="0" rtl="0">
               <a:lnSpc>
                 <a:spcPct val="100000"/>
               </a:lnSpc>
@@ -2948,7 +2948,7 @@
               <a:buSzPts val="6090"/>
               <a:buFont typeface="Helvetica Neue"/>
               <a:buChar char="•"/>
-              <a:defRPr b="0" i="0" sz="4200" u="none" cap="none" strike="noStrike">
+              <a:defRPr b="0" cap="none" i="0" strike="noStrike" sz="4200" u="none">
                 <a:solidFill>
                   <a:srgbClr val="000000"/>
                 </a:solidFill>
@@ -2958,7 +2958,7 @@
                 <a:sym typeface="Helvetica Neue"/>
               </a:defRPr>
             </a:lvl7pPr>
-            <a:lvl8pPr indent="-615314" lvl="7" marL="3657600" marR="0" rtl="0" algn="l">
+            <a:lvl8pPr algn="l" indent="-615314" lvl="7" marL="3657600" marR="0" rtl="0">
               <a:lnSpc>
                 <a:spcPct val="100000"/>
               </a:lnSpc>
@@ -2974,7 +2974,7 @@
               <a:buSzPts val="6090"/>
               <a:buFont typeface="Helvetica Neue"/>
               <a:buChar char="•"/>
-              <a:defRPr b="0" i="0" sz="4200" u="none" cap="none" strike="noStrike">
+              <a:defRPr b="0" cap="none" i="0" strike="noStrike" sz="4200" u="none">
                 <a:solidFill>
                   <a:srgbClr val="000000"/>
                 </a:solidFill>
@@ -2984,7 +2984,7 @@
                 <a:sym typeface="Helvetica Neue"/>
               </a:defRPr>
             </a:lvl8pPr>
-            <a:lvl9pPr indent="-615315" lvl="8" marL="4114800" marR="0" rtl="0" algn="l">
+            <a:lvl9pPr algn="l" indent="-615315" lvl="8" marL="4114800" marR="0" rtl="0">
               <a:lnSpc>
                 <a:spcPct val="100000"/>
               </a:lnSpc>
@@ -3000,7 +3000,7 @@
               <a:buSzPts val="6090"/>
               <a:buFont typeface="Helvetica Neue"/>
               <a:buChar char="•"/>
-              <a:defRPr b="0" i="0" sz="4200" u="none" cap="none" strike="noStrike">
+              <a:defRPr b="0" cap="none" i="0" strike="noStrike" sz="4200" u="none">
                 <a:solidFill>
                   <a:srgbClr val="000000"/>
                 </a:solidFill>
@@ -3036,9 +3036,9 @@
           </a:ln>
         </p:spPr>
         <p:txBody>
-          <a:bodyPr anchorCtr="0" anchor="ctr" bIns="50800" lIns="50800" spcFirstLastPara="1" rIns="50800" wrap="square" tIns="50800"/>
+          <a:bodyPr anchor="ctr" anchorCtr="0" bIns="50800" lIns="50800" numCol="1" rIns="50800" spcFirstLastPara="1" tIns="50800" wrap="square"/>
           <a:lstStyle>
-            <a:lvl1pPr indent="-615315" lvl="0" marL="457200" marR="0" rtl="0" algn="l">
+            <a:lvl1pPr algn="l" indent="-615315" lvl="0" marL="457200" marR="0" rtl="0">
               <a:lnSpc>
                 <a:spcPct val="100000"/>
               </a:lnSpc>
@@ -3054,7 +3054,7 @@
               <a:buSzPts val="6090"/>
               <a:buFont typeface="Helvetica Neue"/>
               <a:buChar char="•"/>
-              <a:defRPr b="0" i="0" sz="4200" u="none" cap="none" strike="noStrike">
+              <a:defRPr b="0" cap="none" i="0" strike="noStrike" sz="4200" u="none">
                 <a:solidFill>
                   <a:srgbClr val="000000"/>
                 </a:solidFill>
@@ -3064,7 +3064,7 @@
                 <a:sym typeface="Helvetica Neue"/>
               </a:defRPr>
             </a:lvl1pPr>
-            <a:lvl2pPr indent="-615315" lvl="1" marL="914400" marR="0" rtl="0" algn="l">
+            <a:lvl2pPr algn="l" indent="-615315" lvl="1" marL="914400" marR="0" rtl="0">
               <a:lnSpc>
                 <a:spcPct val="100000"/>
               </a:lnSpc>
@@ -3080,7 +3080,7 @@
               <a:buSzPts val="6090"/>
               <a:buFont typeface="Helvetica Neue"/>
               <a:buChar char="•"/>
-              <a:defRPr b="0" i="0" sz="4200" u="none" cap="none" strike="noStrike">
+              <a:defRPr b="0" cap="none" i="0" strike="noStrike" sz="4200" u="none">
                 <a:solidFill>
                   <a:srgbClr val="000000"/>
                 </a:solidFill>
@@ -3090,7 +3090,7 @@
                 <a:sym typeface="Helvetica Neue"/>
               </a:defRPr>
             </a:lvl2pPr>
-            <a:lvl3pPr indent="-615315" lvl="2" marL="1371600" marR="0" rtl="0" algn="l">
+            <a:lvl3pPr algn="l" indent="-615315" lvl="2" marL="1371600" marR="0" rtl="0">
               <a:lnSpc>
                 <a:spcPct val="100000"/>
               </a:lnSpc>
@@ -3106,7 +3106,7 @@
               <a:buSzPts val="6090"/>
               <a:buFont typeface="Helvetica Neue"/>
               <a:buChar char="•"/>
-              <a:defRPr b="0" i="0" sz="4200" u="none" cap="none" strike="noStrike">
+              <a:defRPr b="0" cap="none" i="0" strike="noStrike" sz="4200" u="none">
                 <a:solidFill>
                   <a:srgbClr val="000000"/>
                 </a:solidFill>
@@ -3116,7 +3116,7 @@
                 <a:sym typeface="Helvetica Neue"/>
               </a:defRPr>
             </a:lvl3pPr>
-            <a:lvl4pPr indent="-615314" lvl="3" marL="1828800" marR="0" rtl="0" algn="l">
+            <a:lvl4pPr algn="l" indent="-615314" lvl="3" marL="1828800" marR="0" rtl="0">
               <a:lnSpc>
                 <a:spcPct val="100000"/>
               </a:lnSpc>
@@ -3132,7 +3132,7 @@
               <a:buSzPts val="6090"/>
               <a:buFont typeface="Helvetica Neue"/>
               <a:buChar char="•"/>
-              <a:defRPr b="0" i="0" sz="4200" u="none" cap="none" strike="noStrike">
+              <a:defRPr b="0" cap="none" i="0" strike="noStrike" sz="4200" u="none">
                 <a:solidFill>
                   <a:srgbClr val="000000"/>
                 </a:solidFill>
@@ -3142,7 +3142,7 @@
                 <a:sym typeface="Helvetica Neue"/>
               </a:defRPr>
             </a:lvl4pPr>
-            <a:lvl5pPr indent="-615314" lvl="4" marL="2286000" marR="0" rtl="0" algn="l">
+            <a:lvl5pPr algn="l" indent="-615314" lvl="4" marL="2286000" marR="0" rtl="0">
               <a:lnSpc>
                 <a:spcPct val="100000"/>
               </a:lnSpc>
@@ -3158,7 +3158,7 @@
               <a:buSzPts val="6090"/>
               <a:buFont typeface="Helvetica Neue"/>
               <a:buChar char="•"/>
-              <a:defRPr b="0" i="0" sz="4200" u="none" cap="none" strike="noStrike">
+              <a:defRPr b="0" cap="none" i="0" strike="noStrike" sz="4200" u="none">
                 <a:solidFill>
                   <a:srgbClr val="000000"/>
                 </a:solidFill>
@@ -3168,7 +3168,7 @@
                 <a:sym typeface="Helvetica Neue"/>
               </a:defRPr>
             </a:lvl5pPr>
-            <a:lvl6pPr indent="-615314" lvl="5" marL="2743200" marR="0" rtl="0" algn="l">
+            <a:lvl6pPr algn="l" indent="-615314" lvl="5" marL="2743200" marR="0" rtl="0">
               <a:lnSpc>
                 <a:spcPct val="100000"/>
               </a:lnSpc>
@@ -3184,7 +3184,7 @@
               <a:buSzPts val="6090"/>
               <a:buFont typeface="Helvetica Neue"/>
               <a:buChar char="•"/>
-              <a:defRPr b="0" i="0" sz="4200" u="none" cap="none" strike="noStrike">
+              <a:defRPr b="0" cap="none" i="0" strike="noStrike" sz="4200" u="none">
                 <a:solidFill>
                   <a:srgbClr val="000000"/>
                 </a:solidFill>
@@ -3194,7 +3194,7 @@
                 <a:sym typeface="Helvetica Neue"/>
               </a:defRPr>
             </a:lvl6pPr>
-            <a:lvl7pPr indent="-615314" lvl="6" marL="3200400" marR="0" rtl="0" algn="l">
+            <a:lvl7pPr algn="l" indent="-615314" lvl="6" marL="3200400" marR="0" rtl="0">
               <a:lnSpc>
                 <a:spcPct val="100000"/>
               </a:lnSpc>
@@ -3210,7 +3210,7 @@
               <a:buSzPts val="6090"/>
               <a:buFont typeface="Helvetica Neue"/>
               <a:buChar char="•"/>
-              <a:defRPr b="0" i="0" sz="4200" u="none" cap="none" strike="noStrike">
+              <a:defRPr b="0" cap="none" i="0" strike="noStrike" sz="4200" u="none">
                 <a:solidFill>
                   <a:srgbClr val="000000"/>
                 </a:solidFill>
@@ -3220,7 +3220,7 @@
                 <a:sym typeface="Helvetica Neue"/>
               </a:defRPr>
             </a:lvl7pPr>
-            <a:lvl8pPr indent="-615314" lvl="7" marL="3657600" marR="0" rtl="0" algn="l">
+            <a:lvl8pPr algn="l" indent="-615314" lvl="7" marL="3657600" marR="0" rtl="0">
               <a:lnSpc>
                 <a:spcPct val="100000"/>
               </a:lnSpc>
@@ -3236,7 +3236,7 @@
               <a:buSzPts val="6090"/>
               <a:buFont typeface="Helvetica Neue"/>
               <a:buChar char="•"/>
-              <a:defRPr b="0" i="0" sz="4200" u="none" cap="none" strike="noStrike">
+              <a:defRPr b="0" cap="none" i="0" strike="noStrike" sz="4200" u="none">
                 <a:solidFill>
                   <a:srgbClr val="000000"/>
                 </a:solidFill>
@@ -3246,7 +3246,7 @@
                 <a:sym typeface="Helvetica Neue"/>
               </a:defRPr>
             </a:lvl8pPr>
-            <a:lvl9pPr indent="-615315" lvl="8" marL="4114800" marR="0" rtl="0" algn="l">
+            <a:lvl9pPr algn="l" indent="-615315" lvl="8" marL="4114800" marR="0" rtl="0">
               <a:lnSpc>
                 <a:spcPct val="100000"/>
               </a:lnSpc>
@@ -3262,7 +3262,7 @@
               <a:buSzPts val="6090"/>
               <a:buFont typeface="Helvetica Neue"/>
               <a:buChar char="•"/>
-              <a:defRPr b="0" i="0" sz="4200" u="none" cap="none" strike="noStrike">
+              <a:defRPr b="0" cap="none" i="0" strike="noStrike" sz="4200" u="none">
                 <a:solidFill>
                   <a:srgbClr val="000000"/>
                 </a:solidFill>
@@ -3298,11 +3298,11 @@
           </a:ln>
         </p:spPr>
         <p:txBody>
-          <a:bodyPr anchorCtr="0" anchor="t" bIns="50800" lIns="50800" spcFirstLastPara="1" rIns="50800" wrap="square" tIns="50800">
+          <a:bodyPr anchor="t" anchorCtr="0" bIns="50800" lIns="50800" numCol="1" rIns="50800" spcFirstLastPara="1" tIns="50800" wrap="square">
             <a:noAutofit/>
           </a:bodyPr>
           <a:lstStyle>
-            <a:lvl1pPr indent="0" lvl="0" marL="0" marR="0" rtl="0" algn="ctr">
+            <a:lvl1pPr algn="ctr" indent="0" lvl="0" marL="0" marR="0" rtl="0">
               <a:lnSpc>
                 <a:spcPct val="100000"/>
               </a:lnSpc>
@@ -3318,7 +3318,7 @@
               <a:buSzPts val="2100"/>
               <a:buFont typeface="Helvetica Neue Light"/>
               <a:buNone/>
-              <a:defRPr b="0" i="0" sz="2100" u="none" cap="none" strike="noStrike">
+              <a:defRPr b="0" cap="none" i="0" strike="noStrike" sz="2100" u="none">
                 <a:solidFill>
                   <a:srgbClr val="000000"/>
                 </a:solidFill>
@@ -3328,7 +3328,7 @@
                 <a:sym typeface="Helvetica Neue Light"/>
               </a:defRPr>
             </a:lvl1pPr>
-            <a:lvl2pPr indent="0" lvl="1" marL="0" marR="0" rtl="0" algn="ctr">
+            <a:lvl2pPr algn="ctr" indent="0" lvl="1" marL="0" marR="0" rtl="0">
               <a:lnSpc>
                 <a:spcPct val="100000"/>
               </a:lnSpc>
@@ -3344,7 +3344,7 @@
               <a:buSzPts val="2100"/>
               <a:buFont typeface="Helvetica Neue Light"/>
               <a:buNone/>
-              <a:defRPr b="0" i="0" sz="2100" u="none" cap="none" strike="noStrike">
+              <a:defRPr b="0" cap="none" i="0" strike="noStrike" sz="2100" u="none">
                 <a:solidFill>
                   <a:srgbClr val="000000"/>
                 </a:solidFill>
@@ -3354,7 +3354,7 @@
                 <a:sym typeface="Helvetica Neue Light"/>
               </a:defRPr>
             </a:lvl2pPr>
-            <a:lvl3pPr indent="0" lvl="2" marL="0" marR="0" rtl="0" algn="ctr">
+            <a:lvl3pPr algn="ctr" indent="0" lvl="2" marL="0" marR="0" rtl="0">
               <a:lnSpc>
                 <a:spcPct val="100000"/>
               </a:lnSpc>
@@ -3370,7 +3370,7 @@
               <a:buSzPts val="2100"/>
               <a:buFont typeface="Helvetica Neue Light"/>
               <a:buNone/>
-              <a:defRPr b="0" i="0" sz="2100" u="none" cap="none" strike="noStrike">
+              <a:defRPr b="0" cap="none" i="0" strike="noStrike" sz="2100" u="none">
                 <a:solidFill>
                   <a:srgbClr val="000000"/>
                 </a:solidFill>
@@ -3380,7 +3380,7 @@
                 <a:sym typeface="Helvetica Neue Light"/>
               </a:defRPr>
             </a:lvl3pPr>
-            <a:lvl4pPr indent="0" lvl="3" marL="0" marR="0" rtl="0" algn="ctr">
+            <a:lvl4pPr algn="ctr" indent="0" lvl="3" marL="0" marR="0" rtl="0">
               <a:lnSpc>
                 <a:spcPct val="100000"/>
               </a:lnSpc>
@@ -3396,7 +3396,7 @@
               <a:buSzPts val="2100"/>
               <a:buFont typeface="Helvetica Neue Light"/>
               <a:buNone/>
-              <a:defRPr b="0" i="0" sz="2100" u="none" cap="none" strike="noStrike">
+              <a:defRPr b="0" cap="none" i="0" strike="noStrike" sz="2100" u="none">
                 <a:solidFill>
                   <a:srgbClr val="000000"/>
                 </a:solidFill>
@@ -3406,7 +3406,7 @@
                 <a:sym typeface="Helvetica Neue Light"/>
               </a:defRPr>
             </a:lvl4pPr>
-            <a:lvl5pPr indent="0" lvl="4" marL="0" marR="0" rtl="0" algn="ctr">
+            <a:lvl5pPr algn="ctr" indent="0" lvl="4" marL="0" marR="0" rtl="0">
               <a:lnSpc>
                 <a:spcPct val="100000"/>
               </a:lnSpc>
@@ -3422,7 +3422,7 @@
               <a:buSzPts val="2100"/>
               <a:buFont typeface="Helvetica Neue Light"/>
               <a:buNone/>
-              <a:defRPr b="0" i="0" sz="2100" u="none" cap="none" strike="noStrike">
+              <a:defRPr b="0" cap="none" i="0" strike="noStrike" sz="2100" u="none">
                 <a:solidFill>
                   <a:srgbClr val="000000"/>
                 </a:solidFill>
@@ -3432,7 +3432,7 @@
                 <a:sym typeface="Helvetica Neue Light"/>
               </a:defRPr>
             </a:lvl5pPr>
-            <a:lvl6pPr indent="0" lvl="5" marL="0" marR="0" rtl="0" algn="ctr">
+            <a:lvl6pPr algn="ctr" indent="0" lvl="5" marL="0" marR="0" rtl="0">
               <a:lnSpc>
                 <a:spcPct val="100000"/>
               </a:lnSpc>
@@ -3448,7 +3448,7 @@
               <a:buSzPts val="2100"/>
               <a:buFont typeface="Helvetica Neue Light"/>
               <a:buNone/>
-              <a:defRPr b="0" i="0" sz="2100" u="none" cap="none" strike="noStrike">
+              <a:defRPr b="0" cap="none" i="0" strike="noStrike" sz="2100" u="none">
                 <a:solidFill>
                   <a:srgbClr val="000000"/>
                 </a:solidFill>
@@ -3458,7 +3458,7 @@
                 <a:sym typeface="Helvetica Neue Light"/>
               </a:defRPr>
             </a:lvl6pPr>
-            <a:lvl7pPr indent="0" lvl="6" marL="0" marR="0" rtl="0" algn="ctr">
+            <a:lvl7pPr algn="ctr" indent="0" lvl="6" marL="0" marR="0" rtl="0">
               <a:lnSpc>
                 <a:spcPct val="100000"/>
               </a:lnSpc>
@@ -3474,7 +3474,7 @@
               <a:buSzPts val="2100"/>
               <a:buFont typeface="Helvetica Neue Light"/>
               <a:buNone/>
-              <a:defRPr b="0" i="0" sz="2100" u="none" cap="none" strike="noStrike">
+              <a:defRPr b="0" cap="none" i="0" strike="noStrike" sz="2100" u="none">
                 <a:solidFill>
                   <a:srgbClr val="000000"/>
                 </a:solidFill>
@@ -3484,7 +3484,7 @@
                 <a:sym typeface="Helvetica Neue Light"/>
               </a:defRPr>
             </a:lvl7pPr>
-            <a:lvl8pPr indent="0" lvl="7" marL="0" marR="0" rtl="0" algn="ctr">
+            <a:lvl8pPr algn="ctr" indent="0" lvl="7" marL="0" marR="0" rtl="0">
               <a:lnSpc>
                 <a:spcPct val="100000"/>
               </a:lnSpc>
@@ -3500,7 +3500,7 @@
               <a:buSzPts val="2100"/>
               <a:buFont typeface="Helvetica Neue Light"/>
               <a:buNone/>
-              <a:defRPr b="0" i="0" sz="2100" u="none" cap="none" strike="noStrike">
+              <a:defRPr b="0" cap="none" i="0" strike="noStrike" sz="2100" u="none">
                 <a:solidFill>
                   <a:srgbClr val="000000"/>
                 </a:solidFill>
@@ -3510,7 +3510,7 @@
                 <a:sym typeface="Helvetica Neue Light"/>
               </a:defRPr>
             </a:lvl8pPr>
-            <a:lvl9pPr indent="0" lvl="8" marL="0" marR="0" rtl="0" algn="ctr">
+            <a:lvl9pPr algn="ctr" indent="0" lvl="8" marL="0" marR="0" rtl="0">
               <a:lnSpc>
                 <a:spcPct val="100000"/>
               </a:lnSpc>
@@ -3526,7 +3526,7 @@
               <a:buSzPts val="2100"/>
               <a:buFont typeface="Helvetica Neue Light"/>
               <a:buNone/>
-              <a:defRPr b="0" i="0" sz="2100" u="none" cap="none" strike="noStrike">
+              <a:defRPr b="0" cap="none" i="0" strike="noStrike" sz="2100" u="none">
                 <a:solidFill>
                   <a:srgbClr val="000000"/>
                 </a:solidFill>
@@ -3602,9 +3602,9 @@
           </a:ln>
         </p:spPr>
         <p:txBody>
-          <a:bodyPr anchorCtr="0" anchor="t" bIns="45700" lIns="91425" spcFirstLastPara="1" rIns="91425" wrap="square" tIns="45700"/>
+          <a:bodyPr anchor="t" anchorCtr="0" bIns="45700" lIns="91425" numCol="1" rIns="91425" spcFirstLastPara="1" tIns="45700" wrap="square"/>
           <a:lstStyle>
-            <a:lvl1pPr lvl="0" marR="0" rtl="0" algn="l">
+            <a:lvl1pPr algn="l" lvl="0" marR="0" rtl="0">
               <a:lnSpc>
                 <a:spcPct val="100000"/>
               </a:lnSpc>
@@ -3620,7 +3620,7 @@
               <a:buSzPts val="6090"/>
               <a:buFont typeface="Helvetica Neue"/>
               <a:buChar char="•"/>
-              <a:defRPr b="0" i="0" sz="4200" u="none" cap="none" strike="noStrike">
+              <a:defRPr b="0" cap="none" i="0" strike="noStrike" sz="4200" u="none">
                 <a:solidFill>
                   <a:srgbClr val="000000"/>
                 </a:solidFill>
@@ -3630,7 +3630,7 @@
                 <a:sym typeface="Helvetica Neue"/>
               </a:defRPr>
             </a:lvl1pPr>
-            <a:lvl2pPr lvl="1" marR="0" rtl="0" algn="l">
+            <a:lvl2pPr algn="l" lvl="1" marR="0" rtl="0">
               <a:lnSpc>
                 <a:spcPct val="100000"/>
               </a:lnSpc>
@@ -3646,7 +3646,7 @@
               <a:buSzPts val="6090"/>
               <a:buFont typeface="Helvetica Neue"/>
               <a:buChar char="•"/>
-              <a:defRPr b="0" i="0" sz="4200" u="none" cap="none" strike="noStrike">
+              <a:defRPr b="0" cap="none" i="0" strike="noStrike" sz="4200" u="none">
                 <a:solidFill>
                   <a:srgbClr val="000000"/>
                 </a:solidFill>
@@ -3656,7 +3656,7 @@
                 <a:sym typeface="Helvetica Neue"/>
               </a:defRPr>
             </a:lvl2pPr>
-            <a:lvl3pPr lvl="2" marR="0" rtl="0" algn="l">
+            <a:lvl3pPr algn="l" lvl="2" marR="0" rtl="0">
               <a:lnSpc>
                 <a:spcPct val="100000"/>
               </a:lnSpc>
@@ -3672,7 +3672,7 @@
               <a:buSzPts val="6090"/>
               <a:buFont typeface="Helvetica Neue"/>
               <a:buChar char="•"/>
-              <a:defRPr b="0" i="0" sz="4200" u="none" cap="none" strike="noStrike">
+              <a:defRPr b="0" cap="none" i="0" strike="noStrike" sz="4200" u="none">
                 <a:solidFill>
                   <a:srgbClr val="000000"/>
                 </a:solidFill>
@@ -3682,7 +3682,7 @@
                 <a:sym typeface="Helvetica Neue"/>
               </a:defRPr>
             </a:lvl3pPr>
-            <a:lvl4pPr lvl="3" marR="0" rtl="0" algn="l">
+            <a:lvl4pPr algn="l" lvl="3" marR="0" rtl="0">
               <a:lnSpc>
                 <a:spcPct val="100000"/>
               </a:lnSpc>
@@ -3698,7 +3698,7 @@
               <a:buSzPts val="6090"/>
               <a:buFont typeface="Helvetica Neue"/>
               <a:buChar char="•"/>
-              <a:defRPr b="0" i="0" sz="4200" u="none" cap="none" strike="noStrike">
+              <a:defRPr b="0" cap="none" i="0" strike="noStrike" sz="4200" u="none">
                 <a:solidFill>
                   <a:srgbClr val="000000"/>
                 </a:solidFill>
@@ -3708,7 +3708,7 @@
                 <a:sym typeface="Helvetica Neue"/>
               </a:defRPr>
             </a:lvl4pPr>
-            <a:lvl5pPr lvl="4" marR="0" rtl="0" algn="l">
+            <a:lvl5pPr algn="l" lvl="4" marR="0" rtl="0">
               <a:lnSpc>
                 <a:spcPct val="100000"/>
               </a:lnSpc>
@@ -3724,7 +3724,7 @@
               <a:buSzPts val="6090"/>
               <a:buFont typeface="Helvetica Neue"/>
               <a:buChar char="•"/>
-              <a:defRPr b="0" i="0" sz="4200" u="none" cap="none" strike="noStrike">
+              <a:defRPr b="0" cap="none" i="0" strike="noStrike" sz="4200" u="none">
                 <a:solidFill>
                   <a:srgbClr val="000000"/>
                 </a:solidFill>
@@ -3734,7 +3734,7 @@
                 <a:sym typeface="Helvetica Neue"/>
               </a:defRPr>
             </a:lvl5pPr>
-            <a:lvl6pPr lvl="5" marR="0" rtl="0" algn="l">
+            <a:lvl6pPr algn="l" lvl="5" marR="0" rtl="0">
               <a:lnSpc>
                 <a:spcPct val="100000"/>
               </a:lnSpc>
@@ -3750,7 +3750,7 @@
               <a:buSzPts val="6090"/>
               <a:buFont typeface="Helvetica Neue"/>
               <a:buChar char="•"/>
-              <a:defRPr b="0" i="0" sz="4200" u="none" cap="none" strike="noStrike">
+              <a:defRPr b="0" cap="none" i="0" strike="noStrike" sz="4200" u="none">
                 <a:solidFill>
                   <a:srgbClr val="000000"/>
                 </a:solidFill>
@@ -3760,7 +3760,7 @@
                 <a:sym typeface="Helvetica Neue"/>
               </a:defRPr>
             </a:lvl6pPr>
-            <a:lvl7pPr lvl="6" marR="0" rtl="0" algn="l">
+            <a:lvl7pPr algn="l" lvl="6" marR="0" rtl="0">
               <a:lnSpc>
                 <a:spcPct val="100000"/>
               </a:lnSpc>
@@ -3776,7 +3776,7 @@
               <a:buSzPts val="6090"/>
               <a:buFont typeface="Helvetica Neue"/>
               <a:buChar char="•"/>
-              <a:defRPr b="0" i="0" sz="4200" u="none" cap="none" strike="noStrike">
+              <a:defRPr b="0" cap="none" i="0" strike="noStrike" sz="4200" u="none">
                 <a:solidFill>
                   <a:srgbClr val="000000"/>
                 </a:solidFill>
@@ -3786,7 +3786,7 @@
                 <a:sym typeface="Helvetica Neue"/>
               </a:defRPr>
             </a:lvl7pPr>
-            <a:lvl8pPr lvl="7" marR="0" rtl="0" algn="l">
+            <a:lvl8pPr algn="l" lvl="7" marR="0" rtl="0">
               <a:lnSpc>
                 <a:spcPct val="100000"/>
               </a:lnSpc>
@@ -3802,7 +3802,7 @@
               <a:buSzPts val="6090"/>
               <a:buFont typeface="Helvetica Neue"/>
               <a:buChar char="•"/>
-              <a:defRPr b="0" i="0" sz="4200" u="none" cap="none" strike="noStrike">
+              <a:defRPr b="0" cap="none" i="0" strike="noStrike" sz="4200" u="none">
                 <a:solidFill>
                   <a:srgbClr val="000000"/>
                 </a:solidFill>
@@ -3812,7 +3812,7 @@
                 <a:sym typeface="Helvetica Neue"/>
               </a:defRPr>
             </a:lvl8pPr>
-            <a:lvl9pPr lvl="8" marR="0" rtl="0" algn="l">
+            <a:lvl9pPr algn="l" lvl="8" marR="0" rtl="0">
               <a:lnSpc>
                 <a:spcPct val="100000"/>
               </a:lnSpc>
@@ -3828,7 +3828,7 @@
               <a:buSzPts val="6090"/>
               <a:buFont typeface="Helvetica Neue"/>
               <a:buChar char="•"/>
-              <a:defRPr b="0" i="0" sz="4200" u="none" cap="none" strike="noStrike">
+              <a:defRPr b="0" cap="none" i="0" strike="noStrike" sz="4200" u="none">
                 <a:solidFill>
                   <a:srgbClr val="000000"/>
                 </a:solidFill>
@@ -3864,11 +3864,11 @@
           </a:ln>
         </p:spPr>
         <p:txBody>
-          <a:bodyPr anchorCtr="0" anchor="t" bIns="50800" lIns="50800" spcFirstLastPara="1" rIns="50800" wrap="square" tIns="50800">
+          <a:bodyPr anchor="t" anchorCtr="0" bIns="50800" lIns="50800" numCol="1" rIns="50800" spcFirstLastPara="1" tIns="50800" wrap="square">
             <a:noAutofit/>
           </a:bodyPr>
           <a:lstStyle>
-            <a:lvl1pPr indent="0" lvl="0" marL="0" marR="0" rtl="0" algn="ctr">
+            <a:lvl1pPr algn="ctr" indent="0" lvl="0" marL="0" marR="0" rtl="0">
               <a:lnSpc>
                 <a:spcPct val="100000"/>
               </a:lnSpc>
@@ -3884,7 +3884,7 @@
               <a:buSzPts val="2100"/>
               <a:buFont typeface="Helvetica Neue Light"/>
               <a:buNone/>
-              <a:defRPr b="0" i="0" sz="2100" u="none" cap="none" strike="noStrike">
+              <a:defRPr b="0" cap="none" i="0" strike="noStrike" sz="2100" u="none">
                 <a:solidFill>
                   <a:srgbClr val="000000"/>
                 </a:solidFill>
@@ -3894,7 +3894,7 @@
                 <a:sym typeface="Helvetica Neue Light"/>
               </a:defRPr>
             </a:lvl1pPr>
-            <a:lvl2pPr indent="0" lvl="1" marL="0" marR="0" rtl="0" algn="ctr">
+            <a:lvl2pPr algn="ctr" indent="0" lvl="1" marL="0" marR="0" rtl="0">
               <a:lnSpc>
                 <a:spcPct val="100000"/>
               </a:lnSpc>
@@ -3910,7 +3910,7 @@
               <a:buSzPts val="2100"/>
               <a:buFont typeface="Helvetica Neue Light"/>
               <a:buNone/>
-              <a:defRPr b="0" i="0" sz="2100" u="none" cap="none" strike="noStrike">
+              <a:defRPr b="0" cap="none" i="0" strike="noStrike" sz="2100" u="none">
                 <a:solidFill>
                   <a:srgbClr val="000000"/>
                 </a:solidFill>
@@ -3920,7 +3920,7 @@
                 <a:sym typeface="Helvetica Neue Light"/>
               </a:defRPr>
             </a:lvl2pPr>
-            <a:lvl3pPr indent="0" lvl="2" marL="0" marR="0" rtl="0" algn="ctr">
+            <a:lvl3pPr algn="ctr" indent="0" lvl="2" marL="0" marR="0" rtl="0">
               <a:lnSpc>
                 <a:spcPct val="100000"/>
               </a:lnSpc>
@@ -3936,7 +3936,7 @@
               <a:buSzPts val="2100"/>
               <a:buFont typeface="Helvetica Neue Light"/>
               <a:buNone/>
-              <a:defRPr b="0" i="0" sz="2100" u="none" cap="none" strike="noStrike">
+              <a:defRPr b="0" cap="none" i="0" strike="noStrike" sz="2100" u="none">
                 <a:solidFill>
                   <a:srgbClr val="000000"/>
                 </a:solidFill>
@@ -3946,7 +3946,7 @@
                 <a:sym typeface="Helvetica Neue Light"/>
               </a:defRPr>
             </a:lvl3pPr>
-            <a:lvl4pPr indent="0" lvl="3" marL="0" marR="0" rtl="0" algn="ctr">
+            <a:lvl4pPr algn="ctr" indent="0" lvl="3" marL="0" marR="0" rtl="0">
               <a:lnSpc>
                 <a:spcPct val="100000"/>
               </a:lnSpc>
@@ -3962,7 +3962,7 @@
               <a:buSzPts val="2100"/>
               <a:buFont typeface="Helvetica Neue Light"/>
               <a:buNone/>
-              <a:defRPr b="0" i="0" sz="2100" u="none" cap="none" strike="noStrike">
+              <a:defRPr b="0" cap="none" i="0" strike="noStrike" sz="2100" u="none">
                 <a:solidFill>
                   <a:srgbClr val="000000"/>
                 </a:solidFill>
@@ -3972,7 +3972,7 @@
                 <a:sym typeface="Helvetica Neue Light"/>
               </a:defRPr>
             </a:lvl4pPr>
-            <a:lvl5pPr indent="0" lvl="4" marL="0" marR="0" rtl="0" algn="ctr">
+            <a:lvl5pPr algn="ctr" indent="0" lvl="4" marL="0" marR="0" rtl="0">
               <a:lnSpc>
                 <a:spcPct val="100000"/>
               </a:lnSpc>
@@ -3988,7 +3988,7 @@
               <a:buSzPts val="2100"/>
               <a:buFont typeface="Helvetica Neue Light"/>
               <a:buNone/>
-              <a:defRPr b="0" i="0" sz="2100" u="none" cap="none" strike="noStrike">
+              <a:defRPr b="0" cap="none" i="0" strike="noStrike" sz="2100" u="none">
                 <a:solidFill>
                   <a:srgbClr val="000000"/>
                 </a:solidFill>
@@ -3998,7 +3998,7 @@
                 <a:sym typeface="Helvetica Neue Light"/>
               </a:defRPr>
             </a:lvl5pPr>
-            <a:lvl6pPr indent="0" lvl="5" marL="0" marR="0" rtl="0" algn="ctr">
+            <a:lvl6pPr algn="ctr" indent="0" lvl="5" marL="0" marR="0" rtl="0">
               <a:lnSpc>
                 <a:spcPct val="100000"/>
               </a:lnSpc>
@@ -4014,7 +4014,7 @@
               <a:buSzPts val="2100"/>
               <a:buFont typeface="Helvetica Neue Light"/>
               <a:buNone/>
-              <a:defRPr b="0" i="0" sz="2100" u="none" cap="none" strike="noStrike">
+              <a:defRPr b="0" cap="none" i="0" strike="noStrike" sz="2100" u="none">
                 <a:solidFill>
                   <a:srgbClr val="000000"/>
                 </a:solidFill>
@@ -4024,7 +4024,7 @@
                 <a:sym typeface="Helvetica Neue Light"/>
               </a:defRPr>
             </a:lvl6pPr>
-            <a:lvl7pPr indent="0" lvl="6" marL="0" marR="0" rtl="0" algn="ctr">
+            <a:lvl7pPr algn="ctr" indent="0" lvl="6" marL="0" marR="0" rtl="0">
               <a:lnSpc>
                 <a:spcPct val="100000"/>
               </a:lnSpc>
@@ -4040,7 +4040,7 @@
               <a:buSzPts val="2100"/>
               <a:buFont typeface="Helvetica Neue Light"/>
               <a:buNone/>
-              <a:defRPr b="0" i="0" sz="2100" u="none" cap="none" strike="noStrike">
+              <a:defRPr b="0" cap="none" i="0" strike="noStrike" sz="2100" u="none">
                 <a:solidFill>
                   <a:srgbClr val="000000"/>
                 </a:solidFill>
@@ -4050,7 +4050,7 @@
                 <a:sym typeface="Helvetica Neue Light"/>
               </a:defRPr>
             </a:lvl7pPr>
-            <a:lvl8pPr indent="0" lvl="7" marL="0" marR="0" rtl="0" algn="ctr">
+            <a:lvl8pPr algn="ctr" indent="0" lvl="7" marL="0" marR="0" rtl="0">
               <a:lnSpc>
                 <a:spcPct val="100000"/>
               </a:lnSpc>
@@ -4066,7 +4066,7 @@
               <a:buSzPts val="2100"/>
               <a:buFont typeface="Helvetica Neue Light"/>
               <a:buNone/>
-              <a:defRPr b="0" i="0" sz="2100" u="none" cap="none" strike="noStrike">
+              <a:defRPr b="0" cap="none" i="0" strike="noStrike" sz="2100" u="none">
                 <a:solidFill>
                   <a:srgbClr val="000000"/>
                 </a:solidFill>
@@ -4076,7 +4076,7 @@
                 <a:sym typeface="Helvetica Neue Light"/>
               </a:defRPr>
             </a:lvl8pPr>
-            <a:lvl9pPr indent="0" lvl="8" marL="0" marR="0" rtl="0" algn="ctr">
+            <a:lvl9pPr algn="ctr" indent="0" lvl="8" marL="0" marR="0" rtl="0">
               <a:lnSpc>
                 <a:spcPct val="100000"/>
               </a:lnSpc>
@@ -4092,7 +4092,7 @@
               <a:buSzPts val="2100"/>
               <a:buFont typeface="Helvetica Neue Light"/>
               <a:buNone/>
-              <a:defRPr b="0" i="0" sz="2100" u="none" cap="none" strike="noStrike">
+              <a:defRPr b="0" cap="none" i="0" strike="noStrike" sz="2100" u="none">
                 <a:solidFill>
                   <a:srgbClr val="000000"/>
                 </a:solidFill>
@@ -4168,11 +4168,11 @@
           </a:ln>
         </p:spPr>
         <p:txBody>
-          <a:bodyPr anchorCtr="0" anchor="t" bIns="50800" lIns="50800" spcFirstLastPara="1" rIns="50800" wrap="square" tIns="50800">
+          <a:bodyPr anchor="t" anchorCtr="0" bIns="50800" lIns="50800" numCol="1" rIns="50800" spcFirstLastPara="1" tIns="50800" wrap="square">
             <a:noAutofit/>
           </a:bodyPr>
           <a:lstStyle>
-            <a:lvl1pPr indent="0" lvl="0" marL="0" marR="0" rtl="0" algn="ctr">
+            <a:lvl1pPr algn="ctr" indent="0" lvl="0" marL="0" marR="0" rtl="0">
               <a:lnSpc>
                 <a:spcPct val="100000"/>
               </a:lnSpc>
@@ -4188,7 +4188,7 @@
               <a:buSzPts val="2100"/>
               <a:buFont typeface="Helvetica Neue Light"/>
               <a:buNone/>
-              <a:defRPr b="0" i="0" sz="2100" u="none" cap="none" strike="noStrike">
+              <a:defRPr b="0" cap="none" i="0" strike="noStrike" sz="2100" u="none">
                 <a:solidFill>
                   <a:srgbClr val="000000"/>
                 </a:solidFill>
@@ -4198,7 +4198,7 @@
                 <a:sym typeface="Helvetica Neue Light"/>
               </a:defRPr>
             </a:lvl1pPr>
-            <a:lvl2pPr indent="0" lvl="1" marL="0" marR="0" rtl="0" algn="ctr">
+            <a:lvl2pPr algn="ctr" indent="0" lvl="1" marL="0" marR="0" rtl="0">
               <a:lnSpc>
                 <a:spcPct val="100000"/>
               </a:lnSpc>
@@ -4214,7 +4214,7 @@
               <a:buSzPts val="2100"/>
               <a:buFont typeface="Helvetica Neue Light"/>
               <a:buNone/>
-              <a:defRPr b="0" i="0" sz="2100" u="none" cap="none" strike="noStrike">
+              <a:defRPr b="0" cap="none" i="0" strike="noStrike" sz="2100" u="none">
                 <a:solidFill>
                   <a:srgbClr val="000000"/>
                 </a:solidFill>
@@ -4224,7 +4224,7 @@
                 <a:sym typeface="Helvetica Neue Light"/>
               </a:defRPr>
             </a:lvl2pPr>
-            <a:lvl3pPr indent="0" lvl="2" marL="0" marR="0" rtl="0" algn="ctr">
+            <a:lvl3pPr algn="ctr" indent="0" lvl="2" marL="0" marR="0" rtl="0">
               <a:lnSpc>
                 <a:spcPct val="100000"/>
               </a:lnSpc>
@@ -4240,7 +4240,7 @@
               <a:buSzPts val="2100"/>
               <a:buFont typeface="Helvetica Neue Light"/>
               <a:buNone/>
-              <a:defRPr b="0" i="0" sz="2100" u="none" cap="none" strike="noStrike">
+              <a:defRPr b="0" cap="none" i="0" strike="noStrike" sz="2100" u="none">
                 <a:solidFill>
                   <a:srgbClr val="000000"/>
                 </a:solidFill>
@@ -4250,7 +4250,7 @@
                 <a:sym typeface="Helvetica Neue Light"/>
               </a:defRPr>
             </a:lvl3pPr>
-            <a:lvl4pPr indent="0" lvl="3" marL="0" marR="0" rtl="0" algn="ctr">
+            <a:lvl4pPr algn="ctr" indent="0" lvl="3" marL="0" marR="0" rtl="0">
               <a:lnSpc>
                 <a:spcPct val="100000"/>
               </a:lnSpc>
@@ -4266,7 +4266,7 @@
               <a:buSzPts val="2100"/>
               <a:buFont typeface="Helvetica Neue Light"/>
               <a:buNone/>
-              <a:defRPr b="0" i="0" sz="2100" u="none" cap="none" strike="noStrike">
+              <a:defRPr b="0" cap="none" i="0" strike="noStrike" sz="2100" u="none">
                 <a:solidFill>
                   <a:srgbClr val="000000"/>
                 </a:solidFill>
@@ -4276,7 +4276,7 @@
                 <a:sym typeface="Helvetica Neue Light"/>
               </a:defRPr>
             </a:lvl4pPr>
-            <a:lvl5pPr indent="0" lvl="4" marL="0" marR="0" rtl="0" algn="ctr">
+            <a:lvl5pPr algn="ctr" indent="0" lvl="4" marL="0" marR="0" rtl="0">
               <a:lnSpc>
                 <a:spcPct val="100000"/>
               </a:lnSpc>
@@ -4292,7 +4292,7 @@
               <a:buSzPts val="2100"/>
               <a:buFont typeface="Helvetica Neue Light"/>
               <a:buNone/>
-              <a:defRPr b="0" i="0" sz="2100" u="none" cap="none" strike="noStrike">
+              <a:defRPr b="0" cap="none" i="0" strike="noStrike" sz="2100" u="none">
                 <a:solidFill>
                   <a:srgbClr val="000000"/>
                 </a:solidFill>
@@ -4302,7 +4302,7 @@
                 <a:sym typeface="Helvetica Neue Light"/>
               </a:defRPr>
             </a:lvl5pPr>
-            <a:lvl6pPr indent="0" lvl="5" marL="0" marR="0" rtl="0" algn="ctr">
+            <a:lvl6pPr algn="ctr" indent="0" lvl="5" marL="0" marR="0" rtl="0">
               <a:lnSpc>
                 <a:spcPct val="100000"/>
               </a:lnSpc>
@@ -4318,7 +4318,7 @@
               <a:buSzPts val="2100"/>
               <a:buFont typeface="Helvetica Neue Light"/>
               <a:buNone/>
-              <a:defRPr b="0" i="0" sz="2100" u="none" cap="none" strike="noStrike">
+              <a:defRPr b="0" cap="none" i="0" strike="noStrike" sz="2100" u="none">
                 <a:solidFill>
                   <a:srgbClr val="000000"/>
                 </a:solidFill>
@@ -4328,7 +4328,7 @@
                 <a:sym typeface="Helvetica Neue Light"/>
               </a:defRPr>
             </a:lvl6pPr>
-            <a:lvl7pPr indent="0" lvl="6" marL="0" marR="0" rtl="0" algn="ctr">
+            <a:lvl7pPr algn="ctr" indent="0" lvl="6" marL="0" marR="0" rtl="0">
               <a:lnSpc>
                 <a:spcPct val="100000"/>
               </a:lnSpc>
@@ -4344,7 +4344,7 @@
               <a:buSzPts val="2100"/>
               <a:buFont typeface="Helvetica Neue Light"/>
               <a:buNone/>
-              <a:defRPr b="0" i="0" sz="2100" u="none" cap="none" strike="noStrike">
+              <a:defRPr b="0" cap="none" i="0" strike="noStrike" sz="2100" u="none">
                 <a:solidFill>
                   <a:srgbClr val="000000"/>
                 </a:solidFill>
@@ -4354,7 +4354,7 @@
                 <a:sym typeface="Helvetica Neue Light"/>
               </a:defRPr>
             </a:lvl7pPr>
-            <a:lvl8pPr indent="0" lvl="7" marL="0" marR="0" rtl="0" algn="ctr">
+            <a:lvl8pPr algn="ctr" indent="0" lvl="7" marL="0" marR="0" rtl="0">
               <a:lnSpc>
                 <a:spcPct val="100000"/>
               </a:lnSpc>
@@ -4370,7 +4370,7 @@
               <a:buSzPts val="2100"/>
               <a:buFont typeface="Helvetica Neue Light"/>
               <a:buNone/>
-              <a:defRPr b="0" i="0" sz="2100" u="none" cap="none" strike="noStrike">
+              <a:defRPr b="0" cap="none" i="0" strike="noStrike" sz="2100" u="none">
                 <a:solidFill>
                   <a:srgbClr val="000000"/>
                 </a:solidFill>
@@ -4380,7 +4380,7 @@
                 <a:sym typeface="Helvetica Neue Light"/>
               </a:defRPr>
             </a:lvl8pPr>
-            <a:lvl9pPr indent="0" lvl="8" marL="0" marR="0" rtl="0" algn="ctr">
+            <a:lvl9pPr algn="ctr" indent="0" lvl="8" marL="0" marR="0" rtl="0">
               <a:lnSpc>
                 <a:spcPct val="100000"/>
               </a:lnSpc>
@@ -4396,7 +4396,7 @@
               <a:buSzPts val="2100"/>
               <a:buFont typeface="Helvetica Neue Light"/>
               <a:buNone/>
-              <a:defRPr b="0" i="0" sz="2100" u="none" cap="none" strike="noStrike">
+              <a:defRPr b="0" cap="none" i="0" strike="noStrike" sz="2100" u="none">
                 <a:solidFill>
                   <a:srgbClr val="000000"/>
                 </a:solidFill>
@@ -4472,11 +4472,11 @@
           </a:ln>
         </p:spPr>
         <p:txBody>
-          <a:bodyPr anchorCtr="0" anchor="t" bIns="50800" lIns="50800" spcFirstLastPara="1" rIns="50800" wrap="square" tIns="50800">
+          <a:bodyPr anchor="t" anchorCtr="0" bIns="50800" lIns="50800" numCol="1" rIns="50800" spcFirstLastPara="1" tIns="50800" wrap="square">
             <a:noAutofit/>
           </a:bodyPr>
           <a:lstStyle>
-            <a:lvl1pPr indent="0" lvl="0" marL="0" marR="0" rtl="0" algn="ctr">
+            <a:lvl1pPr algn="ctr" indent="0" lvl="0" marL="0" marR="0" rtl="0">
               <a:lnSpc>
                 <a:spcPct val="100000"/>
               </a:lnSpc>
@@ -4492,7 +4492,7 @@
               <a:buSzPts val="2100"/>
               <a:buFont typeface="Helvetica Neue Light"/>
               <a:buNone/>
-              <a:defRPr b="0" i="0" sz="2100" u="none" cap="none" strike="noStrike">
+              <a:defRPr b="0" cap="none" i="0" strike="noStrike" sz="2100" u="none">
                 <a:solidFill>
                   <a:srgbClr val="000000"/>
                 </a:solidFill>
@@ -4502,7 +4502,7 @@
                 <a:sym typeface="Helvetica Neue Light"/>
               </a:defRPr>
             </a:lvl1pPr>
-            <a:lvl2pPr indent="0" lvl="1" marL="0" marR="0" rtl="0" algn="ctr">
+            <a:lvl2pPr algn="ctr" indent="0" lvl="1" marL="0" marR="0" rtl="0">
               <a:lnSpc>
                 <a:spcPct val="100000"/>
               </a:lnSpc>
@@ -4518,7 +4518,7 @@
               <a:buSzPts val="2100"/>
               <a:buFont typeface="Helvetica Neue Light"/>
               <a:buNone/>
-              <a:defRPr b="0" i="0" sz="2100" u="none" cap="none" strike="noStrike">
+              <a:defRPr b="0" cap="none" i="0" strike="noStrike" sz="2100" u="none">
                 <a:solidFill>
                   <a:srgbClr val="000000"/>
                 </a:solidFill>
@@ -4528,7 +4528,7 @@
                 <a:sym typeface="Helvetica Neue Light"/>
               </a:defRPr>
             </a:lvl2pPr>
-            <a:lvl3pPr indent="0" lvl="2" marL="0" marR="0" rtl="0" algn="ctr">
+            <a:lvl3pPr algn="ctr" indent="0" lvl="2" marL="0" marR="0" rtl="0">
               <a:lnSpc>
                 <a:spcPct val="100000"/>
               </a:lnSpc>
@@ -4544,7 +4544,7 @@
               <a:buSzPts val="2100"/>
               <a:buFont typeface="Helvetica Neue Light"/>
               <a:buNone/>
-              <a:defRPr b="0" i="0" sz="2100" u="none" cap="none" strike="noStrike">
+              <a:defRPr b="0" cap="none" i="0" strike="noStrike" sz="2100" u="none">
                 <a:solidFill>
                   <a:srgbClr val="000000"/>
                 </a:solidFill>
@@ -4554,7 +4554,7 @@
                 <a:sym typeface="Helvetica Neue Light"/>
               </a:defRPr>
             </a:lvl3pPr>
-            <a:lvl4pPr indent="0" lvl="3" marL="0" marR="0" rtl="0" algn="ctr">
+            <a:lvl4pPr algn="ctr" indent="0" lvl="3" marL="0" marR="0" rtl="0">
               <a:lnSpc>
                 <a:spcPct val="100000"/>
               </a:lnSpc>
@@ -4570,7 +4570,7 @@
               <a:buSzPts val="2100"/>
               <a:buFont typeface="Helvetica Neue Light"/>
               <a:buNone/>
-              <a:defRPr b="0" i="0" sz="2100" u="none" cap="none" strike="noStrike">
+              <a:defRPr b="0" cap="none" i="0" strike="noStrike" sz="2100" u="none">
                 <a:solidFill>
                   <a:srgbClr val="000000"/>
                 </a:solidFill>
@@ -4580,7 +4580,7 @@
                 <a:sym typeface="Helvetica Neue Light"/>
               </a:defRPr>
             </a:lvl4pPr>
-            <a:lvl5pPr indent="0" lvl="4" marL="0" marR="0" rtl="0" algn="ctr">
+            <a:lvl5pPr algn="ctr" indent="0" lvl="4" marL="0" marR="0" rtl="0">
               <a:lnSpc>
                 <a:spcPct val="100000"/>
               </a:lnSpc>
@@ -4596,7 +4596,7 @@
               <a:buSzPts val="2100"/>
               <a:buFont typeface="Helvetica Neue Light"/>
               <a:buNone/>
-              <a:defRPr b="0" i="0" sz="2100" u="none" cap="none" strike="noStrike">
+              <a:defRPr b="0" cap="none" i="0" strike="noStrike" sz="2100" u="none">
                 <a:solidFill>
                   <a:srgbClr val="000000"/>
                 </a:solidFill>
@@ -4606,7 +4606,7 @@
                 <a:sym typeface="Helvetica Neue Light"/>
               </a:defRPr>
             </a:lvl5pPr>
-            <a:lvl6pPr indent="0" lvl="5" marL="0" marR="0" rtl="0" algn="ctr">
+            <a:lvl6pPr algn="ctr" indent="0" lvl="5" marL="0" marR="0" rtl="0">
               <a:lnSpc>
                 <a:spcPct val="100000"/>
               </a:lnSpc>
@@ -4622,7 +4622,7 @@
               <a:buSzPts val="2100"/>
               <a:buFont typeface="Helvetica Neue Light"/>
               <a:buNone/>
-              <a:defRPr b="0" i="0" sz="2100" u="none" cap="none" strike="noStrike">
+              <a:defRPr b="0" cap="none" i="0" strike="noStrike" sz="2100" u="none">
                 <a:solidFill>
                   <a:srgbClr val="000000"/>
                 </a:solidFill>
@@ -4632,7 +4632,7 @@
                 <a:sym typeface="Helvetica Neue Light"/>
               </a:defRPr>
             </a:lvl6pPr>
-            <a:lvl7pPr indent="0" lvl="6" marL="0" marR="0" rtl="0" algn="ctr">
+            <a:lvl7pPr algn="ctr" indent="0" lvl="6" marL="0" marR="0" rtl="0">
               <a:lnSpc>
                 <a:spcPct val="100000"/>
               </a:lnSpc>
@@ -4648,7 +4648,7 @@
               <a:buSzPts val="2100"/>
               <a:buFont typeface="Helvetica Neue Light"/>
               <a:buNone/>
-              <a:defRPr b="0" i="0" sz="2100" u="none" cap="none" strike="noStrike">
+              <a:defRPr b="0" cap="none" i="0" strike="noStrike" sz="2100" u="none">
                 <a:solidFill>
                   <a:srgbClr val="000000"/>
                 </a:solidFill>
@@ -4658,7 +4658,7 @@
                 <a:sym typeface="Helvetica Neue Light"/>
               </a:defRPr>
             </a:lvl7pPr>
-            <a:lvl8pPr indent="0" lvl="7" marL="0" marR="0" rtl="0" algn="ctr">
+            <a:lvl8pPr algn="ctr" indent="0" lvl="7" marL="0" marR="0" rtl="0">
               <a:lnSpc>
                 <a:spcPct val="100000"/>
               </a:lnSpc>
@@ -4674,7 +4674,7 @@
               <a:buSzPts val="2100"/>
               <a:buFont typeface="Helvetica Neue Light"/>
               <a:buNone/>
-              <a:defRPr b="0" i="0" sz="2100" u="none" cap="none" strike="noStrike">
+              <a:defRPr b="0" cap="none" i="0" strike="noStrike" sz="2100" u="none">
                 <a:solidFill>
                   <a:srgbClr val="000000"/>
                 </a:solidFill>
@@ -4684,7 +4684,7 @@
                 <a:sym typeface="Helvetica Neue Light"/>
               </a:defRPr>
             </a:lvl8pPr>
-            <a:lvl9pPr indent="0" lvl="8" marL="0" marR="0" rtl="0" algn="ctr">
+            <a:lvl9pPr algn="ctr" indent="0" lvl="8" marL="0" marR="0" rtl="0">
               <a:lnSpc>
                 <a:spcPct val="100000"/>
               </a:lnSpc>
@@ -4700,7 +4700,7 @@
               <a:buSzPts val="2100"/>
               <a:buFont typeface="Helvetica Neue Light"/>
               <a:buNone/>
-              <a:defRPr b="0" i="0" sz="2100" u="none" cap="none" strike="noStrike">
+              <a:defRPr b="0" cap="none" i="0" strike="noStrike" sz="2100" u="none">
                 <a:solidFill>
                   <a:srgbClr val="000000"/>
                 </a:solidFill>
@@ -4776,11 +4776,11 @@
           </a:ln>
         </p:spPr>
         <p:txBody>
-          <a:bodyPr anchorCtr="0" anchor="t" bIns="50800" lIns="50800" spcFirstLastPara="1" rIns="50800" wrap="square" tIns="50800">
+          <a:bodyPr anchor="t" anchorCtr="0" bIns="50800" lIns="50800" numCol="1" rIns="50800" spcFirstLastPara="1" tIns="50800" wrap="square">
             <a:noAutofit/>
           </a:bodyPr>
           <a:lstStyle>
-            <a:lvl1pPr indent="0" lvl="0" marL="0" marR="0" rtl="0" algn="ctr">
+            <a:lvl1pPr algn="ctr" indent="0" lvl="0" marL="0" marR="0" rtl="0">
               <a:lnSpc>
                 <a:spcPct val="100000"/>
               </a:lnSpc>
@@ -4796,7 +4796,7 @@
               <a:buSzPts val="2100"/>
               <a:buFont typeface="Helvetica Neue Light"/>
               <a:buNone/>
-              <a:defRPr b="0" i="0" sz="2100" u="none" cap="none" strike="noStrike">
+              <a:defRPr b="0" cap="none" i="0" strike="noStrike" sz="2100" u="none">
                 <a:solidFill>
                   <a:srgbClr val="000000"/>
                 </a:solidFill>
@@ -4806,7 +4806,7 @@
                 <a:sym typeface="Helvetica Neue Light"/>
               </a:defRPr>
             </a:lvl1pPr>
-            <a:lvl2pPr indent="0" lvl="1" marL="0" marR="0" rtl="0" algn="ctr">
+            <a:lvl2pPr algn="ctr" indent="0" lvl="1" marL="0" marR="0" rtl="0">
               <a:lnSpc>
                 <a:spcPct val="100000"/>
               </a:lnSpc>
@@ -4822,7 +4822,7 @@
               <a:buSzPts val="2100"/>
               <a:buFont typeface="Helvetica Neue Light"/>
               <a:buNone/>
-              <a:defRPr b="0" i="0" sz="2100" u="none" cap="none" strike="noStrike">
+              <a:defRPr b="0" cap="none" i="0" strike="noStrike" sz="2100" u="none">
                 <a:solidFill>
                   <a:srgbClr val="000000"/>
                 </a:solidFill>
@@ -4832,7 +4832,7 @@
                 <a:sym typeface="Helvetica Neue Light"/>
               </a:defRPr>
             </a:lvl2pPr>
-            <a:lvl3pPr indent="0" lvl="2" marL="0" marR="0" rtl="0" algn="ctr">
+            <a:lvl3pPr algn="ctr" indent="0" lvl="2" marL="0" marR="0" rtl="0">
               <a:lnSpc>
                 <a:spcPct val="100000"/>
               </a:lnSpc>
@@ -4848,7 +4848,7 @@
               <a:buSzPts val="2100"/>
               <a:buFont typeface="Helvetica Neue Light"/>
               <a:buNone/>
-              <a:defRPr b="0" i="0" sz="2100" u="none" cap="none" strike="noStrike">
+              <a:defRPr b="0" cap="none" i="0" strike="noStrike" sz="2100" u="none">
                 <a:solidFill>
                   <a:srgbClr val="000000"/>
                 </a:solidFill>
@@ -4858,7 +4858,7 @@
                 <a:sym typeface="Helvetica Neue Light"/>
               </a:defRPr>
             </a:lvl3pPr>
-            <a:lvl4pPr indent="0" lvl="3" marL="0" marR="0" rtl="0" algn="ctr">
+            <a:lvl4pPr algn="ctr" indent="0" lvl="3" marL="0" marR="0" rtl="0">
               <a:lnSpc>
                 <a:spcPct val="100000"/>
               </a:lnSpc>
@@ -4874,7 +4874,7 @@
               <a:buSzPts val="2100"/>
               <a:buFont typeface="Helvetica Neue Light"/>
               <a:buNone/>
-              <a:defRPr b="0" i="0" sz="2100" u="none" cap="none" strike="noStrike">
+              <a:defRPr b="0" cap="none" i="0" strike="noStrike" sz="2100" u="none">
                 <a:solidFill>
                   <a:srgbClr val="000000"/>
                 </a:solidFill>
@@ -4884,7 +4884,7 @@
                 <a:sym typeface="Helvetica Neue Light"/>
               </a:defRPr>
             </a:lvl4pPr>
-            <a:lvl5pPr indent="0" lvl="4" marL="0" marR="0" rtl="0" algn="ctr">
+            <a:lvl5pPr algn="ctr" indent="0" lvl="4" marL="0" marR="0" rtl="0">
               <a:lnSpc>
                 <a:spcPct val="100000"/>
               </a:lnSpc>
@@ -4900,7 +4900,7 @@
               <a:buSzPts val="2100"/>
               <a:buFont typeface="Helvetica Neue Light"/>
               <a:buNone/>
-              <a:defRPr b="0" i="0" sz="2100" u="none" cap="none" strike="noStrike">
+              <a:defRPr b="0" cap="none" i="0" strike="noStrike" sz="2100" u="none">
                 <a:solidFill>
                   <a:srgbClr val="000000"/>
                 </a:solidFill>
@@ -4910,7 +4910,7 @@
                 <a:sym typeface="Helvetica Neue Light"/>
               </a:defRPr>
             </a:lvl5pPr>
-            <a:lvl6pPr indent="0" lvl="5" marL="0" marR="0" rtl="0" algn="ctr">
+            <a:lvl6pPr algn="ctr" indent="0" lvl="5" marL="0" marR="0" rtl="0">
               <a:lnSpc>
                 <a:spcPct val="100000"/>
               </a:lnSpc>
@@ -4926,7 +4926,7 @@
               <a:buSzPts val="2100"/>
               <a:buFont typeface="Helvetica Neue Light"/>
               <a:buNone/>
-              <a:defRPr b="0" i="0" sz="2100" u="none" cap="none" strike="noStrike">
+              <a:defRPr b="0" cap="none" i="0" strike="noStrike" sz="2100" u="none">
                 <a:solidFill>
                   <a:srgbClr val="000000"/>
                 </a:solidFill>
@@ -4936,7 +4936,7 @@
                 <a:sym typeface="Helvetica Neue Light"/>
               </a:defRPr>
             </a:lvl6pPr>
-            <a:lvl7pPr indent="0" lvl="6" marL="0" marR="0" rtl="0" algn="ctr">
+            <a:lvl7pPr algn="ctr" indent="0" lvl="6" marL="0" marR="0" rtl="0">
               <a:lnSpc>
                 <a:spcPct val="100000"/>
               </a:lnSpc>
@@ -4952,7 +4952,7 @@
               <a:buSzPts val="2100"/>
               <a:buFont typeface="Helvetica Neue Light"/>
               <a:buNone/>
-              <a:defRPr b="0" i="0" sz="2100" u="none" cap="none" strike="noStrike">
+              <a:defRPr b="0" cap="none" i="0" strike="noStrike" sz="2100" u="none">
                 <a:solidFill>
                   <a:srgbClr val="000000"/>
                 </a:solidFill>
@@ -4962,7 +4962,7 @@
                 <a:sym typeface="Helvetica Neue Light"/>
               </a:defRPr>
             </a:lvl7pPr>
-            <a:lvl8pPr indent="0" lvl="7" marL="0" marR="0" rtl="0" algn="ctr">
+            <a:lvl8pPr algn="ctr" indent="0" lvl="7" marL="0" marR="0" rtl="0">
               <a:lnSpc>
                 <a:spcPct val="100000"/>
               </a:lnSpc>
@@ -4978,7 +4978,7 @@
               <a:buSzPts val="2100"/>
               <a:buFont typeface="Helvetica Neue Light"/>
               <a:buNone/>
-              <a:defRPr b="0" i="0" sz="2100" u="none" cap="none" strike="noStrike">
+              <a:defRPr b="0" cap="none" i="0" strike="noStrike" sz="2100" u="none">
                 <a:solidFill>
                   <a:srgbClr val="000000"/>
                 </a:solidFill>
@@ -4988,7 +4988,7 @@
                 <a:sym typeface="Helvetica Neue Light"/>
               </a:defRPr>
             </a:lvl8pPr>
-            <a:lvl9pPr indent="0" lvl="8" marL="0" marR="0" rtl="0" algn="ctr">
+            <a:lvl9pPr algn="ctr" indent="0" lvl="8" marL="0" marR="0" rtl="0">
               <a:lnSpc>
                 <a:spcPct val="100000"/>
               </a:lnSpc>
@@ -5004,7 +5004,7 @@
               <a:buSzPts val="2100"/>
               <a:buFont typeface="Helvetica Neue Light"/>
               <a:buNone/>
-              <a:defRPr b="0" i="0" sz="2100" u="none" cap="none" strike="noStrike">
+              <a:defRPr b="0" cap="none" i="0" strike="noStrike" sz="2100" u="none">
                 <a:solidFill>
                   <a:srgbClr val="000000"/>
                 </a:solidFill>
@@ -5080,9 +5080,9 @@
           </a:ln>
         </p:spPr>
         <p:txBody>
-          <a:bodyPr anchorCtr="0" anchor="t" bIns="45700" lIns="91425" spcFirstLastPara="1" rIns="91425" wrap="square" tIns="45700"/>
+          <a:bodyPr anchor="t" anchorCtr="0" bIns="45700" lIns="91425" numCol="1" rIns="91425" spcFirstLastPara="1" tIns="45700" wrap="square"/>
           <a:lstStyle>
-            <a:lvl1pPr lvl="0" marR="0" rtl="0" algn="l">
+            <a:lvl1pPr algn="l" lvl="0" marR="0" rtl="0">
               <a:lnSpc>
                 <a:spcPct val="100000"/>
               </a:lnSpc>
@@ -5098,7 +5098,7 @@
               <a:buSzPts val="6090"/>
               <a:buFont typeface="Helvetica Neue"/>
               <a:buChar char="•"/>
-              <a:defRPr b="0" i="0" sz="4200" u="none" cap="none" strike="noStrike">
+              <a:defRPr b="0" cap="none" i="0" strike="noStrike" sz="4200" u="none">
                 <a:solidFill>
                   <a:srgbClr val="000000"/>
                 </a:solidFill>
@@ -5108,7 +5108,7 @@
                 <a:sym typeface="Helvetica Neue"/>
               </a:defRPr>
             </a:lvl1pPr>
-            <a:lvl2pPr lvl="1" marR="0" rtl="0" algn="l">
+            <a:lvl2pPr algn="l" lvl="1" marR="0" rtl="0">
               <a:lnSpc>
                 <a:spcPct val="100000"/>
               </a:lnSpc>
@@ -5124,7 +5124,7 @@
               <a:buSzPts val="6090"/>
               <a:buFont typeface="Helvetica Neue"/>
               <a:buChar char="•"/>
-              <a:defRPr b="0" i="0" sz="4200" u="none" cap="none" strike="noStrike">
+              <a:defRPr b="0" cap="none" i="0" strike="noStrike" sz="4200" u="none">
                 <a:solidFill>
                   <a:srgbClr val="000000"/>
                 </a:solidFill>
@@ -5134,7 +5134,7 @@
                 <a:sym typeface="Helvetica Neue"/>
               </a:defRPr>
             </a:lvl2pPr>
-            <a:lvl3pPr lvl="2" marR="0" rtl="0" algn="l">
+            <a:lvl3pPr algn="l" lvl="2" marR="0" rtl="0">
               <a:lnSpc>
                 <a:spcPct val="100000"/>
               </a:lnSpc>
@@ -5150,7 +5150,7 @@
               <a:buSzPts val="6090"/>
               <a:buFont typeface="Helvetica Neue"/>
               <a:buChar char="•"/>
-              <a:defRPr b="0" i="0" sz="4200" u="none" cap="none" strike="noStrike">
+              <a:defRPr b="0" cap="none" i="0" strike="noStrike" sz="4200" u="none">
                 <a:solidFill>
                   <a:srgbClr val="000000"/>
                 </a:solidFill>
@@ -5160,7 +5160,7 @@
                 <a:sym typeface="Helvetica Neue"/>
               </a:defRPr>
             </a:lvl3pPr>
-            <a:lvl4pPr lvl="3" marR="0" rtl="0" algn="l">
+            <a:lvl4pPr algn="l" lvl="3" marR="0" rtl="0">
               <a:lnSpc>
                 <a:spcPct val="100000"/>
               </a:lnSpc>
@@ -5176,7 +5176,7 @@
               <a:buSzPts val="6090"/>
               <a:buFont typeface="Helvetica Neue"/>
               <a:buChar char="•"/>
-              <a:defRPr b="0" i="0" sz="4200" u="none" cap="none" strike="noStrike">
+              <a:defRPr b="0" cap="none" i="0" strike="noStrike" sz="4200" u="none">
                 <a:solidFill>
                   <a:srgbClr val="000000"/>
                 </a:solidFill>
@@ -5186,7 +5186,7 @@
                 <a:sym typeface="Helvetica Neue"/>
               </a:defRPr>
             </a:lvl4pPr>
-            <a:lvl5pPr lvl="4" marR="0" rtl="0" algn="l">
+            <a:lvl5pPr algn="l" lvl="4" marR="0" rtl="0">
               <a:lnSpc>
                 <a:spcPct val="100000"/>
               </a:lnSpc>
@@ -5202,7 +5202,7 @@
               <a:buSzPts val="6090"/>
               <a:buFont typeface="Helvetica Neue"/>
               <a:buChar char="•"/>
-              <a:defRPr b="0" i="0" sz="4200" u="none" cap="none" strike="noStrike">
+              <a:defRPr b="0" cap="none" i="0" strike="noStrike" sz="4200" u="none">
                 <a:solidFill>
                   <a:srgbClr val="000000"/>
                 </a:solidFill>
@@ -5212,7 +5212,7 @@
                 <a:sym typeface="Helvetica Neue"/>
               </a:defRPr>
             </a:lvl5pPr>
-            <a:lvl6pPr lvl="5" marR="0" rtl="0" algn="l">
+            <a:lvl6pPr algn="l" lvl="5" marR="0" rtl="0">
               <a:lnSpc>
                 <a:spcPct val="100000"/>
               </a:lnSpc>
@@ -5228,7 +5228,7 @@
               <a:buSzPts val="6090"/>
               <a:buFont typeface="Helvetica Neue"/>
               <a:buChar char="•"/>
-              <a:defRPr b="0" i="0" sz="4200" u="none" cap="none" strike="noStrike">
+              <a:defRPr b="0" cap="none" i="0" strike="noStrike" sz="4200" u="none">
                 <a:solidFill>
                   <a:srgbClr val="000000"/>
                 </a:solidFill>
@@ -5238,7 +5238,7 @@
                 <a:sym typeface="Helvetica Neue"/>
               </a:defRPr>
             </a:lvl6pPr>
-            <a:lvl7pPr lvl="6" marR="0" rtl="0" algn="l">
+            <a:lvl7pPr algn="l" lvl="6" marR="0" rtl="0">
               <a:lnSpc>
                 <a:spcPct val="100000"/>
               </a:lnSpc>
@@ -5254,7 +5254,7 @@
               <a:buSzPts val="6090"/>
               <a:buFont typeface="Helvetica Neue"/>
               <a:buChar char="•"/>
-              <a:defRPr b="0" i="0" sz="4200" u="none" cap="none" strike="noStrike">
+              <a:defRPr b="0" cap="none" i="0" strike="noStrike" sz="4200" u="none">
                 <a:solidFill>
                   <a:srgbClr val="000000"/>
                 </a:solidFill>
@@ -5264,7 +5264,7 @@
                 <a:sym typeface="Helvetica Neue"/>
               </a:defRPr>
             </a:lvl7pPr>
-            <a:lvl8pPr lvl="7" marR="0" rtl="0" algn="l">
+            <a:lvl8pPr algn="l" lvl="7" marR="0" rtl="0">
               <a:lnSpc>
                 <a:spcPct val="100000"/>
               </a:lnSpc>
@@ -5280,7 +5280,7 @@
               <a:buSzPts val="6090"/>
               <a:buFont typeface="Helvetica Neue"/>
               <a:buChar char="•"/>
-              <a:defRPr b="0" i="0" sz="4200" u="none" cap="none" strike="noStrike">
+              <a:defRPr b="0" cap="none" i="0" strike="noStrike" sz="4200" u="none">
                 <a:solidFill>
                   <a:srgbClr val="000000"/>
                 </a:solidFill>
@@ -5290,7 +5290,7 @@
                 <a:sym typeface="Helvetica Neue"/>
               </a:defRPr>
             </a:lvl8pPr>
-            <a:lvl9pPr lvl="8" marR="0" rtl="0" algn="l">
+            <a:lvl9pPr algn="l" lvl="8" marR="0" rtl="0">
               <a:lnSpc>
                 <a:spcPct val="100000"/>
               </a:lnSpc>
@@ -5306,7 +5306,7 @@
               <a:buSzPts val="6090"/>
               <a:buFont typeface="Helvetica Neue"/>
               <a:buChar char="•"/>
-              <a:defRPr b="0" i="0" sz="4200" u="none" cap="none" strike="noStrike">
+              <a:defRPr b="0" cap="none" i="0" strike="noStrike" sz="4200" u="none">
                 <a:solidFill>
                   <a:srgbClr val="000000"/>
                 </a:solidFill>
@@ -5342,9 +5342,9 @@
           </a:ln>
         </p:spPr>
         <p:txBody>
-          <a:bodyPr anchorCtr="0" anchor="b" bIns="50800" lIns="50800" spcFirstLastPara="1" rIns="50800" wrap="square" tIns="50800"/>
+          <a:bodyPr anchor="b" anchorCtr="0" bIns="50800" lIns="50800" numCol="1" rIns="50800" spcFirstLastPara="1" tIns="50800" wrap="square"/>
           <a:lstStyle>
-            <a:lvl1pPr lvl="0" marR="0" rtl="0" algn="ctr">
+            <a:lvl1pPr algn="ctr" lvl="0" marR="0" rtl="0">
               <a:lnSpc>
                 <a:spcPct val="100000"/>
               </a:lnSpc>
@@ -5360,7 +5360,7 @@
               <a:buSzPts val="8000"/>
               <a:buFont typeface="Helvetica Neue"/>
               <a:buNone/>
-              <a:defRPr b="0" i="0" sz="8000" u="none" cap="none" strike="noStrike">
+              <a:defRPr b="0" cap="none" i="0" strike="noStrike" sz="8000" u="none">
                 <a:solidFill>
                   <a:srgbClr val="000000"/>
                 </a:solidFill>
@@ -5370,7 +5370,7 @@
                 <a:sym typeface="Helvetica Neue"/>
               </a:defRPr>
             </a:lvl1pPr>
-            <a:lvl2pPr lvl="1" marR="0" rtl="0" algn="ctr">
+            <a:lvl2pPr algn="ctr" lvl="1" marR="0" rtl="0">
               <a:lnSpc>
                 <a:spcPct val="100000"/>
               </a:lnSpc>
@@ -5386,7 +5386,7 @@
               <a:buSzPts val="10600"/>
               <a:buFont typeface="Helvetica Neue"/>
               <a:buNone/>
-              <a:defRPr b="0" i="0" sz="10600" u="none" cap="none" strike="noStrike">
+              <a:defRPr b="0" cap="none" i="0" strike="noStrike" sz="10600" u="none">
                 <a:solidFill>
                   <a:srgbClr val="000000"/>
                 </a:solidFill>
@@ -5396,7 +5396,7 @@
                 <a:sym typeface="Helvetica Neue"/>
               </a:defRPr>
             </a:lvl2pPr>
-            <a:lvl3pPr lvl="2" marR="0" rtl="0" algn="ctr">
+            <a:lvl3pPr algn="ctr" lvl="2" marR="0" rtl="0">
               <a:lnSpc>
                 <a:spcPct val="100000"/>
               </a:lnSpc>
@@ -5412,7 +5412,7 @@
               <a:buSzPts val="10600"/>
               <a:buFont typeface="Helvetica Neue"/>
               <a:buNone/>
-              <a:defRPr b="0" i="0" sz="10600" u="none" cap="none" strike="noStrike">
+              <a:defRPr b="0" cap="none" i="0" strike="noStrike" sz="10600" u="none">
                 <a:solidFill>
                   <a:srgbClr val="000000"/>
                 </a:solidFill>
@@ -5422,7 +5422,7 @@
                 <a:sym typeface="Helvetica Neue"/>
               </a:defRPr>
             </a:lvl3pPr>
-            <a:lvl4pPr lvl="3" marR="0" rtl="0" algn="ctr">
+            <a:lvl4pPr algn="ctr" lvl="3" marR="0" rtl="0">
               <a:lnSpc>
                 <a:spcPct val="100000"/>
               </a:lnSpc>
@@ -5438,7 +5438,7 @@
               <a:buSzPts val="10600"/>
               <a:buFont typeface="Helvetica Neue"/>
               <a:buNone/>
-              <a:defRPr b="0" i="0" sz="10600" u="none" cap="none" strike="noStrike">
+              <a:defRPr b="0" cap="none" i="0" strike="noStrike" sz="10600" u="none">
                 <a:solidFill>
                   <a:srgbClr val="000000"/>
                 </a:solidFill>
@@ -5448,7 +5448,7 @@
                 <a:sym typeface="Helvetica Neue"/>
               </a:defRPr>
             </a:lvl4pPr>
-            <a:lvl5pPr lvl="4" marR="0" rtl="0" algn="ctr">
+            <a:lvl5pPr algn="ctr" lvl="4" marR="0" rtl="0">
               <a:lnSpc>
                 <a:spcPct val="100000"/>
               </a:lnSpc>
@@ -5464,7 +5464,7 @@
               <a:buSzPts val="10600"/>
               <a:buFont typeface="Helvetica Neue"/>
               <a:buNone/>
-              <a:defRPr b="0" i="0" sz="10600" u="none" cap="none" strike="noStrike">
+              <a:defRPr b="0" cap="none" i="0" strike="noStrike" sz="10600" u="none">
                 <a:solidFill>
                   <a:srgbClr val="000000"/>
                 </a:solidFill>
@@ -5474,7 +5474,7 @@
                 <a:sym typeface="Helvetica Neue"/>
               </a:defRPr>
             </a:lvl5pPr>
-            <a:lvl6pPr lvl="5" marR="0" rtl="0" algn="ctr">
+            <a:lvl6pPr algn="ctr" lvl="5" marR="0" rtl="0">
               <a:lnSpc>
                 <a:spcPct val="100000"/>
               </a:lnSpc>
@@ -5490,7 +5490,7 @@
               <a:buSzPts val="10600"/>
               <a:buFont typeface="Helvetica Neue"/>
               <a:buNone/>
-              <a:defRPr b="0" i="0" sz="10600" u="none" cap="none" strike="noStrike">
+              <a:defRPr b="0" cap="none" i="0" strike="noStrike" sz="10600" u="none">
                 <a:solidFill>
                   <a:srgbClr val="000000"/>
                 </a:solidFill>
@@ -5500,7 +5500,7 @@
                 <a:sym typeface="Helvetica Neue"/>
               </a:defRPr>
             </a:lvl6pPr>
-            <a:lvl7pPr lvl="6" marR="0" rtl="0" algn="ctr">
+            <a:lvl7pPr algn="ctr" lvl="6" marR="0" rtl="0">
               <a:lnSpc>
                 <a:spcPct val="100000"/>
               </a:lnSpc>
@@ -5516,7 +5516,7 @@
               <a:buSzPts val="10600"/>
               <a:buFont typeface="Helvetica Neue"/>
               <a:buNone/>
-              <a:defRPr b="0" i="0" sz="10600" u="none" cap="none" strike="noStrike">
+              <a:defRPr b="0" cap="none" i="0" strike="noStrike" sz="10600" u="none">
                 <a:solidFill>
                   <a:srgbClr val="000000"/>
                 </a:solidFill>
@@ -5526,7 +5526,7 @@
                 <a:sym typeface="Helvetica Neue"/>
               </a:defRPr>
             </a:lvl7pPr>
-            <a:lvl8pPr lvl="7" marR="0" rtl="0" algn="ctr">
+            <a:lvl8pPr algn="ctr" lvl="7" marR="0" rtl="0">
               <a:lnSpc>
                 <a:spcPct val="100000"/>
               </a:lnSpc>
@@ -5542,7 +5542,7 @@
               <a:buSzPts val="10600"/>
               <a:buFont typeface="Helvetica Neue"/>
               <a:buNone/>
-              <a:defRPr b="0" i="0" sz="10600" u="none" cap="none" strike="noStrike">
+              <a:defRPr b="0" cap="none" i="0" strike="noStrike" sz="10600" u="none">
                 <a:solidFill>
                   <a:srgbClr val="000000"/>
                 </a:solidFill>
@@ -5552,7 +5552,7 @@
                 <a:sym typeface="Helvetica Neue"/>
               </a:defRPr>
             </a:lvl8pPr>
-            <a:lvl9pPr lvl="8" marR="0" rtl="0" algn="ctr">
+            <a:lvl9pPr algn="ctr" lvl="8" marR="0" rtl="0">
               <a:lnSpc>
                 <a:spcPct val="100000"/>
               </a:lnSpc>
@@ -5568,7 +5568,7 @@
               <a:buSzPts val="10600"/>
               <a:buFont typeface="Helvetica Neue"/>
               <a:buNone/>
-              <a:defRPr b="0" i="0" sz="10600" u="none" cap="none" strike="noStrike">
+              <a:defRPr b="0" cap="none" i="0" strike="noStrike" sz="10600" u="none">
                 <a:solidFill>
                   <a:srgbClr val="000000"/>
                 </a:solidFill>
@@ -5604,9 +5604,9 @@
           </a:ln>
         </p:spPr>
         <p:txBody>
-          <a:bodyPr anchorCtr="0" anchor="t" bIns="50800" lIns="50800" spcFirstLastPara="1" rIns="50800" wrap="square" tIns="50800"/>
+          <a:bodyPr anchor="t" anchorCtr="0" bIns="50800" lIns="50800" numCol="1" rIns="50800" spcFirstLastPara="1" tIns="50800" wrap="square"/>
           <a:lstStyle>
-            <a:lvl1pPr indent="-228600" lvl="0" marL="457200" marR="0" rtl="0" algn="ctr">
+            <a:lvl1pPr algn="ctr" indent="-228600" lvl="0" marL="457200" marR="0" rtl="0">
               <a:lnSpc>
                 <a:spcPct val="100000"/>
               </a:lnSpc>
@@ -5622,7 +5622,7 @@
               <a:buSzPts val="4900"/>
               <a:buFont typeface="Helvetica Neue"/>
               <a:buNone/>
-              <a:defRPr b="0" i="0" sz="4900" u="none" cap="none" strike="noStrike">
+              <a:defRPr b="0" cap="none" i="0" strike="noStrike" sz="4900" u="none">
                 <a:solidFill>
                   <a:srgbClr val="000000"/>
                 </a:solidFill>
@@ -5632,7 +5632,7 @@
                 <a:sym typeface="Helvetica Neue"/>
               </a:defRPr>
             </a:lvl1pPr>
-            <a:lvl2pPr indent="-228600" lvl="1" marL="914400" marR="0" rtl="0" algn="ctr">
+            <a:lvl2pPr algn="ctr" indent="-228600" lvl="1" marL="914400" marR="0" rtl="0">
               <a:lnSpc>
                 <a:spcPct val="100000"/>
               </a:lnSpc>
@@ -5648,7 +5648,7 @@
               <a:buSzPts val="4900"/>
               <a:buFont typeface="Helvetica Neue"/>
               <a:buNone/>
-              <a:defRPr b="0" i="0" sz="4900" u="none" cap="none" strike="noStrike">
+              <a:defRPr b="0" cap="none" i="0" strike="noStrike" sz="4900" u="none">
                 <a:solidFill>
                   <a:srgbClr val="000000"/>
                 </a:solidFill>
@@ -5658,7 +5658,7 @@
                 <a:sym typeface="Helvetica Neue"/>
               </a:defRPr>
             </a:lvl2pPr>
-            <a:lvl3pPr indent="-228600" lvl="2" marL="1371600" marR="0" rtl="0" algn="ctr">
+            <a:lvl3pPr algn="ctr" indent="-228600" lvl="2" marL="1371600" marR="0" rtl="0">
               <a:lnSpc>
                 <a:spcPct val="100000"/>
               </a:lnSpc>
@@ -5674,7 +5674,7 @@
               <a:buSzPts val="4900"/>
               <a:buFont typeface="Helvetica Neue"/>
               <a:buNone/>
-              <a:defRPr b="0" i="0" sz="4900" u="none" cap="none" strike="noStrike">
+              <a:defRPr b="0" cap="none" i="0" strike="noStrike" sz="4900" u="none">
                 <a:solidFill>
                   <a:srgbClr val="000000"/>
                 </a:solidFill>
@@ -5684,7 +5684,7 @@
                 <a:sym typeface="Helvetica Neue"/>
               </a:defRPr>
             </a:lvl3pPr>
-            <a:lvl4pPr indent="-228600" lvl="3" marL="1828800" marR="0" rtl="0" algn="ctr">
+            <a:lvl4pPr algn="ctr" indent="-228600" lvl="3" marL="1828800" marR="0" rtl="0">
               <a:lnSpc>
                 <a:spcPct val="100000"/>
               </a:lnSpc>
@@ -5700,7 +5700,7 @@
               <a:buSzPts val="4900"/>
               <a:buFont typeface="Helvetica Neue"/>
               <a:buNone/>
-              <a:defRPr b="0" i="0" sz="4900" u="none" cap="none" strike="noStrike">
+              <a:defRPr b="0" cap="none" i="0" strike="noStrike" sz="4900" u="none">
                 <a:solidFill>
                   <a:srgbClr val="000000"/>
                 </a:solidFill>
@@ -5710,7 +5710,7 @@
                 <a:sym typeface="Helvetica Neue"/>
               </a:defRPr>
             </a:lvl4pPr>
-            <a:lvl5pPr indent="-228600" lvl="4" marL="2286000" marR="0" rtl="0" algn="ctr">
+            <a:lvl5pPr algn="ctr" indent="-228600" lvl="4" marL="2286000" marR="0" rtl="0">
               <a:lnSpc>
                 <a:spcPct val="100000"/>
               </a:lnSpc>
@@ -5726,7 +5726,7 @@
               <a:buSzPts val="4900"/>
               <a:buFont typeface="Helvetica Neue"/>
               <a:buNone/>
-              <a:defRPr b="0" i="0" sz="4900" u="none" cap="none" strike="noStrike">
+              <a:defRPr b="0" cap="none" i="0" strike="noStrike" sz="4900" u="none">
                 <a:solidFill>
                   <a:srgbClr val="000000"/>
                 </a:solidFill>
@@ -5736,7 +5736,7 @@
                 <a:sym typeface="Helvetica Neue"/>
               </a:defRPr>
             </a:lvl5pPr>
-            <a:lvl6pPr indent="-615314" lvl="5" marL="2743200" marR="0" rtl="0" algn="l">
+            <a:lvl6pPr algn="l" indent="-615314" lvl="5" marL="2743200" marR="0" rtl="0">
               <a:lnSpc>
                 <a:spcPct val="100000"/>
               </a:lnSpc>
@@ -5752,7 +5752,7 @@
               <a:buSzPts val="6090"/>
               <a:buFont typeface="Helvetica Neue"/>
               <a:buChar char="•"/>
-              <a:defRPr b="0" i="0" sz="4200" u="none" cap="none" strike="noStrike">
+              <a:defRPr b="0" cap="none" i="0" strike="noStrike" sz="4200" u="none">
                 <a:solidFill>
                   <a:srgbClr val="000000"/>
                 </a:solidFill>
@@ -5762,7 +5762,7 @@
                 <a:sym typeface="Helvetica Neue"/>
               </a:defRPr>
             </a:lvl6pPr>
-            <a:lvl7pPr indent="-615314" lvl="6" marL="3200400" marR="0" rtl="0" algn="l">
+            <a:lvl7pPr algn="l" indent="-615314" lvl="6" marL="3200400" marR="0" rtl="0">
               <a:lnSpc>
                 <a:spcPct val="100000"/>
               </a:lnSpc>
@@ -5778,7 +5778,7 @@
               <a:buSzPts val="6090"/>
               <a:buFont typeface="Helvetica Neue"/>
               <a:buChar char="•"/>
-              <a:defRPr b="0" i="0" sz="4200" u="none" cap="none" strike="noStrike">
+              <a:defRPr b="0" cap="none" i="0" strike="noStrike" sz="4200" u="none">
                 <a:solidFill>
                   <a:srgbClr val="000000"/>
                 </a:solidFill>
@@ -5788,7 +5788,7 @@
                 <a:sym typeface="Helvetica Neue"/>
               </a:defRPr>
             </a:lvl7pPr>
-            <a:lvl8pPr indent="-615314" lvl="7" marL="3657600" marR="0" rtl="0" algn="l">
+            <a:lvl8pPr algn="l" indent="-615314" lvl="7" marL="3657600" marR="0" rtl="0">
               <a:lnSpc>
                 <a:spcPct val="100000"/>
               </a:lnSpc>
@@ -5804,7 +5804,7 @@
               <a:buSzPts val="6090"/>
               <a:buFont typeface="Helvetica Neue"/>
               <a:buChar char="•"/>
-              <a:defRPr b="0" i="0" sz="4200" u="none" cap="none" strike="noStrike">
+              <a:defRPr b="0" cap="none" i="0" strike="noStrike" sz="4200" u="none">
                 <a:solidFill>
                   <a:srgbClr val="000000"/>
                 </a:solidFill>
@@ -5814,7 +5814,7 @@
                 <a:sym typeface="Helvetica Neue"/>
               </a:defRPr>
             </a:lvl8pPr>
-            <a:lvl9pPr indent="-615315" lvl="8" marL="4114800" marR="0" rtl="0" algn="l">
+            <a:lvl9pPr algn="l" indent="-615315" lvl="8" marL="4114800" marR="0" rtl="0">
               <a:lnSpc>
                 <a:spcPct val="100000"/>
               </a:lnSpc>
@@ -5830,7 +5830,7 @@
               <a:buSzPts val="6090"/>
               <a:buFont typeface="Helvetica Neue"/>
               <a:buChar char="•"/>
-              <a:defRPr b="0" i="0" sz="4200" u="none" cap="none" strike="noStrike">
+              <a:defRPr b="0" cap="none" i="0" strike="noStrike" sz="4200" u="none">
                 <a:solidFill>
                   <a:srgbClr val="000000"/>
                 </a:solidFill>
@@ -5866,11 +5866,11 @@
           </a:ln>
         </p:spPr>
         <p:txBody>
-          <a:bodyPr anchorCtr="0" anchor="t" bIns="50800" lIns="50800" spcFirstLastPara="1" rIns="50800" wrap="square" tIns="50800">
+          <a:bodyPr anchor="t" anchorCtr="0" bIns="50800" lIns="50800" numCol="1" rIns="50800" spcFirstLastPara="1" tIns="50800" wrap="square">
             <a:noAutofit/>
           </a:bodyPr>
           <a:lstStyle>
-            <a:lvl1pPr indent="0" lvl="0" marL="0" marR="0" rtl="0" algn="ctr">
+            <a:lvl1pPr algn="ctr" indent="0" lvl="0" marL="0" marR="0" rtl="0">
               <a:lnSpc>
                 <a:spcPct val="100000"/>
               </a:lnSpc>
@@ -5886,7 +5886,7 @@
               <a:buSzPts val="2100"/>
               <a:buFont typeface="Helvetica Neue Light"/>
               <a:buNone/>
-              <a:defRPr b="0" i="0" sz="2100" u="none" cap="none" strike="noStrike">
+              <a:defRPr b="0" cap="none" i="0" strike="noStrike" sz="2100" u="none">
                 <a:solidFill>
                   <a:srgbClr val="000000"/>
                 </a:solidFill>
@@ -5896,7 +5896,7 @@
                 <a:sym typeface="Helvetica Neue Light"/>
               </a:defRPr>
             </a:lvl1pPr>
-            <a:lvl2pPr indent="0" lvl="1" marL="0" marR="0" rtl="0" algn="ctr">
+            <a:lvl2pPr algn="ctr" indent="0" lvl="1" marL="0" marR="0" rtl="0">
               <a:lnSpc>
                 <a:spcPct val="100000"/>
               </a:lnSpc>
@@ -5912,7 +5912,7 @@
               <a:buSzPts val="2100"/>
               <a:buFont typeface="Helvetica Neue Light"/>
               <a:buNone/>
-              <a:defRPr b="0" i="0" sz="2100" u="none" cap="none" strike="noStrike">
+              <a:defRPr b="0" cap="none" i="0" strike="noStrike" sz="2100" u="none">
                 <a:solidFill>
                   <a:srgbClr val="000000"/>
                 </a:solidFill>
@@ -5922,7 +5922,7 @@
                 <a:sym typeface="Helvetica Neue Light"/>
               </a:defRPr>
             </a:lvl2pPr>
-            <a:lvl3pPr indent="0" lvl="2" marL="0" marR="0" rtl="0" algn="ctr">
+            <a:lvl3pPr algn="ctr" indent="0" lvl="2" marL="0" marR="0" rtl="0">
               <a:lnSpc>
                 <a:spcPct val="100000"/>
               </a:lnSpc>
@@ -5938,7 +5938,7 @@
               <a:buSzPts val="2100"/>
               <a:buFont typeface="Helvetica Neue Light"/>
               <a:buNone/>
-              <a:defRPr b="0" i="0" sz="2100" u="none" cap="none" strike="noStrike">
+              <a:defRPr b="0" cap="none" i="0" strike="noStrike" sz="2100" u="none">
                 <a:solidFill>
                   <a:srgbClr val="000000"/>
                 </a:solidFill>
@@ -5948,7 +5948,7 @@
                 <a:sym typeface="Helvetica Neue Light"/>
               </a:defRPr>
             </a:lvl3pPr>
-            <a:lvl4pPr indent="0" lvl="3" marL="0" marR="0" rtl="0" algn="ctr">
+            <a:lvl4pPr algn="ctr" indent="0" lvl="3" marL="0" marR="0" rtl="0">
               <a:lnSpc>
                 <a:spcPct val="100000"/>
               </a:lnSpc>
@@ -5964,7 +5964,7 @@
               <a:buSzPts val="2100"/>
               <a:buFont typeface="Helvetica Neue Light"/>
               <a:buNone/>
-              <a:defRPr b="0" i="0" sz="2100" u="none" cap="none" strike="noStrike">
+              <a:defRPr b="0" cap="none" i="0" strike="noStrike" sz="2100" u="none">
                 <a:solidFill>
                   <a:srgbClr val="000000"/>
                 </a:solidFill>
@@ -5974,7 +5974,7 @@
                 <a:sym typeface="Helvetica Neue Light"/>
               </a:defRPr>
             </a:lvl4pPr>
-            <a:lvl5pPr indent="0" lvl="4" marL="0" marR="0" rtl="0" algn="ctr">
+            <a:lvl5pPr algn="ctr" indent="0" lvl="4" marL="0" marR="0" rtl="0">
               <a:lnSpc>
                 <a:spcPct val="100000"/>
               </a:lnSpc>
@@ -5990,7 +5990,7 @@
               <a:buSzPts val="2100"/>
               <a:buFont typeface="Helvetica Neue Light"/>
               <a:buNone/>
-              <a:defRPr b="0" i="0" sz="2100" u="none" cap="none" strike="noStrike">
+              <a:defRPr b="0" cap="none" i="0" strike="noStrike" sz="2100" u="none">
                 <a:solidFill>
                   <a:srgbClr val="000000"/>
                 </a:solidFill>
@@ -6000,7 +6000,7 @@
                 <a:sym typeface="Helvetica Neue Light"/>
               </a:defRPr>
             </a:lvl5pPr>
-            <a:lvl6pPr indent="0" lvl="5" marL="0" marR="0" rtl="0" algn="ctr">
+            <a:lvl6pPr algn="ctr" indent="0" lvl="5" marL="0" marR="0" rtl="0">
               <a:lnSpc>
                 <a:spcPct val="100000"/>
               </a:lnSpc>
@@ -6016,7 +6016,7 @@
               <a:buSzPts val="2100"/>
               <a:buFont typeface="Helvetica Neue Light"/>
               <a:buNone/>
-              <a:defRPr b="0" i="0" sz="2100" u="none" cap="none" strike="noStrike">
+              <a:defRPr b="0" cap="none" i="0" strike="noStrike" sz="2100" u="none">
                 <a:solidFill>
                   <a:srgbClr val="000000"/>
                 </a:solidFill>
@@ -6026,7 +6026,7 @@
                 <a:sym typeface="Helvetica Neue Light"/>
               </a:defRPr>
             </a:lvl6pPr>
-            <a:lvl7pPr indent="0" lvl="6" marL="0" marR="0" rtl="0" algn="ctr">
+            <a:lvl7pPr algn="ctr" indent="0" lvl="6" marL="0" marR="0" rtl="0">
               <a:lnSpc>
                 <a:spcPct val="100000"/>
               </a:lnSpc>
@@ -6042,7 +6042,7 @@
               <a:buSzPts val="2100"/>
               <a:buFont typeface="Helvetica Neue Light"/>
               <a:buNone/>
-              <a:defRPr b="0" i="0" sz="2100" u="none" cap="none" strike="noStrike">
+              <a:defRPr b="0" cap="none" i="0" strike="noStrike" sz="2100" u="none">
                 <a:solidFill>
                   <a:srgbClr val="000000"/>
                 </a:solidFill>
@@ -6052,7 +6052,7 @@
                 <a:sym typeface="Helvetica Neue Light"/>
               </a:defRPr>
             </a:lvl7pPr>
-            <a:lvl8pPr indent="0" lvl="7" marL="0" marR="0" rtl="0" algn="ctr">
+            <a:lvl8pPr algn="ctr" indent="0" lvl="7" marL="0" marR="0" rtl="0">
               <a:lnSpc>
                 <a:spcPct val="100000"/>
               </a:lnSpc>
@@ -6068,7 +6068,7 @@
               <a:buSzPts val="2100"/>
               <a:buFont typeface="Helvetica Neue Light"/>
               <a:buNone/>
-              <a:defRPr b="0" i="0" sz="2100" u="none" cap="none" strike="noStrike">
+              <a:defRPr b="0" cap="none" i="0" strike="noStrike" sz="2100" u="none">
                 <a:solidFill>
                   <a:srgbClr val="000000"/>
                 </a:solidFill>
@@ -6078,7 +6078,7 @@
                 <a:sym typeface="Helvetica Neue Light"/>
               </a:defRPr>
             </a:lvl8pPr>
-            <a:lvl9pPr indent="0" lvl="8" marL="0" marR="0" rtl="0" algn="ctr">
+            <a:lvl9pPr algn="ctr" indent="0" lvl="8" marL="0" marR="0" rtl="0">
               <a:lnSpc>
                 <a:spcPct val="100000"/>
               </a:lnSpc>
@@ -6094,7 +6094,7 @@
               <a:buSzPts val="2100"/>
               <a:buFont typeface="Helvetica Neue Light"/>
               <a:buNone/>
-              <a:defRPr b="0" i="0" sz="2100" u="none" cap="none" strike="noStrike">
+              <a:defRPr b="0" cap="none" i="0" strike="noStrike" sz="2100" u="none">
                 <a:solidFill>
                   <a:srgbClr val="000000"/>
                 </a:solidFill>
@@ -6170,9 +6170,9 @@
           </a:ln>
         </p:spPr>
         <p:txBody>
-          <a:bodyPr anchorCtr="0" anchor="ctr" bIns="50800" lIns="50800" spcFirstLastPara="1" rIns="50800" wrap="square" tIns="50800"/>
+          <a:bodyPr anchor="ctr" anchorCtr="0" bIns="50800" lIns="50800" numCol="1" rIns="50800" spcFirstLastPara="1" tIns="50800" wrap="square"/>
           <a:lstStyle>
-            <a:lvl1pPr lvl="0" marR="0" rtl="0" algn="ctr">
+            <a:lvl1pPr algn="ctr" lvl="0" marR="0" rtl="0">
               <a:lnSpc>
                 <a:spcPct val="100000"/>
               </a:lnSpc>
@@ -6188,7 +6188,7 @@
               <a:buSzPts val="10600"/>
               <a:buFont typeface="Helvetica Neue"/>
               <a:buNone/>
-              <a:defRPr b="0" i="0" sz="10600" u="none" cap="none" strike="noStrike">
+              <a:defRPr b="0" cap="none" i="0" strike="noStrike" sz="10600" u="none">
                 <a:solidFill>
                   <a:srgbClr val="000000"/>
                 </a:solidFill>
@@ -6198,7 +6198,7 @@
                 <a:sym typeface="Helvetica Neue"/>
               </a:defRPr>
             </a:lvl1pPr>
-            <a:lvl2pPr lvl="1" marR="0" rtl="0" algn="ctr">
+            <a:lvl2pPr algn="ctr" lvl="1" marR="0" rtl="0">
               <a:lnSpc>
                 <a:spcPct val="100000"/>
               </a:lnSpc>
@@ -6214,7 +6214,7 @@
               <a:buSzPts val="10600"/>
               <a:buFont typeface="Helvetica Neue"/>
               <a:buNone/>
-              <a:defRPr b="0" i="0" sz="10600" u="none" cap="none" strike="noStrike">
+              <a:defRPr b="0" cap="none" i="0" strike="noStrike" sz="10600" u="none">
                 <a:solidFill>
                   <a:srgbClr val="000000"/>
                 </a:solidFill>
@@ -6224,7 +6224,7 @@
                 <a:sym typeface="Helvetica Neue"/>
               </a:defRPr>
             </a:lvl2pPr>
-            <a:lvl3pPr lvl="2" marR="0" rtl="0" algn="ctr">
+            <a:lvl3pPr algn="ctr" lvl="2" marR="0" rtl="0">
               <a:lnSpc>
                 <a:spcPct val="100000"/>
               </a:lnSpc>
@@ -6240,7 +6240,7 @@
               <a:buSzPts val="10600"/>
               <a:buFont typeface="Helvetica Neue"/>
               <a:buNone/>
-              <a:defRPr b="0" i="0" sz="10600" u="none" cap="none" strike="noStrike">
+              <a:defRPr b="0" cap="none" i="0" strike="noStrike" sz="10600" u="none">
                 <a:solidFill>
                   <a:srgbClr val="000000"/>
                 </a:solidFill>
@@ -6250,7 +6250,7 @@
                 <a:sym typeface="Helvetica Neue"/>
               </a:defRPr>
             </a:lvl3pPr>
-            <a:lvl4pPr lvl="3" marR="0" rtl="0" algn="ctr">
+            <a:lvl4pPr algn="ctr" lvl="3" marR="0" rtl="0">
               <a:lnSpc>
                 <a:spcPct val="100000"/>
               </a:lnSpc>
@@ -6266,7 +6266,7 @@
               <a:buSzPts val="10600"/>
               <a:buFont typeface="Helvetica Neue"/>
               <a:buNone/>
-              <a:defRPr b="0" i="0" sz="10600" u="none" cap="none" strike="noStrike">
+              <a:defRPr b="0" cap="none" i="0" strike="noStrike" sz="10600" u="none">
                 <a:solidFill>
                   <a:srgbClr val="000000"/>
                 </a:solidFill>
@@ -6276,7 +6276,7 @@
                 <a:sym typeface="Helvetica Neue"/>
               </a:defRPr>
             </a:lvl4pPr>
-            <a:lvl5pPr lvl="4" marR="0" rtl="0" algn="ctr">
+            <a:lvl5pPr algn="ctr" lvl="4" marR="0" rtl="0">
               <a:lnSpc>
                 <a:spcPct val="100000"/>
               </a:lnSpc>
@@ -6292,7 +6292,7 @@
               <a:buSzPts val="10600"/>
               <a:buFont typeface="Helvetica Neue"/>
               <a:buNone/>
-              <a:defRPr b="0" i="0" sz="10600" u="none" cap="none" strike="noStrike">
+              <a:defRPr b="0" cap="none" i="0" strike="noStrike" sz="10600" u="none">
                 <a:solidFill>
                   <a:srgbClr val="000000"/>
                 </a:solidFill>
@@ -6302,7 +6302,7 @@
                 <a:sym typeface="Helvetica Neue"/>
               </a:defRPr>
             </a:lvl5pPr>
-            <a:lvl6pPr lvl="5" marR="0" rtl="0" algn="ctr">
+            <a:lvl6pPr algn="ctr" lvl="5" marR="0" rtl="0">
               <a:lnSpc>
                 <a:spcPct val="100000"/>
               </a:lnSpc>
@@ -6318,7 +6318,7 @@
               <a:buSzPts val="10600"/>
               <a:buFont typeface="Helvetica Neue"/>
               <a:buNone/>
-              <a:defRPr b="0" i="0" sz="10600" u="none" cap="none" strike="noStrike">
+              <a:defRPr b="0" cap="none" i="0" strike="noStrike" sz="10600" u="none">
                 <a:solidFill>
                   <a:srgbClr val="000000"/>
                 </a:solidFill>
@@ -6328,7 +6328,7 @@
                 <a:sym typeface="Helvetica Neue"/>
               </a:defRPr>
             </a:lvl6pPr>
-            <a:lvl7pPr lvl="6" marR="0" rtl="0" algn="ctr">
+            <a:lvl7pPr algn="ctr" lvl="6" marR="0" rtl="0">
               <a:lnSpc>
                 <a:spcPct val="100000"/>
               </a:lnSpc>
@@ -6344,7 +6344,7 @@
               <a:buSzPts val="10600"/>
               <a:buFont typeface="Helvetica Neue"/>
               <a:buNone/>
-              <a:defRPr b="0" i="0" sz="10600" u="none" cap="none" strike="noStrike">
+              <a:defRPr b="0" cap="none" i="0" strike="noStrike" sz="10600" u="none">
                 <a:solidFill>
                   <a:srgbClr val="000000"/>
                 </a:solidFill>
@@ -6354,7 +6354,7 @@
                 <a:sym typeface="Helvetica Neue"/>
               </a:defRPr>
             </a:lvl7pPr>
-            <a:lvl8pPr lvl="7" marR="0" rtl="0" algn="ctr">
+            <a:lvl8pPr algn="ctr" lvl="7" marR="0" rtl="0">
               <a:lnSpc>
                 <a:spcPct val="100000"/>
               </a:lnSpc>
@@ -6370,7 +6370,7 @@
               <a:buSzPts val="10600"/>
               <a:buFont typeface="Helvetica Neue"/>
               <a:buNone/>
-              <a:defRPr b="0" i="0" sz="10600" u="none" cap="none" strike="noStrike">
+              <a:defRPr b="0" cap="none" i="0" strike="noStrike" sz="10600" u="none">
                 <a:solidFill>
                   <a:srgbClr val="000000"/>
                 </a:solidFill>
@@ -6380,7 +6380,7 @@
                 <a:sym typeface="Helvetica Neue"/>
               </a:defRPr>
             </a:lvl8pPr>
-            <a:lvl9pPr lvl="8" marR="0" rtl="0" algn="ctr">
+            <a:lvl9pPr algn="ctr" lvl="8" marR="0" rtl="0">
               <a:lnSpc>
                 <a:spcPct val="100000"/>
               </a:lnSpc>
@@ -6396,7 +6396,7 @@
               <a:buSzPts val="10600"/>
               <a:buFont typeface="Helvetica Neue"/>
               <a:buNone/>
-              <a:defRPr b="0" i="0" sz="10600" u="none" cap="none" strike="noStrike">
+              <a:defRPr b="0" cap="none" i="0" strike="noStrike" sz="10600" u="none">
                 <a:solidFill>
                   <a:srgbClr val="000000"/>
                 </a:solidFill>
@@ -6432,11 +6432,11 @@
           </a:ln>
         </p:spPr>
         <p:txBody>
-          <a:bodyPr anchorCtr="0" anchor="t" bIns="50800" lIns="50800" spcFirstLastPara="1" rIns="50800" wrap="square" tIns="50800">
+          <a:bodyPr anchor="t" anchorCtr="0" bIns="50800" lIns="50800" numCol="1" rIns="50800" spcFirstLastPara="1" tIns="50800" wrap="square">
             <a:noAutofit/>
           </a:bodyPr>
           <a:lstStyle>
-            <a:lvl1pPr indent="0" lvl="0" marL="0" marR="0" rtl="0" algn="ctr">
+            <a:lvl1pPr algn="ctr" indent="0" lvl="0" marL="0" marR="0" rtl="0">
               <a:lnSpc>
                 <a:spcPct val="100000"/>
               </a:lnSpc>
@@ -6452,7 +6452,7 @@
               <a:buSzPts val="2100"/>
               <a:buFont typeface="Helvetica Neue Light"/>
               <a:buNone/>
-              <a:defRPr b="0" i="0" sz="2100" u="none" cap="none" strike="noStrike">
+              <a:defRPr b="0" cap="none" i="0" strike="noStrike" sz="2100" u="none">
                 <a:solidFill>
                   <a:srgbClr val="000000"/>
                 </a:solidFill>
@@ -6462,7 +6462,7 @@
                 <a:sym typeface="Helvetica Neue Light"/>
               </a:defRPr>
             </a:lvl1pPr>
-            <a:lvl2pPr indent="0" lvl="1" marL="0" marR="0" rtl="0" algn="ctr">
+            <a:lvl2pPr algn="ctr" indent="0" lvl="1" marL="0" marR="0" rtl="0">
               <a:lnSpc>
                 <a:spcPct val="100000"/>
               </a:lnSpc>
@@ -6478,7 +6478,7 @@
               <a:buSzPts val="2100"/>
               <a:buFont typeface="Helvetica Neue Light"/>
               <a:buNone/>
-              <a:defRPr b="0" i="0" sz="2100" u="none" cap="none" strike="noStrike">
+              <a:defRPr b="0" cap="none" i="0" strike="noStrike" sz="2100" u="none">
                 <a:solidFill>
                   <a:srgbClr val="000000"/>
                 </a:solidFill>
@@ -6488,7 +6488,7 @@
                 <a:sym typeface="Helvetica Neue Light"/>
               </a:defRPr>
             </a:lvl2pPr>
-            <a:lvl3pPr indent="0" lvl="2" marL="0" marR="0" rtl="0" algn="ctr">
+            <a:lvl3pPr algn="ctr" indent="0" lvl="2" marL="0" marR="0" rtl="0">
               <a:lnSpc>
                 <a:spcPct val="100000"/>
               </a:lnSpc>
@@ -6504,7 +6504,7 @@
               <a:buSzPts val="2100"/>
               <a:buFont typeface="Helvetica Neue Light"/>
               <a:buNone/>
-              <a:defRPr b="0" i="0" sz="2100" u="none" cap="none" strike="noStrike">
+              <a:defRPr b="0" cap="none" i="0" strike="noStrike" sz="2100" u="none">
                 <a:solidFill>
                   <a:srgbClr val="000000"/>
                 </a:solidFill>
@@ -6514,7 +6514,7 @@
                 <a:sym typeface="Helvetica Neue Light"/>
               </a:defRPr>
             </a:lvl3pPr>
-            <a:lvl4pPr indent="0" lvl="3" marL="0" marR="0" rtl="0" algn="ctr">
+            <a:lvl4pPr algn="ctr" indent="0" lvl="3" marL="0" marR="0" rtl="0">
               <a:lnSpc>
                 <a:spcPct val="100000"/>
               </a:lnSpc>
@@ -6530,7 +6530,7 @@
               <a:buSzPts val="2100"/>
               <a:buFont typeface="Helvetica Neue Light"/>
               <a:buNone/>
-              <a:defRPr b="0" i="0" sz="2100" u="none" cap="none" strike="noStrike">
+              <a:defRPr b="0" cap="none" i="0" strike="noStrike" sz="2100" u="none">
                 <a:solidFill>
                   <a:srgbClr val="000000"/>
                 </a:solidFill>
@@ -6540,7 +6540,7 @@
                 <a:sym typeface="Helvetica Neue Light"/>
               </a:defRPr>
             </a:lvl4pPr>
-            <a:lvl5pPr indent="0" lvl="4" marL="0" marR="0" rtl="0" algn="ctr">
+            <a:lvl5pPr algn="ctr" indent="0" lvl="4" marL="0" marR="0" rtl="0">
               <a:lnSpc>
                 <a:spcPct val="100000"/>
               </a:lnSpc>
@@ -6556,7 +6556,7 @@
               <a:buSzPts val="2100"/>
               <a:buFont typeface="Helvetica Neue Light"/>
               <a:buNone/>
-              <a:defRPr b="0" i="0" sz="2100" u="none" cap="none" strike="noStrike">
+              <a:defRPr b="0" cap="none" i="0" strike="noStrike" sz="2100" u="none">
                 <a:solidFill>
                   <a:srgbClr val="000000"/>
                 </a:solidFill>
@@ -6566,7 +6566,7 @@
                 <a:sym typeface="Helvetica Neue Light"/>
               </a:defRPr>
             </a:lvl5pPr>
-            <a:lvl6pPr indent="0" lvl="5" marL="0" marR="0" rtl="0" algn="ctr">
+            <a:lvl6pPr algn="ctr" indent="0" lvl="5" marL="0" marR="0" rtl="0">
               <a:lnSpc>
                 <a:spcPct val="100000"/>
               </a:lnSpc>
@@ -6582,7 +6582,7 @@
               <a:buSzPts val="2100"/>
               <a:buFont typeface="Helvetica Neue Light"/>
               <a:buNone/>
-              <a:defRPr b="0" i="0" sz="2100" u="none" cap="none" strike="noStrike">
+              <a:defRPr b="0" cap="none" i="0" strike="noStrike" sz="2100" u="none">
                 <a:solidFill>
                   <a:srgbClr val="000000"/>
                 </a:solidFill>
@@ -6592,7 +6592,7 @@
                 <a:sym typeface="Helvetica Neue Light"/>
               </a:defRPr>
             </a:lvl6pPr>
-            <a:lvl7pPr indent="0" lvl="6" marL="0" marR="0" rtl="0" algn="ctr">
+            <a:lvl7pPr algn="ctr" indent="0" lvl="6" marL="0" marR="0" rtl="0">
               <a:lnSpc>
                 <a:spcPct val="100000"/>
               </a:lnSpc>
@@ -6608,7 +6608,7 @@
               <a:buSzPts val="2100"/>
               <a:buFont typeface="Helvetica Neue Light"/>
               <a:buNone/>
-              <a:defRPr b="0" i="0" sz="2100" u="none" cap="none" strike="noStrike">
+              <a:defRPr b="0" cap="none" i="0" strike="noStrike" sz="2100" u="none">
                 <a:solidFill>
                   <a:srgbClr val="000000"/>
                 </a:solidFill>
@@ -6618,7 +6618,7 @@
                 <a:sym typeface="Helvetica Neue Light"/>
               </a:defRPr>
             </a:lvl7pPr>
-            <a:lvl8pPr indent="0" lvl="7" marL="0" marR="0" rtl="0" algn="ctr">
+            <a:lvl8pPr algn="ctr" indent="0" lvl="7" marL="0" marR="0" rtl="0">
               <a:lnSpc>
                 <a:spcPct val="100000"/>
               </a:lnSpc>
@@ -6634,7 +6634,7 @@
               <a:buSzPts val="2100"/>
               <a:buFont typeface="Helvetica Neue Light"/>
               <a:buNone/>
-              <a:defRPr b="0" i="0" sz="2100" u="none" cap="none" strike="noStrike">
+              <a:defRPr b="0" cap="none" i="0" strike="noStrike" sz="2100" u="none">
                 <a:solidFill>
                   <a:srgbClr val="000000"/>
                 </a:solidFill>
@@ -6644,7 +6644,7 @@
                 <a:sym typeface="Helvetica Neue Light"/>
               </a:defRPr>
             </a:lvl8pPr>
-            <a:lvl9pPr indent="0" lvl="8" marL="0" marR="0" rtl="0" algn="ctr">
+            <a:lvl9pPr algn="ctr" indent="0" lvl="8" marL="0" marR="0" rtl="0">
               <a:lnSpc>
                 <a:spcPct val="100000"/>
               </a:lnSpc>
@@ -6660,7 +6660,7 @@
               <a:buSzPts val="2100"/>
               <a:buFont typeface="Helvetica Neue Light"/>
               <a:buNone/>
-              <a:defRPr b="0" i="0" sz="2100" u="none" cap="none" strike="noStrike">
+              <a:defRPr b="0" cap="none" i="0" strike="noStrike" sz="2100" u="none">
                 <a:solidFill>
                   <a:srgbClr val="000000"/>
                 </a:solidFill>
@@ -6736,9 +6736,9 @@
           </a:ln>
         </p:spPr>
         <p:txBody>
-          <a:bodyPr anchorCtr="0" anchor="ctr" bIns="50800" lIns="50800" spcFirstLastPara="1" rIns="50800" wrap="square" tIns="50800"/>
+          <a:bodyPr anchor="ctr" anchorCtr="0" bIns="50800" lIns="50800" numCol="1" rIns="50800" spcFirstLastPara="1" tIns="50800" wrap="square"/>
           <a:lstStyle>
-            <a:lvl1pPr lvl="0" marR="0" rtl="0" algn="ctr">
+            <a:lvl1pPr algn="ctr" lvl="0" marR="0" rtl="0">
               <a:lnSpc>
                 <a:spcPct val="100000"/>
               </a:lnSpc>
@@ -6754,7 +6754,7 @@
               <a:buSzPts val="10600"/>
               <a:buFont typeface="Helvetica Neue"/>
               <a:buNone/>
-              <a:defRPr b="0" i="0" sz="10600" u="none" cap="none" strike="noStrike">
+              <a:defRPr b="0" cap="none" i="0" strike="noStrike" sz="10600" u="none">
                 <a:solidFill>
                   <a:srgbClr val="000000"/>
                 </a:solidFill>
@@ -6764,7 +6764,7 @@
                 <a:sym typeface="Helvetica Neue"/>
               </a:defRPr>
             </a:lvl1pPr>
-            <a:lvl2pPr lvl="1" marR="0" rtl="0" algn="ctr">
+            <a:lvl2pPr algn="ctr" lvl="1" marR="0" rtl="0">
               <a:lnSpc>
                 <a:spcPct val="100000"/>
               </a:lnSpc>
@@ -6780,7 +6780,7 @@
               <a:buSzPts val="10600"/>
               <a:buFont typeface="Helvetica Neue"/>
               <a:buNone/>
-              <a:defRPr b="0" i="0" sz="10600" u="none" cap="none" strike="noStrike">
+              <a:defRPr b="0" cap="none" i="0" strike="noStrike" sz="10600" u="none">
                 <a:solidFill>
                   <a:srgbClr val="000000"/>
                 </a:solidFill>
@@ -6790,7 +6790,7 @@
                 <a:sym typeface="Helvetica Neue"/>
               </a:defRPr>
             </a:lvl2pPr>
-            <a:lvl3pPr lvl="2" marR="0" rtl="0" algn="ctr">
+            <a:lvl3pPr algn="ctr" lvl="2" marR="0" rtl="0">
               <a:lnSpc>
                 <a:spcPct val="100000"/>
               </a:lnSpc>
@@ -6806,7 +6806,7 @@
               <a:buSzPts val="10600"/>
               <a:buFont typeface="Helvetica Neue"/>
               <a:buNone/>
-              <a:defRPr b="0" i="0" sz="10600" u="none" cap="none" strike="noStrike">
+              <a:defRPr b="0" cap="none" i="0" strike="noStrike" sz="10600" u="none">
                 <a:solidFill>
                   <a:srgbClr val="000000"/>
                 </a:solidFill>
@@ -6816,7 +6816,7 @@
                 <a:sym typeface="Helvetica Neue"/>
               </a:defRPr>
             </a:lvl3pPr>
-            <a:lvl4pPr lvl="3" marR="0" rtl="0" algn="ctr">
+            <a:lvl4pPr algn="ctr" lvl="3" marR="0" rtl="0">
               <a:lnSpc>
                 <a:spcPct val="100000"/>
               </a:lnSpc>
@@ -6832,7 +6832,7 @@
               <a:buSzPts val="10600"/>
               <a:buFont typeface="Helvetica Neue"/>
               <a:buNone/>
-              <a:defRPr b="0" i="0" sz="10600" u="none" cap="none" strike="noStrike">
+              <a:defRPr b="0" cap="none" i="0" strike="noStrike" sz="10600" u="none">
                 <a:solidFill>
                   <a:srgbClr val="000000"/>
                 </a:solidFill>
@@ -6842,7 +6842,7 @@
                 <a:sym typeface="Helvetica Neue"/>
               </a:defRPr>
             </a:lvl4pPr>
-            <a:lvl5pPr lvl="4" marR="0" rtl="0" algn="ctr">
+            <a:lvl5pPr algn="ctr" lvl="4" marR="0" rtl="0">
               <a:lnSpc>
                 <a:spcPct val="100000"/>
               </a:lnSpc>
@@ -6858,7 +6858,7 @@
               <a:buSzPts val="10600"/>
               <a:buFont typeface="Helvetica Neue"/>
               <a:buNone/>
-              <a:defRPr b="0" i="0" sz="10600" u="none" cap="none" strike="noStrike">
+              <a:defRPr b="0" cap="none" i="0" strike="noStrike" sz="10600" u="none">
                 <a:solidFill>
                   <a:srgbClr val="000000"/>
                 </a:solidFill>
@@ -6868,7 +6868,7 @@
                 <a:sym typeface="Helvetica Neue"/>
               </a:defRPr>
             </a:lvl5pPr>
-            <a:lvl6pPr lvl="5" marR="0" rtl="0" algn="ctr">
+            <a:lvl6pPr algn="ctr" lvl="5" marR="0" rtl="0">
               <a:lnSpc>
                 <a:spcPct val="100000"/>
               </a:lnSpc>
@@ -6884,7 +6884,7 @@
               <a:buSzPts val="10600"/>
               <a:buFont typeface="Helvetica Neue"/>
               <a:buNone/>
-              <a:defRPr b="0" i="0" sz="10600" u="none" cap="none" strike="noStrike">
+              <a:defRPr b="0" cap="none" i="0" strike="noStrike" sz="10600" u="none">
                 <a:solidFill>
                   <a:srgbClr val="000000"/>
                 </a:solidFill>
@@ -6894,7 +6894,7 @@
                 <a:sym typeface="Helvetica Neue"/>
               </a:defRPr>
             </a:lvl6pPr>
-            <a:lvl7pPr lvl="6" marR="0" rtl="0" algn="ctr">
+            <a:lvl7pPr algn="ctr" lvl="6" marR="0" rtl="0">
               <a:lnSpc>
                 <a:spcPct val="100000"/>
               </a:lnSpc>
@@ -6910,7 +6910,7 @@
               <a:buSzPts val="10600"/>
               <a:buFont typeface="Helvetica Neue"/>
               <a:buNone/>
-              <a:defRPr b="0" i="0" sz="10600" u="none" cap="none" strike="noStrike">
+              <a:defRPr b="0" cap="none" i="0" strike="noStrike" sz="10600" u="none">
                 <a:solidFill>
                   <a:srgbClr val="000000"/>
                 </a:solidFill>
@@ -6920,7 +6920,7 @@
                 <a:sym typeface="Helvetica Neue"/>
               </a:defRPr>
             </a:lvl7pPr>
-            <a:lvl8pPr lvl="7" marR="0" rtl="0" algn="ctr">
+            <a:lvl8pPr algn="ctr" lvl="7" marR="0" rtl="0">
               <a:lnSpc>
                 <a:spcPct val="100000"/>
               </a:lnSpc>
@@ -6936,7 +6936,7 @@
               <a:buSzPts val="10600"/>
               <a:buFont typeface="Helvetica Neue"/>
               <a:buNone/>
-              <a:defRPr b="0" i="0" sz="10600" u="none" cap="none" strike="noStrike">
+              <a:defRPr b="0" cap="none" i="0" strike="noStrike" sz="10600" u="none">
                 <a:solidFill>
                   <a:srgbClr val="000000"/>
                 </a:solidFill>
@@ -6946,7 +6946,7 @@
                 <a:sym typeface="Helvetica Neue"/>
               </a:defRPr>
             </a:lvl8pPr>
-            <a:lvl9pPr lvl="8" marR="0" rtl="0" algn="ctr">
+            <a:lvl9pPr algn="ctr" lvl="8" marR="0" rtl="0">
               <a:lnSpc>
                 <a:spcPct val="100000"/>
               </a:lnSpc>
@@ -6962,7 +6962,7 @@
               <a:buSzPts val="10600"/>
               <a:buFont typeface="Helvetica Neue"/>
               <a:buNone/>
-              <a:defRPr b="0" i="0" sz="10600" u="none" cap="none" strike="noStrike">
+              <a:defRPr b="0" cap="none" i="0" strike="noStrike" sz="10600" u="none">
                 <a:solidFill>
                   <a:srgbClr val="000000"/>
                 </a:solidFill>
@@ -6998,9 +6998,9 @@
           </a:ln>
         </p:spPr>
         <p:txBody>
-          <a:bodyPr anchorCtr="0" anchor="ctr" bIns="50800" lIns="50800" spcFirstLastPara="1" rIns="50800" wrap="square" tIns="50800"/>
+          <a:bodyPr anchor="ctr" anchorCtr="0" bIns="50800" lIns="50800" numCol="1" rIns="50800" spcFirstLastPara="1" tIns="50800" wrap="square"/>
           <a:lstStyle>
-            <a:lvl1pPr indent="-615315" lvl="0" marL="457200" marR="0" rtl="0" algn="l">
+            <a:lvl1pPr algn="l" indent="-615315" lvl="0" marL="457200" marR="0" rtl="0">
               <a:lnSpc>
                 <a:spcPct val="100000"/>
               </a:lnSpc>
@@ -7016,7 +7016,7 @@
               <a:buSzPts val="6090"/>
               <a:buFont typeface="Helvetica Neue"/>
               <a:buChar char="•"/>
-              <a:defRPr b="0" i="0" sz="4200" u="none" cap="none" strike="noStrike">
+              <a:defRPr b="0" cap="none" i="0" strike="noStrike" sz="4200" u="none">
                 <a:solidFill>
                   <a:srgbClr val="000000"/>
                 </a:solidFill>
@@ -7026,7 +7026,7 @@
                 <a:sym typeface="Helvetica Neue"/>
               </a:defRPr>
             </a:lvl1pPr>
-            <a:lvl2pPr indent="-615315" lvl="1" marL="914400" marR="0" rtl="0" algn="l">
+            <a:lvl2pPr algn="l" indent="-615315" lvl="1" marL="914400" marR="0" rtl="0">
               <a:lnSpc>
                 <a:spcPct val="100000"/>
               </a:lnSpc>
@@ -7042,7 +7042,7 @@
               <a:buSzPts val="6090"/>
               <a:buFont typeface="Helvetica Neue"/>
               <a:buChar char="•"/>
-              <a:defRPr b="0" i="0" sz="4200" u="none" cap="none" strike="noStrike">
+              <a:defRPr b="0" cap="none" i="0" strike="noStrike" sz="4200" u="none">
                 <a:solidFill>
                   <a:srgbClr val="000000"/>
                 </a:solidFill>
@@ -7052,7 +7052,7 @@
                 <a:sym typeface="Helvetica Neue"/>
               </a:defRPr>
             </a:lvl2pPr>
-            <a:lvl3pPr indent="-615315" lvl="2" marL="1371600" marR="0" rtl="0" algn="l">
+            <a:lvl3pPr algn="l" indent="-615315" lvl="2" marL="1371600" marR="0" rtl="0">
               <a:lnSpc>
                 <a:spcPct val="100000"/>
               </a:lnSpc>
@@ -7068,7 +7068,7 @@
               <a:buSzPts val="6090"/>
               <a:buFont typeface="Helvetica Neue"/>
               <a:buChar char="•"/>
-              <a:defRPr b="0" i="0" sz="4200" u="none" cap="none" strike="noStrike">
+              <a:defRPr b="0" cap="none" i="0" strike="noStrike" sz="4200" u="none">
                 <a:solidFill>
                   <a:srgbClr val="000000"/>
                 </a:solidFill>
@@ -7078,7 +7078,7 @@
                 <a:sym typeface="Helvetica Neue"/>
               </a:defRPr>
             </a:lvl3pPr>
-            <a:lvl4pPr indent="-615314" lvl="3" marL="1828800" marR="0" rtl="0" algn="l">
+            <a:lvl4pPr algn="l" indent="-615314" lvl="3" marL="1828800" marR="0" rtl="0">
               <a:lnSpc>
                 <a:spcPct val="100000"/>
               </a:lnSpc>
@@ -7094,7 +7094,7 @@
               <a:buSzPts val="6090"/>
               <a:buFont typeface="Helvetica Neue"/>
               <a:buChar char="•"/>
-              <a:defRPr b="0" i="0" sz="4200" u="none" cap="none" strike="noStrike">
+              <a:defRPr b="0" cap="none" i="0" strike="noStrike" sz="4200" u="none">
                 <a:solidFill>
                   <a:srgbClr val="000000"/>
                 </a:solidFill>
@@ -7104,7 +7104,7 @@
                 <a:sym typeface="Helvetica Neue"/>
               </a:defRPr>
             </a:lvl4pPr>
-            <a:lvl5pPr indent="-615314" lvl="4" marL="2286000" marR="0" rtl="0" algn="l">
+            <a:lvl5pPr algn="l" indent="-615314" lvl="4" marL="2286000" marR="0" rtl="0">
               <a:lnSpc>
                 <a:spcPct val="100000"/>
               </a:lnSpc>
@@ -7120,7 +7120,7 @@
               <a:buSzPts val="6090"/>
               <a:buFont typeface="Helvetica Neue"/>
               <a:buChar char="•"/>
-              <a:defRPr b="0" i="0" sz="4200" u="none" cap="none" strike="noStrike">
+              <a:defRPr b="0" cap="none" i="0" strike="noStrike" sz="4200" u="none">
                 <a:solidFill>
                   <a:srgbClr val="000000"/>
                 </a:solidFill>
@@ -7130,7 +7130,7 @@
                 <a:sym typeface="Helvetica Neue"/>
               </a:defRPr>
             </a:lvl5pPr>
-            <a:lvl6pPr indent="-615314" lvl="5" marL="2743200" marR="0" rtl="0" algn="l">
+            <a:lvl6pPr algn="l" indent="-615314" lvl="5" marL="2743200" marR="0" rtl="0">
               <a:lnSpc>
                 <a:spcPct val="100000"/>
               </a:lnSpc>
@@ -7146,7 +7146,7 @@
               <a:buSzPts val="6090"/>
               <a:buFont typeface="Helvetica Neue"/>
               <a:buChar char="•"/>
-              <a:defRPr b="0" i="0" sz="4200" u="none" cap="none" strike="noStrike">
+              <a:defRPr b="0" cap="none" i="0" strike="noStrike" sz="4200" u="none">
                 <a:solidFill>
                   <a:srgbClr val="000000"/>
                 </a:solidFill>
@@ -7156,7 +7156,7 @@
                 <a:sym typeface="Helvetica Neue"/>
               </a:defRPr>
             </a:lvl6pPr>
-            <a:lvl7pPr indent="-615314" lvl="6" marL="3200400" marR="0" rtl="0" algn="l">
+            <a:lvl7pPr algn="l" indent="-615314" lvl="6" marL="3200400" marR="0" rtl="0">
               <a:lnSpc>
                 <a:spcPct val="100000"/>
               </a:lnSpc>
@@ -7172,7 +7172,7 @@
               <a:buSzPts val="6090"/>
               <a:buFont typeface="Helvetica Neue"/>
               <a:buChar char="•"/>
-              <a:defRPr b="0" i="0" sz="4200" u="none" cap="none" strike="noStrike">
+              <a:defRPr b="0" cap="none" i="0" strike="noStrike" sz="4200" u="none">
                 <a:solidFill>
                   <a:srgbClr val="000000"/>
                 </a:solidFill>
@@ -7182,7 +7182,7 @@
                 <a:sym typeface="Helvetica Neue"/>
               </a:defRPr>
             </a:lvl7pPr>
-            <a:lvl8pPr indent="-615314" lvl="7" marL="3657600" marR="0" rtl="0" algn="l">
+            <a:lvl8pPr algn="l" indent="-615314" lvl="7" marL="3657600" marR="0" rtl="0">
               <a:lnSpc>
                 <a:spcPct val="100000"/>
               </a:lnSpc>
@@ -7198,7 +7198,7 @@
               <a:buSzPts val="6090"/>
               <a:buFont typeface="Helvetica Neue"/>
               <a:buChar char="•"/>
-              <a:defRPr b="0" i="0" sz="4200" u="none" cap="none" strike="noStrike">
+              <a:defRPr b="0" cap="none" i="0" strike="noStrike" sz="4200" u="none">
                 <a:solidFill>
                   <a:srgbClr val="000000"/>
                 </a:solidFill>
@@ -7208,7 +7208,7 @@
                 <a:sym typeface="Helvetica Neue"/>
               </a:defRPr>
             </a:lvl8pPr>
-            <a:lvl9pPr indent="-615315" lvl="8" marL="4114800" marR="0" rtl="0" algn="l">
+            <a:lvl9pPr algn="l" indent="-615315" lvl="8" marL="4114800" marR="0" rtl="0">
               <a:lnSpc>
                 <a:spcPct val="100000"/>
               </a:lnSpc>
@@ -7224,7 +7224,7 @@
               <a:buSzPts val="6090"/>
               <a:buFont typeface="Helvetica Neue"/>
               <a:buChar char="•"/>
-              <a:defRPr b="0" i="0" sz="4200" u="none" cap="none" strike="noStrike">
+              <a:defRPr b="0" cap="none" i="0" strike="noStrike" sz="4200" u="none">
                 <a:solidFill>
                   <a:srgbClr val="000000"/>
                 </a:solidFill>
@@ -7260,11 +7260,11 @@
           </a:ln>
         </p:spPr>
         <p:txBody>
-          <a:bodyPr anchorCtr="0" anchor="t" bIns="50800" lIns="50800" spcFirstLastPara="1" rIns="50800" wrap="square" tIns="50800">
+          <a:bodyPr anchor="t" anchorCtr="0" bIns="50800" lIns="50800" numCol="1" rIns="50800" spcFirstLastPara="1" tIns="50800" wrap="square">
             <a:noAutofit/>
           </a:bodyPr>
           <a:lstStyle>
-            <a:lvl1pPr indent="0" lvl="0" marL="0" marR="0" rtl="0" algn="ctr">
+            <a:lvl1pPr algn="ctr" indent="0" lvl="0" marL="0" marR="0" rtl="0">
               <a:lnSpc>
                 <a:spcPct val="100000"/>
               </a:lnSpc>
@@ -7280,7 +7280,7 @@
               <a:buSzPts val="2100"/>
               <a:buFont typeface="Helvetica Neue Light"/>
               <a:buNone/>
-              <a:defRPr b="0" i="0" sz="2100" u="none" cap="none" strike="noStrike">
+              <a:defRPr b="0" cap="none" i="0" strike="noStrike" sz="2100" u="none">
                 <a:solidFill>
                   <a:srgbClr val="000000"/>
                 </a:solidFill>
@@ -7290,7 +7290,7 @@
                 <a:sym typeface="Helvetica Neue Light"/>
               </a:defRPr>
             </a:lvl1pPr>
-            <a:lvl2pPr indent="0" lvl="1" marL="0" marR="0" rtl="0" algn="ctr">
+            <a:lvl2pPr algn="ctr" indent="0" lvl="1" marL="0" marR="0" rtl="0">
               <a:lnSpc>
                 <a:spcPct val="100000"/>
               </a:lnSpc>
@@ -7306,7 +7306,7 @@
               <a:buSzPts val="2100"/>
               <a:buFont typeface="Helvetica Neue Light"/>
               <a:buNone/>
-              <a:defRPr b="0" i="0" sz="2100" u="none" cap="none" strike="noStrike">
+              <a:defRPr b="0" cap="none" i="0" strike="noStrike" sz="2100" u="none">
                 <a:solidFill>
                   <a:srgbClr val="000000"/>
                 </a:solidFill>
@@ -7316,7 +7316,7 @@
                 <a:sym typeface="Helvetica Neue Light"/>
               </a:defRPr>
             </a:lvl2pPr>
-            <a:lvl3pPr indent="0" lvl="2" marL="0" marR="0" rtl="0" algn="ctr">
+            <a:lvl3pPr algn="ctr" indent="0" lvl="2" marL="0" marR="0" rtl="0">
               <a:lnSpc>
                 <a:spcPct val="100000"/>
               </a:lnSpc>
@@ -7332,7 +7332,7 @@
               <a:buSzPts val="2100"/>
               <a:buFont typeface="Helvetica Neue Light"/>
               <a:buNone/>
-              <a:defRPr b="0" i="0" sz="2100" u="none" cap="none" strike="noStrike">
+              <a:defRPr b="0" cap="none" i="0" strike="noStrike" sz="2100" u="none">
                 <a:solidFill>
                   <a:srgbClr val="000000"/>
                 </a:solidFill>
@@ -7342,7 +7342,7 @@
                 <a:sym typeface="Helvetica Neue Light"/>
               </a:defRPr>
             </a:lvl3pPr>
-            <a:lvl4pPr indent="0" lvl="3" marL="0" marR="0" rtl="0" algn="ctr">
+            <a:lvl4pPr algn="ctr" indent="0" lvl="3" marL="0" marR="0" rtl="0">
               <a:lnSpc>
                 <a:spcPct val="100000"/>
               </a:lnSpc>
@@ -7358,7 +7358,7 @@
               <a:buSzPts val="2100"/>
               <a:buFont typeface="Helvetica Neue Light"/>
               <a:buNone/>
-              <a:defRPr b="0" i="0" sz="2100" u="none" cap="none" strike="noStrike">
+              <a:defRPr b="0" cap="none" i="0" strike="noStrike" sz="2100" u="none">
                 <a:solidFill>
                   <a:srgbClr val="000000"/>
                 </a:solidFill>
@@ -7368,7 +7368,7 @@
                 <a:sym typeface="Helvetica Neue Light"/>
               </a:defRPr>
             </a:lvl4pPr>
-            <a:lvl5pPr indent="0" lvl="4" marL="0" marR="0" rtl="0" algn="ctr">
+            <a:lvl5pPr algn="ctr" indent="0" lvl="4" marL="0" marR="0" rtl="0">
               <a:lnSpc>
                 <a:spcPct val="100000"/>
               </a:lnSpc>
@@ -7384,7 +7384,7 @@
               <a:buSzPts val="2100"/>
               <a:buFont typeface="Helvetica Neue Light"/>
               <a:buNone/>
-              <a:defRPr b="0" i="0" sz="2100" u="none" cap="none" strike="noStrike">
+              <a:defRPr b="0" cap="none" i="0" strike="noStrike" sz="2100" u="none">
                 <a:solidFill>
                   <a:srgbClr val="000000"/>
                 </a:solidFill>
@@ -7394,7 +7394,7 @@
                 <a:sym typeface="Helvetica Neue Light"/>
               </a:defRPr>
             </a:lvl5pPr>
-            <a:lvl6pPr indent="0" lvl="5" marL="0" marR="0" rtl="0" algn="ctr">
+            <a:lvl6pPr algn="ctr" indent="0" lvl="5" marL="0" marR="0" rtl="0">
               <a:lnSpc>
                 <a:spcPct val="100000"/>
               </a:lnSpc>
@@ -7410,7 +7410,7 @@
               <a:buSzPts val="2100"/>
               <a:buFont typeface="Helvetica Neue Light"/>
               <a:buNone/>
-              <a:defRPr b="0" i="0" sz="2100" u="none" cap="none" strike="noStrike">
+              <a:defRPr b="0" cap="none" i="0" strike="noStrike" sz="2100" u="none">
                 <a:solidFill>
                   <a:srgbClr val="000000"/>
                 </a:solidFill>
@@ -7420,7 +7420,7 @@
                 <a:sym typeface="Helvetica Neue Light"/>
               </a:defRPr>
             </a:lvl6pPr>
-            <a:lvl7pPr indent="0" lvl="6" marL="0" marR="0" rtl="0" algn="ctr">
+            <a:lvl7pPr algn="ctr" indent="0" lvl="6" marL="0" marR="0" rtl="0">
               <a:lnSpc>
                 <a:spcPct val="100000"/>
               </a:lnSpc>
@@ -7436,7 +7436,7 @@
               <a:buSzPts val="2100"/>
               <a:buFont typeface="Helvetica Neue Light"/>
               <a:buNone/>
-              <a:defRPr b="0" i="0" sz="2100" u="none" cap="none" strike="noStrike">
+              <a:defRPr b="0" cap="none" i="0" strike="noStrike" sz="2100" u="none">
                 <a:solidFill>
                   <a:srgbClr val="000000"/>
                 </a:solidFill>
@@ -7446,7 +7446,7 @@
                 <a:sym typeface="Helvetica Neue Light"/>
               </a:defRPr>
             </a:lvl7pPr>
-            <a:lvl8pPr indent="0" lvl="7" marL="0" marR="0" rtl="0" algn="ctr">
+            <a:lvl8pPr algn="ctr" indent="0" lvl="7" marL="0" marR="0" rtl="0">
               <a:lnSpc>
                 <a:spcPct val="100000"/>
               </a:lnSpc>
@@ -7462,7 +7462,7 @@
               <a:buSzPts val="2100"/>
               <a:buFont typeface="Helvetica Neue Light"/>
               <a:buNone/>
-              <a:defRPr b="0" i="0" sz="2100" u="none" cap="none" strike="noStrike">
+              <a:defRPr b="0" cap="none" i="0" strike="noStrike" sz="2100" u="none">
                 <a:solidFill>
                   <a:srgbClr val="000000"/>
                 </a:solidFill>
@@ -7472,7 +7472,7 @@
                 <a:sym typeface="Helvetica Neue Light"/>
               </a:defRPr>
             </a:lvl8pPr>
-            <a:lvl9pPr indent="0" lvl="8" marL="0" marR="0" rtl="0" algn="ctr">
+            <a:lvl9pPr algn="ctr" indent="0" lvl="8" marL="0" marR="0" rtl="0">
               <a:lnSpc>
                 <a:spcPct val="100000"/>
               </a:lnSpc>
@@ -7488,7 +7488,7 @@
               <a:buSzPts val="2100"/>
               <a:buFont typeface="Helvetica Neue Light"/>
               <a:buNone/>
-              <a:defRPr b="0" i="0" sz="2100" u="none" cap="none" strike="noStrike">
+              <a:defRPr b="0" cap="none" i="0" strike="noStrike" sz="2100" u="none">
                 <a:solidFill>
                   <a:srgbClr val="000000"/>
                 </a:solidFill>
@@ -7564,9 +7564,9 @@
           </a:ln>
         </p:spPr>
         <p:txBody>
-          <a:bodyPr anchorCtr="0" anchor="t" bIns="45700" lIns="91425" spcFirstLastPara="1" rIns="91425" wrap="square" tIns="45700"/>
+          <a:bodyPr anchor="t" anchorCtr="0" bIns="45700" lIns="91425" numCol="1" rIns="91425" spcFirstLastPara="1" tIns="45700" wrap="square"/>
           <a:lstStyle>
-            <a:lvl1pPr lvl="0" marR="0" rtl="0" algn="l">
+            <a:lvl1pPr algn="l" lvl="0" marR="0" rtl="0">
               <a:lnSpc>
                 <a:spcPct val="100000"/>
               </a:lnSpc>
@@ -7582,7 +7582,7 @@
               <a:buSzPts val="6090"/>
               <a:buFont typeface="Helvetica Neue"/>
               <a:buChar char="•"/>
-              <a:defRPr b="0" i="0" sz="4200" u="none" cap="none" strike="noStrike">
+              <a:defRPr b="0" cap="none" i="0" strike="noStrike" sz="4200" u="none">
                 <a:solidFill>
                   <a:srgbClr val="000000"/>
                 </a:solidFill>
@@ -7592,7 +7592,7 @@
                 <a:sym typeface="Helvetica Neue"/>
               </a:defRPr>
             </a:lvl1pPr>
-            <a:lvl2pPr lvl="1" marR="0" rtl="0" algn="l">
+            <a:lvl2pPr algn="l" lvl="1" marR="0" rtl="0">
               <a:lnSpc>
                 <a:spcPct val="100000"/>
               </a:lnSpc>
@@ -7608,7 +7608,7 @@
               <a:buSzPts val="6090"/>
               <a:buFont typeface="Helvetica Neue"/>
               <a:buChar char="•"/>
-              <a:defRPr b="0" i="0" sz="4200" u="none" cap="none" strike="noStrike">
+              <a:defRPr b="0" cap="none" i="0" strike="noStrike" sz="4200" u="none">
                 <a:solidFill>
                   <a:srgbClr val="000000"/>
                 </a:solidFill>
@@ -7618,7 +7618,7 @@
                 <a:sym typeface="Helvetica Neue"/>
               </a:defRPr>
             </a:lvl2pPr>
-            <a:lvl3pPr lvl="2" marR="0" rtl="0" algn="l">
+            <a:lvl3pPr algn="l" lvl="2" marR="0" rtl="0">
               <a:lnSpc>
                 <a:spcPct val="100000"/>
               </a:lnSpc>
@@ -7634,7 +7634,7 @@
               <a:buSzPts val="6090"/>
               <a:buFont typeface="Helvetica Neue"/>
               <a:buChar char="•"/>
-              <a:defRPr b="0" i="0" sz="4200" u="none" cap="none" strike="noStrike">
+              <a:defRPr b="0" cap="none" i="0" strike="noStrike" sz="4200" u="none">
                 <a:solidFill>
                   <a:srgbClr val="000000"/>
                 </a:solidFill>
@@ -7644,7 +7644,7 @@
                 <a:sym typeface="Helvetica Neue"/>
               </a:defRPr>
             </a:lvl3pPr>
-            <a:lvl4pPr lvl="3" marR="0" rtl="0" algn="l">
+            <a:lvl4pPr algn="l" lvl="3" marR="0" rtl="0">
               <a:lnSpc>
                 <a:spcPct val="100000"/>
               </a:lnSpc>
@@ -7660,7 +7660,7 @@
               <a:buSzPts val="6090"/>
               <a:buFont typeface="Helvetica Neue"/>
               <a:buChar char="•"/>
-              <a:defRPr b="0" i="0" sz="4200" u="none" cap="none" strike="noStrike">
+              <a:defRPr b="0" cap="none" i="0" strike="noStrike" sz="4200" u="none">
                 <a:solidFill>
                   <a:srgbClr val="000000"/>
                 </a:solidFill>
@@ -7670,7 +7670,7 @@
                 <a:sym typeface="Helvetica Neue"/>
               </a:defRPr>
             </a:lvl4pPr>
-            <a:lvl5pPr lvl="4" marR="0" rtl="0" algn="l">
+            <a:lvl5pPr algn="l" lvl="4" marR="0" rtl="0">
               <a:lnSpc>
                 <a:spcPct val="100000"/>
               </a:lnSpc>
@@ -7686,7 +7686,7 @@
               <a:buSzPts val="6090"/>
               <a:buFont typeface="Helvetica Neue"/>
               <a:buChar char="•"/>
-              <a:defRPr b="0" i="0" sz="4200" u="none" cap="none" strike="noStrike">
+              <a:defRPr b="0" cap="none" i="0" strike="noStrike" sz="4200" u="none">
                 <a:solidFill>
                   <a:srgbClr val="000000"/>
                 </a:solidFill>
@@ -7696,7 +7696,7 @@
                 <a:sym typeface="Helvetica Neue"/>
               </a:defRPr>
             </a:lvl5pPr>
-            <a:lvl6pPr lvl="5" marR="0" rtl="0" algn="l">
+            <a:lvl6pPr algn="l" lvl="5" marR="0" rtl="0">
               <a:lnSpc>
                 <a:spcPct val="100000"/>
               </a:lnSpc>
@@ -7712,7 +7712,7 @@
               <a:buSzPts val="6090"/>
               <a:buFont typeface="Helvetica Neue"/>
               <a:buChar char="•"/>
-              <a:defRPr b="0" i="0" sz="4200" u="none" cap="none" strike="noStrike">
+              <a:defRPr b="0" cap="none" i="0" strike="noStrike" sz="4200" u="none">
                 <a:solidFill>
                   <a:srgbClr val="000000"/>
                 </a:solidFill>
@@ -7722,7 +7722,7 @@
                 <a:sym typeface="Helvetica Neue"/>
               </a:defRPr>
             </a:lvl6pPr>
-            <a:lvl7pPr lvl="6" marR="0" rtl="0" algn="l">
+            <a:lvl7pPr algn="l" lvl="6" marR="0" rtl="0">
               <a:lnSpc>
                 <a:spcPct val="100000"/>
               </a:lnSpc>
@@ -7738,7 +7738,7 @@
               <a:buSzPts val="6090"/>
               <a:buFont typeface="Helvetica Neue"/>
               <a:buChar char="•"/>
-              <a:defRPr b="0" i="0" sz="4200" u="none" cap="none" strike="noStrike">
+              <a:defRPr b="0" cap="none" i="0" strike="noStrike" sz="4200" u="none">
                 <a:solidFill>
                   <a:srgbClr val="000000"/>
                 </a:solidFill>
@@ -7748,7 +7748,7 @@
                 <a:sym typeface="Helvetica Neue"/>
               </a:defRPr>
             </a:lvl7pPr>
-            <a:lvl8pPr lvl="7" marR="0" rtl="0" algn="l">
+            <a:lvl8pPr algn="l" lvl="7" marR="0" rtl="0">
               <a:lnSpc>
                 <a:spcPct val="100000"/>
               </a:lnSpc>
@@ -7764,7 +7764,7 @@
               <a:buSzPts val="6090"/>
               <a:buFont typeface="Helvetica Neue"/>
               <a:buChar char="•"/>
-              <a:defRPr b="0" i="0" sz="4200" u="none" cap="none" strike="noStrike">
+              <a:defRPr b="0" cap="none" i="0" strike="noStrike" sz="4200" u="none">
                 <a:solidFill>
                   <a:srgbClr val="000000"/>
                 </a:solidFill>
@@ -7774,7 +7774,7 @@
                 <a:sym typeface="Helvetica Neue"/>
               </a:defRPr>
             </a:lvl8pPr>
-            <a:lvl9pPr lvl="8" marR="0" rtl="0" algn="l">
+            <a:lvl9pPr algn="l" lvl="8" marR="0" rtl="0">
               <a:lnSpc>
                 <a:spcPct val="100000"/>
               </a:lnSpc>
@@ -7790,7 +7790,7 @@
               <a:buSzPts val="6090"/>
               <a:buFont typeface="Helvetica Neue"/>
               <a:buChar char="•"/>
-              <a:defRPr b="0" i="0" sz="4200" u="none" cap="none" strike="noStrike">
+              <a:defRPr b="0" cap="none" i="0" strike="noStrike" sz="4200" u="none">
                 <a:solidFill>
                   <a:srgbClr val="000000"/>
                 </a:solidFill>
@@ -7826,9 +7826,9 @@
           </a:ln>
         </p:spPr>
         <p:txBody>
-          <a:bodyPr anchorCtr="0" anchor="ctr" bIns="50800" lIns="50800" spcFirstLastPara="1" rIns="50800" wrap="square" tIns="50800"/>
+          <a:bodyPr anchor="ctr" anchorCtr="0" bIns="50800" lIns="50800" numCol="1" rIns="50800" spcFirstLastPara="1" tIns="50800" wrap="square"/>
           <a:lstStyle>
-            <a:lvl1pPr lvl="0" marR="0" rtl="0" algn="ctr">
+            <a:lvl1pPr algn="ctr" lvl="0" marR="0" rtl="0">
               <a:lnSpc>
                 <a:spcPct val="100000"/>
               </a:lnSpc>
@@ -7844,7 +7844,7 @@
               <a:buSzPts val="10600"/>
               <a:buFont typeface="Helvetica Neue"/>
               <a:buNone/>
-              <a:defRPr b="0" i="0" sz="10600" u="none" cap="none" strike="noStrike">
+              <a:defRPr b="0" cap="none" i="0" strike="noStrike" sz="10600" u="none">
                 <a:solidFill>
                   <a:srgbClr val="000000"/>
                 </a:solidFill>
@@ -7854,7 +7854,7 @@
                 <a:sym typeface="Helvetica Neue"/>
               </a:defRPr>
             </a:lvl1pPr>
-            <a:lvl2pPr lvl="1" marR="0" rtl="0" algn="ctr">
+            <a:lvl2pPr algn="ctr" lvl="1" marR="0" rtl="0">
               <a:lnSpc>
                 <a:spcPct val="100000"/>
               </a:lnSpc>
@@ -7870,7 +7870,7 @@
               <a:buSzPts val="10600"/>
               <a:buFont typeface="Helvetica Neue"/>
               <a:buNone/>
-              <a:defRPr b="0" i="0" sz="10600" u="none" cap="none" strike="noStrike">
+              <a:defRPr b="0" cap="none" i="0" strike="noStrike" sz="10600" u="none">
                 <a:solidFill>
                   <a:srgbClr val="000000"/>
                 </a:solidFill>
@@ -7880,7 +7880,7 @@
                 <a:sym typeface="Helvetica Neue"/>
               </a:defRPr>
             </a:lvl2pPr>
-            <a:lvl3pPr lvl="2" marR="0" rtl="0" algn="ctr">
+            <a:lvl3pPr algn="ctr" lvl="2" marR="0" rtl="0">
               <a:lnSpc>
                 <a:spcPct val="100000"/>
               </a:lnSpc>
@@ -7896,7 +7896,7 @@
               <a:buSzPts val="10600"/>
               <a:buFont typeface="Helvetica Neue"/>
               <a:buNone/>
-              <a:defRPr b="0" i="0" sz="10600" u="none" cap="none" strike="noStrike">
+              <a:defRPr b="0" cap="none" i="0" strike="noStrike" sz="10600" u="none">
                 <a:solidFill>
                   <a:srgbClr val="000000"/>
                 </a:solidFill>
@@ -7906,7 +7906,7 @@
                 <a:sym typeface="Helvetica Neue"/>
               </a:defRPr>
             </a:lvl3pPr>
-            <a:lvl4pPr lvl="3" marR="0" rtl="0" algn="ctr">
+            <a:lvl4pPr algn="ctr" lvl="3" marR="0" rtl="0">
               <a:lnSpc>
                 <a:spcPct val="100000"/>
               </a:lnSpc>
@@ -7922,7 +7922,7 @@
               <a:buSzPts val="10600"/>
               <a:buFont typeface="Helvetica Neue"/>
               <a:buNone/>
-              <a:defRPr b="0" i="0" sz="10600" u="none" cap="none" strike="noStrike">
+              <a:defRPr b="0" cap="none" i="0" strike="noStrike" sz="10600" u="none">
                 <a:solidFill>
                   <a:srgbClr val="000000"/>
                 </a:solidFill>
@@ -7932,7 +7932,7 @@
                 <a:sym typeface="Helvetica Neue"/>
               </a:defRPr>
             </a:lvl4pPr>
-            <a:lvl5pPr lvl="4" marR="0" rtl="0" algn="ctr">
+            <a:lvl5pPr algn="ctr" lvl="4" marR="0" rtl="0">
               <a:lnSpc>
                 <a:spcPct val="100000"/>
               </a:lnSpc>
@@ -7948,7 +7948,7 @@
               <a:buSzPts val="10600"/>
               <a:buFont typeface="Helvetica Neue"/>
               <a:buNone/>
-              <a:defRPr b="0" i="0" sz="10600" u="none" cap="none" strike="noStrike">
+              <a:defRPr b="0" cap="none" i="0" strike="noStrike" sz="10600" u="none">
                 <a:solidFill>
                   <a:srgbClr val="000000"/>
                 </a:solidFill>
@@ -7958,7 +7958,7 @@
                 <a:sym typeface="Helvetica Neue"/>
               </a:defRPr>
             </a:lvl5pPr>
-            <a:lvl6pPr lvl="5" marR="0" rtl="0" algn="ctr">
+            <a:lvl6pPr algn="ctr" lvl="5" marR="0" rtl="0">
               <a:lnSpc>
                 <a:spcPct val="100000"/>
               </a:lnSpc>
@@ -7974,7 +7974,7 @@
               <a:buSzPts val="10600"/>
               <a:buFont typeface="Helvetica Neue"/>
               <a:buNone/>
-              <a:defRPr b="0" i="0" sz="10600" u="none" cap="none" strike="noStrike">
+              <a:defRPr b="0" cap="none" i="0" strike="noStrike" sz="10600" u="none">
                 <a:solidFill>
                   <a:srgbClr val="000000"/>
                 </a:solidFill>
@@ -7984,7 +7984,7 @@
                 <a:sym typeface="Helvetica Neue"/>
               </a:defRPr>
             </a:lvl6pPr>
-            <a:lvl7pPr lvl="6" marR="0" rtl="0" algn="ctr">
+            <a:lvl7pPr algn="ctr" lvl="6" marR="0" rtl="0">
               <a:lnSpc>
                 <a:spcPct val="100000"/>
               </a:lnSpc>
@@ -8000,7 +8000,7 @@
               <a:buSzPts val="10600"/>
               <a:buFont typeface="Helvetica Neue"/>
               <a:buNone/>
-              <a:defRPr b="0" i="0" sz="10600" u="none" cap="none" strike="noStrike">
+              <a:defRPr b="0" cap="none" i="0" strike="noStrike" sz="10600" u="none">
                 <a:solidFill>
                   <a:srgbClr val="000000"/>
                 </a:solidFill>
@@ -8010,7 +8010,7 @@
                 <a:sym typeface="Helvetica Neue"/>
               </a:defRPr>
             </a:lvl7pPr>
-            <a:lvl8pPr lvl="7" marR="0" rtl="0" algn="ctr">
+            <a:lvl8pPr algn="ctr" lvl="7" marR="0" rtl="0">
               <a:lnSpc>
                 <a:spcPct val="100000"/>
               </a:lnSpc>
@@ -8026,7 +8026,7 @@
               <a:buSzPts val="10600"/>
               <a:buFont typeface="Helvetica Neue"/>
               <a:buNone/>
-              <a:defRPr b="0" i="0" sz="10600" u="none" cap="none" strike="noStrike">
+              <a:defRPr b="0" cap="none" i="0" strike="noStrike" sz="10600" u="none">
                 <a:solidFill>
                   <a:srgbClr val="000000"/>
                 </a:solidFill>
@@ -8036,7 +8036,7 @@
                 <a:sym typeface="Helvetica Neue"/>
               </a:defRPr>
             </a:lvl8pPr>
-            <a:lvl9pPr lvl="8" marR="0" rtl="0" algn="ctr">
+            <a:lvl9pPr algn="ctr" lvl="8" marR="0" rtl="0">
               <a:lnSpc>
                 <a:spcPct val="100000"/>
               </a:lnSpc>
@@ -8052,7 +8052,7 @@
               <a:buSzPts val="10600"/>
               <a:buFont typeface="Helvetica Neue"/>
               <a:buNone/>
-              <a:defRPr b="0" i="0" sz="10600" u="none" cap="none" strike="noStrike">
+              <a:defRPr b="0" cap="none" i="0" strike="noStrike" sz="10600" u="none">
                 <a:solidFill>
                   <a:srgbClr val="000000"/>
                 </a:solidFill>
@@ -8088,9 +8088,9 @@
           </a:ln>
         </p:spPr>
         <p:txBody>
-          <a:bodyPr anchorCtr="0" anchor="ctr" bIns="50800" lIns="50800" spcFirstLastPara="1" rIns="50800" wrap="square" tIns="50800"/>
+          <a:bodyPr anchor="ctr" anchorCtr="0" bIns="50800" lIns="50800" numCol="1" rIns="50800" spcFirstLastPara="1" tIns="50800" wrap="square"/>
           <a:lstStyle>
-            <a:lvl1pPr indent="-569277" lvl="0" marL="457200" marR="0" rtl="0" algn="l">
+            <a:lvl1pPr algn="l" indent="-569277" lvl="0" marL="457200" marR="0" rtl="0">
               <a:lnSpc>
                 <a:spcPct val="100000"/>
               </a:lnSpc>
@@ -8106,7 +8106,7 @@
               <a:buSzPts val="5365"/>
               <a:buFont typeface="Helvetica Neue"/>
               <a:buChar char="•"/>
-              <a:defRPr b="0" i="0" sz="3700" u="none" cap="none" strike="noStrike">
+              <a:defRPr b="0" cap="none" i="0" strike="noStrike" sz="3700" u="none">
                 <a:solidFill>
                   <a:srgbClr val="000000"/>
                 </a:solidFill>
@@ -8116,7 +8116,7 @@
                 <a:sym typeface="Helvetica Neue"/>
               </a:defRPr>
             </a:lvl1pPr>
-            <a:lvl2pPr indent="-569277" lvl="1" marL="914400" marR="0" rtl="0" algn="l">
+            <a:lvl2pPr algn="l" indent="-569277" lvl="1" marL="914400" marR="0" rtl="0">
               <a:lnSpc>
                 <a:spcPct val="100000"/>
               </a:lnSpc>
@@ -8132,7 +8132,7 @@
               <a:buSzPts val="5365"/>
               <a:buFont typeface="Helvetica Neue"/>
               <a:buChar char="•"/>
-              <a:defRPr b="0" i="0" sz="3700" u="none" cap="none" strike="noStrike">
+              <a:defRPr b="0" cap="none" i="0" strike="noStrike" sz="3700" u="none">
                 <a:solidFill>
                   <a:srgbClr val="000000"/>
                 </a:solidFill>
@@ -8142,7 +8142,7 @@
                 <a:sym typeface="Helvetica Neue"/>
               </a:defRPr>
             </a:lvl2pPr>
-            <a:lvl3pPr indent="-569277" lvl="2" marL="1371600" marR="0" rtl="0" algn="l">
+            <a:lvl3pPr algn="l" indent="-569277" lvl="2" marL="1371600" marR="0" rtl="0">
               <a:lnSpc>
                 <a:spcPct val="100000"/>
               </a:lnSpc>
@@ -8158,7 +8158,7 @@
               <a:buSzPts val="5365"/>
               <a:buFont typeface="Helvetica Neue"/>
               <a:buChar char="•"/>
-              <a:defRPr b="0" i="0" sz="3700" u="none" cap="none" strike="noStrike">
+              <a:defRPr b="0" cap="none" i="0" strike="noStrike" sz="3700" u="none">
                 <a:solidFill>
                   <a:srgbClr val="000000"/>
                 </a:solidFill>
@@ -8168,7 +8168,7 @@
                 <a:sym typeface="Helvetica Neue"/>
               </a:defRPr>
             </a:lvl3pPr>
-            <a:lvl4pPr indent="-569277" lvl="3" marL="1828800" marR="0" rtl="0" algn="l">
+            <a:lvl4pPr algn="l" indent="-569277" lvl="3" marL="1828800" marR="0" rtl="0">
               <a:lnSpc>
                 <a:spcPct val="100000"/>
               </a:lnSpc>
@@ -8184,7 +8184,7 @@
               <a:buSzPts val="5365"/>
               <a:buFont typeface="Helvetica Neue"/>
               <a:buChar char="•"/>
-              <a:defRPr b="0" i="0" sz="3700" u="none" cap="none" strike="noStrike">
+              <a:defRPr b="0" cap="none" i="0" strike="noStrike" sz="3700" u="none">
                 <a:solidFill>
                   <a:srgbClr val="000000"/>
                 </a:solidFill>
@@ -8194,7 +8194,7 @@
                 <a:sym typeface="Helvetica Neue"/>
               </a:defRPr>
             </a:lvl4pPr>
-            <a:lvl5pPr indent="-569277" lvl="4" marL="2286000" marR="0" rtl="0" algn="l">
+            <a:lvl5pPr algn="l" indent="-569277" lvl="4" marL="2286000" marR="0" rtl="0">
               <a:lnSpc>
                 <a:spcPct val="100000"/>
               </a:lnSpc>
@@ -8210,7 +8210,7 @@
               <a:buSzPts val="5365"/>
               <a:buFont typeface="Helvetica Neue"/>
               <a:buChar char="•"/>
-              <a:defRPr b="0" i="0" sz="3700" u="none" cap="none" strike="noStrike">
+              <a:defRPr b="0" cap="none" i="0" strike="noStrike" sz="3700" u="none">
                 <a:solidFill>
                   <a:srgbClr val="000000"/>
                 </a:solidFill>
@@ -8220,7 +8220,7 @@
                 <a:sym typeface="Helvetica Neue"/>
               </a:defRPr>
             </a:lvl5pPr>
-            <a:lvl6pPr indent="-615314" lvl="5" marL="2743200" marR="0" rtl="0" algn="l">
+            <a:lvl6pPr algn="l" indent="-615314" lvl="5" marL="2743200" marR="0" rtl="0">
               <a:lnSpc>
                 <a:spcPct val="100000"/>
               </a:lnSpc>
@@ -8236,7 +8236,7 @@
               <a:buSzPts val="6090"/>
               <a:buFont typeface="Helvetica Neue"/>
               <a:buChar char="•"/>
-              <a:defRPr b="0" i="0" sz="4200" u="none" cap="none" strike="noStrike">
+              <a:defRPr b="0" cap="none" i="0" strike="noStrike" sz="4200" u="none">
                 <a:solidFill>
                   <a:srgbClr val="000000"/>
                 </a:solidFill>
@@ -8246,7 +8246,7 @@
                 <a:sym typeface="Helvetica Neue"/>
               </a:defRPr>
             </a:lvl6pPr>
-            <a:lvl7pPr indent="-615314" lvl="6" marL="3200400" marR="0" rtl="0" algn="l">
+            <a:lvl7pPr algn="l" indent="-615314" lvl="6" marL="3200400" marR="0" rtl="0">
               <a:lnSpc>
                 <a:spcPct val="100000"/>
               </a:lnSpc>
@@ -8262,7 +8262,7 @@
               <a:buSzPts val="6090"/>
               <a:buFont typeface="Helvetica Neue"/>
               <a:buChar char="•"/>
-              <a:defRPr b="0" i="0" sz="4200" u="none" cap="none" strike="noStrike">
+              <a:defRPr b="0" cap="none" i="0" strike="noStrike" sz="4200" u="none">
                 <a:solidFill>
                   <a:srgbClr val="000000"/>
                 </a:solidFill>
@@ -8272,7 +8272,7 @@
                 <a:sym typeface="Helvetica Neue"/>
               </a:defRPr>
             </a:lvl7pPr>
-            <a:lvl8pPr indent="-615314" lvl="7" marL="3657600" marR="0" rtl="0" algn="l">
+            <a:lvl8pPr algn="l" indent="-615314" lvl="7" marL="3657600" marR="0" rtl="0">
               <a:lnSpc>
                 <a:spcPct val="100000"/>
               </a:lnSpc>
@@ -8288,7 +8288,7 @@
               <a:buSzPts val="6090"/>
               <a:buFont typeface="Helvetica Neue"/>
               <a:buChar char="•"/>
-              <a:defRPr b="0" i="0" sz="4200" u="none" cap="none" strike="noStrike">
+              <a:defRPr b="0" cap="none" i="0" strike="noStrike" sz="4200" u="none">
                 <a:solidFill>
                   <a:srgbClr val="000000"/>
                 </a:solidFill>
@@ -8298,7 +8298,7 @@
                 <a:sym typeface="Helvetica Neue"/>
               </a:defRPr>
             </a:lvl8pPr>
-            <a:lvl9pPr indent="-615315" lvl="8" marL="4114800" marR="0" rtl="0" algn="l">
+            <a:lvl9pPr algn="l" indent="-615315" lvl="8" marL="4114800" marR="0" rtl="0">
               <a:lnSpc>
                 <a:spcPct val="100000"/>
               </a:lnSpc>
@@ -8314,7 +8314,7 @@
               <a:buSzPts val="6090"/>
               <a:buFont typeface="Helvetica Neue"/>
               <a:buChar char="•"/>
-              <a:defRPr b="0" i="0" sz="4200" u="none" cap="none" strike="noStrike">
+              <a:defRPr b="0" cap="none" i="0" strike="noStrike" sz="4200" u="none">
                 <a:solidFill>
                   <a:srgbClr val="000000"/>
                 </a:solidFill>
@@ -8350,11 +8350,11 @@
           </a:ln>
         </p:spPr>
         <p:txBody>
-          <a:bodyPr anchorCtr="0" anchor="t" bIns="50800" lIns="50800" spcFirstLastPara="1" rIns="50800" wrap="square" tIns="50800">
+          <a:bodyPr anchor="t" anchorCtr="0" bIns="50800" lIns="50800" numCol="1" rIns="50800" spcFirstLastPara="1" tIns="50800" wrap="square">
             <a:noAutofit/>
           </a:bodyPr>
           <a:lstStyle>
-            <a:lvl1pPr indent="0" lvl="0" marL="0" marR="0" rtl="0" algn="ctr">
+            <a:lvl1pPr algn="ctr" indent="0" lvl="0" marL="0" marR="0" rtl="0">
               <a:lnSpc>
                 <a:spcPct val="100000"/>
               </a:lnSpc>
@@ -8370,7 +8370,7 @@
               <a:buSzPts val="2100"/>
               <a:buFont typeface="Helvetica Neue Light"/>
               <a:buNone/>
-              <a:defRPr b="0" i="0" sz="2100" u="none" cap="none" strike="noStrike">
+              <a:defRPr b="0" cap="none" i="0" strike="noStrike" sz="2100" u="none">
                 <a:solidFill>
                   <a:srgbClr val="000000"/>
                 </a:solidFill>
@@ -8380,7 +8380,7 @@
                 <a:sym typeface="Helvetica Neue Light"/>
               </a:defRPr>
             </a:lvl1pPr>
-            <a:lvl2pPr indent="0" lvl="1" marL="0" marR="0" rtl="0" algn="ctr">
+            <a:lvl2pPr algn="ctr" indent="0" lvl="1" marL="0" marR="0" rtl="0">
               <a:lnSpc>
                 <a:spcPct val="100000"/>
               </a:lnSpc>
@@ -8396,7 +8396,7 @@
               <a:buSzPts val="2100"/>
               <a:buFont typeface="Helvetica Neue Light"/>
               <a:buNone/>
-              <a:defRPr b="0" i="0" sz="2100" u="none" cap="none" strike="noStrike">
+              <a:defRPr b="0" cap="none" i="0" strike="noStrike" sz="2100" u="none">
                 <a:solidFill>
                   <a:srgbClr val="000000"/>
                 </a:solidFill>
@@ -8406,7 +8406,7 @@
                 <a:sym typeface="Helvetica Neue Light"/>
               </a:defRPr>
             </a:lvl2pPr>
-            <a:lvl3pPr indent="0" lvl="2" marL="0" marR="0" rtl="0" algn="ctr">
+            <a:lvl3pPr algn="ctr" indent="0" lvl="2" marL="0" marR="0" rtl="0">
               <a:lnSpc>
                 <a:spcPct val="100000"/>
               </a:lnSpc>
@@ -8422,7 +8422,7 @@
               <a:buSzPts val="2100"/>
               <a:buFont typeface="Helvetica Neue Light"/>
               <a:buNone/>
-              <a:defRPr b="0" i="0" sz="2100" u="none" cap="none" strike="noStrike">
+              <a:defRPr b="0" cap="none" i="0" strike="noStrike" sz="2100" u="none">
                 <a:solidFill>
                   <a:srgbClr val="000000"/>
                 </a:solidFill>
@@ -8432,7 +8432,7 @@
                 <a:sym typeface="Helvetica Neue Light"/>
               </a:defRPr>
             </a:lvl3pPr>
-            <a:lvl4pPr indent="0" lvl="3" marL="0" marR="0" rtl="0" algn="ctr">
+            <a:lvl4pPr algn="ctr" indent="0" lvl="3" marL="0" marR="0" rtl="0">
               <a:lnSpc>
                 <a:spcPct val="100000"/>
               </a:lnSpc>
@@ -8448,7 +8448,7 @@
               <a:buSzPts val="2100"/>
               <a:buFont typeface="Helvetica Neue Light"/>
               <a:buNone/>
-              <a:defRPr b="0" i="0" sz="2100" u="none" cap="none" strike="noStrike">
+              <a:defRPr b="0" cap="none" i="0" strike="noStrike" sz="2100" u="none">
                 <a:solidFill>
                   <a:srgbClr val="000000"/>
                 </a:solidFill>
@@ -8458,7 +8458,7 @@
                 <a:sym typeface="Helvetica Neue Light"/>
               </a:defRPr>
             </a:lvl4pPr>
-            <a:lvl5pPr indent="0" lvl="4" marL="0" marR="0" rtl="0" algn="ctr">
+            <a:lvl5pPr algn="ctr" indent="0" lvl="4" marL="0" marR="0" rtl="0">
               <a:lnSpc>
                 <a:spcPct val="100000"/>
               </a:lnSpc>
@@ -8474,7 +8474,7 @@
               <a:buSzPts val="2100"/>
               <a:buFont typeface="Helvetica Neue Light"/>
               <a:buNone/>
-              <a:defRPr b="0" i="0" sz="2100" u="none" cap="none" strike="noStrike">
+              <a:defRPr b="0" cap="none" i="0" strike="noStrike" sz="2100" u="none">
                 <a:solidFill>
                   <a:srgbClr val="000000"/>
                 </a:solidFill>
@@ -8484,7 +8484,7 @@
                 <a:sym typeface="Helvetica Neue Light"/>
               </a:defRPr>
             </a:lvl5pPr>
-            <a:lvl6pPr indent="0" lvl="5" marL="0" marR="0" rtl="0" algn="ctr">
+            <a:lvl6pPr algn="ctr" indent="0" lvl="5" marL="0" marR="0" rtl="0">
               <a:lnSpc>
                 <a:spcPct val="100000"/>
               </a:lnSpc>
@@ -8500,7 +8500,7 @@
               <a:buSzPts val="2100"/>
               <a:buFont typeface="Helvetica Neue Light"/>
               <a:buNone/>
-              <a:defRPr b="0" i="0" sz="2100" u="none" cap="none" strike="noStrike">
+              <a:defRPr b="0" cap="none" i="0" strike="noStrike" sz="2100" u="none">
                 <a:solidFill>
                   <a:srgbClr val="000000"/>
                 </a:solidFill>
@@ -8510,7 +8510,7 @@
                 <a:sym typeface="Helvetica Neue Light"/>
               </a:defRPr>
             </a:lvl6pPr>
-            <a:lvl7pPr indent="0" lvl="6" marL="0" marR="0" rtl="0" algn="ctr">
+            <a:lvl7pPr algn="ctr" indent="0" lvl="6" marL="0" marR="0" rtl="0">
               <a:lnSpc>
                 <a:spcPct val="100000"/>
               </a:lnSpc>
@@ -8526,7 +8526,7 @@
               <a:buSzPts val="2100"/>
               <a:buFont typeface="Helvetica Neue Light"/>
               <a:buNone/>
-              <a:defRPr b="0" i="0" sz="2100" u="none" cap="none" strike="noStrike">
+              <a:defRPr b="0" cap="none" i="0" strike="noStrike" sz="2100" u="none">
                 <a:solidFill>
                   <a:srgbClr val="000000"/>
                 </a:solidFill>
@@ -8536,7 +8536,7 @@
                 <a:sym typeface="Helvetica Neue Light"/>
               </a:defRPr>
             </a:lvl7pPr>
-            <a:lvl8pPr indent="0" lvl="7" marL="0" marR="0" rtl="0" algn="ctr">
+            <a:lvl8pPr algn="ctr" indent="0" lvl="7" marL="0" marR="0" rtl="0">
               <a:lnSpc>
                 <a:spcPct val="100000"/>
               </a:lnSpc>
@@ -8552,7 +8552,7 @@
               <a:buSzPts val="2100"/>
               <a:buFont typeface="Helvetica Neue Light"/>
               <a:buNone/>
-              <a:defRPr b="0" i="0" sz="2100" u="none" cap="none" strike="noStrike">
+              <a:defRPr b="0" cap="none" i="0" strike="noStrike" sz="2100" u="none">
                 <a:solidFill>
                   <a:srgbClr val="000000"/>
                 </a:solidFill>
@@ -8562,7 +8562,7 @@
                 <a:sym typeface="Helvetica Neue Light"/>
               </a:defRPr>
             </a:lvl8pPr>
-            <a:lvl9pPr indent="0" lvl="8" marL="0" marR="0" rtl="0" algn="ctr">
+            <a:lvl9pPr algn="ctr" indent="0" lvl="8" marL="0" marR="0" rtl="0">
               <a:lnSpc>
                 <a:spcPct val="100000"/>
               </a:lnSpc>
@@ -8578,7 +8578,7 @@
               <a:buSzPts val="2100"/>
               <a:buFont typeface="Helvetica Neue Light"/>
               <a:buNone/>
-              <a:defRPr b="0" i="0" sz="2100" u="none" cap="none" strike="noStrike">
+              <a:defRPr b="0" cap="none" i="0" strike="noStrike" sz="2100" u="none">
                 <a:solidFill>
                   <a:srgbClr val="000000"/>
                 </a:solidFill>
@@ -8654,9 +8654,9 @@
           </a:ln>
         </p:spPr>
         <p:txBody>
-          <a:bodyPr anchorCtr="0" anchor="ctr" bIns="50800" lIns="50800" spcFirstLastPara="1" rIns="50800" wrap="square" tIns="50800"/>
+          <a:bodyPr anchor="ctr" anchorCtr="0" bIns="50800" lIns="50800" numCol="1" rIns="50800" spcFirstLastPara="1" tIns="50800" wrap="square"/>
           <a:lstStyle>
-            <a:lvl1pPr indent="-615315" lvl="0" marL="457200" marR="0" rtl="0" algn="l">
+            <a:lvl1pPr algn="l" indent="-615315" lvl="0" marL="457200" marR="0" rtl="0">
               <a:lnSpc>
                 <a:spcPct val="100000"/>
               </a:lnSpc>
@@ -8672,7 +8672,7 @@
               <a:buSzPts val="6090"/>
               <a:buFont typeface="Helvetica Neue"/>
               <a:buChar char="•"/>
-              <a:defRPr b="0" i="0" sz="4200" u="none" cap="none" strike="noStrike">
+              <a:defRPr b="0" cap="none" i="0" strike="noStrike" sz="4200" u="none">
                 <a:solidFill>
                   <a:srgbClr val="000000"/>
                 </a:solidFill>
@@ -8682,7 +8682,7 @@
                 <a:sym typeface="Helvetica Neue"/>
               </a:defRPr>
             </a:lvl1pPr>
-            <a:lvl2pPr indent="-615315" lvl="1" marL="914400" marR="0" rtl="0" algn="l">
+            <a:lvl2pPr algn="l" indent="-615315" lvl="1" marL="914400" marR="0" rtl="0">
               <a:lnSpc>
                 <a:spcPct val="100000"/>
               </a:lnSpc>
@@ -8698,7 +8698,7 @@
               <a:buSzPts val="6090"/>
               <a:buFont typeface="Helvetica Neue"/>
               <a:buChar char="•"/>
-              <a:defRPr b="0" i="0" sz="4200" u="none" cap="none" strike="noStrike">
+              <a:defRPr b="0" cap="none" i="0" strike="noStrike" sz="4200" u="none">
                 <a:solidFill>
                   <a:srgbClr val="000000"/>
                 </a:solidFill>
@@ -8708,7 +8708,7 @@
                 <a:sym typeface="Helvetica Neue"/>
               </a:defRPr>
             </a:lvl2pPr>
-            <a:lvl3pPr indent="-615315" lvl="2" marL="1371600" marR="0" rtl="0" algn="l">
+            <a:lvl3pPr algn="l" indent="-615315" lvl="2" marL="1371600" marR="0" rtl="0">
               <a:lnSpc>
                 <a:spcPct val="100000"/>
               </a:lnSpc>
@@ -8724,7 +8724,7 @@
               <a:buSzPts val="6090"/>
               <a:buFont typeface="Helvetica Neue"/>
               <a:buChar char="•"/>
-              <a:defRPr b="0" i="0" sz="4200" u="none" cap="none" strike="noStrike">
+              <a:defRPr b="0" cap="none" i="0" strike="noStrike" sz="4200" u="none">
                 <a:solidFill>
                   <a:srgbClr val="000000"/>
                 </a:solidFill>
@@ -8734,7 +8734,7 @@
                 <a:sym typeface="Helvetica Neue"/>
               </a:defRPr>
             </a:lvl3pPr>
-            <a:lvl4pPr indent="-615314" lvl="3" marL="1828800" marR="0" rtl="0" algn="l">
+            <a:lvl4pPr algn="l" indent="-615314" lvl="3" marL="1828800" marR="0" rtl="0">
               <a:lnSpc>
                 <a:spcPct val="100000"/>
               </a:lnSpc>
@@ -8750,7 +8750,7 @@
               <a:buSzPts val="6090"/>
               <a:buFont typeface="Helvetica Neue"/>
               <a:buChar char="•"/>
-              <a:defRPr b="0" i="0" sz="4200" u="none" cap="none" strike="noStrike">
+              <a:defRPr b="0" cap="none" i="0" strike="noStrike" sz="4200" u="none">
                 <a:solidFill>
                   <a:srgbClr val="000000"/>
                 </a:solidFill>
@@ -8760,7 +8760,7 @@
                 <a:sym typeface="Helvetica Neue"/>
               </a:defRPr>
             </a:lvl4pPr>
-            <a:lvl5pPr indent="-615314" lvl="4" marL="2286000" marR="0" rtl="0" algn="l">
+            <a:lvl5pPr algn="l" indent="-615314" lvl="4" marL="2286000" marR="0" rtl="0">
               <a:lnSpc>
                 <a:spcPct val="100000"/>
               </a:lnSpc>
@@ -8776,7 +8776,7 @@
               <a:buSzPts val="6090"/>
               <a:buFont typeface="Helvetica Neue"/>
               <a:buChar char="•"/>
-              <a:defRPr b="0" i="0" sz="4200" u="none" cap="none" strike="noStrike">
+              <a:defRPr b="0" cap="none" i="0" strike="noStrike" sz="4200" u="none">
                 <a:solidFill>
                   <a:srgbClr val="000000"/>
                 </a:solidFill>
@@ -8786,7 +8786,7 @@
                 <a:sym typeface="Helvetica Neue"/>
               </a:defRPr>
             </a:lvl5pPr>
-            <a:lvl6pPr indent="-615314" lvl="5" marL="2743200" marR="0" rtl="0" algn="l">
+            <a:lvl6pPr algn="l" indent="-615314" lvl="5" marL="2743200" marR="0" rtl="0">
               <a:lnSpc>
                 <a:spcPct val="100000"/>
               </a:lnSpc>
@@ -8802,7 +8802,7 @@
               <a:buSzPts val="6090"/>
               <a:buFont typeface="Helvetica Neue"/>
               <a:buChar char="•"/>
-              <a:defRPr b="0" i="0" sz="4200" u="none" cap="none" strike="noStrike">
+              <a:defRPr b="0" cap="none" i="0" strike="noStrike" sz="4200" u="none">
                 <a:solidFill>
                   <a:srgbClr val="000000"/>
                 </a:solidFill>
@@ -8812,7 +8812,7 @@
                 <a:sym typeface="Helvetica Neue"/>
               </a:defRPr>
             </a:lvl6pPr>
-            <a:lvl7pPr indent="-615314" lvl="6" marL="3200400" marR="0" rtl="0" algn="l">
+            <a:lvl7pPr algn="l" indent="-615314" lvl="6" marL="3200400" marR="0" rtl="0">
               <a:lnSpc>
                 <a:spcPct val="100000"/>
               </a:lnSpc>
@@ -8828,7 +8828,7 @@
               <a:buSzPts val="6090"/>
               <a:buFont typeface="Helvetica Neue"/>
               <a:buChar char="•"/>
-              <a:defRPr b="0" i="0" sz="4200" u="none" cap="none" strike="noStrike">
+              <a:defRPr b="0" cap="none" i="0" strike="noStrike" sz="4200" u="none">
                 <a:solidFill>
                   <a:srgbClr val="000000"/>
                 </a:solidFill>
@@ -8838,7 +8838,7 @@
                 <a:sym typeface="Helvetica Neue"/>
               </a:defRPr>
             </a:lvl7pPr>
-            <a:lvl8pPr indent="-615314" lvl="7" marL="3657600" marR="0" rtl="0" algn="l">
+            <a:lvl8pPr algn="l" indent="-615314" lvl="7" marL="3657600" marR="0" rtl="0">
               <a:lnSpc>
                 <a:spcPct val="100000"/>
               </a:lnSpc>
@@ -8854,7 +8854,7 @@
               <a:buSzPts val="6090"/>
               <a:buFont typeface="Helvetica Neue"/>
               <a:buChar char="•"/>
-              <a:defRPr b="0" i="0" sz="4200" u="none" cap="none" strike="noStrike">
+              <a:defRPr b="0" cap="none" i="0" strike="noStrike" sz="4200" u="none">
                 <a:solidFill>
                   <a:srgbClr val="000000"/>
                 </a:solidFill>
@@ -8864,7 +8864,7 @@
                 <a:sym typeface="Helvetica Neue"/>
               </a:defRPr>
             </a:lvl8pPr>
-            <a:lvl9pPr indent="-615315" lvl="8" marL="4114800" marR="0" rtl="0" algn="l">
+            <a:lvl9pPr algn="l" indent="-615315" lvl="8" marL="4114800" marR="0" rtl="0">
               <a:lnSpc>
                 <a:spcPct val="100000"/>
               </a:lnSpc>
@@ -8880,7 +8880,7 @@
               <a:buSzPts val="6090"/>
               <a:buFont typeface="Helvetica Neue"/>
               <a:buChar char="•"/>
-              <a:defRPr b="0" i="0" sz="4200" u="none" cap="none" strike="noStrike">
+              <a:defRPr b="0" cap="none" i="0" strike="noStrike" sz="4200" u="none">
                 <a:solidFill>
                   <a:srgbClr val="000000"/>
                 </a:solidFill>
@@ -8916,11 +8916,11 @@
           </a:ln>
         </p:spPr>
         <p:txBody>
-          <a:bodyPr anchorCtr="0" anchor="t" bIns="50800" lIns="50800" spcFirstLastPara="1" rIns="50800" wrap="square" tIns="50800">
+          <a:bodyPr anchor="t" anchorCtr="0" bIns="50800" lIns="50800" numCol="1" rIns="50800" spcFirstLastPara="1" tIns="50800" wrap="square">
             <a:noAutofit/>
           </a:bodyPr>
           <a:lstStyle>
-            <a:lvl1pPr indent="0" lvl="0" marL="0" marR="0" rtl="0" algn="ctr">
+            <a:lvl1pPr algn="ctr" indent="0" lvl="0" marL="0" marR="0" rtl="0">
               <a:lnSpc>
                 <a:spcPct val="100000"/>
               </a:lnSpc>
@@ -8936,7 +8936,7 @@
               <a:buSzPts val="2100"/>
               <a:buFont typeface="Helvetica Neue Light"/>
               <a:buNone/>
-              <a:defRPr b="0" i="0" sz="2100" u="none" cap="none" strike="noStrike">
+              <a:defRPr b="0" cap="none" i="0" strike="noStrike" sz="2100" u="none">
                 <a:solidFill>
                   <a:srgbClr val="000000"/>
                 </a:solidFill>
@@ -8946,7 +8946,7 @@
                 <a:sym typeface="Helvetica Neue Light"/>
               </a:defRPr>
             </a:lvl1pPr>
-            <a:lvl2pPr indent="0" lvl="1" marL="0" marR="0" rtl="0" algn="ctr">
+            <a:lvl2pPr algn="ctr" indent="0" lvl="1" marL="0" marR="0" rtl="0">
               <a:lnSpc>
                 <a:spcPct val="100000"/>
               </a:lnSpc>
@@ -8962,7 +8962,7 @@
               <a:buSzPts val="2100"/>
               <a:buFont typeface="Helvetica Neue Light"/>
               <a:buNone/>
-              <a:defRPr b="0" i="0" sz="2100" u="none" cap="none" strike="noStrike">
+              <a:defRPr b="0" cap="none" i="0" strike="noStrike" sz="2100" u="none">
                 <a:solidFill>
                   <a:srgbClr val="000000"/>
                 </a:solidFill>
@@ -8972,7 +8972,7 @@
                 <a:sym typeface="Helvetica Neue Light"/>
               </a:defRPr>
             </a:lvl2pPr>
-            <a:lvl3pPr indent="0" lvl="2" marL="0" marR="0" rtl="0" algn="ctr">
+            <a:lvl3pPr algn="ctr" indent="0" lvl="2" marL="0" marR="0" rtl="0">
               <a:lnSpc>
                 <a:spcPct val="100000"/>
               </a:lnSpc>
@@ -8988,7 +8988,7 @@
               <a:buSzPts val="2100"/>
               <a:buFont typeface="Helvetica Neue Light"/>
               <a:buNone/>
-              <a:defRPr b="0" i="0" sz="2100" u="none" cap="none" strike="noStrike">
+              <a:defRPr b="0" cap="none" i="0" strike="noStrike" sz="2100" u="none">
                 <a:solidFill>
                   <a:srgbClr val="000000"/>
                 </a:solidFill>
@@ -8998,7 +8998,7 @@
                 <a:sym typeface="Helvetica Neue Light"/>
               </a:defRPr>
             </a:lvl3pPr>
-            <a:lvl4pPr indent="0" lvl="3" marL="0" marR="0" rtl="0" algn="ctr">
+            <a:lvl4pPr algn="ctr" indent="0" lvl="3" marL="0" marR="0" rtl="0">
               <a:lnSpc>
                 <a:spcPct val="100000"/>
               </a:lnSpc>
@@ -9014,7 +9014,7 @@
               <a:buSzPts val="2100"/>
               <a:buFont typeface="Helvetica Neue Light"/>
               <a:buNone/>
-              <a:defRPr b="0" i="0" sz="2100" u="none" cap="none" strike="noStrike">
+              <a:defRPr b="0" cap="none" i="0" strike="noStrike" sz="2100" u="none">
                 <a:solidFill>
                   <a:srgbClr val="000000"/>
                 </a:solidFill>
@@ -9024,7 +9024,7 @@
                 <a:sym typeface="Helvetica Neue Light"/>
               </a:defRPr>
             </a:lvl4pPr>
-            <a:lvl5pPr indent="0" lvl="4" marL="0" marR="0" rtl="0" algn="ctr">
+            <a:lvl5pPr algn="ctr" indent="0" lvl="4" marL="0" marR="0" rtl="0">
               <a:lnSpc>
                 <a:spcPct val="100000"/>
               </a:lnSpc>
@@ -9040,7 +9040,7 @@
               <a:buSzPts val="2100"/>
               <a:buFont typeface="Helvetica Neue Light"/>
               <a:buNone/>
-              <a:defRPr b="0" i="0" sz="2100" u="none" cap="none" strike="noStrike">
+              <a:defRPr b="0" cap="none" i="0" strike="noStrike" sz="2100" u="none">
                 <a:solidFill>
                   <a:srgbClr val="000000"/>
                 </a:solidFill>
@@ -9050,7 +9050,7 @@
                 <a:sym typeface="Helvetica Neue Light"/>
               </a:defRPr>
             </a:lvl5pPr>
-            <a:lvl6pPr indent="0" lvl="5" marL="0" marR="0" rtl="0" algn="ctr">
+            <a:lvl6pPr algn="ctr" indent="0" lvl="5" marL="0" marR="0" rtl="0">
               <a:lnSpc>
                 <a:spcPct val="100000"/>
               </a:lnSpc>
@@ -9066,7 +9066,7 @@
               <a:buSzPts val="2100"/>
               <a:buFont typeface="Helvetica Neue Light"/>
               <a:buNone/>
-              <a:defRPr b="0" i="0" sz="2100" u="none" cap="none" strike="noStrike">
+              <a:defRPr b="0" cap="none" i="0" strike="noStrike" sz="2100" u="none">
                 <a:solidFill>
                   <a:srgbClr val="000000"/>
                 </a:solidFill>
@@ -9076,7 +9076,7 @@
                 <a:sym typeface="Helvetica Neue Light"/>
               </a:defRPr>
             </a:lvl6pPr>
-            <a:lvl7pPr indent="0" lvl="6" marL="0" marR="0" rtl="0" algn="ctr">
+            <a:lvl7pPr algn="ctr" indent="0" lvl="6" marL="0" marR="0" rtl="0">
               <a:lnSpc>
                 <a:spcPct val="100000"/>
               </a:lnSpc>
@@ -9092,7 +9092,7 @@
               <a:buSzPts val="2100"/>
               <a:buFont typeface="Helvetica Neue Light"/>
               <a:buNone/>
-              <a:defRPr b="0" i="0" sz="2100" u="none" cap="none" strike="noStrike">
+              <a:defRPr b="0" cap="none" i="0" strike="noStrike" sz="2100" u="none">
                 <a:solidFill>
                   <a:srgbClr val="000000"/>
                 </a:solidFill>
@@ -9102,7 +9102,7 @@
                 <a:sym typeface="Helvetica Neue Light"/>
               </a:defRPr>
             </a:lvl7pPr>
-            <a:lvl8pPr indent="0" lvl="7" marL="0" marR="0" rtl="0" algn="ctr">
+            <a:lvl8pPr algn="ctr" indent="0" lvl="7" marL="0" marR="0" rtl="0">
               <a:lnSpc>
                 <a:spcPct val="100000"/>
               </a:lnSpc>
@@ -9118,7 +9118,7 @@
               <a:buSzPts val="2100"/>
               <a:buFont typeface="Helvetica Neue Light"/>
               <a:buNone/>
-              <a:defRPr b="0" i="0" sz="2100" u="none" cap="none" strike="noStrike">
+              <a:defRPr b="0" cap="none" i="0" strike="noStrike" sz="2100" u="none">
                 <a:solidFill>
                   <a:srgbClr val="000000"/>
                 </a:solidFill>
@@ -9128,7 +9128,7 @@
                 <a:sym typeface="Helvetica Neue Light"/>
               </a:defRPr>
             </a:lvl8pPr>
-            <a:lvl9pPr indent="0" lvl="8" marL="0" marR="0" rtl="0" algn="ctr">
+            <a:lvl9pPr algn="ctr" indent="0" lvl="8" marL="0" marR="0" rtl="0">
               <a:lnSpc>
                 <a:spcPct val="100000"/>
               </a:lnSpc>
@@ -9144,7 +9144,7 @@
               <a:buSzPts val="2100"/>
               <a:buFont typeface="Helvetica Neue Light"/>
               <a:buNone/>
-              <a:defRPr b="0" i="0" sz="2100" u="none" cap="none" strike="noStrike">
+              <a:defRPr b="0" cap="none" i="0" strike="noStrike" sz="2100" u="none">
                 <a:solidFill>
                   <a:srgbClr val="000000"/>
                 </a:solidFill>
@@ -9220,9 +9220,9 @@
           </a:ln>
         </p:spPr>
         <p:txBody>
-          <a:bodyPr anchorCtr="0" anchor="t" bIns="45700" lIns="91425" spcFirstLastPara="1" rIns="91425" wrap="square" tIns="45700"/>
+          <a:bodyPr anchor="t" anchorCtr="0" bIns="45700" lIns="91425" numCol="1" rIns="91425" spcFirstLastPara="1" tIns="45700" wrap="square"/>
           <a:lstStyle>
-            <a:lvl1pPr lvl="0" marR="0" rtl="0" algn="l">
+            <a:lvl1pPr algn="l" lvl="0" marR="0" rtl="0">
               <a:lnSpc>
                 <a:spcPct val="100000"/>
               </a:lnSpc>
@@ -9238,7 +9238,7 @@
               <a:buSzPts val="6090"/>
               <a:buFont typeface="Helvetica Neue"/>
               <a:buChar char="•"/>
-              <a:defRPr b="0" i="0" sz="4200" u="none" cap="none" strike="noStrike">
+              <a:defRPr b="0" cap="none" i="0" strike="noStrike" sz="4200" u="none">
                 <a:solidFill>
                   <a:srgbClr val="000000"/>
                 </a:solidFill>
@@ -9248,7 +9248,7 @@
                 <a:sym typeface="Helvetica Neue"/>
               </a:defRPr>
             </a:lvl1pPr>
-            <a:lvl2pPr lvl="1" marR="0" rtl="0" algn="l">
+            <a:lvl2pPr algn="l" lvl="1" marR="0" rtl="0">
               <a:lnSpc>
                 <a:spcPct val="100000"/>
               </a:lnSpc>
@@ -9264,7 +9264,7 @@
               <a:buSzPts val="6090"/>
               <a:buFont typeface="Helvetica Neue"/>
               <a:buChar char="•"/>
-              <a:defRPr b="0" i="0" sz="4200" u="none" cap="none" strike="noStrike">
+              <a:defRPr b="0" cap="none" i="0" strike="noStrike" sz="4200" u="none">
                 <a:solidFill>
                   <a:srgbClr val="000000"/>
                 </a:solidFill>
@@ -9274,7 +9274,7 @@
                 <a:sym typeface="Helvetica Neue"/>
               </a:defRPr>
             </a:lvl2pPr>
-            <a:lvl3pPr lvl="2" marR="0" rtl="0" algn="l">
+            <a:lvl3pPr algn="l" lvl="2" marR="0" rtl="0">
               <a:lnSpc>
                 <a:spcPct val="100000"/>
               </a:lnSpc>
@@ -9290,7 +9290,7 @@
               <a:buSzPts val="6090"/>
               <a:buFont typeface="Helvetica Neue"/>
               <a:buChar char="•"/>
-              <a:defRPr b="0" i="0" sz="4200" u="none" cap="none" strike="noStrike">
+              <a:defRPr b="0" cap="none" i="0" strike="noStrike" sz="4200" u="none">
                 <a:solidFill>
                   <a:srgbClr val="000000"/>
                 </a:solidFill>
@@ -9300,7 +9300,7 @@
                 <a:sym typeface="Helvetica Neue"/>
               </a:defRPr>
             </a:lvl3pPr>
-            <a:lvl4pPr lvl="3" marR="0" rtl="0" algn="l">
+            <a:lvl4pPr algn="l" lvl="3" marR="0" rtl="0">
               <a:lnSpc>
                 <a:spcPct val="100000"/>
               </a:lnSpc>
@@ -9316,7 +9316,7 @@
               <a:buSzPts val="6090"/>
               <a:buFont typeface="Helvetica Neue"/>
               <a:buChar char="•"/>
-              <a:defRPr b="0" i="0" sz="4200" u="none" cap="none" strike="noStrike">
+              <a:defRPr b="0" cap="none" i="0" strike="noStrike" sz="4200" u="none">
                 <a:solidFill>
                   <a:srgbClr val="000000"/>
                 </a:solidFill>
@@ -9326,7 +9326,7 @@
                 <a:sym typeface="Helvetica Neue"/>
               </a:defRPr>
             </a:lvl4pPr>
-            <a:lvl5pPr lvl="4" marR="0" rtl="0" algn="l">
+            <a:lvl5pPr algn="l" lvl="4" marR="0" rtl="0">
               <a:lnSpc>
                 <a:spcPct val="100000"/>
               </a:lnSpc>
@@ -9342,7 +9342,7 @@
               <a:buSzPts val="6090"/>
               <a:buFont typeface="Helvetica Neue"/>
               <a:buChar char="•"/>
-              <a:defRPr b="0" i="0" sz="4200" u="none" cap="none" strike="noStrike">
+              <a:defRPr b="0" cap="none" i="0" strike="noStrike" sz="4200" u="none">
                 <a:solidFill>
                   <a:srgbClr val="000000"/>
                 </a:solidFill>
@@ -9352,7 +9352,7 @@
                 <a:sym typeface="Helvetica Neue"/>
               </a:defRPr>
             </a:lvl5pPr>
-            <a:lvl6pPr lvl="5" marR="0" rtl="0" algn="l">
+            <a:lvl6pPr algn="l" lvl="5" marR="0" rtl="0">
               <a:lnSpc>
                 <a:spcPct val="100000"/>
               </a:lnSpc>
@@ -9368,7 +9368,7 @@
               <a:buSzPts val="6090"/>
               <a:buFont typeface="Helvetica Neue"/>
               <a:buChar char="•"/>
-              <a:defRPr b="0" i="0" sz="4200" u="none" cap="none" strike="noStrike">
+              <a:defRPr b="0" cap="none" i="0" strike="noStrike" sz="4200" u="none">
                 <a:solidFill>
                   <a:srgbClr val="000000"/>
                 </a:solidFill>
@@ -9378,7 +9378,7 @@
                 <a:sym typeface="Helvetica Neue"/>
               </a:defRPr>
             </a:lvl6pPr>
-            <a:lvl7pPr lvl="6" marR="0" rtl="0" algn="l">
+            <a:lvl7pPr algn="l" lvl="6" marR="0" rtl="0">
               <a:lnSpc>
                 <a:spcPct val="100000"/>
               </a:lnSpc>
@@ -9394,7 +9394,7 @@
               <a:buSzPts val="6090"/>
               <a:buFont typeface="Helvetica Neue"/>
               <a:buChar char="•"/>
-              <a:defRPr b="0" i="0" sz="4200" u="none" cap="none" strike="noStrike">
+              <a:defRPr b="0" cap="none" i="0" strike="noStrike" sz="4200" u="none">
                 <a:solidFill>
                   <a:srgbClr val="000000"/>
                 </a:solidFill>
@@ -9404,7 +9404,7 @@
                 <a:sym typeface="Helvetica Neue"/>
               </a:defRPr>
             </a:lvl7pPr>
-            <a:lvl8pPr lvl="7" marR="0" rtl="0" algn="l">
+            <a:lvl8pPr algn="l" lvl="7" marR="0" rtl="0">
               <a:lnSpc>
                 <a:spcPct val="100000"/>
               </a:lnSpc>
@@ -9420,7 +9420,7 @@
               <a:buSzPts val="6090"/>
               <a:buFont typeface="Helvetica Neue"/>
               <a:buChar char="•"/>
-              <a:defRPr b="0" i="0" sz="4200" u="none" cap="none" strike="noStrike">
+              <a:defRPr b="0" cap="none" i="0" strike="noStrike" sz="4200" u="none">
                 <a:solidFill>
                   <a:srgbClr val="000000"/>
                 </a:solidFill>
@@ -9430,7 +9430,7 @@
                 <a:sym typeface="Helvetica Neue"/>
               </a:defRPr>
             </a:lvl8pPr>
-            <a:lvl9pPr lvl="8" marR="0" rtl="0" algn="l">
+            <a:lvl9pPr algn="l" lvl="8" marR="0" rtl="0">
               <a:lnSpc>
                 <a:spcPct val="100000"/>
               </a:lnSpc>
@@ -9446,7 +9446,7 @@
               <a:buSzPts val="6090"/>
               <a:buFont typeface="Helvetica Neue"/>
               <a:buChar char="•"/>
-              <a:defRPr b="0" i="0" sz="4200" u="none" cap="none" strike="noStrike">
+              <a:defRPr b="0" cap="none" i="0" strike="noStrike" sz="4200" u="none">
                 <a:solidFill>
                   <a:srgbClr val="000000"/>
                 </a:solidFill>
@@ -9482,9 +9482,9 @@
           </a:ln>
         </p:spPr>
         <p:txBody>
-          <a:bodyPr anchorCtr="0" anchor="t" bIns="45700" lIns="91425" spcFirstLastPara="1" rIns="91425" wrap="square" tIns="45700"/>
+          <a:bodyPr anchor="t" anchorCtr="0" bIns="45700" lIns="91425" numCol="1" rIns="91425" spcFirstLastPara="1" tIns="45700" wrap="square"/>
           <a:lstStyle>
-            <a:lvl1pPr lvl="0" marR="0" rtl="0" algn="l">
+            <a:lvl1pPr algn="l" lvl="0" marR="0" rtl="0">
               <a:lnSpc>
                 <a:spcPct val="100000"/>
               </a:lnSpc>
@@ -9500,7 +9500,7 @@
               <a:buSzPts val="6090"/>
               <a:buFont typeface="Helvetica Neue"/>
               <a:buChar char="•"/>
-              <a:defRPr b="0" i="0" sz="4200" u="none" cap="none" strike="noStrike">
+              <a:defRPr b="0" cap="none" i="0" strike="noStrike" sz="4200" u="none">
                 <a:solidFill>
                   <a:srgbClr val="000000"/>
                 </a:solidFill>
@@ -9510,7 +9510,7 @@
                 <a:sym typeface="Helvetica Neue"/>
               </a:defRPr>
             </a:lvl1pPr>
-            <a:lvl2pPr lvl="1" marR="0" rtl="0" algn="l">
+            <a:lvl2pPr algn="l" lvl="1" marR="0" rtl="0">
               <a:lnSpc>
                 <a:spcPct val="100000"/>
               </a:lnSpc>
@@ -9526,7 +9526,7 @@
               <a:buSzPts val="6090"/>
               <a:buFont typeface="Helvetica Neue"/>
               <a:buChar char="•"/>
-              <a:defRPr b="0" i="0" sz="4200" u="none" cap="none" strike="noStrike">
+              <a:defRPr b="0" cap="none" i="0" strike="noStrike" sz="4200" u="none">
                 <a:solidFill>
                   <a:srgbClr val="000000"/>
                 </a:solidFill>
@@ -9536,7 +9536,7 @@
                 <a:sym typeface="Helvetica Neue"/>
               </a:defRPr>
             </a:lvl2pPr>
-            <a:lvl3pPr lvl="2" marR="0" rtl="0" algn="l">
+            <a:lvl3pPr algn="l" lvl="2" marR="0" rtl="0">
               <a:lnSpc>
                 <a:spcPct val="100000"/>
               </a:lnSpc>
@@ -9552,7 +9552,7 @@
               <a:buSzPts val="6090"/>
               <a:buFont typeface="Helvetica Neue"/>
               <a:buChar char="•"/>
-              <a:defRPr b="0" i="0" sz="4200" u="none" cap="none" strike="noStrike">
+              <a:defRPr b="0" cap="none" i="0" strike="noStrike" sz="4200" u="none">
                 <a:solidFill>
                   <a:srgbClr val="000000"/>
                 </a:solidFill>
@@ -9562,7 +9562,7 @@
                 <a:sym typeface="Helvetica Neue"/>
               </a:defRPr>
             </a:lvl3pPr>
-            <a:lvl4pPr lvl="3" marR="0" rtl="0" algn="l">
+            <a:lvl4pPr algn="l" lvl="3" marR="0" rtl="0">
               <a:lnSpc>
                 <a:spcPct val="100000"/>
               </a:lnSpc>
@@ -9578,7 +9578,7 @@
               <a:buSzPts val="6090"/>
               <a:buFont typeface="Helvetica Neue"/>
               <a:buChar char="•"/>
-              <a:defRPr b="0" i="0" sz="4200" u="none" cap="none" strike="noStrike">
+              <a:defRPr b="0" cap="none" i="0" strike="noStrike" sz="4200" u="none">
                 <a:solidFill>
                   <a:srgbClr val="000000"/>
                 </a:solidFill>
@@ -9588,7 +9588,7 @@
                 <a:sym typeface="Helvetica Neue"/>
               </a:defRPr>
             </a:lvl4pPr>
-            <a:lvl5pPr lvl="4" marR="0" rtl="0" algn="l">
+            <a:lvl5pPr algn="l" lvl="4" marR="0" rtl="0">
               <a:lnSpc>
                 <a:spcPct val="100000"/>
               </a:lnSpc>
@@ -9604,7 +9604,7 @@
               <a:buSzPts val="6090"/>
               <a:buFont typeface="Helvetica Neue"/>
               <a:buChar char="•"/>
-              <a:defRPr b="0" i="0" sz="4200" u="none" cap="none" strike="noStrike">
+              <a:defRPr b="0" cap="none" i="0" strike="noStrike" sz="4200" u="none">
                 <a:solidFill>
                   <a:srgbClr val="000000"/>
                 </a:solidFill>
@@ -9614,7 +9614,7 @@
                 <a:sym typeface="Helvetica Neue"/>
               </a:defRPr>
             </a:lvl5pPr>
-            <a:lvl6pPr lvl="5" marR="0" rtl="0" algn="l">
+            <a:lvl6pPr algn="l" lvl="5" marR="0" rtl="0">
               <a:lnSpc>
                 <a:spcPct val="100000"/>
               </a:lnSpc>
@@ -9630,7 +9630,7 @@
               <a:buSzPts val="6090"/>
               <a:buFont typeface="Helvetica Neue"/>
               <a:buChar char="•"/>
-              <a:defRPr b="0" i="0" sz="4200" u="none" cap="none" strike="noStrike">
+              <a:defRPr b="0" cap="none" i="0" strike="noStrike" sz="4200" u="none">
                 <a:solidFill>
                   <a:srgbClr val="000000"/>
                 </a:solidFill>
@@ -9640,7 +9640,7 @@
                 <a:sym typeface="Helvetica Neue"/>
               </a:defRPr>
             </a:lvl6pPr>
-            <a:lvl7pPr lvl="6" marR="0" rtl="0" algn="l">
+            <a:lvl7pPr algn="l" lvl="6" marR="0" rtl="0">
               <a:lnSpc>
                 <a:spcPct val="100000"/>
               </a:lnSpc>
@@ -9656,7 +9656,7 @@
               <a:buSzPts val="6090"/>
               <a:buFont typeface="Helvetica Neue"/>
               <a:buChar char="•"/>
-              <a:defRPr b="0" i="0" sz="4200" u="none" cap="none" strike="noStrike">
+              <a:defRPr b="0" cap="none" i="0" strike="noStrike" sz="4200" u="none">
                 <a:solidFill>
                   <a:srgbClr val="000000"/>
                 </a:solidFill>
@@ -9666,7 +9666,7 @@
                 <a:sym typeface="Helvetica Neue"/>
               </a:defRPr>
             </a:lvl7pPr>
-            <a:lvl8pPr lvl="7" marR="0" rtl="0" algn="l">
+            <a:lvl8pPr algn="l" lvl="7" marR="0" rtl="0">
               <a:lnSpc>
                 <a:spcPct val="100000"/>
               </a:lnSpc>
@@ -9682,7 +9682,7 @@
               <a:buSzPts val="6090"/>
               <a:buFont typeface="Helvetica Neue"/>
               <a:buChar char="•"/>
-              <a:defRPr b="0" i="0" sz="4200" u="none" cap="none" strike="noStrike">
+              <a:defRPr b="0" cap="none" i="0" strike="noStrike" sz="4200" u="none">
                 <a:solidFill>
                   <a:srgbClr val="000000"/>
                 </a:solidFill>
@@ -9692,7 +9692,7 @@
                 <a:sym typeface="Helvetica Neue"/>
               </a:defRPr>
             </a:lvl8pPr>
-            <a:lvl9pPr lvl="8" marR="0" rtl="0" algn="l">
+            <a:lvl9pPr algn="l" lvl="8" marR="0" rtl="0">
               <a:lnSpc>
                 <a:spcPct val="100000"/>
               </a:lnSpc>
@@ -9708,7 +9708,7 @@
               <a:buSzPts val="6090"/>
               <a:buFont typeface="Helvetica Neue"/>
               <a:buChar char="•"/>
-              <a:defRPr b="0" i="0" sz="4200" u="none" cap="none" strike="noStrike">
+              <a:defRPr b="0" cap="none" i="0" strike="noStrike" sz="4200" u="none">
                 <a:solidFill>
                   <a:srgbClr val="000000"/>
                 </a:solidFill>
@@ -9744,9 +9744,9 @@
           </a:ln>
         </p:spPr>
         <p:txBody>
-          <a:bodyPr anchorCtr="0" anchor="t" bIns="45700" lIns="91425" spcFirstLastPara="1" rIns="91425" wrap="square" tIns="45700"/>
+          <a:bodyPr anchor="t" anchorCtr="0" bIns="45700" lIns="91425" numCol="1" rIns="91425" spcFirstLastPara="1" tIns="45700" wrap="square"/>
           <a:lstStyle>
-            <a:lvl1pPr lvl="0" marR="0" rtl="0" algn="l">
+            <a:lvl1pPr algn="l" lvl="0" marR="0" rtl="0">
               <a:lnSpc>
                 <a:spcPct val="100000"/>
               </a:lnSpc>
@@ -9762,7 +9762,7 @@
               <a:buSzPts val="6090"/>
               <a:buFont typeface="Helvetica Neue"/>
               <a:buChar char="•"/>
-              <a:defRPr b="0" i="0" sz="4200" u="none" cap="none" strike="noStrike">
+              <a:defRPr b="0" cap="none" i="0" strike="noStrike" sz="4200" u="none">
                 <a:solidFill>
                   <a:srgbClr val="000000"/>
                 </a:solidFill>
@@ -9772,7 +9772,7 @@
                 <a:sym typeface="Helvetica Neue"/>
               </a:defRPr>
             </a:lvl1pPr>
-            <a:lvl2pPr lvl="1" marR="0" rtl="0" algn="l">
+            <a:lvl2pPr algn="l" lvl="1" marR="0" rtl="0">
               <a:lnSpc>
                 <a:spcPct val="100000"/>
               </a:lnSpc>
@@ -9788,7 +9788,7 @@
               <a:buSzPts val="6090"/>
               <a:buFont typeface="Helvetica Neue"/>
               <a:buChar char="•"/>
-              <a:defRPr b="0" i="0" sz="4200" u="none" cap="none" strike="noStrike">
+              <a:defRPr b="0" cap="none" i="0" strike="noStrike" sz="4200" u="none">
                 <a:solidFill>
                   <a:srgbClr val="000000"/>
                 </a:solidFill>
@@ -9798,7 +9798,7 @@
                 <a:sym typeface="Helvetica Neue"/>
               </a:defRPr>
             </a:lvl2pPr>
-            <a:lvl3pPr lvl="2" marR="0" rtl="0" algn="l">
+            <a:lvl3pPr algn="l" lvl="2" marR="0" rtl="0">
               <a:lnSpc>
                 <a:spcPct val="100000"/>
               </a:lnSpc>
@@ -9814,7 +9814,7 @@
               <a:buSzPts val="6090"/>
               <a:buFont typeface="Helvetica Neue"/>
               <a:buChar char="•"/>
-              <a:defRPr b="0" i="0" sz="4200" u="none" cap="none" strike="noStrike">
+              <a:defRPr b="0" cap="none" i="0" strike="noStrike" sz="4200" u="none">
                 <a:solidFill>
                   <a:srgbClr val="000000"/>
                 </a:solidFill>
@@ -9824,7 +9824,7 @@
                 <a:sym typeface="Helvetica Neue"/>
               </a:defRPr>
             </a:lvl3pPr>
-            <a:lvl4pPr lvl="3" marR="0" rtl="0" algn="l">
+            <a:lvl4pPr algn="l" lvl="3" marR="0" rtl="0">
               <a:lnSpc>
                 <a:spcPct val="100000"/>
               </a:lnSpc>
@@ -9840,7 +9840,7 @@
               <a:buSzPts val="6090"/>
               <a:buFont typeface="Helvetica Neue"/>
               <a:buChar char="•"/>
-              <a:defRPr b="0" i="0" sz="4200" u="none" cap="none" strike="noStrike">
+              <a:defRPr b="0" cap="none" i="0" strike="noStrike" sz="4200" u="none">
                 <a:solidFill>
                   <a:srgbClr val="000000"/>
                 </a:solidFill>
@@ -9850,7 +9850,7 @@
                 <a:sym typeface="Helvetica Neue"/>
               </a:defRPr>
             </a:lvl4pPr>
-            <a:lvl5pPr lvl="4" marR="0" rtl="0" algn="l">
+            <a:lvl5pPr algn="l" lvl="4" marR="0" rtl="0">
               <a:lnSpc>
                 <a:spcPct val="100000"/>
               </a:lnSpc>
@@ -9866,7 +9866,7 @@
               <a:buSzPts val="6090"/>
               <a:buFont typeface="Helvetica Neue"/>
               <a:buChar char="•"/>
-              <a:defRPr b="0" i="0" sz="4200" u="none" cap="none" strike="noStrike">
+              <a:defRPr b="0" cap="none" i="0" strike="noStrike" sz="4200" u="none">
                 <a:solidFill>
                   <a:srgbClr val="000000"/>
                 </a:solidFill>
@@ -9876,7 +9876,7 @@
                 <a:sym typeface="Helvetica Neue"/>
               </a:defRPr>
             </a:lvl5pPr>
-            <a:lvl6pPr lvl="5" marR="0" rtl="0" algn="l">
+            <a:lvl6pPr algn="l" lvl="5" marR="0" rtl="0">
               <a:lnSpc>
                 <a:spcPct val="100000"/>
               </a:lnSpc>
@@ -9892,7 +9892,7 @@
               <a:buSzPts val="6090"/>
               <a:buFont typeface="Helvetica Neue"/>
               <a:buChar char="•"/>
-              <a:defRPr b="0" i="0" sz="4200" u="none" cap="none" strike="noStrike">
+              <a:defRPr b="0" cap="none" i="0" strike="noStrike" sz="4200" u="none">
                 <a:solidFill>
                   <a:srgbClr val="000000"/>
                 </a:solidFill>
@@ -9902,7 +9902,7 @@
                 <a:sym typeface="Helvetica Neue"/>
               </a:defRPr>
             </a:lvl6pPr>
-            <a:lvl7pPr lvl="6" marR="0" rtl="0" algn="l">
+            <a:lvl7pPr algn="l" lvl="6" marR="0" rtl="0">
               <a:lnSpc>
                 <a:spcPct val="100000"/>
               </a:lnSpc>
@@ -9918,7 +9918,7 @@
               <a:buSzPts val="6090"/>
               <a:buFont typeface="Helvetica Neue"/>
               <a:buChar char="•"/>
-              <a:defRPr b="0" i="0" sz="4200" u="none" cap="none" strike="noStrike">
+              <a:defRPr b="0" cap="none" i="0" strike="noStrike" sz="4200" u="none">
                 <a:solidFill>
                   <a:srgbClr val="000000"/>
                 </a:solidFill>
@@ -9928,7 +9928,7 @@
                 <a:sym typeface="Helvetica Neue"/>
               </a:defRPr>
             </a:lvl7pPr>
-            <a:lvl8pPr lvl="7" marR="0" rtl="0" algn="l">
+            <a:lvl8pPr algn="l" lvl="7" marR="0" rtl="0">
               <a:lnSpc>
                 <a:spcPct val="100000"/>
               </a:lnSpc>
@@ -9944,7 +9944,7 @@
               <a:buSzPts val="6090"/>
               <a:buFont typeface="Helvetica Neue"/>
               <a:buChar char="•"/>
-              <a:defRPr b="0" i="0" sz="4200" u="none" cap="none" strike="noStrike">
+              <a:defRPr b="0" cap="none" i="0" strike="noStrike" sz="4200" u="none">
                 <a:solidFill>
                   <a:srgbClr val="000000"/>
                 </a:solidFill>
@@ -9954,7 +9954,7 @@
                 <a:sym typeface="Helvetica Neue"/>
               </a:defRPr>
             </a:lvl8pPr>
-            <a:lvl9pPr lvl="8" marR="0" rtl="0" algn="l">
+            <a:lvl9pPr algn="l" lvl="8" marR="0" rtl="0">
               <a:lnSpc>
                 <a:spcPct val="100000"/>
               </a:lnSpc>
@@ -9970,7 +9970,7 @@
               <a:buSzPts val="6090"/>
               <a:buFont typeface="Helvetica Neue"/>
               <a:buChar char="•"/>
-              <a:defRPr b="0" i="0" sz="4200" u="none" cap="none" strike="noStrike">
+              <a:defRPr b="0" cap="none" i="0" strike="noStrike" sz="4200" u="none">
                 <a:solidFill>
                   <a:srgbClr val="000000"/>
                 </a:solidFill>
@@ -10006,11 +10006,11 @@
           </a:ln>
         </p:spPr>
         <p:txBody>
-          <a:bodyPr anchorCtr="0" anchor="t" bIns="50800" lIns="50800" spcFirstLastPara="1" rIns="50800" wrap="square" tIns="50800">
+          <a:bodyPr anchor="t" anchorCtr="0" bIns="50800" lIns="50800" numCol="1" rIns="50800" spcFirstLastPara="1" tIns="50800" wrap="square">
             <a:noAutofit/>
           </a:bodyPr>
           <a:lstStyle>
-            <a:lvl1pPr indent="0" lvl="0" marL="0" marR="0" rtl="0" algn="ctr">
+            <a:lvl1pPr algn="ctr" indent="0" lvl="0" marL="0" marR="0" rtl="0">
               <a:lnSpc>
                 <a:spcPct val="100000"/>
               </a:lnSpc>
@@ -10026,7 +10026,7 @@
               <a:buSzPts val="2100"/>
               <a:buFont typeface="Helvetica Neue Light"/>
               <a:buNone/>
-              <a:defRPr b="0" i="0" sz="2100" u="none" cap="none" strike="noStrike">
+              <a:defRPr b="0" cap="none" i="0" strike="noStrike" sz="2100" u="none">
                 <a:solidFill>
                   <a:srgbClr val="000000"/>
                 </a:solidFill>
@@ -10036,7 +10036,7 @@
                 <a:sym typeface="Helvetica Neue Light"/>
               </a:defRPr>
             </a:lvl1pPr>
-            <a:lvl2pPr indent="0" lvl="1" marL="0" marR="0" rtl="0" algn="ctr">
+            <a:lvl2pPr algn="ctr" indent="0" lvl="1" marL="0" marR="0" rtl="0">
               <a:lnSpc>
                 <a:spcPct val="100000"/>
               </a:lnSpc>
@@ -10052,7 +10052,7 @@
               <a:buSzPts val="2100"/>
               <a:buFont typeface="Helvetica Neue Light"/>
               <a:buNone/>
-              <a:defRPr b="0" i="0" sz="2100" u="none" cap="none" strike="noStrike">
+              <a:defRPr b="0" cap="none" i="0" strike="noStrike" sz="2100" u="none">
                 <a:solidFill>
                   <a:srgbClr val="000000"/>
                 </a:solidFill>
@@ -10062,7 +10062,7 @@
                 <a:sym typeface="Helvetica Neue Light"/>
               </a:defRPr>
             </a:lvl2pPr>
-            <a:lvl3pPr indent="0" lvl="2" marL="0" marR="0" rtl="0" algn="ctr">
+            <a:lvl3pPr algn="ctr" indent="0" lvl="2" marL="0" marR="0" rtl="0">
               <a:lnSpc>
                 <a:spcPct val="100000"/>
               </a:lnSpc>
@@ -10078,7 +10078,7 @@
               <a:buSzPts val="2100"/>
               <a:buFont typeface="Helvetica Neue Light"/>
               <a:buNone/>
-              <a:defRPr b="0" i="0" sz="2100" u="none" cap="none" strike="noStrike">
+              <a:defRPr b="0" cap="none" i="0" strike="noStrike" sz="2100" u="none">
                 <a:solidFill>
                   <a:srgbClr val="000000"/>
                 </a:solidFill>
@@ -10088,7 +10088,7 @@
                 <a:sym typeface="Helvetica Neue Light"/>
               </a:defRPr>
             </a:lvl3pPr>
-            <a:lvl4pPr indent="0" lvl="3" marL="0" marR="0" rtl="0" algn="ctr">
+            <a:lvl4pPr algn="ctr" indent="0" lvl="3" marL="0" marR="0" rtl="0">
               <a:lnSpc>
                 <a:spcPct val="100000"/>
               </a:lnSpc>
@@ -10104,7 +10104,7 @@
               <a:buSzPts val="2100"/>
               <a:buFont typeface="Helvetica Neue Light"/>
               <a:buNone/>
-              <a:defRPr b="0" i="0" sz="2100" u="none" cap="none" strike="noStrike">
+              <a:defRPr b="0" cap="none" i="0" strike="noStrike" sz="2100" u="none">
                 <a:solidFill>
                   <a:srgbClr val="000000"/>
                 </a:solidFill>
@@ -10114,7 +10114,7 @@
                 <a:sym typeface="Helvetica Neue Light"/>
               </a:defRPr>
             </a:lvl4pPr>
-            <a:lvl5pPr indent="0" lvl="4" marL="0" marR="0" rtl="0" algn="ctr">
+            <a:lvl5pPr algn="ctr" indent="0" lvl="4" marL="0" marR="0" rtl="0">
               <a:lnSpc>
                 <a:spcPct val="100000"/>
               </a:lnSpc>
@@ -10130,7 +10130,7 @@
               <a:buSzPts val="2100"/>
               <a:buFont typeface="Helvetica Neue Light"/>
               <a:buNone/>
-              <a:defRPr b="0" i="0" sz="2100" u="none" cap="none" strike="noStrike">
+              <a:defRPr b="0" cap="none" i="0" strike="noStrike" sz="2100" u="none">
                 <a:solidFill>
                   <a:srgbClr val="000000"/>
                 </a:solidFill>
@@ -10140,7 +10140,7 @@
                 <a:sym typeface="Helvetica Neue Light"/>
               </a:defRPr>
             </a:lvl5pPr>
-            <a:lvl6pPr indent="0" lvl="5" marL="0" marR="0" rtl="0" algn="ctr">
+            <a:lvl6pPr algn="ctr" indent="0" lvl="5" marL="0" marR="0" rtl="0">
               <a:lnSpc>
                 <a:spcPct val="100000"/>
               </a:lnSpc>
@@ -10156,7 +10156,7 @@
               <a:buSzPts val="2100"/>
               <a:buFont typeface="Helvetica Neue Light"/>
               <a:buNone/>
-              <a:defRPr b="0" i="0" sz="2100" u="none" cap="none" strike="noStrike">
+              <a:defRPr b="0" cap="none" i="0" strike="noStrike" sz="2100" u="none">
                 <a:solidFill>
                   <a:srgbClr val="000000"/>
                 </a:solidFill>
@@ -10166,7 +10166,7 @@
                 <a:sym typeface="Helvetica Neue Light"/>
               </a:defRPr>
             </a:lvl6pPr>
-            <a:lvl7pPr indent="0" lvl="6" marL="0" marR="0" rtl="0" algn="ctr">
+            <a:lvl7pPr algn="ctr" indent="0" lvl="6" marL="0" marR="0" rtl="0">
               <a:lnSpc>
                 <a:spcPct val="100000"/>
               </a:lnSpc>
@@ -10182,7 +10182,7 @@
               <a:buSzPts val="2100"/>
               <a:buFont typeface="Helvetica Neue Light"/>
               <a:buNone/>
-              <a:defRPr b="0" i="0" sz="2100" u="none" cap="none" strike="noStrike">
+              <a:defRPr b="0" cap="none" i="0" strike="noStrike" sz="2100" u="none">
                 <a:solidFill>
                   <a:srgbClr val="000000"/>
                 </a:solidFill>
@@ -10192,7 +10192,7 @@
                 <a:sym typeface="Helvetica Neue Light"/>
               </a:defRPr>
             </a:lvl7pPr>
-            <a:lvl8pPr indent="0" lvl="7" marL="0" marR="0" rtl="0" algn="ctr">
+            <a:lvl8pPr algn="ctr" indent="0" lvl="7" marL="0" marR="0" rtl="0">
               <a:lnSpc>
                 <a:spcPct val="100000"/>
               </a:lnSpc>
@@ -10208,7 +10208,7 @@
               <a:buSzPts val="2100"/>
               <a:buFont typeface="Helvetica Neue Light"/>
               <a:buNone/>
-              <a:defRPr b="0" i="0" sz="2100" u="none" cap="none" strike="noStrike">
+              <a:defRPr b="0" cap="none" i="0" strike="noStrike" sz="2100" u="none">
                 <a:solidFill>
                   <a:srgbClr val="000000"/>
                 </a:solidFill>
@@ -10218,7 +10218,7 @@
                 <a:sym typeface="Helvetica Neue Light"/>
               </a:defRPr>
             </a:lvl8pPr>
-            <a:lvl9pPr indent="0" lvl="8" marL="0" marR="0" rtl="0" algn="ctr">
+            <a:lvl9pPr algn="ctr" indent="0" lvl="8" marL="0" marR="0" rtl="0">
               <a:lnSpc>
                 <a:spcPct val="100000"/>
               </a:lnSpc>
@@ -10234,7 +10234,7 @@
               <a:buSzPts val="2100"/>
               <a:buFont typeface="Helvetica Neue Light"/>
               <a:buNone/>
-              <a:defRPr b="0" i="0" sz="2100" u="none" cap="none" strike="noStrike">
+              <a:defRPr b="0" cap="none" i="0" strike="noStrike" sz="2100" u="none">
                 <a:solidFill>
                   <a:srgbClr val="000000"/>
                 </a:solidFill>
@@ -10317,9 +10317,9 @@
           </a:ln>
         </p:spPr>
         <p:txBody>
-          <a:bodyPr anchorCtr="0" anchor="ctr" bIns="50800" lIns="50800" spcFirstLastPara="1" rIns="50800" wrap="square" tIns="50800"/>
+          <a:bodyPr anchor="ctr" anchorCtr="0" bIns="50800" lIns="50800" numCol="1" rIns="50800" spcFirstLastPara="1" tIns="50800" wrap="square"/>
           <a:lstStyle>
-            <a:lvl1pPr lvl="0" marR="0" rtl="0" algn="ctr">
+            <a:lvl1pPr algn="ctr" lvl="0" marR="0" rtl="0">
               <a:lnSpc>
                 <a:spcPct val="100000"/>
               </a:lnSpc>
@@ -10335,7 +10335,7 @@
               <a:buSzPts val="10600"/>
               <a:buFont typeface="Helvetica Neue"/>
               <a:buNone/>
-              <a:defRPr b="0" i="0" sz="10600" u="none" cap="none" strike="noStrike">
+              <a:defRPr b="0" cap="none" i="0" strike="noStrike" sz="10600" u="none">
                 <a:solidFill>
                   <a:srgbClr val="000000"/>
                 </a:solidFill>
@@ -10345,7 +10345,7 @@
                 <a:sym typeface="Helvetica Neue"/>
               </a:defRPr>
             </a:lvl1pPr>
-            <a:lvl2pPr lvl="1" marR="0" rtl="0" algn="ctr">
+            <a:lvl2pPr algn="ctr" lvl="1" marR="0" rtl="0">
               <a:lnSpc>
                 <a:spcPct val="100000"/>
               </a:lnSpc>
@@ -10361,7 +10361,7 @@
               <a:buSzPts val="10600"/>
               <a:buFont typeface="Helvetica Neue"/>
               <a:buNone/>
-              <a:defRPr b="0" i="0" sz="10600" u="none" cap="none" strike="noStrike">
+              <a:defRPr b="0" cap="none" i="0" strike="noStrike" sz="10600" u="none">
                 <a:solidFill>
                   <a:srgbClr val="000000"/>
                 </a:solidFill>
@@ -10371,7 +10371,7 @@
                 <a:sym typeface="Helvetica Neue"/>
               </a:defRPr>
             </a:lvl2pPr>
-            <a:lvl3pPr lvl="2" marR="0" rtl="0" algn="ctr">
+            <a:lvl3pPr algn="ctr" lvl="2" marR="0" rtl="0">
               <a:lnSpc>
                 <a:spcPct val="100000"/>
               </a:lnSpc>
@@ -10387,7 +10387,7 @@
               <a:buSzPts val="10600"/>
               <a:buFont typeface="Helvetica Neue"/>
               <a:buNone/>
-              <a:defRPr b="0" i="0" sz="10600" u="none" cap="none" strike="noStrike">
+              <a:defRPr b="0" cap="none" i="0" strike="noStrike" sz="10600" u="none">
                 <a:solidFill>
                   <a:srgbClr val="000000"/>
                 </a:solidFill>
@@ -10397,7 +10397,7 @@
                 <a:sym typeface="Helvetica Neue"/>
               </a:defRPr>
             </a:lvl3pPr>
-            <a:lvl4pPr lvl="3" marR="0" rtl="0" algn="ctr">
+            <a:lvl4pPr algn="ctr" lvl="3" marR="0" rtl="0">
               <a:lnSpc>
                 <a:spcPct val="100000"/>
               </a:lnSpc>
@@ -10413,7 +10413,7 @@
               <a:buSzPts val="10600"/>
               <a:buFont typeface="Helvetica Neue"/>
               <a:buNone/>
-              <a:defRPr b="0" i="0" sz="10600" u="none" cap="none" strike="noStrike">
+              <a:defRPr b="0" cap="none" i="0" strike="noStrike" sz="10600" u="none">
                 <a:solidFill>
                   <a:srgbClr val="000000"/>
                 </a:solidFill>
@@ -10423,7 +10423,7 @@
                 <a:sym typeface="Helvetica Neue"/>
               </a:defRPr>
             </a:lvl4pPr>
-            <a:lvl5pPr lvl="4" marR="0" rtl="0" algn="ctr">
+            <a:lvl5pPr algn="ctr" lvl="4" marR="0" rtl="0">
               <a:lnSpc>
                 <a:spcPct val="100000"/>
               </a:lnSpc>
@@ -10439,7 +10439,7 @@
               <a:buSzPts val="10600"/>
               <a:buFont typeface="Helvetica Neue"/>
               <a:buNone/>
-              <a:defRPr b="0" i="0" sz="10600" u="none" cap="none" strike="noStrike">
+              <a:defRPr b="0" cap="none" i="0" strike="noStrike" sz="10600" u="none">
                 <a:solidFill>
                   <a:srgbClr val="000000"/>
                 </a:solidFill>
@@ -10449,7 +10449,7 @@
                 <a:sym typeface="Helvetica Neue"/>
               </a:defRPr>
             </a:lvl5pPr>
-            <a:lvl6pPr lvl="5" marR="0" rtl="0" algn="ctr">
+            <a:lvl6pPr algn="ctr" lvl="5" marR="0" rtl="0">
               <a:lnSpc>
                 <a:spcPct val="100000"/>
               </a:lnSpc>
@@ -10465,7 +10465,7 @@
               <a:buSzPts val="10600"/>
               <a:buFont typeface="Helvetica Neue"/>
               <a:buNone/>
-              <a:defRPr b="0" i="0" sz="10600" u="none" cap="none" strike="noStrike">
+              <a:defRPr b="0" cap="none" i="0" strike="noStrike" sz="10600" u="none">
                 <a:solidFill>
                   <a:srgbClr val="000000"/>
                 </a:solidFill>
@@ -10475,7 +10475,7 @@
                 <a:sym typeface="Helvetica Neue"/>
               </a:defRPr>
             </a:lvl6pPr>
-            <a:lvl7pPr lvl="6" marR="0" rtl="0" algn="ctr">
+            <a:lvl7pPr algn="ctr" lvl="6" marR="0" rtl="0">
               <a:lnSpc>
                 <a:spcPct val="100000"/>
               </a:lnSpc>
@@ -10491,7 +10491,7 @@
               <a:buSzPts val="10600"/>
               <a:buFont typeface="Helvetica Neue"/>
               <a:buNone/>
-              <a:defRPr b="0" i="0" sz="10600" u="none" cap="none" strike="noStrike">
+              <a:defRPr b="0" cap="none" i="0" strike="noStrike" sz="10600" u="none">
                 <a:solidFill>
                   <a:srgbClr val="000000"/>
                 </a:solidFill>
@@ -10501,7 +10501,7 @@
                 <a:sym typeface="Helvetica Neue"/>
               </a:defRPr>
             </a:lvl7pPr>
-            <a:lvl8pPr lvl="7" marR="0" rtl="0" algn="ctr">
+            <a:lvl8pPr algn="ctr" lvl="7" marR="0" rtl="0">
               <a:lnSpc>
                 <a:spcPct val="100000"/>
               </a:lnSpc>
@@ -10517,7 +10517,7 @@
               <a:buSzPts val="10600"/>
               <a:buFont typeface="Helvetica Neue"/>
               <a:buNone/>
-              <a:defRPr b="0" i="0" sz="10600" u="none" cap="none" strike="noStrike">
+              <a:defRPr b="0" cap="none" i="0" strike="noStrike" sz="10600" u="none">
                 <a:solidFill>
                   <a:srgbClr val="000000"/>
                 </a:solidFill>
@@ -10527,7 +10527,7 @@
                 <a:sym typeface="Helvetica Neue"/>
               </a:defRPr>
             </a:lvl8pPr>
-            <a:lvl9pPr lvl="8" marR="0" rtl="0" algn="ctr">
+            <a:lvl9pPr algn="ctr" lvl="8" marR="0" rtl="0">
               <a:lnSpc>
                 <a:spcPct val="100000"/>
               </a:lnSpc>
@@ -10543,7 +10543,7 @@
               <a:buSzPts val="10600"/>
               <a:buFont typeface="Helvetica Neue"/>
               <a:buNone/>
-              <a:defRPr b="0" i="0" sz="10600" u="none" cap="none" strike="noStrike">
+              <a:defRPr b="0" cap="none" i="0" strike="noStrike" sz="10600" u="none">
                 <a:solidFill>
                   <a:srgbClr val="000000"/>
                 </a:solidFill>
@@ -10579,9 +10579,9 @@
           </a:ln>
         </p:spPr>
         <p:txBody>
-          <a:bodyPr anchorCtr="0" anchor="ctr" bIns="50800" lIns="50800" spcFirstLastPara="1" rIns="50800" wrap="square" tIns="50800"/>
+          <a:bodyPr anchor="ctr" anchorCtr="0" bIns="50800" lIns="50800" numCol="1" rIns="50800" spcFirstLastPara="1" tIns="50800" wrap="square"/>
           <a:lstStyle>
-            <a:lvl1pPr indent="-615315" lvl="0" marL="457200" marR="0" rtl="0" algn="l">
+            <a:lvl1pPr algn="l" indent="-615315" lvl="0" marL="457200" marR="0" rtl="0">
               <a:lnSpc>
                 <a:spcPct val="100000"/>
               </a:lnSpc>
@@ -10597,7 +10597,7 @@
               <a:buSzPts val="6090"/>
               <a:buFont typeface="Helvetica Neue"/>
               <a:buChar char="•"/>
-              <a:defRPr b="0" i="0" sz="4200" u="none" cap="none" strike="noStrike">
+              <a:defRPr b="0" cap="none" i="0" strike="noStrike" sz="4200" u="none">
                 <a:solidFill>
                   <a:srgbClr val="000000"/>
                 </a:solidFill>
@@ -10607,7 +10607,7 @@
                 <a:sym typeface="Helvetica Neue"/>
               </a:defRPr>
             </a:lvl1pPr>
-            <a:lvl2pPr indent="-615315" lvl="1" marL="914400" marR="0" rtl="0" algn="l">
+            <a:lvl2pPr algn="l" indent="-615315" lvl="1" marL="914400" marR="0" rtl="0">
               <a:lnSpc>
                 <a:spcPct val="100000"/>
               </a:lnSpc>
@@ -10623,7 +10623,7 @@
               <a:buSzPts val="6090"/>
               <a:buFont typeface="Helvetica Neue"/>
               <a:buChar char="•"/>
-              <a:defRPr b="0" i="0" sz="4200" u="none" cap="none" strike="noStrike">
+              <a:defRPr b="0" cap="none" i="0" strike="noStrike" sz="4200" u="none">
                 <a:solidFill>
                   <a:srgbClr val="000000"/>
                 </a:solidFill>
@@ -10633,7 +10633,7 @@
                 <a:sym typeface="Helvetica Neue"/>
               </a:defRPr>
             </a:lvl2pPr>
-            <a:lvl3pPr indent="-615315" lvl="2" marL="1371600" marR="0" rtl="0" algn="l">
+            <a:lvl3pPr algn="l" indent="-615315" lvl="2" marL="1371600" marR="0" rtl="0">
               <a:lnSpc>
                 <a:spcPct val="100000"/>
               </a:lnSpc>
@@ -10649,7 +10649,7 @@
               <a:buSzPts val="6090"/>
               <a:buFont typeface="Helvetica Neue"/>
               <a:buChar char="•"/>
-              <a:defRPr b="0" i="0" sz="4200" u="none" cap="none" strike="noStrike">
+              <a:defRPr b="0" cap="none" i="0" strike="noStrike" sz="4200" u="none">
                 <a:solidFill>
                   <a:srgbClr val="000000"/>
                 </a:solidFill>
@@ -10659,7 +10659,7 @@
                 <a:sym typeface="Helvetica Neue"/>
               </a:defRPr>
             </a:lvl3pPr>
-            <a:lvl4pPr indent="-615314" lvl="3" marL="1828800" marR="0" rtl="0" algn="l">
+            <a:lvl4pPr algn="l" indent="-615314" lvl="3" marL="1828800" marR="0" rtl="0">
               <a:lnSpc>
                 <a:spcPct val="100000"/>
               </a:lnSpc>
@@ -10675,7 +10675,7 @@
               <a:buSzPts val="6090"/>
               <a:buFont typeface="Helvetica Neue"/>
               <a:buChar char="•"/>
-              <a:defRPr b="0" i="0" sz="4200" u="none" cap="none" strike="noStrike">
+              <a:defRPr b="0" cap="none" i="0" strike="noStrike" sz="4200" u="none">
                 <a:solidFill>
                   <a:srgbClr val="000000"/>
                 </a:solidFill>
@@ -10685,7 +10685,7 @@
                 <a:sym typeface="Helvetica Neue"/>
               </a:defRPr>
             </a:lvl4pPr>
-            <a:lvl5pPr indent="-615314" lvl="4" marL="2286000" marR="0" rtl="0" algn="l">
+            <a:lvl5pPr algn="l" indent="-615314" lvl="4" marL="2286000" marR="0" rtl="0">
               <a:lnSpc>
                 <a:spcPct val="100000"/>
               </a:lnSpc>
@@ -10701,7 +10701,7 @@
               <a:buSzPts val="6090"/>
               <a:buFont typeface="Helvetica Neue"/>
               <a:buChar char="•"/>
-              <a:defRPr b="0" i="0" sz="4200" u="none" cap="none" strike="noStrike">
+              <a:defRPr b="0" cap="none" i="0" strike="noStrike" sz="4200" u="none">
                 <a:solidFill>
                   <a:srgbClr val="000000"/>
                 </a:solidFill>
@@ -10711,7 +10711,7 @@
                 <a:sym typeface="Helvetica Neue"/>
               </a:defRPr>
             </a:lvl5pPr>
-            <a:lvl6pPr indent="-615314" lvl="5" marL="2743200" marR="0" rtl="0" algn="l">
+            <a:lvl6pPr algn="l" indent="-615314" lvl="5" marL="2743200" marR="0" rtl="0">
               <a:lnSpc>
                 <a:spcPct val="100000"/>
               </a:lnSpc>
@@ -10727,7 +10727,7 @@
               <a:buSzPts val="6090"/>
               <a:buFont typeface="Helvetica Neue"/>
               <a:buChar char="•"/>
-              <a:defRPr b="0" i="0" sz="4200" u="none" cap="none" strike="noStrike">
+              <a:defRPr b="0" cap="none" i="0" strike="noStrike" sz="4200" u="none">
                 <a:solidFill>
                   <a:srgbClr val="000000"/>
                 </a:solidFill>
@@ -10737,7 +10737,7 @@
                 <a:sym typeface="Helvetica Neue"/>
               </a:defRPr>
             </a:lvl6pPr>
-            <a:lvl7pPr indent="-615314" lvl="6" marL="3200400" marR="0" rtl="0" algn="l">
+            <a:lvl7pPr algn="l" indent="-615314" lvl="6" marL="3200400" marR="0" rtl="0">
               <a:lnSpc>
                 <a:spcPct val="100000"/>
               </a:lnSpc>
@@ -10753,7 +10753,7 @@
               <a:buSzPts val="6090"/>
               <a:buFont typeface="Helvetica Neue"/>
               <a:buChar char="•"/>
-              <a:defRPr b="0" i="0" sz="4200" u="none" cap="none" strike="noStrike">
+              <a:defRPr b="0" cap="none" i="0" strike="noStrike" sz="4200" u="none">
                 <a:solidFill>
                   <a:srgbClr val="000000"/>
                 </a:solidFill>
@@ -10763,7 +10763,7 @@
                 <a:sym typeface="Helvetica Neue"/>
               </a:defRPr>
             </a:lvl7pPr>
-            <a:lvl8pPr indent="-615314" lvl="7" marL="3657600" marR="0" rtl="0" algn="l">
+            <a:lvl8pPr algn="l" indent="-615314" lvl="7" marL="3657600" marR="0" rtl="0">
               <a:lnSpc>
                 <a:spcPct val="100000"/>
               </a:lnSpc>
@@ -10779,7 +10779,7 @@
               <a:buSzPts val="6090"/>
               <a:buFont typeface="Helvetica Neue"/>
               <a:buChar char="•"/>
-              <a:defRPr b="0" i="0" sz="4200" u="none" cap="none" strike="noStrike">
+              <a:defRPr b="0" cap="none" i="0" strike="noStrike" sz="4200" u="none">
                 <a:solidFill>
                   <a:srgbClr val="000000"/>
                 </a:solidFill>
@@ -10789,7 +10789,7 @@
                 <a:sym typeface="Helvetica Neue"/>
               </a:defRPr>
             </a:lvl8pPr>
-            <a:lvl9pPr indent="-615315" lvl="8" marL="4114800" marR="0" rtl="0" algn="l">
+            <a:lvl9pPr algn="l" indent="-615315" lvl="8" marL="4114800" marR="0" rtl="0">
               <a:lnSpc>
                 <a:spcPct val="100000"/>
               </a:lnSpc>
@@ -10805,7 +10805,7 @@
               <a:buSzPts val="6090"/>
               <a:buFont typeface="Helvetica Neue"/>
               <a:buChar char="•"/>
-              <a:defRPr b="0" i="0" sz="4200" u="none" cap="none" strike="noStrike">
+              <a:defRPr b="0" cap="none" i="0" strike="noStrike" sz="4200" u="none">
                 <a:solidFill>
                   <a:srgbClr val="000000"/>
                 </a:solidFill>
@@ -10841,11 +10841,11 @@
           </a:ln>
         </p:spPr>
         <p:txBody>
-          <a:bodyPr anchorCtr="0" anchor="t" bIns="50800" lIns="50800" spcFirstLastPara="1" rIns="50800" wrap="square" tIns="50800">
+          <a:bodyPr anchor="t" anchorCtr="0" bIns="50800" lIns="50800" numCol="1" rIns="50800" spcFirstLastPara="1" tIns="50800" wrap="square">
             <a:noAutofit/>
           </a:bodyPr>
           <a:lstStyle>
-            <a:lvl1pPr indent="0" lvl="0" marL="0" marR="0" rtl="0" algn="ctr">
+            <a:lvl1pPr algn="ctr" indent="0" lvl="0" marL="0" marR="0" rtl="0">
               <a:lnSpc>
                 <a:spcPct val="100000"/>
               </a:lnSpc>
@@ -10861,7 +10861,7 @@
               <a:buSzPts val="2100"/>
               <a:buFont typeface="Helvetica Neue Light"/>
               <a:buNone/>
-              <a:defRPr b="0" i="0" sz="2100" u="none" cap="none" strike="noStrike">
+              <a:defRPr b="0" cap="none" i="0" strike="noStrike" sz="2100" u="none">
                 <a:solidFill>
                   <a:srgbClr val="000000"/>
                 </a:solidFill>
@@ -10871,7 +10871,7 @@
                 <a:sym typeface="Helvetica Neue Light"/>
               </a:defRPr>
             </a:lvl1pPr>
-            <a:lvl2pPr indent="0" lvl="1" marL="0" marR="0" rtl="0" algn="ctr">
+            <a:lvl2pPr algn="ctr" indent="0" lvl="1" marL="0" marR="0" rtl="0">
               <a:lnSpc>
                 <a:spcPct val="100000"/>
               </a:lnSpc>
@@ -10887,7 +10887,7 @@
               <a:buSzPts val="2100"/>
               <a:buFont typeface="Helvetica Neue Light"/>
               <a:buNone/>
-              <a:defRPr b="0" i="0" sz="2100" u="none" cap="none" strike="noStrike">
+              <a:defRPr b="0" cap="none" i="0" strike="noStrike" sz="2100" u="none">
                 <a:solidFill>
                   <a:srgbClr val="000000"/>
                 </a:solidFill>
@@ -10897,7 +10897,7 @@
                 <a:sym typeface="Helvetica Neue Light"/>
               </a:defRPr>
             </a:lvl2pPr>
-            <a:lvl3pPr indent="0" lvl="2" marL="0" marR="0" rtl="0" algn="ctr">
+            <a:lvl3pPr algn="ctr" indent="0" lvl="2" marL="0" marR="0" rtl="0">
               <a:lnSpc>
                 <a:spcPct val="100000"/>
               </a:lnSpc>
@@ -10913,7 +10913,7 @@
               <a:buSzPts val="2100"/>
               <a:buFont typeface="Helvetica Neue Light"/>
               <a:buNone/>
-              <a:defRPr b="0" i="0" sz="2100" u="none" cap="none" strike="noStrike">
+              <a:defRPr b="0" cap="none" i="0" strike="noStrike" sz="2100" u="none">
                 <a:solidFill>
                   <a:srgbClr val="000000"/>
                 </a:solidFill>
@@ -10923,7 +10923,7 @@
                 <a:sym typeface="Helvetica Neue Light"/>
               </a:defRPr>
             </a:lvl3pPr>
-            <a:lvl4pPr indent="0" lvl="3" marL="0" marR="0" rtl="0" algn="ctr">
+            <a:lvl4pPr algn="ctr" indent="0" lvl="3" marL="0" marR="0" rtl="0">
               <a:lnSpc>
                 <a:spcPct val="100000"/>
               </a:lnSpc>
@@ -10939,7 +10939,7 @@
               <a:buSzPts val="2100"/>
               <a:buFont typeface="Helvetica Neue Light"/>
               <a:buNone/>
-              <a:defRPr b="0" i="0" sz="2100" u="none" cap="none" strike="noStrike">
+              <a:defRPr b="0" cap="none" i="0" strike="noStrike" sz="2100" u="none">
                 <a:solidFill>
                   <a:srgbClr val="000000"/>
                 </a:solidFill>
@@ -10949,7 +10949,7 @@
                 <a:sym typeface="Helvetica Neue Light"/>
               </a:defRPr>
             </a:lvl4pPr>
-            <a:lvl5pPr indent="0" lvl="4" marL="0" marR="0" rtl="0" algn="ctr">
+            <a:lvl5pPr algn="ctr" indent="0" lvl="4" marL="0" marR="0" rtl="0">
               <a:lnSpc>
                 <a:spcPct val="100000"/>
               </a:lnSpc>
@@ -10965,7 +10965,7 @@
               <a:buSzPts val="2100"/>
               <a:buFont typeface="Helvetica Neue Light"/>
               <a:buNone/>
-              <a:defRPr b="0" i="0" sz="2100" u="none" cap="none" strike="noStrike">
+              <a:defRPr b="0" cap="none" i="0" strike="noStrike" sz="2100" u="none">
                 <a:solidFill>
                   <a:srgbClr val="000000"/>
                 </a:solidFill>
@@ -10975,7 +10975,7 @@
                 <a:sym typeface="Helvetica Neue Light"/>
               </a:defRPr>
             </a:lvl5pPr>
-            <a:lvl6pPr indent="0" lvl="5" marL="0" marR="0" rtl="0" algn="ctr">
+            <a:lvl6pPr algn="ctr" indent="0" lvl="5" marL="0" marR="0" rtl="0">
               <a:lnSpc>
                 <a:spcPct val="100000"/>
               </a:lnSpc>
@@ -10991,7 +10991,7 @@
               <a:buSzPts val="2100"/>
               <a:buFont typeface="Helvetica Neue Light"/>
               <a:buNone/>
-              <a:defRPr b="0" i="0" sz="2100" u="none" cap="none" strike="noStrike">
+              <a:defRPr b="0" cap="none" i="0" strike="noStrike" sz="2100" u="none">
                 <a:solidFill>
                   <a:srgbClr val="000000"/>
                 </a:solidFill>
@@ -11001,7 +11001,7 @@
                 <a:sym typeface="Helvetica Neue Light"/>
               </a:defRPr>
             </a:lvl6pPr>
-            <a:lvl7pPr indent="0" lvl="6" marL="0" marR="0" rtl="0" algn="ctr">
+            <a:lvl7pPr algn="ctr" indent="0" lvl="6" marL="0" marR="0" rtl="0">
               <a:lnSpc>
                 <a:spcPct val="100000"/>
               </a:lnSpc>
@@ -11017,7 +11017,7 @@
               <a:buSzPts val="2100"/>
               <a:buFont typeface="Helvetica Neue Light"/>
               <a:buNone/>
-              <a:defRPr b="0" i="0" sz="2100" u="none" cap="none" strike="noStrike">
+              <a:defRPr b="0" cap="none" i="0" strike="noStrike" sz="2100" u="none">
                 <a:solidFill>
                   <a:srgbClr val="000000"/>
                 </a:solidFill>
@@ -11027,7 +11027,7 @@
                 <a:sym typeface="Helvetica Neue Light"/>
               </a:defRPr>
             </a:lvl7pPr>
-            <a:lvl8pPr indent="0" lvl="7" marL="0" marR="0" rtl="0" algn="ctr">
+            <a:lvl8pPr algn="ctr" indent="0" lvl="7" marL="0" marR="0" rtl="0">
               <a:lnSpc>
                 <a:spcPct val="100000"/>
               </a:lnSpc>
@@ -11043,7 +11043,7 @@
               <a:buSzPts val="2100"/>
               <a:buFont typeface="Helvetica Neue Light"/>
               <a:buNone/>
-              <a:defRPr b="0" i="0" sz="2100" u="none" cap="none" strike="noStrike">
+              <a:defRPr b="0" cap="none" i="0" strike="noStrike" sz="2100" u="none">
                 <a:solidFill>
                   <a:srgbClr val="000000"/>
                 </a:solidFill>
@@ -11053,7 +11053,7 @@
                 <a:sym typeface="Helvetica Neue Light"/>
               </a:defRPr>
             </a:lvl8pPr>
-            <a:lvl9pPr indent="0" lvl="8" marL="0" marR="0" rtl="0" algn="ctr">
+            <a:lvl9pPr algn="ctr" indent="0" lvl="8" marL="0" marR="0" rtl="0">
               <a:lnSpc>
                 <a:spcPct val="100000"/>
               </a:lnSpc>
@@ -11069,7 +11069,7 @@
               <a:buSzPts val="2100"/>
               <a:buFont typeface="Helvetica Neue Light"/>
               <a:buNone/>
-              <a:defRPr b="0" i="0" sz="2100" u="none" cap="none" strike="noStrike">
+              <a:defRPr b="0" cap="none" i="0" strike="noStrike" sz="2100" u="none">
                 <a:solidFill>
                   <a:srgbClr val="000000"/>
                 </a:solidFill>
@@ -11105,25 +11105,25 @@
       </p:sp>
     </p:spTree>
   </p:cSld>
-  <p:clrMap accent1="accent1" accent2="accent2" accent3="accent3" accent4="accent4" accent5="accent5" accent6="accent6" bg1="lt1" bg2="dk2" tx1="dk1" tx2="lt2" folHlink="folHlink" hlink="hlink"/>
+  <p:clrMap accent1="accent1" accent2="accent2" accent3="accent3" accent4="accent4" accent5="accent5" accent6="accent6" bg1="lt1" bg2="dk2" folHlink="folHlink" hlink="hlink" tx1="dk1" tx2="lt2"/>
   <p:sldLayoutIdLst>
-    <p:sldLayoutId id="2147483648" r:id="rId1"/>
-    <p:sldLayoutId id="2147483649" r:id="rId2"/>
-    <p:sldLayoutId id="2147483650" r:id="rId3"/>
-    <p:sldLayoutId id="2147483651" r:id="rId4"/>
-    <p:sldLayoutId id="2147483652" r:id="rId5"/>
-    <p:sldLayoutId id="2147483653" r:id="rId6"/>
-    <p:sldLayoutId id="2147483654" r:id="rId7"/>
-    <p:sldLayoutId id="2147483655" r:id="rId8"/>
-    <p:sldLayoutId id="2147483656" r:id="rId9"/>
-    <p:sldLayoutId id="2147483657" r:id="rId10"/>
-    <p:sldLayoutId id="2147483658" r:id="rId11"/>
-    <p:sldLayoutId id="2147483659" r:id="rId12"/>
+    <p:sldLayoutId id="2147483648" r:id="rId2"/>
+    <p:sldLayoutId id="2147483649" r:id="rId3"/>
+    <p:sldLayoutId id="2147483650" r:id="rId4"/>
+    <p:sldLayoutId id="2147483651" r:id="rId5"/>
+    <p:sldLayoutId id="2147483652" r:id="rId6"/>
+    <p:sldLayoutId id="2147483653" r:id="rId7"/>
+    <p:sldLayoutId id="2147483654" r:id="rId8"/>
+    <p:sldLayoutId id="2147483655" r:id="rId9"/>
+    <p:sldLayoutId id="2147483656" r:id="rId10"/>
+    <p:sldLayoutId id="2147483657" r:id="rId11"/>
+    <p:sldLayoutId id="2147483658" r:id="rId12"/>
+    <p:sldLayoutId id="2147483659" r:id="rId13"/>
   </p:sldLayoutIdLst>
   <p:hf dt="0" ftr="0" hdr="0" sldNum="0"/>
   <p:txStyles>
     <p:titleStyle>
-      <a:defPPr lvl="0" marR="0" rtl="0" algn="l">
+      <a:defPPr algn="l" lvl="0" marR="0" rtl="0">
         <a:lnSpc>
           <a:spcPct val="100000"/>
         </a:lnSpc>
@@ -11134,7 +11134,7 @@
           <a:spcPts val="0"/>
         </a:spcAft>
       </a:defPPr>
-      <a:lvl1pPr lvl="0" marR="0" rtl="0" algn="l">
+      <a:lvl1pPr algn="l" lvl="0" marR="0" rtl="0">
         <a:lnSpc>
           <a:spcPct val="100000"/>
         </a:lnSpc>
@@ -11148,7 +11148,7 @@
           <a:srgbClr val="000000"/>
         </a:buClr>
         <a:buFont typeface="Arial"/>
-        <a:defRPr b="0" i="0" sz="1400" u="none" cap="none" strike="noStrike">
+        <a:defRPr b="0" cap="none" i="0" strike="noStrike" sz="1400" u="none">
           <a:solidFill>
             <a:srgbClr val="000000"/>
           </a:solidFill>
@@ -11158,7 +11158,7 @@
           <a:sym typeface="Arial"/>
         </a:defRPr>
       </a:lvl1pPr>
-      <a:lvl2pPr lvl="1" marR="0" rtl="0" algn="l">
+      <a:lvl2pPr algn="l" lvl="1" marR="0" rtl="0">
         <a:lnSpc>
           <a:spcPct val="100000"/>
         </a:lnSpc>
@@ -11172,7 +11172,7 @@
           <a:srgbClr val="000000"/>
         </a:buClr>
         <a:buFont typeface="Arial"/>
-        <a:defRPr b="0" i="0" sz="1400" u="none" cap="none" strike="noStrike">
+        <a:defRPr b="0" cap="none" i="0" strike="noStrike" sz="1400" u="none">
           <a:solidFill>
             <a:srgbClr val="000000"/>
           </a:solidFill>
@@ -11182,7 +11182,7 @@
           <a:sym typeface="Arial"/>
         </a:defRPr>
       </a:lvl2pPr>
-      <a:lvl3pPr lvl="2" marR="0" rtl="0" algn="l">
+      <a:lvl3pPr algn="l" lvl="2" marR="0" rtl="0">
         <a:lnSpc>
           <a:spcPct val="100000"/>
         </a:lnSpc>
@@ -11196,7 +11196,7 @@
           <a:srgbClr val="000000"/>
         </a:buClr>
         <a:buFont typeface="Arial"/>
-        <a:defRPr b="0" i="0" sz="1400" u="none" cap="none" strike="noStrike">
+        <a:defRPr b="0" cap="none" i="0" strike="noStrike" sz="1400" u="none">
           <a:solidFill>
             <a:srgbClr val="000000"/>
           </a:solidFill>
@@ -11206,7 +11206,7 @@
           <a:sym typeface="Arial"/>
         </a:defRPr>
       </a:lvl3pPr>
-      <a:lvl4pPr lvl="3" marR="0" rtl="0" algn="l">
+      <a:lvl4pPr algn="l" lvl="3" marR="0" rtl="0">
         <a:lnSpc>
           <a:spcPct val="100000"/>
         </a:lnSpc>
@@ -11220,7 +11220,7 @@
           <a:srgbClr val="000000"/>
         </a:buClr>
         <a:buFont typeface="Arial"/>
-        <a:defRPr b="0" i="0" sz="1400" u="none" cap="none" strike="noStrike">
+        <a:defRPr b="0" cap="none" i="0" strike="noStrike" sz="1400" u="none">
           <a:solidFill>
             <a:srgbClr val="000000"/>
           </a:solidFill>
@@ -11230,7 +11230,7 @@
           <a:sym typeface="Arial"/>
         </a:defRPr>
       </a:lvl4pPr>
-      <a:lvl5pPr lvl="4" marR="0" rtl="0" algn="l">
+      <a:lvl5pPr algn="l" lvl="4" marR="0" rtl="0">
         <a:lnSpc>
           <a:spcPct val="100000"/>
         </a:lnSpc>
@@ -11244,7 +11244,7 @@
           <a:srgbClr val="000000"/>
         </a:buClr>
         <a:buFont typeface="Arial"/>
-        <a:defRPr b="0" i="0" sz="1400" u="none" cap="none" strike="noStrike">
+        <a:defRPr b="0" cap="none" i="0" strike="noStrike" sz="1400" u="none">
           <a:solidFill>
             <a:srgbClr val="000000"/>
           </a:solidFill>
@@ -11254,7 +11254,7 @@
           <a:sym typeface="Arial"/>
         </a:defRPr>
       </a:lvl5pPr>
-      <a:lvl6pPr lvl="5" marR="0" rtl="0" algn="l">
+      <a:lvl6pPr algn="l" lvl="5" marR="0" rtl="0">
         <a:lnSpc>
           <a:spcPct val="100000"/>
         </a:lnSpc>
@@ -11268,7 +11268,7 @@
           <a:srgbClr val="000000"/>
         </a:buClr>
         <a:buFont typeface="Arial"/>
-        <a:defRPr b="0" i="0" sz="1400" u="none" cap="none" strike="noStrike">
+        <a:defRPr b="0" cap="none" i="0" strike="noStrike" sz="1400" u="none">
           <a:solidFill>
             <a:srgbClr val="000000"/>
           </a:solidFill>
@@ -11278,7 +11278,7 @@
           <a:sym typeface="Arial"/>
         </a:defRPr>
       </a:lvl6pPr>
-      <a:lvl7pPr lvl="6" marR="0" rtl="0" algn="l">
+      <a:lvl7pPr algn="l" lvl="6" marR="0" rtl="0">
         <a:lnSpc>
           <a:spcPct val="100000"/>
         </a:lnSpc>
@@ -11292,7 +11292,7 @@
           <a:srgbClr val="000000"/>
         </a:buClr>
         <a:buFont typeface="Arial"/>
-        <a:defRPr b="0" i="0" sz="1400" u="none" cap="none" strike="noStrike">
+        <a:defRPr b="0" cap="none" i="0" strike="noStrike" sz="1400" u="none">
           <a:solidFill>
             <a:srgbClr val="000000"/>
           </a:solidFill>
@@ -11302,7 +11302,7 @@
           <a:sym typeface="Arial"/>
         </a:defRPr>
       </a:lvl7pPr>
-      <a:lvl8pPr lvl="7" marR="0" rtl="0" algn="l">
+      <a:lvl8pPr algn="l" lvl="7" marR="0" rtl="0">
         <a:lnSpc>
           <a:spcPct val="100000"/>
         </a:lnSpc>
@@ -11316,7 +11316,7 @@
           <a:srgbClr val="000000"/>
         </a:buClr>
         <a:buFont typeface="Arial"/>
-        <a:defRPr b="0" i="0" sz="1400" u="none" cap="none" strike="noStrike">
+        <a:defRPr b="0" cap="none" i="0" strike="noStrike" sz="1400" u="none">
           <a:solidFill>
             <a:srgbClr val="000000"/>
           </a:solidFill>
@@ -11326,7 +11326,7 @@
           <a:sym typeface="Arial"/>
         </a:defRPr>
       </a:lvl8pPr>
-      <a:lvl9pPr lvl="8" marR="0" rtl="0" algn="l">
+      <a:lvl9pPr algn="l" lvl="8" marR="0" rtl="0">
         <a:lnSpc>
           <a:spcPct val="100000"/>
         </a:lnSpc>
@@ -11340,7 +11340,7 @@
           <a:srgbClr val="000000"/>
         </a:buClr>
         <a:buFont typeface="Arial"/>
-        <a:defRPr b="0" i="0" sz="1400" u="none" cap="none" strike="noStrike">
+        <a:defRPr b="0" cap="none" i="0" strike="noStrike" sz="1400" u="none">
           <a:solidFill>
             <a:srgbClr val="000000"/>
           </a:solidFill>
@@ -11352,7 +11352,7 @@
       </a:lvl9pPr>
     </p:titleStyle>
     <p:bodyStyle>
-      <a:defPPr lvl="0" marR="0" rtl="0" algn="l">
+      <a:defPPr algn="l" lvl="0" marR="0" rtl="0">
         <a:lnSpc>
           <a:spcPct val="100000"/>
         </a:lnSpc>
@@ -11363,7 +11363,7 @@
           <a:spcPts val="0"/>
         </a:spcAft>
       </a:defPPr>
-      <a:lvl1pPr lvl="0" marR="0" rtl="0" algn="l">
+      <a:lvl1pPr algn="l" lvl="0" marR="0" rtl="0">
         <a:lnSpc>
           <a:spcPct val="100000"/>
         </a:lnSpc>
@@ -11377,7 +11377,7 @@
           <a:srgbClr val="000000"/>
         </a:buClr>
         <a:buFont typeface="Arial"/>
-        <a:defRPr b="0" i="0" sz="1400" u="none" cap="none" strike="noStrike">
+        <a:defRPr b="0" cap="none" i="0" strike="noStrike" sz="1400" u="none">
           <a:solidFill>
             <a:srgbClr val="000000"/>
           </a:solidFill>
@@ -11387,7 +11387,7 @@
           <a:sym typeface="Arial"/>
         </a:defRPr>
       </a:lvl1pPr>
-      <a:lvl2pPr lvl="1" marR="0" rtl="0" algn="l">
+      <a:lvl2pPr algn="l" lvl="1" marR="0" rtl="0">
         <a:lnSpc>
           <a:spcPct val="100000"/>
         </a:lnSpc>
@@ -11401,7 +11401,7 @@
           <a:srgbClr val="000000"/>
         </a:buClr>
         <a:buFont typeface="Arial"/>
-        <a:defRPr b="0" i="0" sz="1400" u="none" cap="none" strike="noStrike">
+        <a:defRPr b="0" cap="none" i="0" strike="noStrike" sz="1400" u="none">
           <a:solidFill>
             <a:srgbClr val="000000"/>
           </a:solidFill>
@@ -11411,7 +11411,7 @@
           <a:sym typeface="Arial"/>
         </a:defRPr>
       </a:lvl2pPr>
-      <a:lvl3pPr lvl="2" marR="0" rtl="0" algn="l">
+      <a:lvl3pPr algn="l" lvl="2" marR="0" rtl="0">
         <a:lnSpc>
           <a:spcPct val="100000"/>
         </a:lnSpc>
@@ -11425,7 +11425,7 @@
           <a:srgbClr val="000000"/>
         </a:buClr>
         <a:buFont typeface="Arial"/>
-        <a:defRPr b="0" i="0" sz="1400" u="none" cap="none" strike="noStrike">
+        <a:defRPr b="0" cap="none" i="0" strike="noStrike" sz="1400" u="none">
           <a:solidFill>
             <a:srgbClr val="000000"/>
           </a:solidFill>
@@ -11435,7 +11435,7 @@
           <a:sym typeface="Arial"/>
         </a:defRPr>
       </a:lvl3pPr>
-      <a:lvl4pPr lvl="3" marR="0" rtl="0" algn="l">
+      <a:lvl4pPr algn="l" lvl="3" marR="0" rtl="0">
         <a:lnSpc>
           <a:spcPct val="100000"/>
         </a:lnSpc>
@@ -11449,7 +11449,7 @@
           <a:srgbClr val="000000"/>
         </a:buClr>
         <a:buFont typeface="Arial"/>
-        <a:defRPr b="0" i="0" sz="1400" u="none" cap="none" strike="noStrike">
+        <a:defRPr b="0" cap="none" i="0" strike="noStrike" sz="1400" u="none">
           <a:solidFill>
             <a:srgbClr val="000000"/>
           </a:solidFill>
@@ -11459,7 +11459,7 @@
           <a:sym typeface="Arial"/>
         </a:defRPr>
       </a:lvl4pPr>
-      <a:lvl5pPr lvl="4" marR="0" rtl="0" algn="l">
+      <a:lvl5pPr algn="l" lvl="4" marR="0" rtl="0">
         <a:lnSpc>
           <a:spcPct val="100000"/>
         </a:lnSpc>
@@ -11473,7 +11473,7 @@
           <a:srgbClr val="000000"/>
         </a:buClr>
         <a:buFont typeface="Arial"/>
-        <a:defRPr b="0" i="0" sz="1400" u="none" cap="none" strike="noStrike">
+        <a:defRPr b="0" cap="none" i="0" strike="noStrike" sz="1400" u="none">
           <a:solidFill>
             <a:srgbClr val="000000"/>
           </a:solidFill>
@@ -11483,7 +11483,7 @@
           <a:sym typeface="Arial"/>
         </a:defRPr>
       </a:lvl5pPr>
-      <a:lvl6pPr lvl="5" marR="0" rtl="0" algn="l">
+      <a:lvl6pPr algn="l" lvl="5" marR="0" rtl="0">
         <a:lnSpc>
           <a:spcPct val="100000"/>
         </a:lnSpc>
@@ -11497,7 +11497,7 @@
           <a:srgbClr val="000000"/>
         </a:buClr>
         <a:buFont typeface="Arial"/>
-        <a:defRPr b="0" i="0" sz="1400" u="none" cap="none" strike="noStrike">
+        <a:defRPr b="0" cap="none" i="0" strike="noStrike" sz="1400" u="none">
           <a:solidFill>
             <a:srgbClr val="000000"/>
           </a:solidFill>
@@ -11507,7 +11507,7 @@
           <a:sym typeface="Arial"/>
         </a:defRPr>
       </a:lvl6pPr>
-      <a:lvl7pPr lvl="6" marR="0" rtl="0" algn="l">
+      <a:lvl7pPr algn="l" lvl="6" marR="0" rtl="0">
         <a:lnSpc>
           <a:spcPct val="100000"/>
         </a:lnSpc>
@@ -11521,7 +11521,7 @@
           <a:srgbClr val="000000"/>
         </a:buClr>
         <a:buFont typeface="Arial"/>
-        <a:defRPr b="0" i="0" sz="1400" u="none" cap="none" strike="noStrike">
+        <a:defRPr b="0" cap="none" i="0" strike="noStrike" sz="1400" u="none">
           <a:solidFill>
             <a:srgbClr val="000000"/>
           </a:solidFill>
@@ -11531,7 +11531,7 @@
           <a:sym typeface="Arial"/>
         </a:defRPr>
       </a:lvl7pPr>
-      <a:lvl8pPr lvl="7" marR="0" rtl="0" algn="l">
+      <a:lvl8pPr algn="l" lvl="7" marR="0" rtl="0">
         <a:lnSpc>
           <a:spcPct val="100000"/>
         </a:lnSpc>
@@ -11545,7 +11545,7 @@
           <a:srgbClr val="000000"/>
         </a:buClr>
         <a:buFont typeface="Arial"/>
-        <a:defRPr b="0" i="0" sz="1400" u="none" cap="none" strike="noStrike">
+        <a:defRPr b="0" cap="none" i="0" strike="noStrike" sz="1400" u="none">
           <a:solidFill>
             <a:srgbClr val="000000"/>
           </a:solidFill>
@@ -11555,7 +11555,7 @@
           <a:sym typeface="Arial"/>
         </a:defRPr>
       </a:lvl8pPr>
-      <a:lvl9pPr lvl="8" marR="0" rtl="0" algn="l">
+      <a:lvl9pPr algn="l" lvl="8" marR="0" rtl="0">
         <a:lnSpc>
           <a:spcPct val="100000"/>
         </a:lnSpc>
@@ -11569,7 +11569,7 @@
           <a:srgbClr val="000000"/>
         </a:buClr>
         <a:buFont typeface="Arial"/>
-        <a:defRPr b="0" i="0" sz="1400" u="none" cap="none" strike="noStrike">
+        <a:defRPr b="0" cap="none" i="0" strike="noStrike" sz="1400" u="none">
           <a:solidFill>
             <a:srgbClr val="000000"/>
           </a:solidFill>
@@ -11581,7 +11581,7 @@
       </a:lvl9pPr>
     </p:bodyStyle>
     <p:otherStyle>
-      <a:defPPr lvl="0" marR="0" rtl="0" algn="l">
+      <a:defPPr algn="l" lvl="0" marR="0" rtl="0">
         <a:lnSpc>
           <a:spcPct val="100000"/>
         </a:lnSpc>
@@ -11592,7 +11592,7 @@
           <a:spcPts val="0"/>
         </a:spcAft>
       </a:defPPr>
-      <a:lvl1pPr lvl="0" marR="0" rtl="0" algn="l">
+      <a:lvl1pPr algn="l" lvl="0" marR="0" rtl="0">
         <a:lnSpc>
           <a:spcPct val="100000"/>
         </a:lnSpc>
@@ -11606,7 +11606,7 @@
           <a:srgbClr val="000000"/>
         </a:buClr>
         <a:buFont typeface="Arial"/>
-        <a:defRPr b="0" i="0" sz="1400" u="none" cap="none" strike="noStrike">
+        <a:defRPr b="0" cap="none" i="0" strike="noStrike" sz="1400" u="none">
           <a:solidFill>
             <a:srgbClr val="000000"/>
           </a:solidFill>
@@ -11616,7 +11616,7 @@
           <a:sym typeface="Arial"/>
         </a:defRPr>
       </a:lvl1pPr>
-      <a:lvl2pPr lvl="1" marR="0" rtl="0" algn="l">
+      <a:lvl2pPr algn="l" lvl="1" marR="0" rtl="0">
         <a:lnSpc>
           <a:spcPct val="100000"/>
         </a:lnSpc>
@@ -11630,7 +11630,7 @@
           <a:srgbClr val="000000"/>
         </a:buClr>
         <a:buFont typeface="Arial"/>
-        <a:defRPr b="0" i="0" sz="1400" u="none" cap="none" strike="noStrike">
+        <a:defRPr b="0" cap="none" i="0" strike="noStrike" sz="1400" u="none">
           <a:solidFill>
             <a:srgbClr val="000000"/>
           </a:solidFill>
@@ -11640,7 +11640,7 @@
           <a:sym typeface="Arial"/>
         </a:defRPr>
       </a:lvl2pPr>
-      <a:lvl3pPr lvl="2" marR="0" rtl="0" algn="l">
+      <a:lvl3pPr algn="l" lvl="2" marR="0" rtl="0">
         <a:lnSpc>
           <a:spcPct val="100000"/>
         </a:lnSpc>
@@ -11654,7 +11654,7 @@
           <a:srgbClr val="000000"/>
         </a:buClr>
         <a:buFont typeface="Arial"/>
-        <a:defRPr b="0" i="0" sz="1400" u="none" cap="none" strike="noStrike">
+        <a:defRPr b="0" cap="none" i="0" strike="noStrike" sz="1400" u="none">
           <a:solidFill>
             <a:srgbClr val="000000"/>
           </a:solidFill>
@@ -11664,7 +11664,7 @@
           <a:sym typeface="Arial"/>
         </a:defRPr>
       </a:lvl3pPr>
-      <a:lvl4pPr lvl="3" marR="0" rtl="0" algn="l">
+      <a:lvl4pPr algn="l" lvl="3" marR="0" rtl="0">
         <a:lnSpc>
           <a:spcPct val="100000"/>
         </a:lnSpc>
@@ -11678,7 +11678,7 @@
           <a:srgbClr val="000000"/>
         </a:buClr>
         <a:buFont typeface="Arial"/>
-        <a:defRPr b="0" i="0" sz="1400" u="none" cap="none" strike="noStrike">
+        <a:defRPr b="0" cap="none" i="0" strike="noStrike" sz="1400" u="none">
           <a:solidFill>
             <a:srgbClr val="000000"/>
           </a:solidFill>
@@ -11688,7 +11688,7 @@
           <a:sym typeface="Arial"/>
         </a:defRPr>
       </a:lvl4pPr>
-      <a:lvl5pPr lvl="4" marR="0" rtl="0" algn="l">
+      <a:lvl5pPr algn="l" lvl="4" marR="0" rtl="0">
         <a:lnSpc>
           <a:spcPct val="100000"/>
         </a:lnSpc>
@@ -11702,7 +11702,7 @@
           <a:srgbClr val="000000"/>
         </a:buClr>
         <a:buFont typeface="Arial"/>
-        <a:defRPr b="0" i="0" sz="1400" u="none" cap="none" strike="noStrike">
+        <a:defRPr b="0" cap="none" i="0" strike="noStrike" sz="1400" u="none">
           <a:solidFill>
             <a:srgbClr val="000000"/>
           </a:solidFill>
@@ -11712,7 +11712,7 @@
           <a:sym typeface="Arial"/>
         </a:defRPr>
       </a:lvl5pPr>
-      <a:lvl6pPr lvl="5" marR="0" rtl="0" algn="l">
+      <a:lvl6pPr algn="l" lvl="5" marR="0" rtl="0">
         <a:lnSpc>
           <a:spcPct val="100000"/>
         </a:lnSpc>
@@ -11726,7 +11726,7 @@
           <a:srgbClr val="000000"/>
         </a:buClr>
         <a:buFont typeface="Arial"/>
-        <a:defRPr b="0" i="0" sz="1400" u="none" cap="none" strike="noStrike">
+        <a:defRPr b="0" cap="none" i="0" strike="noStrike" sz="1400" u="none">
           <a:solidFill>
             <a:srgbClr val="000000"/>
           </a:solidFill>
@@ -11736,7 +11736,7 @@
           <a:sym typeface="Arial"/>
         </a:defRPr>
       </a:lvl6pPr>
-      <a:lvl7pPr lvl="6" marR="0" rtl="0" algn="l">
+      <a:lvl7pPr algn="l" lvl="6" marR="0" rtl="0">
         <a:lnSpc>
           <a:spcPct val="100000"/>
         </a:lnSpc>
@@ -11750,7 +11750,7 @@
           <a:srgbClr val="000000"/>
         </a:buClr>
         <a:buFont typeface="Arial"/>
-        <a:defRPr b="0" i="0" sz="1400" u="none" cap="none" strike="noStrike">
+        <a:defRPr b="0" cap="none" i="0" strike="noStrike" sz="1400" u="none">
           <a:solidFill>
             <a:srgbClr val="000000"/>
           </a:solidFill>
@@ -11760,7 +11760,7 @@
           <a:sym typeface="Arial"/>
         </a:defRPr>
       </a:lvl7pPr>
-      <a:lvl8pPr lvl="7" marR="0" rtl="0" algn="l">
+      <a:lvl8pPr algn="l" lvl="7" marR="0" rtl="0">
         <a:lnSpc>
           <a:spcPct val="100000"/>
         </a:lnSpc>
@@ -11774,7 +11774,7 @@
           <a:srgbClr val="000000"/>
         </a:buClr>
         <a:buFont typeface="Arial"/>
-        <a:defRPr b="0" i="0" sz="1400" u="none" cap="none" strike="noStrike">
+        <a:defRPr b="0" cap="none" i="0" strike="noStrike" sz="1400" u="none">
           <a:solidFill>
             <a:srgbClr val="000000"/>
           </a:solidFill>
@@ -11784,7 +11784,7 @@
           <a:sym typeface="Arial"/>
         </a:defRPr>
       </a:lvl8pPr>
-      <a:lvl9pPr lvl="8" marR="0" rtl="0" algn="l">
+      <a:lvl9pPr algn="l" lvl="8" marR="0" rtl="0">
         <a:lnSpc>
           <a:spcPct val="100000"/>
         </a:lnSpc>
@@ -11798,7 +11798,7 @@
           <a:srgbClr val="000000"/>
         </a:buClr>
         <a:buFont typeface="Arial"/>
-        <a:defRPr b="0" i="0" sz="1400" u="none" cap="none" strike="noStrike">
+        <a:defRPr b="0" cap="none" i="0" strike="noStrike" sz="1400" u="none">
           <a:solidFill>
             <a:srgbClr val="000000"/>
           </a:solidFill>
@@ -11852,12 +11852,12 @@
           </a:ln>
         </p:spPr>
         <p:txBody>
-          <a:bodyPr anchorCtr="0" anchor="ctr" bIns="50800" lIns="50800" spcFirstLastPara="1" rIns="50800" wrap="square" tIns="50800">
+          <a:bodyPr anchor="ctr" anchorCtr="0" bIns="50800" lIns="50800" numCol="1" rIns="50800" spcFirstLastPara="1" tIns="50800" wrap="square">
             <a:noAutofit/>
           </a:bodyPr>
           <a:lstStyle/>
           <a:p>
-            <a:pPr indent="0" lvl="0" marL="0" marR="0" rtl="0" algn="ctr">
+            <a:pPr algn="ctr" indent="0" lvl="0" marL="0" marR="0" rtl="0">
               <a:lnSpc>
                 <a:spcPct val="100000"/>
               </a:lnSpc>
@@ -11877,7 +11877,7 @@
             <a:r>
               <a:t/>
             </a:r>
-            <a:endParaRPr b="0" i="0" sz="2200" u="none" cap="none" strike="noStrike">
+            <a:endParaRPr b="0" cap="none" i="0" strike="noStrike" sz="2200" u="none">
               <a:solidFill>
                 <a:srgbClr val="FFFFFF"/>
               </a:solidFill>
@@ -11936,12 +11936,12 @@
           </a:ln>
         </p:spPr>
         <p:txBody>
-          <a:bodyPr anchorCtr="0" anchor="b" bIns="45700" lIns="45700" spcFirstLastPara="1" rIns="45700" wrap="square" tIns="45700">
+          <a:bodyPr anchor="b" anchorCtr="0" bIns="45700" lIns="45700" numCol="1" rIns="45700" spcFirstLastPara="1" tIns="45700" wrap="square">
             <a:noAutofit/>
           </a:bodyPr>
           <a:lstStyle/>
           <a:p>
-            <a:pPr indent="0" lvl="0" marL="0" marR="0" rtl="0" algn="ctr">
+            <a:pPr algn="ctr" indent="0" lvl="0" marL="0" marR="0" rtl="0">
               <a:lnSpc>
                 <a:spcPct val="100000"/>
               </a:lnSpc>
@@ -11959,7 +11959,7 @@
               <a:buNone/>
             </a:pPr>
             <a:r>
-              <a:rPr b="0" i="0" lang="en-US" sz="3200" u="none" cap="none" strike="noStrike">
+              <a:rPr b="0" cap="none" i="0" lang="en-US" strike="noStrike" sz="3200" u="none">
                 <a:solidFill>
                   <a:srgbClr val="F2F2F2"/>
                 </a:solidFill>
@@ -12033,12 +12033,12 @@
           </a:ln>
         </p:spPr>
         <p:txBody>
-          <a:bodyPr anchorCtr="0" anchor="ctr" bIns="67725" lIns="67725" spcFirstLastPara="1" rIns="67725" wrap="square" tIns="67725">
+          <a:bodyPr anchor="ctr" anchorCtr="0" bIns="67725" lIns="67725" numCol="1" rIns="67725" spcFirstLastPara="1" tIns="67725" wrap="square">
             <a:noAutofit/>
           </a:bodyPr>
           <a:lstStyle/>
           <a:p>
-            <a:pPr indent="0" lvl="0" marL="0" marR="0" rtl="0" algn="ctr">
+            <a:pPr algn="ctr" indent="0" lvl="0" marL="0" marR="0" rtl="0">
               <a:lnSpc>
                 <a:spcPct val="100000"/>
               </a:lnSpc>
@@ -12056,7 +12056,7 @@
               <a:buNone/>
             </a:pPr>
             <a:r>
-              <a:rPr b="0" i="0" lang="en-US" sz="9600" u="none" cap="none" strike="noStrike">
+              <a:rPr b="0" cap="none" i="0" lang="en-US" strike="noStrike" sz="9600" u="none">
                 <a:solidFill>
                   <a:srgbClr val="F2F2F2"/>
                 </a:solidFill>
@@ -12118,12 +12118,12 @@
           </a:ln>
         </p:spPr>
         <p:txBody>
-          <a:bodyPr anchorCtr="0" anchor="ctr" bIns="50800" lIns="50800" spcFirstLastPara="1" rIns="50800" wrap="square" tIns="50800">
+          <a:bodyPr anchor="ctr" anchorCtr="0" bIns="50800" lIns="50800" numCol="1" rIns="50800" spcFirstLastPara="1" tIns="50800" wrap="square">
             <a:noAutofit/>
           </a:bodyPr>
           <a:lstStyle/>
           <a:p>
-            <a:pPr indent="0" lvl="0" marL="0" marR="0" rtl="0" algn="ctr">
+            <a:pPr algn="ctr" indent="0" lvl="0" marL="0" marR="0" rtl="0">
               <a:lnSpc>
                 <a:spcPct val="100000"/>
               </a:lnSpc>
@@ -12143,7 +12143,7 @@
             <a:r>
               <a:t/>
             </a:r>
-            <a:endParaRPr b="0" i="0" sz="2200" u="none" cap="none" strike="noStrike">
+            <a:endParaRPr b="0" cap="none" i="0" strike="noStrike" sz="2200" u="none">
               <a:solidFill>
                 <a:srgbClr val="FFFFFF"/>
               </a:solidFill>
@@ -12175,12 +12175,12 @@
           </a:ln>
         </p:spPr>
         <p:txBody>
-          <a:bodyPr anchorCtr="0" anchor="ctr" bIns="67725" lIns="67725" spcFirstLastPara="1" rIns="67725" wrap="square" tIns="67725">
+          <a:bodyPr anchor="ctr" anchorCtr="0" bIns="67725" lIns="67725" numCol="1" rIns="67725" spcFirstLastPara="1" tIns="67725" wrap="square">
             <a:noAutofit/>
           </a:bodyPr>
           <a:lstStyle/>
           <a:p>
-            <a:pPr indent="0" lvl="0" marL="0" marR="0" rtl="0" algn="r">
+            <a:pPr algn="r" indent="0" lvl="0" marL="0" marR="0" rtl="0">
               <a:lnSpc>
                 <a:spcPct val="100000"/>
               </a:lnSpc>
@@ -12198,7 +12198,7 @@
               <a:buNone/>
             </a:pPr>
             <a:r>
-              <a:rPr b="0" i="0" lang="en-US" sz="5600" u="none" cap="none" strike="noStrike">
+              <a:rPr b="0" cap="none" i="0" lang="en-US" strike="noStrike" sz="5600" u="none">
                 <a:solidFill>
                   <a:srgbClr val="F2F2F2"/>
                 </a:solidFill>
@@ -12210,7 +12210,7 @@
               <a:t>ENTER</a:t>
             </a:r>
             <a:r>
-              <a:rPr b="0" i="0" lang="en-US" sz="5600" u="none" cap="none" strike="noStrike">
+              <a:rPr b="0" cap="none" i="0" lang="en-US" strike="noStrike" sz="5600" u="none">
                 <a:solidFill>
                   <a:srgbClr val="DC195E"/>
                 </a:solidFill>
@@ -12272,12 +12272,12 @@
           </a:ln>
         </p:spPr>
         <p:txBody>
-          <a:bodyPr anchorCtr="0" anchor="t" bIns="45700" lIns="45700" spcFirstLastPara="1" rIns="45700" wrap="square" tIns="45700">
+          <a:bodyPr anchor="t" anchorCtr="0" bIns="45700" lIns="45700" numCol="1" rIns="45700" spcFirstLastPara="1" tIns="45700" wrap="square">
             <a:noAutofit/>
           </a:bodyPr>
           <a:lstStyle/>
           <a:p>
-            <a:pPr indent="0" lvl="0" marL="0" marR="0" rtl="0" algn="l">
+            <a:pPr algn="l" indent="0" lvl="0" marL="0" marR="0" rtl="0">
               <a:lnSpc>
                 <a:spcPct val="100000"/>
               </a:lnSpc>
@@ -12295,7 +12295,7 @@
               <a:buNone/>
             </a:pPr>
             <a:r>
-              <a:rPr b="0" i="0" lang="en-US" sz="2800" u="none" cap="none" strike="noStrike">
+              <a:rPr b="0" cap="none" i="0" lang="en-US" strike="noStrike" sz="2800" u="none">
                 <a:solidFill>
                   <a:srgbClr val="F2F2F2"/>
                 </a:solidFill>
@@ -12307,7 +12307,7 @@
               <a:t>Uses storage providers like Amazon S3, Dropbox and Google Drive </a:t>
             </a:r>
             <a:r>
-              <a:rPr b="0" i="0" lang="en-US" sz="2800" u="none" cap="none" strike="noStrike">
+              <a:rPr b="0" cap="none" i="0" lang="en-US" strike="noStrike" sz="2800" u="none">
                 <a:solidFill>
                   <a:srgbClr val="DC195E"/>
                 </a:solidFill>
@@ -12342,12 +12342,12 @@
           </a:ln>
         </p:spPr>
         <p:txBody>
-          <a:bodyPr anchorCtr="0" anchor="t" bIns="45700" lIns="45700" spcFirstLastPara="1" rIns="45700" wrap="square" tIns="45700">
+          <a:bodyPr anchor="t" anchorCtr="0" bIns="45700" lIns="45700" numCol="1" rIns="45700" spcFirstLastPara="1" tIns="45700" wrap="square">
             <a:noAutofit/>
           </a:bodyPr>
           <a:lstStyle/>
           <a:p>
-            <a:pPr indent="0" lvl="0" marL="0" marR="0" rtl="0" algn="l">
+            <a:pPr algn="l" indent="0" lvl="0" marL="0" marR="0" rtl="0">
               <a:lnSpc>
                 <a:spcPct val="100000"/>
               </a:lnSpc>
@@ -12365,7 +12365,7 @@
               <a:buNone/>
             </a:pPr>
             <a:r>
-              <a:rPr b="0" i="0" lang="en-US" sz="2800" u="none" cap="none" strike="noStrike">
+              <a:rPr b="0" cap="none" i="0" lang="en-US" strike="noStrike" sz="2800" u="none">
                 <a:solidFill>
                   <a:srgbClr val="F2F2F2"/>
                 </a:solidFill>
@@ -12377,7 +12377,7 @@
               <a:t>Users store </a:t>
             </a:r>
             <a:r>
-              <a:rPr b="0" i="0" lang="en-US" sz="2800" u="none" cap="none" strike="noStrike">
+              <a:rPr b="0" cap="none" i="0" lang="en-US" strike="noStrike" sz="2800" u="none">
                 <a:solidFill>
                   <a:srgbClr val="DC195E"/>
                 </a:solidFill>
@@ -12389,7 +12389,7 @@
               <a:t>encrypted/signed data </a:t>
             </a:r>
             <a:r>
-              <a:rPr b="0" i="0" lang="en-US" sz="2800" u="none" cap="none" strike="noStrike">
+              <a:rPr b="0" cap="none" i="0" lang="en-US" strike="noStrike" sz="2800" u="none">
                 <a:solidFill>
                   <a:srgbClr val="F2F2F2"/>
                 </a:solidFill>
@@ -12424,12 +12424,12 @@
           </a:ln>
         </p:spPr>
         <p:txBody>
-          <a:bodyPr anchorCtr="0" anchor="t" bIns="45700" lIns="45700" spcFirstLastPara="1" rIns="45700" wrap="square" tIns="45700">
+          <a:bodyPr anchor="t" anchorCtr="0" bIns="45700" lIns="45700" numCol="1" rIns="45700" spcFirstLastPara="1" tIns="45700" wrap="square">
             <a:noAutofit/>
           </a:bodyPr>
           <a:lstStyle/>
           <a:p>
-            <a:pPr indent="0" lvl="0" marL="0" marR="0" rtl="0" algn="l">
+            <a:pPr algn="l" indent="0" lvl="0" marL="0" marR="0" rtl="0">
               <a:lnSpc>
                 <a:spcPct val="100000"/>
               </a:lnSpc>
@@ -12447,7 +12447,7 @@
               <a:buNone/>
             </a:pPr>
             <a:r>
-              <a:rPr b="0" i="0" lang="en-US" sz="2800" u="none" cap="none" strike="noStrike">
+              <a:rPr b="0" cap="none" i="0" lang="en-US" strike="noStrike" sz="2800" u="none">
                 <a:solidFill>
                   <a:srgbClr val="F2F2F2"/>
                 </a:solidFill>
@@ -12459,7 +12459,7 @@
               <a:t>This way, get the </a:t>
             </a:r>
             <a:r>
-              <a:rPr b="0" i="0" lang="en-US" sz="2800" u="none" cap="none" strike="noStrike">
+              <a:rPr b="0" cap="none" i="0" lang="en-US" strike="noStrike" sz="2800" u="none">
                 <a:solidFill>
                   <a:srgbClr val="DC195E"/>
                 </a:solidFill>
@@ -12471,7 +12471,7 @@
               <a:t>performance benefits </a:t>
             </a:r>
             <a:r>
-              <a:rPr b="0" i="0" lang="en-US" sz="2800" u="none" cap="none" strike="noStrike">
+              <a:rPr b="0" cap="none" i="0" lang="en-US" strike="noStrike" sz="2800" u="none">
                 <a:solidFill>
                   <a:srgbClr val="F2F2F2"/>
                 </a:solidFill>
@@ -12614,12 +12614,12 @@
           </a:ln>
         </p:spPr>
         <p:txBody>
-          <a:bodyPr anchorCtr="0" anchor="ctr" bIns="50800" lIns="50800" spcFirstLastPara="1" rIns="50800" wrap="square" tIns="50800">
+          <a:bodyPr anchor="ctr" anchorCtr="0" bIns="50800" lIns="50800" numCol="1" rIns="50800" spcFirstLastPara="1" tIns="50800" wrap="square">
             <a:noAutofit/>
           </a:bodyPr>
           <a:lstStyle/>
           <a:p>
-            <a:pPr indent="0" lvl="0" marL="0" marR="0" rtl="0" algn="ctr">
+            <a:pPr algn="ctr" indent="0" lvl="0" marL="0" marR="0" rtl="0">
               <a:lnSpc>
                 <a:spcPct val="100000"/>
               </a:lnSpc>
@@ -12639,7 +12639,7 @@
             <a:r>
               <a:t/>
             </a:r>
-            <a:endParaRPr b="0" i="0" sz="2200" u="none" cap="none" strike="noStrike">
+            <a:endParaRPr b="0" cap="none" i="0" strike="noStrike" sz="2200" u="none">
               <a:solidFill>
                 <a:srgbClr val="FFFFFF"/>
               </a:solidFill>
@@ -12671,12 +12671,12 @@
           </a:ln>
         </p:spPr>
         <p:txBody>
-          <a:bodyPr anchorCtr="0" anchor="ctr" bIns="67725" lIns="67725" spcFirstLastPara="1" rIns="67725" wrap="square" tIns="67725">
+          <a:bodyPr anchor="ctr" anchorCtr="0" bIns="67725" lIns="67725" numCol="1" rIns="67725" spcFirstLastPara="1" tIns="67725" wrap="square">
             <a:noAutofit/>
           </a:bodyPr>
           <a:lstStyle/>
           <a:p>
-            <a:pPr indent="0" lvl="0" marL="0" marR="0" rtl="0" algn="ctr">
+            <a:pPr algn="ctr" indent="0" lvl="0" marL="0" marR="0" rtl="0">
               <a:lnSpc>
                 <a:spcPct val="100000"/>
               </a:lnSpc>
@@ -12694,7 +12694,7 @@
               <a:buNone/>
             </a:pPr>
             <a:r>
-              <a:rPr b="0" i="0" lang="en-US" sz="4400" u="none" cap="none" strike="noStrike">
+              <a:rPr b="0" cap="none" i="0" lang="en-US" strike="noStrike" sz="4400" u="none">
                 <a:solidFill>
                   <a:srgbClr val="DC195E"/>
                 </a:solidFill>
@@ -12705,7 +12705,7 @@
               </a:rPr>
               <a:t>DIAGRAM 2: </a:t>
             </a:r>
-            <a:endParaRPr b="0" i="0" sz="8000" u="none" cap="none" strike="noStrike">
+            <a:endParaRPr b="0" cap="none" i="0" strike="noStrike" sz="8000" u="none">
               <a:solidFill>
                 <a:srgbClr val="000000"/>
               </a:solidFill>
@@ -12716,7 +12716,7 @@
             </a:endParaRPr>
           </a:p>
           <a:p>
-            <a:pPr indent="0" lvl="0" marL="0" marR="0" rtl="0" algn="ctr">
+            <a:pPr algn="ctr" indent="0" lvl="0" marL="0" marR="0" rtl="0">
               <a:lnSpc>
                 <a:spcPct val="100000"/>
               </a:lnSpc>
@@ -12734,7 +12734,7 @@
               <a:buNone/>
             </a:pPr>
             <a:r>
-              <a:rPr b="0" i="0" lang="en-US" sz="5600" u="none" cap="none" strike="noStrike">
+              <a:rPr b="0" cap="none" i="0" lang="en-US" strike="noStrike" sz="5600" u="none">
                 <a:solidFill>
                   <a:srgbClr val="FFFFFF"/>
                 </a:solidFill>
@@ -12877,12 +12877,12 @@
           </a:ln>
         </p:spPr>
         <p:txBody>
-          <a:bodyPr anchorCtr="0" anchor="ctr" bIns="50800" lIns="50800" spcFirstLastPara="1" rIns="50800" wrap="square" tIns="50800">
+          <a:bodyPr anchor="ctr" anchorCtr="0" bIns="50800" lIns="50800" numCol="1" rIns="50800" spcFirstLastPara="1" tIns="50800" wrap="square">
             <a:noAutofit/>
           </a:bodyPr>
           <a:lstStyle/>
           <a:p>
-            <a:pPr indent="0" lvl="0" marL="0" marR="0" rtl="0" algn="ctr">
+            <a:pPr algn="ctr" indent="0" lvl="0" marL="0" marR="0" rtl="0">
               <a:lnSpc>
                 <a:spcPct val="100000"/>
               </a:lnSpc>
@@ -12902,7 +12902,7 @@
             <a:r>
               <a:t/>
             </a:r>
-            <a:endParaRPr b="0" i="0" sz="2200" u="none" cap="none" strike="noStrike">
+            <a:endParaRPr b="0" cap="none" i="0" strike="noStrike" sz="2200" u="none">
               <a:solidFill>
                 <a:srgbClr val="FFFFFF"/>
               </a:solidFill>
@@ -12934,12 +12934,12 @@
           </a:ln>
         </p:spPr>
         <p:txBody>
-          <a:bodyPr anchorCtr="0" anchor="ctr" bIns="67725" lIns="67725" spcFirstLastPara="1" rIns="67725" wrap="square" tIns="67725">
+          <a:bodyPr anchor="ctr" anchorCtr="0" bIns="67725" lIns="67725" numCol="1" rIns="67725" spcFirstLastPara="1" tIns="67725" wrap="square">
             <a:noAutofit/>
           </a:bodyPr>
           <a:lstStyle/>
           <a:p>
-            <a:pPr indent="0" lvl="0" marL="0" marR="0" rtl="0" algn="r">
+            <a:pPr algn="r" indent="0" lvl="0" marL="0" marR="0" rtl="0">
               <a:lnSpc>
                 <a:spcPct val="100000"/>
               </a:lnSpc>
@@ -12957,7 +12957,7 @@
               <a:buNone/>
             </a:pPr>
             <a:r>
-              <a:rPr b="0" i="0" lang="en-US" sz="4400" u="none" cap="none" strike="noStrike">
+              <a:rPr b="0" cap="none" i="0" lang="en-US" strike="noStrike" sz="4400" u="none">
                 <a:solidFill>
                   <a:srgbClr val="DC195E"/>
                 </a:solidFill>
@@ -12969,7 +12969,7 @@
               <a:t>PRACTICAL IMPLICATIONS: </a:t>
             </a:r>
             <a:r>
-              <a:rPr b="0" i="0" lang="en-US" sz="5600" u="none" cap="none" strike="noStrike">
+              <a:rPr b="0" cap="none" i="0" lang="en-US" strike="noStrike" sz="5600" u="none">
                 <a:solidFill>
                   <a:srgbClr val="F2F2F2"/>
                 </a:solidFill>
@@ -13031,12 +13031,12 @@
           </a:ln>
         </p:spPr>
         <p:txBody>
-          <a:bodyPr anchorCtr="0" anchor="t" bIns="45700" lIns="45700" spcFirstLastPara="1" rIns="45700" wrap="square" tIns="45700">
+          <a:bodyPr anchor="t" anchorCtr="0" bIns="45700" lIns="45700" numCol="1" rIns="45700" spcFirstLastPara="1" tIns="45700" wrap="square">
             <a:noAutofit/>
           </a:bodyPr>
           <a:lstStyle/>
           <a:p>
-            <a:pPr indent="0" lvl="0" marL="0" marR="0" rtl="0" algn="l">
+            <a:pPr algn="l" indent="0" lvl="0" marL="0" marR="0" rtl="0">
               <a:lnSpc>
                 <a:spcPct val="100000"/>
               </a:lnSpc>
@@ -13054,7 +13054,7 @@
               <a:buNone/>
             </a:pPr>
             <a:r>
-              <a:rPr b="0" i="0" lang="en-US" sz="2800" u="none" cap="none" strike="noStrike">
+              <a:rPr b="0" cap="none" i="0" lang="en-US" strike="noStrike" sz="2800" u="none">
                 <a:solidFill>
                   <a:srgbClr val="F2F2F2"/>
                 </a:solidFill>
@@ -13066,7 +13066,7 @@
               <a:t>Blockstack is a very </a:t>
             </a:r>
             <a:r>
-              <a:rPr b="0" i="0" lang="en-US" sz="2800" u="none" cap="none" strike="noStrike">
+              <a:rPr b="0" cap="none" i="0" lang="en-US" strike="noStrike" sz="2800" u="none">
                 <a:solidFill>
                   <a:srgbClr val="DC195E"/>
                 </a:solidFill>
@@ -13078,7 +13078,7 @@
               <a:t>light approach </a:t>
             </a:r>
             <a:r>
-              <a:rPr b="0" i="0" lang="en-US" sz="2800" u="none" cap="none" strike="noStrike">
+              <a:rPr b="0" cap="none" i="0" lang="en-US" strike="noStrike" sz="2800" u="none">
                 <a:solidFill>
                   <a:srgbClr val="F2F2F2"/>
                 </a:solidFill>
@@ -13113,12 +13113,12 @@
           </a:ln>
         </p:spPr>
         <p:txBody>
-          <a:bodyPr anchorCtr="0" anchor="t" bIns="45700" lIns="45700" spcFirstLastPara="1" rIns="45700" wrap="square" tIns="45700">
+          <a:bodyPr anchor="t" anchorCtr="0" bIns="45700" lIns="45700" numCol="1" rIns="45700" spcFirstLastPara="1" tIns="45700" wrap="square">
             <a:noAutofit/>
           </a:bodyPr>
           <a:lstStyle/>
           <a:p>
-            <a:pPr indent="0" lvl="0" marL="0" marR="0" rtl="0" algn="l">
+            <a:pPr algn="l" indent="0" lvl="0" marL="0" marR="0" rtl="0">
               <a:lnSpc>
                 <a:spcPct val="100000"/>
               </a:lnSpc>
@@ -13136,7 +13136,7 @@
               <a:buNone/>
             </a:pPr>
             <a:r>
-              <a:rPr b="0" i="0" lang="en-US" sz="2800" u="none" cap="none" strike="noStrike">
+              <a:rPr b="0" cap="none" i="0" lang="en-US" strike="noStrike" sz="2800" u="none">
                 <a:solidFill>
                   <a:srgbClr val="DC195E"/>
                 </a:solidFill>
@@ -13148,7 +13148,7 @@
               <a:t>As a result, </a:t>
             </a:r>
             <a:r>
-              <a:rPr b="0" i="0" lang="en-US" sz="2800" u="none" cap="none" strike="noStrike">
+              <a:rPr b="0" cap="none" i="0" lang="en-US" strike="noStrike" sz="2800" u="none">
                 <a:solidFill>
                   <a:srgbClr val="F2F2F2"/>
                 </a:solidFill>
@@ -13183,12 +13183,12 @@
           </a:ln>
         </p:spPr>
         <p:txBody>
-          <a:bodyPr anchorCtr="0" anchor="t" bIns="45700" lIns="45700" spcFirstLastPara="1" rIns="45700" wrap="square" tIns="45700">
+          <a:bodyPr anchor="t" anchorCtr="0" bIns="45700" lIns="45700" numCol="1" rIns="45700" spcFirstLastPara="1" tIns="45700" wrap="square">
             <a:noAutofit/>
           </a:bodyPr>
           <a:lstStyle/>
           <a:p>
-            <a:pPr indent="0" lvl="0" marL="0" marR="0" rtl="0" algn="r">
+            <a:pPr algn="r" indent="0" lvl="0" marL="0" marR="0" rtl="0">
               <a:lnSpc>
                 <a:spcPct val="100000"/>
               </a:lnSpc>
@@ -13206,7 +13206,7 @@
               <a:buNone/>
             </a:pPr>
             <a:r>
-              <a:rPr b="0" i="0" lang="en-US" sz="6600" u="none" cap="none" strike="noStrike">
+              <a:rPr b="0" cap="none" i="0" lang="en-US" strike="noStrike" sz="6600" u="none">
                 <a:solidFill>
                   <a:srgbClr val="F0F0F0"/>
                 </a:solidFill>
@@ -13218,7 +13218,7 @@
               <a:t>ONLY STORE WHAT’S </a:t>
             </a:r>
             <a:r>
-              <a:rPr b="0" i="0" lang="en-US" sz="6600" u="none" cap="none" strike="noStrike">
+              <a:rPr b="0" cap="none" i="0" lang="en-US" strike="noStrike" sz="6600" u="none">
                 <a:solidFill>
                   <a:srgbClr val="DC195E"/>
                 </a:solidFill>
@@ -13334,12 +13334,12 @@
           </a:ln>
         </p:spPr>
         <p:txBody>
-          <a:bodyPr anchorCtr="0" anchor="ctr" bIns="50800" lIns="50800" spcFirstLastPara="1" rIns="50800" wrap="square" tIns="50800">
+          <a:bodyPr anchor="ctr" anchorCtr="0" bIns="50800" lIns="50800" numCol="1" rIns="50800" spcFirstLastPara="1" tIns="50800" wrap="square">
             <a:noAutofit/>
           </a:bodyPr>
           <a:lstStyle/>
           <a:p>
-            <a:pPr indent="0" lvl="0" marL="0" marR="0" rtl="0" algn="ctr">
+            <a:pPr algn="ctr" indent="0" lvl="0" marL="0" marR="0" rtl="0">
               <a:lnSpc>
                 <a:spcPct val="100000"/>
               </a:lnSpc>
@@ -13359,7 +13359,7 @@
             <a:r>
               <a:t/>
             </a:r>
-            <a:endParaRPr b="0" i="0" sz="2200" u="none" cap="none" strike="noStrike">
+            <a:endParaRPr b="0" cap="none" i="0" strike="noStrike" sz="2200" u="none">
               <a:solidFill>
                 <a:srgbClr val="FFFFFF"/>
               </a:solidFill>
@@ -13391,12 +13391,12 @@
           </a:ln>
         </p:spPr>
         <p:txBody>
-          <a:bodyPr anchorCtr="0" anchor="ctr" bIns="67725" lIns="67725" spcFirstLastPara="1" rIns="67725" wrap="square" tIns="67725">
+          <a:bodyPr anchor="ctr" anchorCtr="0" bIns="67725" lIns="67725" numCol="1" rIns="67725" spcFirstLastPara="1" tIns="67725" wrap="square">
             <a:noAutofit/>
           </a:bodyPr>
           <a:lstStyle/>
           <a:p>
-            <a:pPr indent="0" lvl="0" marL="0" marR="0" rtl="0" algn="r">
+            <a:pPr algn="r" indent="0" lvl="0" marL="0" marR="0" rtl="0">
               <a:lnSpc>
                 <a:spcPct val="100000"/>
               </a:lnSpc>
@@ -13414,7 +13414,7 @@
               <a:buNone/>
             </a:pPr>
             <a:r>
-              <a:rPr b="0" i="0" lang="en-US" sz="5600" u="none" cap="none" strike="noStrike">
+              <a:rPr b="0" cap="none" i="0" lang="en-US" strike="noStrike" sz="5600" u="none">
                 <a:solidFill>
                   <a:srgbClr val="F0F0F0"/>
                 </a:solidFill>
@@ -13426,7 +13426,7 @@
               <a:t>USING </a:t>
             </a:r>
             <a:r>
-              <a:rPr b="0" i="0" lang="en-US" sz="5600" u="none" cap="none" strike="noStrike">
+              <a:rPr b="0" cap="none" i="0" lang="en-US" strike="noStrike" sz="5600" u="none">
                 <a:solidFill>
                   <a:srgbClr val="DC195E"/>
                 </a:solidFill>
@@ -13488,12 +13488,12 @@
           </a:ln>
         </p:spPr>
         <p:txBody>
-          <a:bodyPr anchorCtr="0" anchor="t" bIns="45700" lIns="45700" spcFirstLastPara="1" rIns="45700" wrap="square" tIns="45700">
+          <a:bodyPr anchor="t" anchorCtr="0" bIns="45700" lIns="45700" numCol="1" rIns="45700" spcFirstLastPara="1" tIns="45700" wrap="square">
             <a:noAutofit/>
           </a:bodyPr>
           <a:lstStyle/>
           <a:p>
-            <a:pPr indent="0" lvl="0" marL="0" marR="0" rtl="0" algn="l">
+            <a:pPr algn="l" indent="0" lvl="0" marL="0" marR="0" rtl="0">
               <a:lnSpc>
                 <a:spcPct val="100000"/>
               </a:lnSpc>
@@ -13511,7 +13511,7 @@
               <a:buNone/>
             </a:pPr>
             <a:r>
-              <a:rPr b="0" i="0" lang="en-US" sz="2800" u="none" cap="none" strike="noStrike">
+              <a:rPr b="0" cap="none" i="0" lang="en-US" strike="noStrike" sz="2800" u="none">
                 <a:solidFill>
                   <a:srgbClr val="DC195E"/>
                 </a:solidFill>
@@ -13523,7 +13523,7 @@
               <a:t>Blockstack.js</a:t>
             </a:r>
             <a:r>
-              <a:rPr b="0" i="0" lang="en-US" sz="2800" u="none" cap="none" strike="noStrike">
+              <a:rPr b="0" cap="none" i="0" lang="en-US" strike="noStrike" sz="2800" u="none">
                 <a:solidFill>
                   <a:srgbClr val="F2F2F2"/>
                 </a:solidFill>
@@ -13558,12 +13558,12 @@
           </a:ln>
         </p:spPr>
         <p:txBody>
-          <a:bodyPr anchorCtr="0" anchor="t" bIns="45700" lIns="45700" spcFirstLastPara="1" rIns="45700" wrap="square" tIns="45700">
+          <a:bodyPr anchor="t" anchorCtr="0" bIns="45700" lIns="45700" numCol="1" rIns="45700" spcFirstLastPara="1" tIns="45700" wrap="square">
             <a:noAutofit/>
           </a:bodyPr>
           <a:lstStyle/>
           <a:p>
-            <a:pPr indent="0" lvl="0" marL="0" marR="0" rtl="0" algn="l">
+            <a:pPr algn="l" indent="0" lvl="0" marL="0" marR="0" rtl="0">
               <a:lnSpc>
                 <a:spcPct val="100000"/>
               </a:lnSpc>
@@ -13581,7 +13581,7 @@
               <a:buNone/>
             </a:pPr>
             <a:r>
-              <a:rPr b="0" i="0" lang="en-US" sz="2800" u="none" cap="none" strike="noStrike">
+              <a:rPr b="0" cap="none" i="0" lang="en-US" strike="noStrike" sz="2800" u="none">
                 <a:solidFill>
                   <a:srgbClr val="F2F2F2"/>
                 </a:solidFill>
@@ -13593,7 +13593,7 @@
               <a:t>Enabling </a:t>
             </a:r>
             <a:r>
-              <a:rPr b="0" i="0" lang="en-US" sz="2800" u="none" cap="none" strike="noStrike">
+              <a:rPr b="0" cap="none" i="0" lang="en-US" strike="noStrike" sz="2800" u="none">
                 <a:solidFill>
                   <a:srgbClr val="DC195E"/>
                 </a:solidFill>
@@ -13605,7 +13605,7 @@
               <a:t>simple creation</a:t>
             </a:r>
             <a:r>
-              <a:rPr b="0" i="0" lang="en-US" sz="2800" u="none" cap="none" strike="noStrike">
+              <a:rPr b="0" cap="none" i="0" lang="en-US" strike="noStrike" sz="2800" u="none">
                 <a:solidFill>
                   <a:srgbClr val="F2F2F2"/>
                 </a:solidFill>
@@ -13640,12 +13640,12 @@
           </a:ln>
         </p:spPr>
         <p:txBody>
-          <a:bodyPr anchorCtr="0" anchor="t" bIns="45700" lIns="45700" spcFirstLastPara="1" rIns="45700" wrap="square" tIns="45700">
+          <a:bodyPr anchor="t" anchorCtr="0" bIns="45700" lIns="45700" numCol="1" rIns="45700" spcFirstLastPara="1" tIns="45700" wrap="square">
             <a:noAutofit/>
           </a:bodyPr>
           <a:lstStyle/>
           <a:p>
-            <a:pPr indent="0" lvl="0" marL="0" marR="0" rtl="0" algn="r">
+            <a:pPr algn="r" indent="0" lvl="0" marL="0" marR="0" rtl="0">
               <a:lnSpc>
                 <a:spcPct val="100000"/>
               </a:lnSpc>
@@ -13663,7 +13663,7 @@
               <a:buNone/>
             </a:pPr>
             <a:r>
-              <a:rPr b="0" i="0" lang="en-US" sz="6600" u="none" cap="none" strike="noStrike">
+              <a:rPr b="0" cap="none" i="0" lang="en-US" strike="noStrike" sz="6600" u="none">
                 <a:solidFill>
                   <a:srgbClr val="DC195E"/>
                 </a:solidFill>
@@ -13675,7 +13675,7 @@
               <a:t>REMOVES</a:t>
             </a:r>
             <a:r>
-              <a:rPr b="0" i="0" lang="en-US" sz="6600" u="none" cap="none" strike="noStrike">
+              <a:rPr b="0" cap="none" i="0" lang="en-US" strike="noStrike" sz="6600" u="none">
                 <a:solidFill>
                   <a:srgbClr val="F0F0F0"/>
                 </a:solidFill>
@@ -13687,7 +13687,7 @@
               <a:t> </a:t>
             </a:r>
             <a:r>
-              <a:rPr b="0" i="0" lang="en-US" sz="6600" u="none" cap="none" strike="noStrike">
+              <a:rPr b="0" cap="none" i="0" lang="en-US" strike="noStrike" sz="6600" u="none">
                 <a:solidFill>
                   <a:srgbClr val="F2F2F2"/>
                 </a:solidFill>
@@ -13699,7 +13699,7 @@
               <a:t>SERVERS</a:t>
             </a:r>
             <a:r>
-              <a:rPr b="0" i="0" lang="en-US" sz="6600" u="none" cap="none" strike="noStrike">
+              <a:rPr b="0" cap="none" i="0" lang="en-US" strike="noStrike" sz="6600" u="none">
                 <a:solidFill>
                   <a:srgbClr val="F0F0F0"/>
                 </a:solidFill>
@@ -13815,12 +13815,12 @@
           </a:ln>
         </p:spPr>
         <p:txBody>
-          <a:bodyPr anchorCtr="0" anchor="ctr" bIns="50800" lIns="50800" spcFirstLastPara="1" rIns="50800" wrap="square" tIns="50800">
+          <a:bodyPr anchor="ctr" anchorCtr="0" bIns="50800" lIns="50800" numCol="1" rIns="50800" spcFirstLastPara="1" tIns="50800" wrap="square">
             <a:noAutofit/>
           </a:bodyPr>
           <a:lstStyle/>
           <a:p>
-            <a:pPr indent="0" lvl="0" marL="0" marR="0" rtl="0" algn="ctr">
+            <a:pPr algn="ctr" indent="0" lvl="0" marL="0" marR="0" rtl="0">
               <a:lnSpc>
                 <a:spcPct val="100000"/>
               </a:lnSpc>
@@ -13840,7 +13840,7 @@
             <a:r>
               <a:t/>
             </a:r>
-            <a:endParaRPr b="0" i="0" sz="2200" u="none" cap="none" strike="noStrike">
+            <a:endParaRPr b="0" cap="none" i="0" strike="noStrike" sz="2200" u="none">
               <a:solidFill>
                 <a:srgbClr val="FFFFFF"/>
               </a:solidFill>
@@ -13872,12 +13872,12 @@
           </a:ln>
         </p:spPr>
         <p:txBody>
-          <a:bodyPr anchorCtr="0" anchor="ctr" bIns="67725" lIns="67725" spcFirstLastPara="1" rIns="67725" wrap="square" tIns="67725">
+          <a:bodyPr anchor="ctr" anchorCtr="0" bIns="67725" lIns="67725" numCol="1" rIns="67725" spcFirstLastPara="1" tIns="67725" wrap="square">
             <a:noAutofit/>
           </a:bodyPr>
           <a:lstStyle/>
           <a:p>
-            <a:pPr indent="0" lvl="0" marL="0" marR="0" rtl="0" algn="r">
+            <a:pPr algn="r" indent="0" lvl="0" marL="0" marR="0" rtl="0">
               <a:lnSpc>
                 <a:spcPct val="100000"/>
               </a:lnSpc>
@@ -13895,7 +13895,7 @@
               <a:buNone/>
             </a:pPr>
             <a:r>
-              <a:rPr b="0" i="0" lang="en-US" sz="5600" u="none" cap="none" strike="noStrike">
+              <a:rPr b="0" cap="none" i="0" lang="en-US" strike="noStrike" sz="5600" u="none">
                 <a:solidFill>
                   <a:srgbClr val="DC195E"/>
                 </a:solidFill>
@@ -13906,7 +13906,7 @@
               </a:rPr>
               <a:t>THE BLOCKSTACK </a:t>
             </a:r>
-            <a:endParaRPr b="0" i="0" sz="8000" u="none" cap="none" strike="noStrike">
+            <a:endParaRPr b="0" cap="none" i="0" strike="noStrike" sz="8000" u="none">
               <a:solidFill>
                 <a:srgbClr val="000000"/>
               </a:solidFill>
@@ -13917,7 +13917,7 @@
             </a:endParaRPr>
           </a:p>
           <a:p>
-            <a:pPr indent="0" lvl="0" marL="0" marR="0" rtl="0" algn="r">
+            <a:pPr algn="r" indent="0" lvl="0" marL="0" marR="0" rtl="0">
               <a:lnSpc>
                 <a:spcPct val="100000"/>
               </a:lnSpc>
@@ -13935,7 +13935,7 @@
               <a:buNone/>
             </a:pPr>
             <a:r>
-              <a:rPr b="0" i="0" lang="en-US" sz="5600" u="none" cap="none" strike="noStrike">
+              <a:rPr b="0" cap="none" i="0" lang="en-US" strike="noStrike" sz="5600" u="none">
                 <a:solidFill>
                   <a:srgbClr val="F0F0F0"/>
                 </a:solidFill>
@@ -13997,12 +13997,12 @@
           </a:ln>
         </p:spPr>
         <p:txBody>
-          <a:bodyPr anchorCtr="0" anchor="t" bIns="45700" lIns="45700" spcFirstLastPara="1" rIns="45700" wrap="square" tIns="45700">
+          <a:bodyPr anchor="t" anchorCtr="0" bIns="45700" lIns="45700" numCol="1" rIns="45700" spcFirstLastPara="1" tIns="45700" wrap="square">
             <a:noAutofit/>
           </a:bodyPr>
           <a:lstStyle/>
           <a:p>
-            <a:pPr indent="0" lvl="0" marL="0" marR="0" rtl="0" algn="l">
+            <a:pPr algn="l" indent="0" lvl="0" marL="0" marR="0" rtl="0">
               <a:lnSpc>
                 <a:spcPct val="100000"/>
               </a:lnSpc>
@@ -14020,7 +14020,7 @@
               <a:buNone/>
             </a:pPr>
             <a:r>
-              <a:rPr b="0" i="0" lang="en-US" sz="2800" u="none" cap="none" strike="noStrike">
+              <a:rPr b="0" cap="none" i="0" lang="en-US" strike="noStrike" sz="2800" u="none">
                 <a:solidFill>
                   <a:srgbClr val="F2F2F2"/>
                 </a:solidFill>
@@ -14032,7 +14032,7 @@
               <a:t>Blockstack recently raised </a:t>
             </a:r>
             <a:r>
-              <a:rPr b="0" i="0" lang="en-US" sz="2800" u="none" cap="none" strike="noStrike">
+              <a:rPr b="0" cap="none" i="0" lang="en-US" strike="noStrike" sz="2800" u="none">
                 <a:solidFill>
                   <a:srgbClr val="DC195E"/>
                 </a:solidFill>
@@ -14044,7 +14044,7 @@
               <a:t>~50 million USD in a token sale</a:t>
             </a:r>
             <a:r>
-              <a:rPr b="0" i="0" lang="en-US" sz="2800" u="none" cap="none" strike="noStrike">
+              <a:rPr b="0" cap="none" i="0" lang="en-US" strike="noStrike" sz="2800" u="none">
                 <a:solidFill>
                   <a:srgbClr val="F2F2F2"/>
                 </a:solidFill>
@@ -14079,12 +14079,12 @@
           </a:ln>
         </p:spPr>
         <p:txBody>
-          <a:bodyPr anchorCtr="0" anchor="t" bIns="45700" lIns="45700" spcFirstLastPara="1" rIns="45700" wrap="square" tIns="45700">
+          <a:bodyPr anchor="t" anchorCtr="0" bIns="45700" lIns="45700" numCol="1" rIns="45700" spcFirstLastPara="1" tIns="45700" wrap="square">
             <a:noAutofit/>
           </a:bodyPr>
           <a:lstStyle/>
           <a:p>
-            <a:pPr indent="0" lvl="0" marL="0" marR="0" rtl="0" algn="l">
+            <a:pPr algn="l" indent="0" lvl="0" marL="0" marR="0" rtl="0">
               <a:lnSpc>
                 <a:spcPct val="100000"/>
               </a:lnSpc>
@@ -14102,7 +14102,7 @@
               <a:buNone/>
             </a:pPr>
             <a:r>
-              <a:rPr b="0" i="0" lang="en-US" sz="2800" u="none" cap="none" strike="noStrike">
+              <a:rPr b="0" cap="none" i="0" lang="en-US" strike="noStrike" sz="2800" u="none">
                 <a:solidFill>
                   <a:srgbClr val="F2F2F2"/>
                 </a:solidFill>
@@ -14114,7 +14114,7 @@
               <a:t>What is the utility beyond </a:t>
             </a:r>
             <a:r>
-              <a:rPr b="0" i="0" lang="en-US" sz="2800" u="none" cap="none" strike="noStrike">
+              <a:rPr b="0" cap="none" i="0" lang="en-US" strike="noStrike" sz="2800" u="none">
                 <a:solidFill>
                   <a:srgbClr val="DC195E"/>
                 </a:solidFill>
@@ -14149,12 +14149,12 @@
           </a:ln>
         </p:spPr>
         <p:txBody>
-          <a:bodyPr anchorCtr="0" anchor="t" bIns="45700" lIns="45700" spcFirstLastPara="1" rIns="45700" wrap="square" tIns="45700">
+          <a:bodyPr anchor="t" anchorCtr="0" bIns="45700" lIns="45700" numCol="1" rIns="45700" spcFirstLastPara="1" tIns="45700" wrap="square">
             <a:noAutofit/>
           </a:bodyPr>
           <a:lstStyle/>
           <a:p>
-            <a:pPr indent="0" lvl="0" marL="0" marR="0" rtl="0" algn="r">
+            <a:pPr algn="r" indent="0" lvl="0" marL="0" marR="0" rtl="0">
               <a:lnSpc>
                 <a:spcPct val="100000"/>
               </a:lnSpc>
@@ -14172,7 +14172,7 @@
               <a:buNone/>
             </a:pPr>
             <a:r>
-              <a:rPr b="0" i="0" lang="en-US" sz="4800" u="none" cap="none" strike="noStrike">
+              <a:rPr b="0" cap="none" i="0" lang="en-US" strike="noStrike" sz="4800" u="none">
                 <a:solidFill>
                   <a:srgbClr val="F0F0F0"/>
                 </a:solidFill>
@@ -14184,7 +14184,7 @@
               <a:t>THIS IS ITS OWN WHITE </a:t>
             </a:r>
             <a:r>
-              <a:rPr b="0" i="0" lang="en-US" sz="4800" u="none" cap="none" strike="noStrike">
+              <a:rPr b="0" cap="none" i="0" lang="en-US" strike="noStrike" sz="4800" u="none">
                 <a:solidFill>
                   <a:srgbClr val="F2F2F2"/>
                 </a:solidFill>
@@ -14196,7 +14196,7 @@
               <a:t>PAPER… </a:t>
             </a:r>
             <a:r>
-              <a:rPr b="0" i="0" lang="en-US" sz="4800" u="none" cap="none" strike="noStrike">
+              <a:rPr b="0" cap="none" i="0" lang="en-US" strike="noStrike" sz="4800" u="none">
                 <a:solidFill>
                   <a:srgbClr val="DC195E"/>
                 </a:solidFill>
@@ -14312,12 +14312,12 @@
           </a:ln>
         </p:spPr>
         <p:txBody>
-          <a:bodyPr anchorCtr="0" anchor="ctr" bIns="50800" lIns="50800" spcFirstLastPara="1" rIns="50800" wrap="square" tIns="50800">
+          <a:bodyPr anchor="ctr" anchorCtr="0" bIns="50800" lIns="50800" numCol="1" rIns="50800" spcFirstLastPara="1" tIns="50800" wrap="square">
             <a:noAutofit/>
           </a:bodyPr>
           <a:lstStyle/>
           <a:p>
-            <a:pPr indent="0" lvl="0" marL="0" marR="0" rtl="0" algn="ctr">
+            <a:pPr algn="ctr" indent="0" lvl="0" marL="0" marR="0" rtl="0">
               <a:lnSpc>
                 <a:spcPct val="100000"/>
               </a:lnSpc>
@@ -14337,7 +14337,7 @@
             <a:r>
               <a:t/>
             </a:r>
-            <a:endParaRPr b="0" i="0" sz="2200" u="none" cap="none" strike="noStrike">
+            <a:endParaRPr b="0" cap="none" i="0" strike="noStrike" sz="2200" u="none">
               <a:solidFill>
                 <a:srgbClr val="FFFFFF"/>
               </a:solidFill>
@@ -14369,12 +14369,12 @@
           </a:ln>
         </p:spPr>
         <p:txBody>
-          <a:bodyPr anchorCtr="0" anchor="ctr" bIns="67725" lIns="67725" spcFirstLastPara="1" rIns="67725" wrap="square" tIns="67725">
+          <a:bodyPr anchor="ctr" anchorCtr="0" bIns="67725" lIns="67725" numCol="1" rIns="67725" spcFirstLastPara="1" tIns="67725" wrap="square">
             <a:noAutofit/>
           </a:bodyPr>
           <a:lstStyle/>
           <a:p>
-            <a:pPr indent="0" lvl="0" marL="0" marR="0" rtl="0" algn="ctr">
+            <a:pPr algn="ctr" indent="0" lvl="0" marL="0" marR="0" rtl="0">
               <a:lnSpc>
                 <a:spcPct val="100000"/>
               </a:lnSpc>
@@ -14392,7 +14392,7 @@
               <a:buNone/>
             </a:pPr>
             <a:r>
-              <a:rPr b="0" i="0" lang="en-US" sz="5600" u="none" cap="none" strike="noStrike">
+              <a:rPr b="0" cap="none" i="0" lang="en-US" strike="noStrike" sz="5600" u="none">
                 <a:solidFill>
                   <a:srgbClr val="F2F2F2"/>
                 </a:solidFill>
@@ -14454,12 +14454,12 @@
           </a:ln>
         </p:spPr>
         <p:txBody>
-          <a:bodyPr anchorCtr="0" anchor="t" bIns="45700" lIns="45700" spcFirstLastPara="1" rIns="45700" wrap="square" tIns="45700">
+          <a:bodyPr anchor="t" anchorCtr="0" bIns="45700" lIns="45700" numCol="1" rIns="45700" spcFirstLastPara="1" tIns="45700" wrap="square">
             <a:noAutofit/>
           </a:bodyPr>
           <a:lstStyle/>
           <a:p>
-            <a:pPr indent="0" lvl="0" marL="0" marR="0" rtl="0" algn="l">
+            <a:pPr algn="l" indent="0" lvl="0" marL="0" marR="0" rtl="0">
               <a:lnSpc>
                 <a:spcPct val="100000"/>
               </a:lnSpc>
@@ -14489,7 +14489,7 @@
               <a:t>GOVERNANCE </a:t>
             </a:r>
             <a:r>
-              <a:rPr b="0" i="0" lang="en-US" sz="4400" u="none" cap="none" strike="noStrike">
+              <a:rPr b="0" cap="none" i="0" lang="en-US" strike="noStrike" sz="4400" u="none">
                 <a:solidFill>
                   <a:srgbClr val="F0F0F0"/>
                 </a:solidFill>
@@ -14501,7 +14501,7 @@
               <a:t> </a:t>
             </a:r>
             <a:r>
-              <a:rPr b="0" i="0" lang="en-US" sz="4400" u="none" cap="none" strike="noStrike">
+              <a:rPr b="0" cap="none" i="0" lang="en-US" strike="noStrike" sz="4400" u="none">
                 <a:solidFill>
                   <a:srgbClr val="DC195E"/>
                 </a:solidFill>
@@ -14513,7 +14513,7 @@
               <a:t>(STACKHOLDER?) </a:t>
             </a:r>
             <a:r>
-              <a:rPr b="0" i="0" lang="en-US" sz="4400" u="none" cap="none" strike="noStrike">
+              <a:rPr b="0" cap="none" i="0" lang="en-US" strike="noStrike" sz="4400" u="none">
                 <a:solidFill>
                   <a:srgbClr val="F0F0F0"/>
                 </a:solidFill>
@@ -14548,12 +14548,12 @@
           </a:ln>
         </p:spPr>
         <p:txBody>
-          <a:bodyPr anchorCtr="0" anchor="t" bIns="45700" lIns="45700" spcFirstLastPara="1" rIns="45700" wrap="square" tIns="45700">
+          <a:bodyPr anchor="t" anchorCtr="0" bIns="45700" lIns="45700" numCol="1" rIns="45700" spcFirstLastPara="1" tIns="45700" wrap="square">
             <a:noAutofit/>
           </a:bodyPr>
           <a:lstStyle/>
           <a:p>
-            <a:pPr indent="0" lvl="0" marL="0" marR="0" rtl="0" algn="l">
+            <a:pPr algn="l" indent="0" lvl="0" marL="0" marR="0" rtl="0">
               <a:lnSpc>
                 <a:spcPct val="100000"/>
               </a:lnSpc>
@@ -14571,7 +14571,7 @@
               <a:buNone/>
             </a:pPr>
             <a:r>
-              <a:rPr b="0" i="0" lang="en-US" sz="4400" u="none" cap="none" strike="noStrike">
+              <a:rPr b="0" cap="none" i="0" lang="en-US" strike="noStrike" sz="4400" u="none">
                 <a:solidFill>
                   <a:srgbClr val="F0F0F0"/>
                 </a:solidFill>
@@ -14606,12 +14606,12 @@
           </a:ln>
         </p:spPr>
         <p:txBody>
-          <a:bodyPr anchorCtr="0" anchor="t" bIns="45700" lIns="45700" spcFirstLastPara="1" rIns="45700" wrap="square" tIns="45700">
+          <a:bodyPr anchor="t" anchorCtr="0" bIns="45700" lIns="45700" numCol="1" rIns="45700" spcFirstLastPara="1" tIns="45700" wrap="square">
             <a:noAutofit/>
           </a:bodyPr>
           <a:lstStyle/>
           <a:p>
-            <a:pPr indent="0" lvl="0" marL="0" marR="0" rtl="0" algn="l">
+            <a:pPr algn="l" indent="0" lvl="0" marL="0" marR="0" rtl="0">
               <a:lnSpc>
                 <a:spcPct val="100000"/>
               </a:lnSpc>
@@ -14629,7 +14629,7 @@
               <a:buNone/>
             </a:pPr>
             <a:r>
-              <a:rPr b="0" i="0" lang="en-US" sz="2400" u="none" cap="none" strike="noStrike">
+              <a:rPr b="0" cap="none" i="0" lang="en-US" strike="noStrike" sz="2400" u="none">
                 <a:solidFill>
                   <a:srgbClr val="F2F2F2"/>
                 </a:solidFill>
@@ -14641,7 +14641,7 @@
               <a:t>Eliminates reliance on Bitcoin, which may be going a </a:t>
             </a:r>
             <a:r>
-              <a:rPr b="0" i="0" lang="en-US" sz="2400" u="none" cap="none" strike="noStrike">
+              <a:rPr b="0" cap="none" i="0" lang="en-US" strike="noStrike" sz="2400" u="none">
                 <a:solidFill>
                   <a:srgbClr val="DC195E"/>
                 </a:solidFill>
@@ -14653,7 +14653,7 @@
               <a:t>digital gold route (scaling unclear)</a:t>
             </a:r>
             <a:r>
-              <a:rPr b="0" i="0" lang="en-US" sz="2400" u="none" cap="none" strike="noStrike">
+              <a:rPr b="0" cap="none" i="0" lang="en-US" strike="noStrike" sz="2400" u="none">
                 <a:solidFill>
                   <a:srgbClr val="F2F2F2"/>
                 </a:solidFill>
@@ -14688,12 +14688,12 @@
           </a:ln>
         </p:spPr>
         <p:txBody>
-          <a:bodyPr anchorCtr="0" anchor="b" bIns="67725" lIns="67725" spcFirstLastPara="1" rIns="67725" wrap="square" tIns="67725">
+          <a:bodyPr anchor="b" anchorCtr="0" bIns="67725" lIns="67725" numCol="1" rIns="67725" spcFirstLastPara="1" tIns="67725" wrap="square">
             <a:noAutofit/>
           </a:bodyPr>
           <a:lstStyle/>
           <a:p>
-            <a:pPr indent="0" lvl="0" marL="0" marR="0" rtl="0" algn="l">
+            <a:pPr algn="l" indent="0" lvl="0" marL="0" marR="0" rtl="0">
               <a:lnSpc>
                 <a:spcPct val="100000"/>
               </a:lnSpc>
@@ -14711,7 +14711,7 @@
               <a:buNone/>
             </a:pPr>
             <a:r>
-              <a:rPr b="0" i="0" lang="en-US" sz="4400" u="none" cap="none" strike="noStrike">
+              <a:rPr b="0" cap="none" i="0" lang="en-US" strike="noStrike" sz="4400" u="none">
                 <a:solidFill>
                   <a:srgbClr val="F0F0F0"/>
                 </a:solidFill>
@@ -14723,7 +14723,7 @@
               <a:t>STACKS </a:t>
             </a:r>
             <a:r>
-              <a:rPr b="0" i="0" lang="en-US" sz="4400" u="none" cap="none" strike="noStrike">
+              <a:rPr b="0" cap="none" i="0" lang="en-US" strike="noStrike" sz="4400" u="none">
                 <a:solidFill>
                   <a:srgbClr val="DC195E"/>
                 </a:solidFill>
@@ -14735,7 +14735,7 @@
               <a:t>ENABLE LIGHT </a:t>
             </a:r>
             <a:r>
-              <a:rPr b="0" i="0" lang="en-US" sz="4400" u="none" cap="none" strike="noStrike">
+              <a:rPr b="0" cap="none" i="0" lang="en-US" strike="noStrike" sz="4400" u="none">
                 <a:solidFill>
                   <a:srgbClr val="F0F0F0"/>
                 </a:solidFill>
@@ -14770,12 +14770,12 @@
           </a:ln>
         </p:spPr>
         <p:txBody>
-          <a:bodyPr anchorCtr="0" anchor="b" bIns="67725" lIns="67725" spcFirstLastPara="1" rIns="67725" wrap="square" tIns="67725">
+          <a:bodyPr anchor="b" anchorCtr="0" bIns="67725" lIns="67725" numCol="1" rIns="67725" spcFirstLastPara="1" tIns="67725" wrap="square">
             <a:noAutofit/>
           </a:bodyPr>
           <a:lstStyle/>
           <a:p>
-            <a:pPr indent="0" lvl="0" marL="0" marR="0" rtl="0" algn="l">
+            <a:pPr algn="l" indent="0" lvl="0" marL="0" marR="0" rtl="0">
               <a:lnSpc>
                 <a:spcPct val="100000"/>
               </a:lnSpc>
@@ -14793,7 +14793,7 @@
               <a:buNone/>
             </a:pPr>
             <a:r>
-              <a:rPr b="0" i="0" lang="en-US" sz="4400" u="none" cap="none" strike="noStrike">
+              <a:rPr b="0" cap="none" i="0" lang="en-US" strike="noStrike" sz="4400" u="none">
                 <a:solidFill>
                   <a:srgbClr val="F0F0F0"/>
                 </a:solidFill>
@@ -14805,7 +14805,7 @@
               <a:t>NAMESPACE </a:t>
             </a:r>
             <a:r>
-              <a:rPr b="0" i="0" lang="en-US" sz="4400" u="none" cap="none" strike="noStrike">
+              <a:rPr b="0" cap="none" i="0" lang="en-US" strike="noStrike" sz="4400" u="none">
                 <a:solidFill>
                   <a:srgbClr val="DC195E"/>
                 </a:solidFill>
@@ -15002,12 +15002,12 @@
           </a:ln>
         </p:spPr>
         <p:txBody>
-          <a:bodyPr anchorCtr="0" anchor="ctr" bIns="50800" lIns="50800" spcFirstLastPara="1" rIns="50800" wrap="square" tIns="50800">
+          <a:bodyPr anchor="ctr" anchorCtr="0" bIns="50800" lIns="50800" numCol="1" rIns="50800" spcFirstLastPara="1" tIns="50800" wrap="square">
             <a:noAutofit/>
           </a:bodyPr>
           <a:lstStyle/>
           <a:p>
-            <a:pPr indent="0" lvl="0" marL="0" marR="0" rtl="0" algn="ctr">
+            <a:pPr algn="ctr" indent="0" lvl="0" marL="0" marR="0" rtl="0">
               <a:lnSpc>
                 <a:spcPct val="100000"/>
               </a:lnSpc>
@@ -15027,7 +15027,7 @@
             <a:r>
               <a:t/>
             </a:r>
-            <a:endParaRPr b="0" i="0" sz="2200" u="none" cap="none" strike="noStrike">
+            <a:endParaRPr b="0" cap="none" i="0" strike="noStrike" sz="2200" u="none">
               <a:solidFill>
                 <a:srgbClr val="FFFFFF"/>
               </a:solidFill>
@@ -15059,12 +15059,12 @@
           </a:ln>
         </p:spPr>
         <p:txBody>
-          <a:bodyPr anchorCtr="0" anchor="ctr" bIns="67725" lIns="67725" spcFirstLastPara="1" rIns="67725" wrap="square" tIns="67725">
+          <a:bodyPr anchor="ctr" anchorCtr="0" bIns="67725" lIns="67725" numCol="1" rIns="67725" spcFirstLastPara="1" tIns="67725" wrap="square">
             <a:noAutofit/>
           </a:bodyPr>
           <a:lstStyle/>
           <a:p>
-            <a:pPr indent="0" lvl="0" marL="0" marR="0" rtl="0" algn="r">
+            <a:pPr algn="r" indent="0" lvl="0" marL="0" marR="0" rtl="0">
               <a:lnSpc>
                 <a:spcPct val="100000"/>
               </a:lnSpc>
@@ -15082,7 +15082,7 @@
               <a:buNone/>
             </a:pPr>
             <a:r>
-              <a:rPr b="0" i="0" lang="en-US" sz="4000" u="none" cap="none" strike="noStrike">
+              <a:rPr b="0" cap="none" i="0" lang="en-US" strike="noStrike" sz="4000" u="none">
                 <a:solidFill>
                   <a:srgbClr val="DC195E"/>
                 </a:solidFill>
@@ -15094,7 +15094,7 @@
               <a:t>FINAL THOUGHTS: </a:t>
             </a:r>
             <a:r>
-              <a:rPr b="0" i="0" lang="en-US" sz="5600" u="none" cap="none" strike="noStrike">
+              <a:rPr b="0" cap="none" i="0" lang="en-US" strike="noStrike" sz="5600" u="none">
                 <a:solidFill>
                   <a:srgbClr val="F2F2F2"/>
                 </a:solidFill>
@@ -15105,7 +15105,7 @@
               </a:rPr>
               <a:t>BLOCKSTACK’S </a:t>
             </a:r>
-            <a:endParaRPr b="0" i="0" sz="8000" u="none" cap="none" strike="noStrike">
+            <a:endParaRPr b="0" cap="none" i="0" strike="noStrike" sz="8000" u="none">
               <a:solidFill>
                 <a:srgbClr val="000000"/>
               </a:solidFill>
@@ -15116,7 +15116,7 @@
             </a:endParaRPr>
           </a:p>
           <a:p>
-            <a:pPr indent="0" lvl="0" marL="0" marR="0" rtl="0" algn="r">
+            <a:pPr algn="r" indent="0" lvl="0" marL="0" marR="0" rtl="0">
               <a:lnSpc>
                 <a:spcPct val="100000"/>
               </a:lnSpc>
@@ -15134,7 +15134,7 @@
               <a:buNone/>
             </a:pPr>
             <a:r>
-              <a:rPr b="0" i="0" lang="en-US" sz="5600" u="none" cap="none" strike="noStrike">
+              <a:rPr b="0" cap="none" i="0" lang="en-US" strike="noStrike" sz="5600" u="none">
                 <a:solidFill>
                   <a:srgbClr val="F2F2F2"/>
                 </a:solidFill>
@@ -15196,12 +15196,12 @@
           </a:ln>
         </p:spPr>
         <p:txBody>
-          <a:bodyPr anchorCtr="0" anchor="t" bIns="45700" lIns="45700" spcFirstLastPara="1" rIns="45700" wrap="square" tIns="45700">
+          <a:bodyPr anchor="t" anchorCtr="0" bIns="45700" lIns="45700" numCol="1" rIns="45700" spcFirstLastPara="1" tIns="45700" wrap="square">
             <a:noAutofit/>
           </a:bodyPr>
           <a:lstStyle/>
           <a:p>
-            <a:pPr indent="0" lvl="0" marL="0" marR="0" rtl="0" algn="l">
+            <a:pPr algn="l" indent="0" lvl="0" marL="0" marR="0" rtl="0">
               <a:lnSpc>
                 <a:spcPct val="100000"/>
               </a:lnSpc>
@@ -15231,7 +15231,7 @@
               <a:t>Token used </a:t>
             </a:r>
             <a:r>
-              <a:rPr b="0" i="0" lang="en-US" sz="2800" u="none" cap="none" strike="noStrike">
+              <a:rPr b="0" cap="none" i="0" lang="en-US" strike="noStrike" sz="2800" u="none">
                 <a:solidFill>
                   <a:srgbClr val="F2F2F2"/>
                 </a:solidFill>
@@ -15255,7 +15255,7 @@
               <a:t>ize</a:t>
             </a:r>
             <a:r>
-              <a:rPr b="0" i="0" lang="en-US" sz="2800" u="none" cap="none" strike="noStrike">
+              <a:rPr b="0" cap="none" i="0" lang="en-US" strike="noStrike" sz="2800" u="none">
                 <a:solidFill>
                   <a:srgbClr val="F2F2F2"/>
                 </a:solidFill>
@@ -15290,12 +15290,12 @@
           </a:ln>
         </p:spPr>
         <p:txBody>
-          <a:bodyPr anchorCtr="0" anchor="t" bIns="45700" lIns="45700" spcFirstLastPara="1" rIns="45700" wrap="square" tIns="45700">
+          <a:bodyPr anchor="t" anchorCtr="0" bIns="45700" lIns="45700" numCol="1" rIns="45700" spcFirstLastPara="1" tIns="45700" wrap="square">
             <a:noAutofit/>
           </a:bodyPr>
           <a:lstStyle/>
           <a:p>
-            <a:pPr indent="0" lvl="0" marL="0" marR="0" rtl="0" algn="l">
+            <a:pPr algn="l" indent="0" lvl="0" marL="0" marR="0" rtl="0">
               <a:lnSpc>
                 <a:spcPct val="100000"/>
               </a:lnSpc>
@@ -15313,7 +15313,7 @@
               <a:buNone/>
             </a:pPr>
             <a:r>
-              <a:rPr b="0" i="0" lang="en-US" sz="2800" u="none" cap="none" strike="noStrike">
+              <a:rPr b="0" cap="none" i="0" lang="en-US" strike="noStrike" sz="2800" u="none">
                 <a:solidFill>
                   <a:srgbClr val="F2F2F2"/>
                 </a:solidFill>
@@ -15325,7 +15325,7 @@
               <a:t>Interesting to </a:t>
             </a:r>
             <a:r>
-              <a:rPr b="0" i="0" lang="en-US" sz="2800" u="none" cap="none" strike="noStrike">
+              <a:rPr b="0" cap="none" i="0" lang="en-US" strike="noStrike" sz="2800" u="none">
                 <a:solidFill>
                   <a:srgbClr val="DC195E"/>
                 </a:solidFill>
@@ -15337,7 +15337,7 @@
               <a:t>contrast Blockstack vs. Ethereum </a:t>
             </a:r>
             <a:r>
-              <a:rPr b="0" i="0" lang="en-US" sz="2800" u="none" cap="none" strike="noStrike">
+              <a:rPr b="0" cap="none" i="0" lang="en-US" strike="noStrike" sz="2800" u="none">
                 <a:solidFill>
                   <a:srgbClr val="F2F2F2"/>
                 </a:solidFill>
@@ -15372,12 +15372,12 @@
           </a:ln>
         </p:spPr>
         <p:txBody>
-          <a:bodyPr anchorCtr="0" anchor="t" bIns="45700" lIns="45700" spcFirstLastPara="1" rIns="45700" wrap="square" tIns="45700">
+          <a:bodyPr anchor="t" anchorCtr="0" bIns="45700" lIns="45700" numCol="1" rIns="45700" spcFirstLastPara="1" tIns="45700" wrap="square">
             <a:noAutofit/>
           </a:bodyPr>
           <a:lstStyle/>
           <a:p>
-            <a:pPr indent="0" lvl="0" marL="0" marR="0" rtl="0" algn="l">
+            <a:pPr algn="l" indent="0" lvl="0" marL="0" marR="0" rtl="0">
               <a:lnSpc>
                 <a:spcPct val="100000"/>
               </a:lnSpc>
@@ -15395,7 +15395,7 @@
               <a:buNone/>
             </a:pPr>
             <a:r>
-              <a:rPr b="0" i="0" lang="en-US" sz="2800" u="none" cap="none" strike="noStrike">
+              <a:rPr b="0" cap="none" i="0" lang="en-US" strike="noStrike" sz="2800" u="none">
                 <a:solidFill>
                   <a:srgbClr val="F2F2F2"/>
                 </a:solidFill>
@@ -15407,7 +15407,7 @@
               <a:t>The Blockstack Public </a:t>
             </a:r>
             <a:r>
-              <a:rPr b="0" i="0" lang="en-US" sz="2800" u="none" cap="none" strike="noStrike">
+              <a:rPr b="0" cap="none" i="0" lang="en-US" strike="noStrike" sz="2800" u="none">
                 <a:solidFill>
                   <a:srgbClr val="DC195E"/>
                 </a:solidFill>
@@ -15419,7 +15419,7 @@
               <a:t>Benefit Corporation </a:t>
             </a:r>
             <a:r>
-              <a:rPr b="0" i="0" lang="en-US" sz="2800" u="none" cap="none" strike="noStrike">
+              <a:rPr b="0" cap="none" i="0" lang="en-US" strike="noStrike" sz="2800" u="none">
                 <a:solidFill>
                   <a:srgbClr val="F2F2F2"/>
                 </a:solidFill>
@@ -15454,12 +15454,12 @@
           </a:ln>
         </p:spPr>
         <p:txBody>
-          <a:bodyPr anchorCtr="0" anchor="t" bIns="45700" lIns="45700" spcFirstLastPara="1" rIns="45700" wrap="square" tIns="45700">
+          <a:bodyPr anchor="t" anchorCtr="0" bIns="45700" lIns="45700" numCol="1" rIns="45700" spcFirstLastPara="1" tIns="45700" wrap="square">
             <a:noAutofit/>
           </a:bodyPr>
           <a:lstStyle/>
           <a:p>
-            <a:pPr indent="0" lvl="0" marL="0" marR="0" rtl="0" algn="l">
+            <a:pPr algn="l" indent="0" lvl="0" marL="0" marR="0" rtl="0">
               <a:lnSpc>
                 <a:spcPct val="100000"/>
               </a:lnSpc>
@@ -15477,7 +15477,7 @@
               <a:buNone/>
             </a:pPr>
             <a:r>
-              <a:rPr b="0" i="0" lang="en-US" sz="2800" u="none" cap="none" strike="noStrike">
+              <a:rPr b="0" cap="none" i="0" lang="en-US" strike="noStrike" sz="2800" u="none">
                 <a:solidFill>
                   <a:srgbClr val="F2F2F2"/>
                 </a:solidFill>
@@ -15489,7 +15489,7 @@
               <a:t>Get involved: Bounties, Pull Requests, and the </a:t>
             </a:r>
             <a:r>
-              <a:rPr b="0" i="0" lang="en-US" sz="2800" u="none" cap="none" strike="noStrike">
+              <a:rPr b="0" cap="none" i="0" lang="en-US" strike="noStrike" sz="2800" u="none">
                 <a:solidFill>
                   <a:srgbClr val="DC195E"/>
                 </a:solidFill>
@@ -15498,7 +15498,7 @@
                 <a:cs typeface="Calibri"/>
                 <a:sym typeface="Calibri"/>
               </a:rPr>
-              <a:t>Blockstack Lisboa Meetup! :)</a:t>
+              <a:t>Blockstack Portland Meetup!</a:t>
             </a:r>
             <a:endParaRPr/>
           </a:p>
@@ -15659,12 +15659,12 @@
           </a:ln>
         </p:spPr>
         <p:txBody>
-          <a:bodyPr anchorCtr="0" anchor="ctr" bIns="50800" lIns="50800" spcFirstLastPara="1" rIns="50800" wrap="square" tIns="50800">
+          <a:bodyPr anchor="ctr" anchorCtr="0" bIns="50800" lIns="50800" numCol="1" rIns="50800" spcFirstLastPara="1" tIns="50800" wrap="square">
             <a:noAutofit/>
           </a:bodyPr>
           <a:lstStyle/>
           <a:p>
-            <a:pPr indent="0" lvl="0" marL="0" marR="0" rtl="0" algn="ctr">
+            <a:pPr algn="ctr" indent="0" lvl="0" marL="0" marR="0" rtl="0">
               <a:lnSpc>
                 <a:spcPct val="100000"/>
               </a:lnSpc>
@@ -15684,7 +15684,7 @@
             <a:r>
               <a:t/>
             </a:r>
-            <a:endParaRPr b="0" i="0" sz="2200" u="none" cap="none" strike="noStrike">
+            <a:endParaRPr b="0" cap="none" i="0" strike="noStrike" sz="2200" u="none">
               <a:solidFill>
                 <a:srgbClr val="FFFFFF"/>
               </a:solidFill>
@@ -15701,7 +15701,7 @@
           <p:cNvPr id="259" name="Shape 259"/>
           <p:cNvSpPr txBox="1"/>
           <p:nvPr>
-            <p:ph idx="4294967295" type="title"/>
+            <p:ph idx="2147483647" type="title"/>
           </p:nvPr>
         </p:nvSpPr>
         <p:spPr>
@@ -15718,12 +15718,12 @@
           </a:ln>
         </p:spPr>
         <p:txBody>
-          <a:bodyPr anchorCtr="0" anchor="ctr" bIns="50800" lIns="50800" spcFirstLastPara="1" rIns="50800" wrap="square" tIns="50800">
+          <a:bodyPr anchor="ctr" anchorCtr="0" bIns="50800" lIns="50800" numCol="1" rIns="50800" spcFirstLastPara="1" tIns="50800" wrap="square">
             <a:noAutofit/>
           </a:bodyPr>
           <a:lstStyle/>
           <a:p>
-            <a:pPr indent="0" lvl="0" marL="0" marR="0" rtl="0" algn="ctr">
+            <a:pPr algn="ctr" indent="0" lvl="0" marL="0" marR="0" rtl="0">
               <a:lnSpc>
                 <a:spcPct val="100000"/>
               </a:lnSpc>
@@ -15753,7 +15753,7 @@
               <a:t>Learn More!</a:t>
             </a:r>
             <a:r>
-              <a:rPr b="0" i="0" lang="en-US" sz="7600" u="none" cap="none" strike="noStrike">
+              <a:rPr b="0" cap="none" i="0" lang="en-US" strike="noStrike" sz="7600" u="none">
                 <a:solidFill>
                   <a:srgbClr val="DC195E"/>
                 </a:solidFill>
@@ -15764,7 +15764,7 @@
               </a:rPr>
               <a:t>.</a:t>
             </a:r>
-            <a:endParaRPr b="0" i="0" sz="7600" u="none" cap="none" strike="noStrike">
+            <a:endParaRPr b="0" cap="none" i="0" strike="noStrike" sz="7600" u="none">
               <a:solidFill>
                 <a:srgbClr val="DC195E"/>
               </a:solidFill>
@@ -15775,7 +15775,7 @@
             </a:endParaRPr>
           </a:p>
           <a:p>
-            <a:pPr indent="0" lvl="0" marL="0" marR="0" rtl="0" algn="ctr">
+            <a:pPr algn="ctr" indent="0" lvl="0" marL="0" marR="0" rtl="0">
               <a:lnSpc>
                 <a:spcPct val="100000"/>
               </a:lnSpc>
@@ -15806,7 +15806,7 @@
             </a:endParaRPr>
           </a:p>
           <a:p>
-            <a:pPr indent="-609600" lvl="0" marL="457200" marR="0" rtl="0" algn="ctr">
+            <a:pPr algn="ctr" indent="-609600" lvl="0" marL="457200" marR="0" rtl="0">
               <a:lnSpc>
                 <a:spcPct val="100000"/>
               </a:lnSpc>
@@ -15846,7 +15846,7 @@
             </a:endParaRPr>
           </a:p>
           <a:p>
-            <a:pPr indent="-609600" lvl="0" marL="457200" marR="0" rtl="0" algn="ctr">
+            <a:pPr algn="ctr" indent="-609600" lvl="0" marL="457200" marR="0" rtl="0">
               <a:lnSpc>
                 <a:spcPct val="100000"/>
               </a:lnSpc>
@@ -15886,7 +15886,7 @@
             </a:endParaRPr>
           </a:p>
           <a:p>
-            <a:pPr indent="-609600" lvl="0" marL="457200" marR="0" rtl="0" algn="ctr">
+            <a:pPr algn="ctr" indent="-609600" lvl="0" marL="457200" marR="0" rtl="0">
               <a:lnSpc>
                 <a:spcPct val="100000"/>
               </a:lnSpc>
@@ -15926,7 +15926,7 @@
             </a:endParaRPr>
           </a:p>
           <a:p>
-            <a:pPr indent="-609600" lvl="0" marL="457200" marR="0" rtl="0" algn="ctr">
+            <a:pPr algn="ctr" indent="-609600" lvl="0" marL="457200" marR="0" rtl="0">
               <a:lnSpc>
                 <a:spcPct val="100000"/>
               </a:lnSpc>
@@ -15966,7 +15966,7 @@
             </a:endParaRPr>
           </a:p>
           <a:p>
-            <a:pPr indent="0" lvl="0" marL="0" marR="0" rtl="0" algn="ctr">
+            <a:pPr algn="ctr" indent="0" lvl="0" marL="0" marR="0" rtl="0">
               <a:lnSpc>
                 <a:spcPct val="100000"/>
               </a:lnSpc>
@@ -15992,7 +15992,7 @@
             </a:endParaRPr>
           </a:p>
           <a:p>
-            <a:pPr indent="0" lvl="0" marL="0" marR="0" rtl="0" algn="ctr">
+            <a:pPr algn="ctr" indent="0" lvl="0" marL="0" marR="0" rtl="0">
               <a:lnSpc>
                 <a:spcPct val="100000"/>
               </a:lnSpc>
@@ -16127,12 +16127,12 @@
             </a:ln>
           </p:spPr>
           <p:txBody>
-            <a:bodyPr anchorCtr="0" anchor="ctr" bIns="50800" lIns="50800" spcFirstLastPara="1" rIns="50800" wrap="square" tIns="50800">
+            <a:bodyPr anchor="ctr" anchorCtr="0" bIns="50800" lIns="50800" numCol="1" rIns="50800" spcFirstLastPara="1" tIns="50800" wrap="square">
               <a:noAutofit/>
             </a:bodyPr>
             <a:lstStyle/>
             <a:p>
-              <a:pPr indent="0" lvl="0" marL="0" marR="0" rtl="0" algn="ctr">
+              <a:pPr algn="ctr" indent="0" lvl="0" marL="0" marR="0" rtl="0">
                 <a:lnSpc>
                   <a:spcPct val="100000"/>
                 </a:lnSpc>
@@ -16152,7 +16152,7 @@
               <a:r>
                 <a:t/>
               </a:r>
-              <a:endParaRPr b="0" i="0" sz="2400" u="none" cap="none" strike="noStrike">
+              <a:endParaRPr b="0" cap="none" i="0" strike="noStrike" sz="2400" u="none">
                 <a:solidFill>
                   <a:srgbClr val="FFFFFF"/>
                 </a:solidFill>
@@ -16184,12 +16184,12 @@
             </a:ln>
           </p:spPr>
           <p:txBody>
-            <a:bodyPr anchorCtr="0" anchor="ctr" bIns="45700" lIns="45700" spcFirstLastPara="1" rIns="45700" wrap="square" tIns="45700">
+            <a:bodyPr anchor="ctr" anchorCtr="0" bIns="45700" lIns="45700" numCol="1" rIns="45700" spcFirstLastPara="1" tIns="45700" wrap="square">
               <a:noAutofit/>
             </a:bodyPr>
             <a:lstStyle/>
             <a:p>
-              <a:pPr indent="0" lvl="0" marL="0" marR="0" rtl="0" algn="ctr">
+              <a:pPr algn="ctr" indent="0" lvl="0" marL="0" marR="0" rtl="0">
                 <a:lnSpc>
                   <a:spcPct val="100000"/>
                 </a:lnSpc>
@@ -16207,7 +16207,7 @@
                 <a:buNone/>
               </a:pPr>
               <a:r>
-                <a:rPr b="0" i="0" lang="en-US" sz="2400" u="none" cap="none" strike="noStrike">
+                <a:rPr b="0" cap="none" i="0" lang="en-US" strike="noStrike" sz="2400" u="none">
                   <a:solidFill>
                     <a:srgbClr val="FFFFFF"/>
                   </a:solidFill>
@@ -16245,12 +16245,12 @@
           </a:ln>
         </p:spPr>
         <p:txBody>
-          <a:bodyPr anchorCtr="0" anchor="ctr" bIns="50800" lIns="50800" spcFirstLastPara="1" rIns="50800" wrap="square" tIns="50800">
+          <a:bodyPr anchor="ctr" anchorCtr="0" bIns="50800" lIns="50800" numCol="1" rIns="50800" spcFirstLastPara="1" tIns="50800" wrap="square">
             <a:noAutofit/>
           </a:bodyPr>
           <a:lstStyle/>
           <a:p>
-            <a:pPr indent="0" lvl="0" marL="0" marR="0" rtl="0" algn="ctr">
+            <a:pPr algn="ctr" indent="0" lvl="0" marL="0" marR="0" rtl="0">
               <a:lnSpc>
                 <a:spcPct val="100000"/>
               </a:lnSpc>
@@ -16270,7 +16270,7 @@
             <a:r>
               <a:t/>
             </a:r>
-            <a:endParaRPr b="0" i="0" sz="2200" u="none" cap="none" strike="noStrike">
+            <a:endParaRPr b="0" cap="none" i="0" strike="noStrike" sz="2200" u="none">
               <a:solidFill>
                 <a:srgbClr val="FFFFFF"/>
               </a:solidFill>
@@ -16302,12 +16302,12 @@
           </a:ln>
         </p:spPr>
         <p:txBody>
-          <a:bodyPr anchorCtr="0" anchor="ctr" bIns="67725" lIns="67725" spcFirstLastPara="1" rIns="67725" wrap="square" tIns="67725">
+          <a:bodyPr anchor="ctr" anchorCtr="0" bIns="67725" lIns="67725" numCol="1" rIns="67725" spcFirstLastPara="1" tIns="67725" wrap="square">
             <a:noAutofit/>
           </a:bodyPr>
           <a:lstStyle/>
           <a:p>
-            <a:pPr indent="0" lvl="0" marL="0" marR="0" rtl="0" algn="ctr">
+            <a:pPr algn="ctr" indent="0" lvl="0" marL="0" marR="0" rtl="0">
               <a:lnSpc>
                 <a:spcPct val="100000"/>
               </a:lnSpc>
@@ -16325,7 +16325,7 @@
               <a:buNone/>
             </a:pPr>
             <a:r>
-              <a:rPr b="0" i="0" lang="en-US" sz="5500" u="none" cap="none" strike="noStrike">
+              <a:rPr b="0" cap="none" i="0" lang="en-US" strike="noStrike" sz="5500" u="none">
                 <a:solidFill>
                   <a:srgbClr val="F2F2F2"/>
                 </a:solidFill>
@@ -16337,7 +16337,7 @@
               <a:t>WHAT WILL EMERGE FROM </a:t>
             </a:r>
             <a:r>
-              <a:rPr b="0" i="0" lang="en-US" sz="5500" u="none" cap="none" strike="noStrike">
+              <a:rPr b="0" cap="none" i="0" lang="en-US" strike="noStrike" sz="5500" u="none">
                 <a:solidFill>
                   <a:srgbClr val="DC195E"/>
                 </a:solidFill>
@@ -16413,12 +16413,12 @@
             </a:ln>
           </p:spPr>
           <p:txBody>
-            <a:bodyPr anchorCtr="0" anchor="t" bIns="45700" lIns="45700" spcFirstLastPara="1" rIns="45700" wrap="square" tIns="45700">
+            <a:bodyPr anchor="t" anchorCtr="0" bIns="45700" lIns="45700" numCol="1" rIns="45700" spcFirstLastPara="1" tIns="45700" wrap="square">
               <a:noAutofit/>
             </a:bodyPr>
             <a:lstStyle/>
             <a:p>
-              <a:pPr indent="0" lvl="0" marL="0" marR="0" rtl="0" algn="ctr">
+              <a:pPr algn="ctr" indent="0" lvl="0" marL="0" marR="0" rtl="0">
                 <a:lnSpc>
                   <a:spcPct val="100000"/>
                 </a:lnSpc>
@@ -16436,7 +16436,7 @@
                 <a:buNone/>
               </a:pPr>
               <a:r>
-                <a:rPr b="0" i="0" lang="en-US" sz="3600" u="none" cap="none" strike="noStrike">
+                <a:rPr b="0" cap="none" i="0" lang="en-US" strike="noStrike" sz="3600" u="none">
                   <a:solidFill>
                     <a:srgbClr val="F2F2F2"/>
                   </a:solidFill>
@@ -16448,7 +16448,7 @@
                 <a:t>BITCOIN </a:t>
               </a:r>
               <a:r>
-                <a:rPr b="0" i="0" lang="en-US" sz="1800" u="none" cap="none" strike="noStrike">
+                <a:rPr b="0" cap="none" i="0" lang="en-US" strike="noStrike" sz="1800" u="none">
                   <a:solidFill>
                     <a:srgbClr val="DC195E"/>
                   </a:solidFill>
@@ -16525,12 +16525,12 @@
             </a:ln>
           </p:spPr>
           <p:txBody>
-            <a:bodyPr anchorCtr="0" anchor="ctr" bIns="67725" lIns="67725" spcFirstLastPara="1" rIns="67725" wrap="square" tIns="67725">
+            <a:bodyPr anchor="ctr" anchorCtr="0" bIns="67725" lIns="67725" numCol="1" rIns="67725" spcFirstLastPara="1" tIns="67725" wrap="square">
               <a:noAutofit/>
             </a:bodyPr>
             <a:lstStyle/>
             <a:p>
-              <a:pPr indent="0" lvl="0" marL="0" marR="0" rtl="0" algn="l">
+              <a:pPr algn="l" indent="0" lvl="0" marL="0" marR="0" rtl="0">
                 <a:lnSpc>
                   <a:spcPct val="100000"/>
                 </a:lnSpc>
@@ -16560,7 +16560,7 @@
                 <a:t>       </a:t>
               </a:r>
               <a:r>
-                <a:rPr b="0" i="0" lang="en-US" sz="3600" u="none" cap="none" strike="noStrike">
+                <a:rPr b="0" cap="none" i="0" lang="en-US" strike="noStrike" sz="3600" u="none">
                   <a:solidFill>
                     <a:srgbClr val="F2F2F2"/>
                   </a:solidFill>
@@ -16624,8 +16624,8 @@
             </a:solidFill>
             <a:prstDash val="solid"/>
             <a:miter lim="400000"/>
-            <a:headEnd len="sm" w="sm" type="none"/>
-            <a:tailEnd len="sm" w="sm" type="none"/>
+            <a:headEnd len="sm" type="none" w="sm"/>
+            <a:tailEnd len="sm" type="none" w="sm"/>
           </a:ln>
         </p:spPr>
       </p:cxnSp>
@@ -16650,8 +16650,8 @@
             </a:solidFill>
             <a:prstDash val="solid"/>
             <a:miter lim="400000"/>
-            <a:headEnd len="sm" w="sm" type="none"/>
-            <a:tailEnd len="sm" w="sm" type="none"/>
+            <a:headEnd len="sm" type="none" w="sm"/>
+            <a:tailEnd len="sm" type="none" w="sm"/>
           </a:ln>
         </p:spPr>
       </p:cxnSp>
@@ -16702,12 +16702,12 @@
           </a:ln>
         </p:spPr>
         <p:txBody>
-          <a:bodyPr anchorCtr="0" anchor="ctr" bIns="50800" lIns="50800" spcFirstLastPara="1" rIns="50800" wrap="square" tIns="50800">
+          <a:bodyPr anchor="ctr" anchorCtr="0" bIns="50800" lIns="50800" numCol="1" rIns="50800" spcFirstLastPara="1" tIns="50800" wrap="square">
             <a:noAutofit/>
           </a:bodyPr>
           <a:lstStyle/>
           <a:p>
-            <a:pPr indent="0" lvl="0" marL="0" marR="0" rtl="0" algn="ctr">
+            <a:pPr algn="ctr" indent="0" lvl="0" marL="0" marR="0" rtl="0">
               <a:lnSpc>
                 <a:spcPct val="100000"/>
               </a:lnSpc>
@@ -16727,7 +16727,7 @@
             <a:r>
               <a:t/>
             </a:r>
-            <a:endParaRPr b="0" i="0" sz="2200" u="none" cap="none" strike="noStrike">
+            <a:endParaRPr b="0" cap="none" i="0" strike="noStrike" sz="2200" u="none">
               <a:solidFill>
                 <a:srgbClr val="FFFFFF"/>
               </a:solidFill>
@@ -16786,12 +16786,12 @@
           </a:ln>
         </p:spPr>
         <p:txBody>
-          <a:bodyPr anchorCtr="0" anchor="t" bIns="45700" lIns="45700" spcFirstLastPara="1" rIns="45700" wrap="square" tIns="45700">
+          <a:bodyPr anchor="t" anchorCtr="0" bIns="45700" lIns="45700" numCol="1" rIns="45700" spcFirstLastPara="1" tIns="45700" wrap="square">
             <a:noAutofit/>
           </a:bodyPr>
           <a:lstStyle/>
           <a:p>
-            <a:pPr indent="0" lvl="0" marL="0" marR="0" rtl="0" algn="l">
+            <a:pPr algn="l" indent="0" lvl="0" marL="0" marR="0" rtl="0">
               <a:lnSpc>
                 <a:spcPct val="100000"/>
               </a:lnSpc>
@@ -16809,7 +16809,7 @@
               <a:buNone/>
             </a:pPr>
             <a:r>
-              <a:rPr b="0" i="0" lang="en-US" sz="2800" u="none" cap="none" strike="noStrike">
+              <a:rPr b="0" cap="none" i="0" lang="en-US" strike="noStrike" sz="2800" u="none">
                 <a:solidFill>
                   <a:srgbClr val="F2F2F2"/>
                 </a:solidFill>
@@ -16821,7 +16821,7 @@
               <a:t>Founded as “Onename” </a:t>
             </a:r>
             <a:r>
-              <a:rPr b="0" i="0" lang="en-US" sz="2800" u="none" cap="none" strike="noStrike">
+              <a:rPr b="0" cap="none" i="0" lang="en-US" strike="noStrike" sz="2800" u="none">
                 <a:solidFill>
                   <a:srgbClr val="DC195E"/>
                 </a:solidFill>
@@ -16856,12 +16856,12 @@
           </a:ln>
         </p:spPr>
         <p:txBody>
-          <a:bodyPr anchorCtr="0" anchor="t" bIns="45700" lIns="45700" spcFirstLastPara="1" rIns="45700" wrap="square" tIns="45700">
+          <a:bodyPr anchor="t" anchorCtr="0" bIns="45700" lIns="45700" numCol="1" rIns="45700" spcFirstLastPara="1" tIns="45700" wrap="square">
             <a:noAutofit/>
           </a:bodyPr>
           <a:lstStyle/>
           <a:p>
-            <a:pPr indent="0" lvl="0" marL="0" marR="0" rtl="0" algn="l">
+            <a:pPr algn="l" indent="0" lvl="0" marL="0" marR="0" rtl="0">
               <a:lnSpc>
                 <a:spcPct val="100000"/>
               </a:lnSpc>
@@ -16879,7 +16879,7 @@
               <a:buNone/>
             </a:pPr>
             <a:r>
-              <a:rPr b="0" i="0" lang="en-US" sz="2800" u="none" cap="none" strike="noStrike">
+              <a:rPr b="0" cap="none" i="0" lang="en-US" strike="noStrike" sz="2800" u="none">
                 <a:solidFill>
                   <a:srgbClr val="F2F2F2"/>
                 </a:solidFill>
@@ -16891,7 +16891,7 @@
               <a:t>An identity system based </a:t>
             </a:r>
             <a:r>
-              <a:rPr b="0" i="0" lang="en-US" sz="2800" u="none" cap="none" strike="noStrike">
+              <a:rPr b="0" cap="none" i="0" lang="en-US" strike="noStrike" sz="2800" u="none">
                 <a:solidFill>
                   <a:srgbClr val="DC195E"/>
                 </a:solidFill>
@@ -16926,12 +16926,12 @@
           </a:ln>
         </p:spPr>
         <p:txBody>
-          <a:bodyPr anchorCtr="0" anchor="t" bIns="45700" lIns="45700" spcFirstLastPara="1" rIns="45700" wrap="square" tIns="45700">
+          <a:bodyPr anchor="t" anchorCtr="0" bIns="45700" lIns="45700" numCol="1" rIns="45700" spcFirstLastPara="1" tIns="45700" wrap="square">
             <a:noAutofit/>
           </a:bodyPr>
           <a:lstStyle/>
           <a:p>
-            <a:pPr indent="0" lvl="0" marL="0" marR="0" rtl="0" algn="l">
+            <a:pPr algn="l" indent="0" lvl="0" marL="0" marR="0" rtl="0">
               <a:lnSpc>
                 <a:spcPct val="100000"/>
               </a:lnSpc>
@@ -16949,7 +16949,7 @@
               <a:buNone/>
             </a:pPr>
             <a:r>
-              <a:rPr b="0" i="0" lang="en-US" sz="2800" u="none" cap="none" strike="noStrike">
+              <a:rPr b="0" cap="none" i="0" lang="en-US" strike="noStrike" sz="2800" u="none">
                 <a:solidFill>
                   <a:srgbClr val="F2F2F2"/>
                 </a:solidFill>
@@ -16973,7 +16973,7 @@
               <a:t>B</a:t>
             </a:r>
             <a:r>
-              <a:rPr b="0" i="0" lang="en-US" sz="2800" u="none" cap="none" strike="noStrike">
+              <a:rPr b="0" cap="none" i="0" lang="en-US" strike="noStrike" sz="2800" u="none">
                 <a:solidFill>
                   <a:srgbClr val="F2F2F2"/>
                 </a:solidFill>
@@ -16997,7 +16997,7 @@
               <a:t>original</a:t>
             </a:r>
             <a:r>
-              <a:rPr b="0" i="0" lang="en-US" sz="2800" u="none" cap="none" strike="noStrike">
+              <a:rPr b="0" cap="none" i="0" lang="en-US" strike="noStrike" sz="2800" u="none">
                 <a:solidFill>
                   <a:srgbClr val="F2F2F2"/>
                 </a:solidFill>
@@ -17009,7 +17009,7 @@
               <a:t> innovation </a:t>
             </a:r>
             <a:r>
-              <a:rPr b="0" i="0" lang="en-US" sz="2800" u="none" cap="none" strike="noStrike">
+              <a:rPr b="0" cap="none" i="0" lang="en-US" strike="noStrike" sz="2800" u="none">
                 <a:solidFill>
                   <a:srgbClr val="DC195E"/>
                 </a:solidFill>
@@ -17044,12 +17044,12 @@
           </a:ln>
         </p:spPr>
         <p:txBody>
-          <a:bodyPr anchorCtr="0" anchor="t" bIns="45700" lIns="45700" spcFirstLastPara="1" rIns="45700" wrap="square" tIns="45700">
+          <a:bodyPr anchor="t" anchorCtr="0" bIns="45700" lIns="45700" numCol="1" rIns="45700" spcFirstLastPara="1" tIns="45700" wrap="square">
             <a:noAutofit/>
           </a:bodyPr>
           <a:lstStyle/>
           <a:p>
-            <a:pPr indent="0" lvl="0" marL="0" marR="0" rtl="0" algn="l">
+            <a:pPr algn="l" indent="0" lvl="0" marL="0" marR="0" rtl="0">
               <a:lnSpc>
                 <a:spcPct val="100000"/>
               </a:lnSpc>
@@ -17067,7 +17067,7 @@
               <a:buNone/>
             </a:pPr>
             <a:r>
-              <a:rPr b="0" i="0" lang="en-US" sz="3200" u="none" cap="none" strike="noStrike">
+              <a:rPr b="0" cap="none" i="0" lang="en-US" strike="noStrike" sz="3200" u="none">
                 <a:solidFill>
                   <a:srgbClr val="F2F2F2"/>
                 </a:solidFill>
@@ -17156,12 +17156,12 @@
           </a:ln>
         </p:spPr>
         <p:txBody>
-          <a:bodyPr anchorCtr="0" anchor="ctr" bIns="67725" lIns="67725" spcFirstLastPara="1" rIns="67725" wrap="square" tIns="67725">
+          <a:bodyPr anchor="ctr" anchorCtr="0" bIns="67725" lIns="67725" numCol="1" rIns="67725" spcFirstLastPara="1" tIns="67725" wrap="square">
             <a:noAutofit/>
           </a:bodyPr>
           <a:lstStyle/>
           <a:p>
-            <a:pPr indent="0" lvl="0" marL="0" marR="0" rtl="0" algn="r">
+            <a:pPr algn="r" indent="0" lvl="0" marL="0" marR="0" rtl="0">
               <a:lnSpc>
                 <a:spcPct val="100000"/>
               </a:lnSpc>
@@ -17179,7 +17179,7 @@
               <a:buNone/>
             </a:pPr>
             <a:r>
-              <a:rPr b="0" i="0" lang="en-US" sz="5600" u="none" cap="none" strike="noStrike">
+              <a:rPr b="0" cap="none" i="0" lang="en-US" strike="noStrike" sz="5600" u="none">
                 <a:solidFill>
                   <a:srgbClr val="DC195E"/>
                 </a:solidFill>
@@ -17191,7 +17191,7 @@
               <a:t>HISTORY OF </a:t>
             </a:r>
             <a:r>
-              <a:rPr b="0" i="0" lang="en-US" sz="5600" u="none" cap="none" strike="noStrike">
+              <a:rPr b="0" cap="none" i="0" lang="en-US" strike="noStrike" sz="5600" u="none">
                 <a:solidFill>
                   <a:srgbClr val="FFFFFF"/>
                 </a:solidFill>
@@ -17280,12 +17280,12 @@
           </a:ln>
         </p:spPr>
         <p:txBody>
-          <a:bodyPr anchorCtr="0" anchor="ctr" bIns="50800" lIns="50800" spcFirstLastPara="1" rIns="50800" wrap="square" tIns="50800">
+          <a:bodyPr anchor="ctr" anchorCtr="0" bIns="50800" lIns="50800" numCol="1" rIns="50800" spcFirstLastPara="1" tIns="50800" wrap="square">
             <a:noAutofit/>
           </a:bodyPr>
           <a:lstStyle/>
           <a:p>
-            <a:pPr indent="0" lvl="0" marL="0" marR="0" rtl="0" algn="ctr">
+            <a:pPr algn="ctr" indent="0" lvl="0" marL="0" marR="0" rtl="0">
               <a:lnSpc>
                 <a:spcPct val="100000"/>
               </a:lnSpc>
@@ -17305,7 +17305,7 @@
             <a:r>
               <a:t/>
             </a:r>
-            <a:endParaRPr b="0" i="0" sz="2200" u="none" cap="none" strike="noStrike">
+            <a:endParaRPr b="0" cap="none" i="0" strike="noStrike" sz="2200" u="none">
               <a:solidFill>
                 <a:srgbClr val="FFFFFF"/>
               </a:solidFill>
@@ -17337,12 +17337,12 @@
           </a:ln>
         </p:spPr>
         <p:txBody>
-          <a:bodyPr anchorCtr="0" anchor="ctr" bIns="67725" lIns="67725" spcFirstLastPara="1" rIns="67725" wrap="square" tIns="67725">
+          <a:bodyPr anchor="ctr" anchorCtr="0" bIns="67725" lIns="67725" numCol="1" rIns="67725" spcFirstLastPara="1" tIns="67725" wrap="square">
             <a:noAutofit/>
           </a:bodyPr>
           <a:lstStyle/>
           <a:p>
-            <a:pPr indent="0" lvl="0" marL="0" marR="0" rtl="0" algn="r">
+            <a:pPr algn="r" indent="0" lvl="0" marL="0" marR="0" rtl="0">
               <a:lnSpc>
                 <a:spcPct val="100000"/>
               </a:lnSpc>
@@ -17360,7 +17360,7 @@
               <a:buNone/>
             </a:pPr>
             <a:r>
-              <a:rPr b="0" i="0" lang="en-US" sz="5600" u="none" cap="none" strike="noStrike">
+              <a:rPr b="0" cap="none" i="0" lang="en-US" strike="noStrike" sz="5600" u="none">
                 <a:solidFill>
                   <a:srgbClr val="FFFFFF"/>
                 </a:solidFill>
@@ -17372,7 +17372,7 @@
               <a:t>ZOOKO’S TRIANGLE: </a:t>
             </a:r>
             <a:r>
-              <a:rPr b="0" i="0" lang="en-US" sz="5600" u="none" cap="none" strike="noStrike">
+              <a:rPr b="0" cap="none" i="0" lang="en-US" strike="noStrike" sz="5600" u="none">
                 <a:solidFill>
                   <a:srgbClr val="DC195E"/>
                 </a:solidFill>
@@ -17451,17 +17451,17 @@
               </a:solidFill>
               <a:prstDash val="solid"/>
               <a:miter lim="400000"/>
-              <a:headEnd len="sm" w="sm" type="none"/>
-              <a:tailEnd len="sm" w="sm" type="none"/>
+              <a:headEnd len="sm" type="none" w="sm"/>
+              <a:tailEnd len="sm" type="none" w="sm"/>
             </a:ln>
           </p:spPr>
           <p:txBody>
-            <a:bodyPr anchorCtr="0" anchor="ctr" bIns="50800" lIns="50800" spcFirstLastPara="1" rIns="50800" wrap="square" tIns="50800">
+            <a:bodyPr anchor="ctr" anchorCtr="0" bIns="50800" lIns="50800" numCol="1" rIns="50800" spcFirstLastPara="1" tIns="50800" wrap="square">
               <a:noAutofit/>
             </a:bodyPr>
             <a:lstStyle/>
             <a:p>
-              <a:pPr indent="0" lvl="0" marL="0" marR="0" rtl="0" algn="ctr">
+              <a:pPr algn="ctr" indent="0" lvl="0" marL="0" marR="0" rtl="0">
                 <a:lnSpc>
                   <a:spcPct val="100000"/>
                 </a:lnSpc>
@@ -17481,7 +17481,7 @@
               <a:r>
                 <a:t/>
               </a:r>
-              <a:endParaRPr b="0" i="0" sz="2200" u="none" cap="none" strike="noStrike">
+              <a:endParaRPr b="0" cap="none" i="0" strike="noStrike" sz="2200" u="none">
                 <a:solidFill>
                   <a:srgbClr val="FFFFFF"/>
                 </a:solidFill>
@@ -17513,12 +17513,12 @@
             </a:ln>
           </p:spPr>
           <p:txBody>
-            <a:bodyPr anchorCtr="0" anchor="t" bIns="45700" lIns="45700" spcFirstLastPara="1" rIns="45700" wrap="square" tIns="45700">
+            <a:bodyPr anchor="t" anchorCtr="0" bIns="45700" lIns="45700" numCol="1" rIns="45700" spcFirstLastPara="1" tIns="45700" wrap="square">
               <a:noAutofit/>
             </a:bodyPr>
             <a:lstStyle/>
             <a:p>
-              <a:pPr indent="0" lvl="0" marL="0" marR="0" rtl="0" algn="l">
+              <a:pPr algn="l" indent="0" lvl="0" marL="0" marR="0" rtl="0">
                 <a:lnSpc>
                   <a:spcPct val="100000"/>
                 </a:lnSpc>
@@ -17536,7 +17536,7 @@
                 <a:buNone/>
               </a:pPr>
               <a:r>
-                <a:rPr b="0" i="0" lang="en-US" sz="2800" u="none" cap="none" strike="noStrike">
+                <a:rPr b="0" cap="none" i="0" lang="en-US" strike="noStrike" sz="2800" u="none">
                   <a:solidFill>
                     <a:srgbClr val="F2F2F2"/>
                   </a:solidFill>
@@ -17560,7 +17560,7 @@
                 <a:t>M</a:t>
               </a:r>
               <a:r>
-                <a:rPr b="0" i="0" lang="en-US" sz="2800" u="none" cap="none" strike="noStrike">
+                <a:rPr b="0" cap="none" i="0" lang="en-US" strike="noStrike" sz="2800" u="none">
                   <a:solidFill>
                     <a:srgbClr val="F2F2F2"/>
                   </a:solidFill>
@@ -17595,12 +17595,12 @@
             </a:ln>
           </p:spPr>
           <p:txBody>
-            <a:bodyPr anchorCtr="0" anchor="t" bIns="45700" lIns="45700" spcFirstLastPara="1" rIns="45700" wrap="square" tIns="45700">
+            <a:bodyPr anchor="t" anchorCtr="0" bIns="45700" lIns="45700" numCol="1" rIns="45700" spcFirstLastPara="1" tIns="45700" wrap="square">
               <a:noAutofit/>
             </a:bodyPr>
             <a:lstStyle/>
             <a:p>
-              <a:pPr indent="0" lvl="0" marL="0" marR="0" rtl="0" algn="l">
+              <a:pPr algn="l" indent="0" lvl="0" marL="0" marR="0" rtl="0">
                 <a:lnSpc>
                   <a:spcPct val="100000"/>
                 </a:lnSpc>
@@ -17618,7 +17618,7 @@
                 <a:buNone/>
               </a:pPr>
               <a:r>
-                <a:rPr b="0" i="0" lang="en-US" sz="2800" u="none" cap="none" strike="noStrike">
+                <a:rPr b="0" cap="none" i="0" lang="en-US" strike="noStrike" sz="2800" u="none">
                   <a:solidFill>
                     <a:srgbClr val="F2F2F2"/>
                   </a:solidFill>
@@ -17653,12 +17653,12 @@
             </a:ln>
           </p:spPr>
           <p:txBody>
-            <a:bodyPr anchorCtr="0" anchor="t" bIns="45700" lIns="45700" spcFirstLastPara="1" rIns="45700" wrap="square" tIns="45700">
+            <a:bodyPr anchor="t" anchorCtr="0" bIns="45700" lIns="45700" numCol="1" rIns="45700" spcFirstLastPara="1" tIns="45700" wrap="square">
               <a:noAutofit/>
             </a:bodyPr>
             <a:lstStyle/>
             <a:p>
-              <a:pPr indent="0" lvl="0" marL="0" marR="0" rtl="0" algn="l">
+              <a:pPr algn="l" indent="0" lvl="0" marL="0" marR="0" rtl="0">
                 <a:lnSpc>
                   <a:spcPct val="100000"/>
                 </a:lnSpc>
@@ -17676,7 +17676,7 @@
                 <a:buNone/>
               </a:pPr>
               <a:r>
-                <a:rPr b="0" i="0" lang="en-US" sz="2800" u="none" cap="none" strike="noStrike">
+                <a:rPr b="0" cap="none" i="0" lang="en-US" strike="noStrike" sz="2800" u="none">
                   <a:solidFill>
                     <a:srgbClr val="F2F2F2"/>
                   </a:solidFill>
@@ -17739,12 +17739,12 @@
           </a:ln>
         </p:spPr>
         <p:txBody>
-          <a:bodyPr anchorCtr="0" anchor="ctr" bIns="50800" lIns="50800" spcFirstLastPara="1" rIns="50800" wrap="square" tIns="50800">
+          <a:bodyPr anchor="ctr" anchorCtr="0" bIns="50800" lIns="50800" numCol="1" rIns="50800" spcFirstLastPara="1" tIns="50800" wrap="square">
             <a:noAutofit/>
           </a:bodyPr>
           <a:lstStyle/>
           <a:p>
-            <a:pPr indent="0" lvl="0" marL="0" marR="0" rtl="0" algn="ctr">
+            <a:pPr algn="ctr" indent="0" lvl="0" marL="0" marR="0" rtl="0">
               <a:lnSpc>
                 <a:spcPct val="100000"/>
               </a:lnSpc>
@@ -17764,7 +17764,7 @@
             <a:r>
               <a:t/>
             </a:r>
-            <a:endParaRPr b="0" i="0" sz="2200" u="none" cap="none" strike="noStrike">
+            <a:endParaRPr b="0" cap="none" i="0" strike="noStrike" sz="2200" u="none">
               <a:solidFill>
                 <a:srgbClr val="FFFFFF"/>
               </a:solidFill>
@@ -17796,12 +17796,12 @@
           </a:ln>
         </p:spPr>
         <p:txBody>
-          <a:bodyPr anchorCtr="0" anchor="ctr" bIns="67725" lIns="67725" spcFirstLastPara="1" rIns="67725" wrap="square" tIns="67725">
+          <a:bodyPr anchor="ctr" anchorCtr="0" bIns="67725" lIns="67725" numCol="1" rIns="67725" spcFirstLastPara="1" tIns="67725" wrap="square">
             <a:noAutofit/>
           </a:bodyPr>
           <a:lstStyle/>
           <a:p>
-            <a:pPr indent="0" lvl="0" marL="0" marR="0" rtl="0" algn="r">
+            <a:pPr algn="r" indent="0" lvl="0" marL="0" marR="0" rtl="0">
               <a:lnSpc>
                 <a:spcPct val="100000"/>
               </a:lnSpc>
@@ -17819,7 +17819,7 @@
               <a:buNone/>
             </a:pPr>
             <a:r>
-              <a:rPr b="0" i="0" lang="en-US" sz="5600" u="none" cap="none" strike="noStrike">
+              <a:rPr b="0" cap="none" i="0" lang="en-US" strike="noStrike" sz="5600" u="none">
                 <a:solidFill>
                   <a:srgbClr val="FFFFFF"/>
                 </a:solidFill>
@@ -17831,7 +17831,7 @@
               <a:t>ZOOKO’S TRIANGLE: </a:t>
             </a:r>
             <a:r>
-              <a:rPr b="0" i="0" lang="en-US" sz="5600" u="none" cap="none" strike="noStrike">
+              <a:rPr b="0" cap="none" i="0" lang="en-US" strike="noStrike" sz="5600" u="none">
                 <a:solidFill>
                   <a:srgbClr val="DC195E"/>
                 </a:solidFill>
@@ -17893,12 +17893,12 @@
           </a:ln>
         </p:spPr>
         <p:txBody>
-          <a:bodyPr anchorCtr="0" anchor="t" bIns="45700" lIns="45700" spcFirstLastPara="1" rIns="45700" wrap="square" tIns="45700">
+          <a:bodyPr anchor="t" anchorCtr="0" bIns="45700" lIns="45700" numCol="1" rIns="45700" spcFirstLastPara="1" tIns="45700" wrap="square">
             <a:noAutofit/>
           </a:bodyPr>
           <a:lstStyle/>
           <a:p>
-            <a:pPr indent="0" lvl="0" marL="0" marR="0" rtl="0" algn="l">
+            <a:pPr algn="l" indent="0" lvl="0" marL="0" marR="0" rtl="0">
               <a:lnSpc>
                 <a:spcPct val="100000"/>
               </a:lnSpc>
@@ -17916,7 +17916,7 @@
               <a:buNone/>
             </a:pPr>
             <a:r>
-              <a:rPr b="0" i="0" lang="en-US" sz="2800" u="none" cap="none" strike="noStrike">
+              <a:rPr b="0" cap="none" i="0" lang="en-US" strike="noStrike" sz="2800" u="none">
                 <a:solidFill>
                   <a:srgbClr val="F2F2F2"/>
                 </a:solidFill>
@@ -17951,12 +17951,12 @@
           </a:ln>
         </p:spPr>
         <p:txBody>
-          <a:bodyPr anchorCtr="0" anchor="t" bIns="45700" lIns="45700" spcFirstLastPara="1" rIns="45700" wrap="square" tIns="45700">
+          <a:bodyPr anchor="t" anchorCtr="0" bIns="45700" lIns="45700" numCol="1" rIns="45700" spcFirstLastPara="1" tIns="45700" wrap="square">
             <a:noAutofit/>
           </a:bodyPr>
           <a:lstStyle/>
           <a:p>
-            <a:pPr indent="0" lvl="0" marL="0" marR="0" rtl="0" algn="l">
+            <a:pPr algn="l" indent="0" lvl="0" marL="0" marR="0" rtl="0">
               <a:lnSpc>
                 <a:spcPct val="100000"/>
               </a:lnSpc>
@@ -17974,7 +17974,7 @@
               <a:buNone/>
             </a:pPr>
             <a:r>
-              <a:rPr b="0" i="0" lang="en-US" sz="2800" u="none" cap="none" strike="noStrike">
+              <a:rPr b="0" cap="none" i="0" lang="en-US" strike="noStrike" sz="2800" u="none">
                 <a:solidFill>
                   <a:srgbClr val="F2F2F2"/>
                 </a:solidFill>
@@ -17986,7 +17986,7 @@
               <a:t>Public/private (i.e. Bitcoin addresses) key pairs are </a:t>
             </a:r>
             <a:r>
-              <a:rPr b="0" i="0" lang="en-US" sz="2800" u="none" cap="none" strike="noStrike">
+              <a:rPr b="0" cap="none" i="0" lang="en-US" strike="noStrike" sz="2800" u="none">
                 <a:solidFill>
                   <a:srgbClr val="DC195E"/>
                 </a:solidFill>
@@ -17998,7 +17998,7 @@
               <a:t>decentralized and secure</a:t>
             </a:r>
             <a:r>
-              <a:rPr b="0" i="0" lang="en-US" sz="2800" u="none" cap="none" strike="noStrike">
+              <a:rPr b="0" cap="none" i="0" lang="en-US" strike="noStrike" sz="2800" u="none">
                 <a:solidFill>
                   <a:srgbClr val="F2F2F2"/>
                 </a:solidFill>
@@ -18033,12 +18033,12 @@
           </a:ln>
         </p:spPr>
         <p:txBody>
-          <a:bodyPr anchorCtr="0" anchor="t" bIns="45700" lIns="45700" spcFirstLastPara="1" rIns="45700" wrap="square" tIns="45700">
+          <a:bodyPr anchor="t" anchorCtr="0" bIns="45700" lIns="45700" numCol="1" rIns="45700" spcFirstLastPara="1" tIns="45700" wrap="square">
             <a:noAutofit/>
           </a:bodyPr>
           <a:lstStyle/>
           <a:p>
-            <a:pPr indent="0" lvl="0" marL="0" marR="0" rtl="0" algn="l">
+            <a:pPr algn="l" indent="0" lvl="0" marL="0" marR="0" rtl="0">
               <a:lnSpc>
                 <a:spcPct val="100000"/>
               </a:lnSpc>
@@ -18056,7 +18056,7 @@
               <a:buNone/>
             </a:pPr>
             <a:r>
-              <a:rPr b="0" i="0" lang="en-US" sz="2800" u="none" cap="none" strike="noStrike">
+              <a:rPr b="0" cap="none" i="0" lang="en-US" strike="noStrike" sz="2800" u="none">
                 <a:solidFill>
                   <a:srgbClr val="F2F2F2"/>
                 </a:solidFill>
@@ -18068,7 +18068,7 @@
               <a:t>Decentralized and human meaningful…no one does this. But conceptually, </a:t>
             </a:r>
             <a:r>
-              <a:rPr b="0" i="0" lang="en-US" sz="2800" u="none" cap="none" strike="noStrike">
+              <a:rPr b="0" cap="none" i="0" lang="en-US" strike="noStrike" sz="2800" u="none">
                 <a:solidFill>
                   <a:srgbClr val="DC195E"/>
                 </a:solidFill>
@@ -18080,7 +18080,7 @@
               <a:t>it’s easy to make an insecure (not unique) name</a:t>
             </a:r>
             <a:r>
-              <a:rPr b="0" i="0" lang="en-US" sz="2800" u="none" cap="none" strike="noStrike">
+              <a:rPr b="0" cap="none" i="0" lang="en-US" strike="noStrike" sz="2800" u="none">
                 <a:solidFill>
                   <a:srgbClr val="F2F2F2"/>
                 </a:solidFill>
@@ -18223,12 +18223,12 @@
           </a:ln>
         </p:spPr>
         <p:txBody>
-          <a:bodyPr anchorCtr="0" anchor="ctr" bIns="50800" lIns="50800" spcFirstLastPara="1" rIns="50800" wrap="square" tIns="50800">
+          <a:bodyPr anchor="ctr" anchorCtr="0" bIns="50800" lIns="50800" numCol="1" rIns="50800" spcFirstLastPara="1" tIns="50800" wrap="square">
             <a:noAutofit/>
           </a:bodyPr>
           <a:lstStyle/>
           <a:p>
-            <a:pPr indent="0" lvl="0" marL="0" marR="0" rtl="0" algn="ctr">
+            <a:pPr algn="ctr" indent="0" lvl="0" marL="0" marR="0" rtl="0">
               <a:lnSpc>
                 <a:spcPct val="100000"/>
               </a:lnSpc>
@@ -18248,7 +18248,7 @@
             <a:r>
               <a:t/>
             </a:r>
-            <a:endParaRPr b="0" i="0" sz="2200" u="none" cap="none" strike="noStrike">
+            <a:endParaRPr b="0" cap="none" i="0" strike="noStrike" sz="2200" u="none">
               <a:solidFill>
                 <a:srgbClr val="FFFFFF"/>
               </a:solidFill>
@@ -18280,12 +18280,12 @@
           </a:ln>
         </p:spPr>
         <p:txBody>
-          <a:bodyPr anchorCtr="0" anchor="ctr" bIns="67725" lIns="67725" spcFirstLastPara="1" rIns="67725" wrap="square" tIns="67725">
+          <a:bodyPr anchor="ctr" anchorCtr="0" bIns="67725" lIns="67725" numCol="1" rIns="67725" spcFirstLastPara="1" tIns="67725" wrap="square">
             <a:noAutofit/>
           </a:bodyPr>
           <a:lstStyle/>
           <a:p>
-            <a:pPr indent="0" lvl="0" marL="0" marR="0" rtl="0" algn="r">
+            <a:pPr algn="r" indent="0" lvl="0" marL="0" marR="0" rtl="0">
               <a:lnSpc>
                 <a:spcPct val="100000"/>
               </a:lnSpc>
@@ -18303,7 +18303,7 @@
               <a:buNone/>
             </a:pPr>
             <a:r>
-              <a:rPr b="0" i="0" lang="en-US" sz="5600" u="none" cap="none" strike="noStrike">
+              <a:rPr b="0" cap="none" i="0" lang="en-US" strike="noStrike" sz="5600" u="none">
                 <a:solidFill>
                   <a:srgbClr val="FFFFFF"/>
                 </a:solidFill>
@@ -18315,7 +18315,7 @@
               <a:t>BUSTING ZOOKO’S </a:t>
             </a:r>
             <a:r>
-              <a:rPr b="0" i="0" lang="en-US" sz="5600" u="none" cap="none" strike="noStrike">
+              <a:rPr b="0" cap="none" i="0" lang="en-US" strike="noStrike" sz="5600" u="none">
                 <a:solidFill>
                   <a:srgbClr val="DC195E"/>
                 </a:solidFill>
@@ -18377,12 +18377,12 @@
           </a:ln>
         </p:spPr>
         <p:txBody>
-          <a:bodyPr anchorCtr="0" anchor="t" bIns="45700" lIns="45700" spcFirstLastPara="1" rIns="45700" wrap="square" tIns="45700">
+          <a:bodyPr anchor="t" anchorCtr="0" bIns="45700" lIns="45700" numCol="1" rIns="45700" spcFirstLastPara="1" tIns="45700" wrap="square">
             <a:noAutofit/>
           </a:bodyPr>
           <a:lstStyle/>
           <a:p>
-            <a:pPr indent="0" lvl="0" marL="0" marR="0" rtl="0" algn="l">
+            <a:pPr algn="l" indent="0" lvl="0" marL="0" marR="0" rtl="0">
               <a:lnSpc>
                 <a:spcPct val="100000"/>
               </a:lnSpc>
@@ -18400,7 +18400,7 @@
               <a:buNone/>
             </a:pPr>
             <a:r>
-              <a:rPr b="0" i="0" lang="en-US" sz="4000" u="none" cap="none" strike="noStrike">
+              <a:rPr b="0" cap="none" i="0" lang="en-US" strike="noStrike" sz="4000" u="none">
                 <a:solidFill>
                   <a:srgbClr val="F0F0F0"/>
                 </a:solidFill>
@@ -18412,7 +18412,7 @@
               <a:t>WITH BLOCKCHAINS WE CAN </a:t>
             </a:r>
             <a:r>
-              <a:rPr b="0" i="0" lang="en-US" sz="4000" u="none" cap="none" strike="noStrike">
+              <a:rPr b="0" cap="none" i="0" lang="en-US" strike="noStrike" sz="4000" u="none">
                 <a:solidFill>
                   <a:srgbClr val="DC195E"/>
                 </a:solidFill>
@@ -18447,12 +18447,12 @@
           </a:ln>
         </p:spPr>
         <p:txBody>
-          <a:bodyPr anchorCtr="0" anchor="t" bIns="45700" lIns="45700" spcFirstLastPara="1" rIns="45700" wrap="square" tIns="45700">
+          <a:bodyPr anchor="t" anchorCtr="0" bIns="45700" lIns="45700" numCol="1" rIns="45700" spcFirstLastPara="1" tIns="45700" wrap="square">
             <a:noAutofit/>
           </a:bodyPr>
           <a:lstStyle/>
           <a:p>
-            <a:pPr indent="0" lvl="0" marL="0" marR="0" rtl="0" algn="l">
+            <a:pPr algn="l" indent="0" lvl="0" marL="0" marR="0" rtl="0">
               <a:lnSpc>
                 <a:spcPct val="100000"/>
               </a:lnSpc>
@@ -18470,7 +18470,7 @@
               <a:buNone/>
             </a:pPr>
             <a:r>
-              <a:rPr b="0" i="0" lang="en-US" sz="2800" u="none" cap="none" strike="noStrike">
+              <a:rPr b="0" cap="none" i="0" lang="en-US" strike="noStrike" sz="2800" u="none">
                 <a:solidFill>
                   <a:srgbClr val="F2F2F2"/>
                 </a:solidFill>
@@ -18482,7 +18482,7 @@
               <a:t>The blockchain provides </a:t>
             </a:r>
             <a:r>
-              <a:rPr b="0" i="0" lang="en-US" sz="2800" u="none" cap="none" strike="noStrike">
+              <a:rPr b="0" cap="none" i="0" lang="en-US" strike="noStrike" sz="2800" u="none">
                 <a:solidFill>
                   <a:srgbClr val="DC195E"/>
                 </a:solidFill>
@@ -18494,7 +18494,7 @@
               <a:t>a single source of truth </a:t>
             </a:r>
             <a:r>
-              <a:rPr b="0" i="0" lang="en-US" sz="2800" u="none" cap="none" strike="noStrike">
+              <a:rPr b="0" cap="none" i="0" lang="en-US" strike="noStrike" sz="2800" u="none">
                 <a:solidFill>
                   <a:srgbClr val="F2F2F2"/>
                 </a:solidFill>
@@ -18529,12 +18529,12 @@
           </a:ln>
         </p:spPr>
         <p:txBody>
-          <a:bodyPr anchorCtr="0" anchor="t" bIns="45700" lIns="45700" spcFirstLastPara="1" rIns="45700" wrap="square" tIns="45700">
+          <a:bodyPr anchor="t" anchorCtr="0" bIns="45700" lIns="45700" numCol="1" rIns="45700" spcFirstLastPara="1" tIns="45700" wrap="square">
             <a:noAutofit/>
           </a:bodyPr>
           <a:lstStyle/>
           <a:p>
-            <a:pPr indent="0" lvl="0" marL="0" marR="0" rtl="0" algn="l">
+            <a:pPr algn="l" indent="0" lvl="0" marL="0" marR="0" rtl="0">
               <a:lnSpc>
                 <a:spcPct val="100000"/>
               </a:lnSpc>
@@ -18552,7 +18552,7 @@
               <a:buNone/>
             </a:pPr>
             <a:r>
-              <a:rPr b="0" i="0" lang="en-US" sz="2800" u="none" cap="none" strike="noStrike">
+              <a:rPr b="0" cap="none" i="0" lang="en-US" strike="noStrike" sz="2800" u="none">
                 <a:solidFill>
                   <a:srgbClr val="F2F2F2"/>
                 </a:solidFill>
@@ -18564,7 +18564,7 @@
               <a:t>Blockstack uses the Bitcoin blockchain to build a replacement for the Domain Name System</a:t>
             </a:r>
             <a:r>
-              <a:rPr b="0" i="0" lang="en-US" sz="2800" u="none" cap="none" strike="noStrike">
+              <a:rPr b="0" cap="none" i="0" lang="en-US" strike="noStrike" sz="2800" u="none">
                 <a:solidFill>
                   <a:srgbClr val="DC195E"/>
                 </a:solidFill>
@@ -18599,12 +18599,12 @@
           </a:ln>
         </p:spPr>
         <p:txBody>
-          <a:bodyPr anchorCtr="0" anchor="t" bIns="45700" lIns="45700" spcFirstLastPara="1" rIns="45700" wrap="square" tIns="45700">
+          <a:bodyPr anchor="t" anchorCtr="0" bIns="45700" lIns="45700" numCol="1" rIns="45700" spcFirstLastPara="1" tIns="45700" wrap="square">
             <a:noAutofit/>
           </a:bodyPr>
           <a:lstStyle/>
           <a:p>
-            <a:pPr indent="0" lvl="0" marL="0" marR="0" rtl="0" algn="l">
+            <a:pPr algn="l" indent="0" lvl="0" marL="0" marR="0" rtl="0">
               <a:lnSpc>
                 <a:spcPct val="100000"/>
               </a:lnSpc>
@@ -18622,7 +18622,7 @@
               <a:buNone/>
             </a:pPr>
             <a:r>
-              <a:rPr b="0" i="0" lang="en-US" sz="2800" u="none" cap="none" strike="noStrike">
+              <a:rPr b="0" cap="none" i="0" lang="en-US" strike="noStrike" sz="2800" u="none">
                 <a:solidFill>
                   <a:srgbClr val="F2F2F2"/>
                 </a:solidFill>
@@ -18634,7 +18634,7 @@
               <a:t>The BNS replaces </a:t>
             </a:r>
             <a:r>
-              <a:rPr b="0" i="0" lang="en-US" sz="2800" u="none" cap="none" strike="noStrike">
+              <a:rPr b="0" cap="none" i="0" lang="en-US" strike="noStrike" sz="2800" u="none">
                 <a:solidFill>
                   <a:srgbClr val="DC195E"/>
                 </a:solidFill>
@@ -18646,7 +18646,7 @@
               <a:t>the DNS root servers </a:t>
             </a:r>
             <a:r>
-              <a:rPr b="0" i="0" lang="en-US" sz="2800" u="none" cap="none" strike="noStrike">
+              <a:rPr b="0" cap="none" i="0" lang="en-US" strike="noStrike" sz="2800" u="none">
                 <a:solidFill>
                   <a:srgbClr val="F2F2F2"/>
                 </a:solidFill>
@@ -18789,12 +18789,12 @@
           </a:ln>
         </p:spPr>
         <p:txBody>
-          <a:bodyPr anchorCtr="0" anchor="ctr" bIns="50800" lIns="50800" spcFirstLastPara="1" rIns="50800" wrap="square" tIns="50800">
+          <a:bodyPr anchor="ctr" anchorCtr="0" bIns="50800" lIns="50800" numCol="1" rIns="50800" spcFirstLastPara="1" tIns="50800" wrap="square">
             <a:noAutofit/>
           </a:bodyPr>
           <a:lstStyle/>
           <a:p>
-            <a:pPr indent="0" lvl="0" marL="0" marR="0" rtl="0" algn="ctr">
+            <a:pPr algn="ctr" indent="0" lvl="0" marL="0" marR="0" rtl="0">
               <a:lnSpc>
                 <a:spcPct val="100000"/>
               </a:lnSpc>
@@ -18814,7 +18814,7 @@
             <a:r>
               <a:t/>
             </a:r>
-            <a:endParaRPr b="0" i="0" sz="2200" u="none" cap="none" strike="noStrike">
+            <a:endParaRPr b="0" cap="none" i="0" strike="noStrike" sz="2200" u="none">
               <a:solidFill>
                 <a:srgbClr val="FFFFFF"/>
               </a:solidFill>
@@ -18846,12 +18846,12 @@
           </a:ln>
         </p:spPr>
         <p:txBody>
-          <a:bodyPr anchorCtr="0" anchor="ctr" bIns="67725" lIns="67725" spcFirstLastPara="1" rIns="67725" wrap="square" tIns="67725">
+          <a:bodyPr anchor="ctr" anchorCtr="0" bIns="67725" lIns="67725" numCol="1" rIns="67725" spcFirstLastPara="1" tIns="67725" wrap="square">
             <a:noAutofit/>
           </a:bodyPr>
           <a:lstStyle/>
           <a:p>
-            <a:pPr indent="0" lvl="0" marL="0" marR="0" rtl="0" algn="r">
+            <a:pPr algn="r" indent="0" lvl="0" marL="0" marR="0" rtl="0">
               <a:lnSpc>
                 <a:spcPct val="100000"/>
               </a:lnSpc>
@@ -18869,7 +18869,7 @@
               <a:buNone/>
             </a:pPr>
             <a:r>
-              <a:rPr b="0" i="0" lang="en-US" sz="5600" u="none" cap="none" strike="noStrike">
+              <a:rPr b="0" cap="none" i="0" lang="en-US" strike="noStrike" sz="5600" u="none">
                 <a:solidFill>
                   <a:srgbClr val="DC195E"/>
                 </a:solidFill>
@@ -18881,7 +18881,7 @@
               <a:t>BENEFITS </a:t>
             </a:r>
             <a:r>
-              <a:rPr b="0" i="0" lang="en-US" sz="5600" u="none" cap="none" strike="noStrike">
+              <a:rPr b="0" cap="none" i="0" lang="en-US" strike="noStrike" sz="5600" u="none">
                 <a:solidFill>
                   <a:srgbClr val="FFFFFF"/>
                 </a:solidFill>
@@ -18943,12 +18943,12 @@
           </a:ln>
         </p:spPr>
         <p:txBody>
-          <a:bodyPr anchorCtr="0" anchor="t" bIns="45700" lIns="45700" spcFirstLastPara="1" rIns="45700" wrap="square" tIns="45700">
+          <a:bodyPr anchor="t" anchorCtr="0" bIns="45700" lIns="45700" numCol="1" rIns="45700" spcFirstLastPara="1" tIns="45700" wrap="square">
             <a:noAutofit/>
           </a:bodyPr>
           <a:lstStyle/>
           <a:p>
-            <a:pPr indent="0" lvl="0" marL="0" marR="0" rtl="0" algn="r">
+            <a:pPr algn="r" indent="0" lvl="0" marL="0" marR="0" rtl="0">
               <a:lnSpc>
                 <a:spcPct val="100000"/>
               </a:lnSpc>
@@ -18966,7 +18966,7 @@
               <a:buNone/>
             </a:pPr>
             <a:r>
-              <a:rPr b="0" i="0" lang="en-US" sz="8000" u="none" cap="none" strike="noStrike">
+              <a:rPr b="0" cap="none" i="0" lang="en-US" strike="noStrike" sz="8000" u="none">
                 <a:solidFill>
                   <a:srgbClr val="F0F0F0"/>
                 </a:solidFill>
@@ -18977,7 +18977,7 @@
               </a:rPr>
               <a:t>MORE </a:t>
             </a:r>
-            <a:endParaRPr b="1" i="0" sz="2400" u="none" cap="none" strike="noStrike">
+            <a:endParaRPr b="1" cap="none" i="0" strike="noStrike" sz="2400" u="none">
               <a:solidFill>
                 <a:srgbClr val="000000"/>
               </a:solidFill>
@@ -18988,7 +18988,7 @@
             </a:endParaRPr>
           </a:p>
           <a:p>
-            <a:pPr indent="0" lvl="0" marL="0" marR="0" rtl="0" algn="r">
+            <a:pPr algn="r" indent="0" lvl="0" marL="0" marR="0" rtl="0">
               <a:lnSpc>
                 <a:spcPct val="100000"/>
               </a:lnSpc>
@@ -19006,7 +19006,7 @@
               <a:buNone/>
             </a:pPr>
             <a:r>
-              <a:rPr b="0" i="0" lang="en-US" sz="8000" u="none" cap="none" strike="noStrike">
+              <a:rPr b="0" cap="none" i="0" lang="en-US" strike="noStrike" sz="8000" u="none">
                 <a:solidFill>
                   <a:srgbClr val="DC195E"/>
                 </a:solidFill>
@@ -19041,12 +19041,12 @@
           </a:ln>
         </p:spPr>
         <p:txBody>
-          <a:bodyPr anchorCtr="0" anchor="t" bIns="45700" lIns="45700" spcFirstLastPara="1" rIns="45700" wrap="square" tIns="45700">
+          <a:bodyPr anchor="t" anchorCtr="0" bIns="45700" lIns="45700" numCol="1" rIns="45700" spcFirstLastPara="1" tIns="45700" wrap="square">
             <a:noAutofit/>
           </a:bodyPr>
           <a:lstStyle/>
           <a:p>
-            <a:pPr indent="0" lvl="0" marL="0" marR="0" rtl="0" algn="l">
+            <a:pPr algn="l" indent="0" lvl="0" marL="0" marR="0" rtl="0">
               <a:lnSpc>
                 <a:spcPct val="100000"/>
               </a:lnSpc>
@@ -19064,7 +19064,7 @@
               <a:buNone/>
             </a:pPr>
             <a:r>
-              <a:rPr b="0" i="0" lang="en-US" sz="3600" u="none" cap="none" strike="noStrike">
+              <a:rPr b="0" cap="none" i="0" lang="en-US" strike="noStrike" sz="3600" u="none">
                 <a:solidFill>
                   <a:srgbClr val="F2F2F2"/>
                 </a:solidFill>
@@ -19078,7 +19078,7 @@
             <a:endParaRPr/>
           </a:p>
           <a:p>
-            <a:pPr indent="0" lvl="0" marL="0" marR="0" rtl="0" algn="l">
+            <a:pPr algn="l" indent="0" lvl="0" marL="0" marR="0" rtl="0">
               <a:lnSpc>
                 <a:spcPct val="100000"/>
               </a:lnSpc>
@@ -19096,7 +19096,7 @@
               <a:buNone/>
             </a:pPr>
             <a:r>
-              <a:rPr b="0" i="0" lang="en-US" sz="3600" u="none" cap="none" strike="noStrike">
+              <a:rPr b="0" cap="none" i="0" lang="en-US" strike="noStrike" sz="3600" u="none">
                 <a:solidFill>
                   <a:srgbClr val="DC195E"/>
                 </a:solidFill>
@@ -19131,12 +19131,12 @@
           </a:ln>
         </p:spPr>
         <p:txBody>
-          <a:bodyPr anchorCtr="0" anchor="t" bIns="45700" lIns="45700" spcFirstLastPara="1" rIns="45700" wrap="square" tIns="45700">
+          <a:bodyPr anchor="t" anchorCtr="0" bIns="45700" lIns="45700" numCol="1" rIns="45700" spcFirstLastPara="1" tIns="45700" wrap="square">
             <a:noAutofit/>
           </a:bodyPr>
           <a:lstStyle/>
           <a:p>
-            <a:pPr indent="0" lvl="0" marL="0" marR="0" rtl="0" algn="l">
+            <a:pPr algn="l" indent="0" lvl="0" marL="0" marR="0" rtl="0">
               <a:lnSpc>
                 <a:spcPct val="100000"/>
               </a:lnSpc>
@@ -19154,7 +19154,7 @@
               <a:buNone/>
             </a:pPr>
             <a:r>
-              <a:rPr b="0" i="0" lang="en-US" sz="3600" u="none" cap="none" strike="noStrike">
+              <a:rPr b="0" cap="none" i="0" lang="en-US" strike="noStrike" sz="3600" u="none">
                 <a:solidFill>
                   <a:srgbClr val="DC195E"/>
                 </a:solidFill>
@@ -19168,7 +19168,7 @@
             <a:endParaRPr/>
           </a:p>
           <a:p>
-            <a:pPr indent="0" lvl="0" marL="0" marR="0" rtl="0" algn="l">
+            <a:pPr algn="l" indent="0" lvl="0" marL="0" marR="0" rtl="0">
               <a:lnSpc>
                 <a:spcPct val="100000"/>
               </a:lnSpc>
@@ -19186,7 +19186,7 @@
               <a:buNone/>
             </a:pPr>
             <a:r>
-              <a:rPr b="0" i="0" lang="en-US" sz="3600" u="none" cap="none" strike="noStrike">
+              <a:rPr b="0" cap="none" i="0" lang="en-US" strike="noStrike" sz="3600" u="none">
                 <a:solidFill>
                   <a:srgbClr val="F2F2F2"/>
                 </a:solidFill>
@@ -19221,12 +19221,12 @@
           </a:ln>
         </p:spPr>
         <p:txBody>
-          <a:bodyPr anchorCtr="0" anchor="t" bIns="45700" lIns="45700" spcFirstLastPara="1" rIns="45700" wrap="square" tIns="45700">
+          <a:bodyPr anchor="t" anchorCtr="0" bIns="45700" lIns="45700" numCol="1" rIns="45700" spcFirstLastPara="1" tIns="45700" wrap="square">
             <a:noAutofit/>
           </a:bodyPr>
           <a:lstStyle/>
           <a:p>
-            <a:pPr indent="0" lvl="0" marL="0" marR="0" rtl="0" algn="r">
+            <a:pPr algn="r" indent="0" lvl="0" marL="0" marR="0" rtl="0">
               <a:lnSpc>
                 <a:spcPct val="100000"/>
               </a:lnSpc>
@@ -19244,7 +19244,7 @@
               <a:buNone/>
             </a:pPr>
             <a:r>
-              <a:rPr b="0" i="0" lang="en-US" sz="2000" u="none" cap="none" strike="noStrike">
+              <a:rPr b="0" cap="none" i="0" lang="en-US" strike="noStrike" sz="2000" u="none">
                 <a:solidFill>
                   <a:srgbClr val="F0F0F0"/>
                 </a:solidFill>
@@ -19360,12 +19360,12 @@
           </a:ln>
         </p:spPr>
         <p:txBody>
-          <a:bodyPr anchorCtr="0" anchor="ctr" bIns="50800" lIns="50800" spcFirstLastPara="1" rIns="50800" wrap="square" tIns="50800">
+          <a:bodyPr anchor="ctr" anchorCtr="0" bIns="50800" lIns="50800" numCol="1" rIns="50800" spcFirstLastPara="1" tIns="50800" wrap="square">
             <a:noAutofit/>
           </a:bodyPr>
           <a:lstStyle/>
           <a:p>
-            <a:pPr indent="0" lvl="0" marL="0" marR="0" rtl="0" algn="ctr">
+            <a:pPr algn="ctr" indent="0" lvl="0" marL="0" marR="0" rtl="0">
               <a:lnSpc>
                 <a:spcPct val="100000"/>
               </a:lnSpc>
@@ -19385,7 +19385,7 @@
             <a:r>
               <a:t/>
             </a:r>
-            <a:endParaRPr b="0" i="0" sz="2200" u="none" cap="none" strike="noStrike">
+            <a:endParaRPr b="0" cap="none" i="0" strike="noStrike" sz="2200" u="none">
               <a:solidFill>
                 <a:srgbClr val="FFFFFF"/>
               </a:solidFill>
@@ -19417,12 +19417,12 @@
           </a:ln>
         </p:spPr>
         <p:txBody>
-          <a:bodyPr anchorCtr="0" anchor="ctr" bIns="67725" lIns="67725" spcFirstLastPara="1" rIns="67725" wrap="square" tIns="67725">
+          <a:bodyPr anchor="ctr" anchorCtr="0" bIns="67725" lIns="67725" numCol="1" rIns="67725" spcFirstLastPara="1" tIns="67725" wrap="square">
             <a:noAutofit/>
           </a:bodyPr>
           <a:lstStyle/>
           <a:p>
-            <a:pPr indent="0" lvl="0" marL="0" marR="0" rtl="0" algn="r">
+            <a:pPr algn="r" indent="0" lvl="0" marL="0" marR="0" rtl="0">
               <a:lnSpc>
                 <a:spcPct val="100000"/>
               </a:lnSpc>
@@ -19440,7 +19440,7 @@
               <a:buNone/>
             </a:pPr>
             <a:r>
-              <a:rPr b="0" i="0" lang="en-US" sz="5600" u="none" cap="none" strike="noStrike">
+              <a:rPr b="0" cap="none" i="0" lang="en-US" strike="noStrike" sz="5600" u="none">
                 <a:solidFill>
                   <a:srgbClr val="DC195E"/>
                 </a:solidFill>
@@ -19452,7 +19452,7 @@
               <a:t>TECHNICAL </a:t>
             </a:r>
             <a:r>
-              <a:rPr b="0" i="0" lang="en-US" sz="5600" u="none" cap="none" strike="noStrike">
+              <a:rPr b="0" cap="none" i="0" lang="en-US" strike="noStrike" sz="5600" u="none">
                 <a:solidFill>
                   <a:srgbClr val="F0F0F0"/>
                 </a:solidFill>
@@ -19514,12 +19514,12 @@
           </a:ln>
         </p:spPr>
         <p:txBody>
-          <a:bodyPr anchorCtr="0" anchor="t" bIns="45700" lIns="45700" spcFirstLastPara="1" rIns="45700" wrap="square" tIns="45700">
+          <a:bodyPr anchor="t" anchorCtr="0" bIns="45700" lIns="45700" numCol="1" rIns="45700" spcFirstLastPara="1" tIns="45700" wrap="square">
             <a:noAutofit/>
           </a:bodyPr>
           <a:lstStyle/>
           <a:p>
-            <a:pPr indent="0" lvl="0" marL="0" marR="0" rtl="0" algn="r">
+            <a:pPr algn="r" indent="0" lvl="0" marL="0" marR="0" rtl="0">
               <a:lnSpc>
                 <a:spcPct val="100000"/>
               </a:lnSpc>
@@ -19537,7 +19537,7 @@
               <a:buNone/>
             </a:pPr>
             <a:r>
-              <a:rPr b="0" i="0" lang="en-US" sz="5400" u="none" cap="none" strike="noStrike">
+              <a:rPr b="0" cap="none" i="0" lang="en-US" strike="noStrike" sz="5400" u="none">
                 <a:solidFill>
                   <a:srgbClr val="F0F0F0"/>
                 </a:solidFill>
@@ -19549,7 +19549,7 @@
               <a:t>…ARE COMPLICATED. </a:t>
             </a:r>
             <a:r>
-              <a:rPr b="0" i="0" lang="en-US" sz="5400" u="none" cap="none" strike="noStrike">
+              <a:rPr b="0" cap="none" i="0" lang="en-US" strike="noStrike" sz="5400" u="none">
                 <a:solidFill>
                   <a:srgbClr val="DC195E"/>
                 </a:solidFill>
@@ -19584,12 +19584,12 @@
           </a:ln>
         </p:spPr>
         <p:txBody>
-          <a:bodyPr anchorCtr="0" anchor="t" bIns="45700" lIns="45700" spcFirstLastPara="1" rIns="45700" wrap="square" tIns="45700">
+          <a:bodyPr anchor="t" anchorCtr="0" bIns="45700" lIns="45700" numCol="1" rIns="45700" spcFirstLastPara="1" tIns="45700" wrap="square">
             <a:noAutofit/>
           </a:bodyPr>
           <a:lstStyle/>
           <a:p>
-            <a:pPr indent="0" lvl="0" marL="0" marR="0" rtl="0" algn="l">
+            <a:pPr algn="l" indent="0" lvl="0" marL="0" marR="0" rtl="0">
               <a:lnSpc>
                 <a:spcPct val="100000"/>
               </a:lnSpc>
@@ -19607,7 +19607,7 @@
               <a:buNone/>
             </a:pPr>
             <a:r>
-              <a:rPr b="0" i="0" lang="en-US" sz="2800" u="none" cap="none" strike="noStrike">
+              <a:rPr b="0" cap="none" i="0" lang="en-US" strike="noStrike" sz="2800" u="none">
                 <a:solidFill>
                   <a:srgbClr val="F2F2F2"/>
                 </a:solidFill>
@@ -19619,7 +19619,7 @@
               <a:t>But note that: Blockstack can be migrated if the underlying blockchain becomes insecure, because they </a:t>
             </a:r>
             <a:r>
-              <a:rPr b="0" i="0" lang="en-US" sz="2800" u="none" cap="none" strike="noStrike">
+              <a:rPr b="0" cap="none" i="0" lang="en-US" strike="noStrike" sz="2800" u="none">
                 <a:solidFill>
                   <a:srgbClr val="DC195E"/>
                 </a:solidFill>
@@ -19631,7 +19631,7 @@
               <a:t>reconstruct consensus using virtualchains </a:t>
             </a:r>
             <a:r>
-              <a:rPr b="0" i="0" lang="en-US" sz="2800" u="none" cap="none" strike="noStrike">
+              <a:rPr b="0" cap="none" i="0" lang="en-US" strike="noStrike" sz="2800" u="none">
                 <a:solidFill>
                   <a:srgbClr val="F2F2F2"/>
                 </a:solidFill>
@@ -19666,12 +19666,12 @@
           </a:ln>
         </p:spPr>
         <p:txBody>
-          <a:bodyPr anchorCtr="0" anchor="t" bIns="45700" lIns="45700" spcFirstLastPara="1" rIns="45700" wrap="square" tIns="45700">
+          <a:bodyPr anchor="t" anchorCtr="0" bIns="45700" lIns="45700" numCol="1" rIns="45700" spcFirstLastPara="1" tIns="45700" wrap="square">
             <a:noAutofit/>
           </a:bodyPr>
           <a:lstStyle/>
           <a:p>
-            <a:pPr indent="0" lvl="0" marL="0" marR="0" rtl="0" algn="l">
+            <a:pPr algn="l" indent="0" lvl="0" marL="0" marR="0" rtl="0">
               <a:lnSpc>
                 <a:spcPct val="100000"/>
               </a:lnSpc>
@@ -19689,7 +19689,7 @@
               <a:buNone/>
             </a:pPr>
             <a:r>
-              <a:rPr b="0" i="0" lang="en-US" sz="2800" u="none" cap="none" strike="noStrike">
+              <a:rPr b="0" cap="none" i="0" lang="en-US" strike="noStrike" sz="2800" u="none">
                 <a:solidFill>
                   <a:srgbClr val="F2F2F2"/>
                 </a:solidFill>
@@ -19701,7 +19701,7 @@
               <a:t>The network successfully migrated off of </a:t>
             </a:r>
             <a:r>
-              <a:rPr b="0" i="0" lang="en-US" sz="2800" u="none" cap="none" strike="noStrike">
+              <a:rPr b="0" cap="none" i="0" lang="en-US" strike="noStrike" sz="2800" u="none">
                 <a:solidFill>
                   <a:srgbClr val="DC195E"/>
                 </a:solidFill>
@@ -19763,12 +19763,12 @@
           </a:ln>
         </p:spPr>
         <p:txBody>
-          <a:bodyPr anchorCtr="0" anchor="ctr" bIns="50800" lIns="50800" spcFirstLastPara="1" rIns="50800" wrap="square" tIns="50800">
+          <a:bodyPr anchor="ctr" anchorCtr="0" bIns="50800" lIns="50800" numCol="1" rIns="50800" spcFirstLastPara="1" tIns="50800" wrap="square">
             <a:noAutofit/>
           </a:bodyPr>
           <a:lstStyle/>
           <a:p>
-            <a:pPr indent="0" lvl="0" marL="0" marR="0" rtl="0" algn="ctr">
+            <a:pPr algn="ctr" indent="0" lvl="0" marL="0" marR="0" rtl="0">
               <a:lnSpc>
                 <a:spcPct val="100000"/>
               </a:lnSpc>
@@ -19788,7 +19788,7 @@
             <a:r>
               <a:t/>
             </a:r>
-            <a:endParaRPr b="0" i="0" sz="2200" u="none" cap="none" strike="noStrike">
+            <a:endParaRPr b="0" cap="none" i="0" strike="noStrike" sz="2200" u="none">
               <a:solidFill>
                 <a:srgbClr val="FFFFFF"/>
               </a:solidFill>
@@ -19847,12 +19847,12 @@
           </a:ln>
         </p:spPr>
         <p:txBody>
-          <a:bodyPr anchorCtr="0" anchor="t" bIns="45700" lIns="45700" spcFirstLastPara="1" rIns="45700" wrap="square" tIns="45700">
+          <a:bodyPr anchor="t" anchorCtr="0" bIns="45700" lIns="45700" numCol="1" rIns="45700" spcFirstLastPara="1" tIns="45700" wrap="square">
             <a:noAutofit/>
           </a:bodyPr>
           <a:lstStyle/>
           <a:p>
-            <a:pPr indent="0" lvl="0" marL="0" marR="0" rtl="0" algn="ctr">
+            <a:pPr algn="ctr" indent="0" lvl="0" marL="0" marR="0" rtl="0">
               <a:lnSpc>
                 <a:spcPct val="100000"/>
               </a:lnSpc>
@@ -19870,7 +19870,7 @@
               <a:buNone/>
             </a:pPr>
             <a:r>
-              <a:rPr b="0" i="0" lang="en-US" sz="4400" u="none" cap="none" strike="noStrike">
+              <a:rPr b="0" cap="none" i="0" lang="en-US" strike="noStrike" sz="4400" u="none">
                 <a:solidFill>
                   <a:srgbClr val="F0F0F0"/>
                 </a:solidFill>
@@ -19905,12 +19905,12 @@
           </a:ln>
         </p:spPr>
         <p:txBody>
-          <a:bodyPr anchorCtr="0" anchor="t" bIns="45700" lIns="45700" spcFirstLastPara="1" rIns="45700" wrap="square" tIns="45700">
+          <a:bodyPr anchor="t" anchorCtr="0" bIns="45700" lIns="45700" numCol="1" rIns="45700" spcFirstLastPara="1" tIns="45700" wrap="square">
             <a:noAutofit/>
           </a:bodyPr>
           <a:lstStyle/>
           <a:p>
-            <a:pPr indent="0" lvl="0" marL="0" marR="0" rtl="0" algn="ctr">
+            <a:pPr algn="ctr" indent="0" lvl="0" marL="0" marR="0" rtl="0">
               <a:lnSpc>
                 <a:spcPct val="100000"/>
               </a:lnSpc>
@@ -19928,7 +19928,7 @@
               <a:buNone/>
             </a:pPr>
             <a:r>
-              <a:rPr b="0" i="0" lang="en-US" sz="4400" u="none" cap="none" strike="noStrike">
+              <a:rPr b="0" cap="none" i="0" lang="en-US" strike="noStrike" sz="4400" u="none">
                 <a:solidFill>
                   <a:srgbClr val="F2F2F2"/>
                 </a:solidFill>
@@ -19940,7 +19940,7 @@
               <a:t>Alright, we have </a:t>
             </a:r>
             <a:r>
-              <a:rPr b="0" i="0" lang="en-US" sz="4400" u="none" cap="none" strike="noStrike">
+              <a:rPr b="0" cap="none" i="0" lang="en-US" strike="noStrike" sz="4400" u="none">
                 <a:solidFill>
                   <a:srgbClr val="DC195E"/>
                 </a:solidFill>
@@ -19952,7 +19952,7 @@
               <a:t>a new DNS</a:t>
             </a:r>
             <a:r>
-              <a:rPr b="0" i="0" lang="en-US" sz="4400" u="none" cap="none" strike="noStrike">
+              <a:rPr b="0" cap="none" i="0" lang="en-US" strike="noStrike" sz="4400" u="none">
                 <a:solidFill>
                   <a:srgbClr val="F2F2F2"/>
                 </a:solidFill>
@@ -19987,12 +19987,12 @@
           </a:ln>
         </p:spPr>
         <p:txBody>
-          <a:bodyPr anchorCtr="0" anchor="t" bIns="45700" lIns="45700" spcFirstLastPara="1" rIns="45700" wrap="square" tIns="45700">
+          <a:bodyPr anchor="t" anchorCtr="0" bIns="45700" lIns="45700" numCol="1" rIns="45700" spcFirstLastPara="1" tIns="45700" wrap="square">
             <a:noAutofit/>
           </a:bodyPr>
           <a:lstStyle/>
           <a:p>
-            <a:pPr indent="0" lvl="0" marL="0" marR="0" rtl="0" algn="l">
+            <a:pPr algn="l" indent="0" lvl="0" marL="0" marR="0" rtl="0">
               <a:lnSpc>
                 <a:spcPct val="100000"/>
               </a:lnSpc>
@@ -20010,7 +20010,7 @@
               <a:buNone/>
             </a:pPr>
             <a:r>
-              <a:rPr b="0" i="0" lang="en-US" sz="3200" u="none" cap="none" strike="noStrike">
+              <a:rPr b="0" cap="none" i="0" lang="en-US" strike="noStrike" sz="3200" u="none">
                 <a:solidFill>
                   <a:srgbClr val="F2F2F2"/>
                 </a:solidFill>
@@ -20022,7 +20022,7 @@
               <a:t>Follow this to its logical conclusion: </a:t>
             </a:r>
             <a:r>
-              <a:rPr b="0" i="0" lang="en-US" sz="3200" u="none" cap="none" strike="noStrike">
+              <a:rPr b="0" cap="none" i="0" lang="en-US" strike="noStrike" sz="3200" u="none">
                 <a:solidFill>
                   <a:srgbClr val="DC195E"/>
                 </a:solidFill>
@@ -20057,12 +20057,12 @@
           </a:ln>
         </p:spPr>
         <p:txBody>
-          <a:bodyPr anchorCtr="0" anchor="t" bIns="45700" lIns="45700" spcFirstLastPara="1" rIns="45700" wrap="square" tIns="45700">
+          <a:bodyPr anchor="t" anchorCtr="0" bIns="45700" lIns="45700" numCol="1" rIns="45700" spcFirstLastPara="1" tIns="45700" wrap="square">
             <a:noAutofit/>
           </a:bodyPr>
           <a:lstStyle/>
           <a:p>
-            <a:pPr indent="0" lvl="0" marL="0" marR="0" rtl="0" algn="l">
+            <a:pPr algn="l" indent="0" lvl="0" marL="0" marR="0" rtl="0">
               <a:lnSpc>
                 <a:spcPct val="100000"/>
               </a:lnSpc>
@@ -20080,7 +20080,7 @@
               <a:buNone/>
             </a:pPr>
             <a:r>
-              <a:rPr b="0" i="0" lang="en-US" sz="3200" u="none" cap="none" strike="noStrike">
+              <a:rPr b="0" cap="none" i="0" lang="en-US" strike="noStrike" sz="3200" u="none">
                 <a:solidFill>
                   <a:srgbClr val="F2F2F2"/>
                 </a:solidFill>
@@ -20092,7 +20092,7 @@
               <a:t>A Blockstack principle</a:t>
             </a:r>
             <a:r>
-              <a:rPr b="0" i="0" lang="en-US" sz="3200" u="none" cap="none" strike="noStrike">
+              <a:rPr b="0" cap="none" i="0" lang="en-US" strike="noStrike" sz="3200" u="none">
                 <a:solidFill>
                   <a:srgbClr val="DC195E"/>
                 </a:solidFill>
@@ -20104,7 +20104,7 @@
               <a:t> is that users, not corporations, </a:t>
             </a:r>
             <a:r>
-              <a:rPr b="0" i="0" lang="en-US" sz="3200" u="none" cap="none" strike="noStrike">
+              <a:rPr b="0" cap="none" i="0" lang="en-US" strike="noStrike" sz="3200" u="none">
                 <a:solidFill>
                   <a:srgbClr val="F2F2F2"/>
                 </a:solidFill>
@@ -20139,12 +20139,12 @@
           </a:ln>
         </p:spPr>
         <p:txBody>
-          <a:bodyPr anchorCtr="0" anchor="ctr" bIns="50800" lIns="50800" spcFirstLastPara="1" rIns="50800" wrap="square" tIns="50800">
+          <a:bodyPr anchor="ctr" anchorCtr="0" bIns="50800" lIns="50800" numCol="1" rIns="50800" spcFirstLastPara="1" tIns="50800" wrap="square">
             <a:noAutofit/>
           </a:bodyPr>
           <a:lstStyle/>
           <a:p>
-            <a:pPr indent="0" lvl="0" marL="0" marR="0" rtl="0" algn="ctr">
+            <a:pPr algn="ctr" indent="0" lvl="0" marL="0" marR="0" rtl="0">
               <a:lnSpc>
                 <a:spcPct val="100000"/>
               </a:lnSpc>
@@ -20162,7 +20162,7 @@
               <a:buNone/>
             </a:pPr>
             <a:r>
-              <a:rPr b="0" i="0" lang="en-US" sz="8800" u="none" cap="none" strike="noStrike">
+              <a:rPr b="0" cap="none" i="0" lang="en-US" strike="noStrike" sz="8800" u="none">
                 <a:solidFill>
                   <a:srgbClr val="F2F2F2"/>
                 </a:solidFill>
@@ -20197,12 +20197,12 @@
           </a:ln>
         </p:spPr>
         <p:txBody>
-          <a:bodyPr anchorCtr="0" anchor="ctr" bIns="50800" lIns="50800" spcFirstLastPara="1" rIns="50800" wrap="square" tIns="50800">
+          <a:bodyPr anchor="ctr" anchorCtr="0" bIns="50800" lIns="50800" numCol="1" rIns="50800" spcFirstLastPara="1" tIns="50800" wrap="square">
             <a:noAutofit/>
           </a:bodyPr>
           <a:lstStyle/>
           <a:p>
-            <a:pPr indent="0" lvl="0" marL="0" marR="0" rtl="0" algn="ctr">
+            <a:pPr algn="ctr" indent="0" lvl="0" marL="0" marR="0" rtl="0">
               <a:lnSpc>
                 <a:spcPct val="100000"/>
               </a:lnSpc>
@@ -20220,7 +20220,7 @@
               <a:buNone/>
             </a:pPr>
             <a:r>
-              <a:rPr b="0" i="0" lang="en-US" sz="8800" u="none" cap="none" strike="noStrike">
+              <a:rPr b="0" cap="none" i="0" lang="en-US" strike="noStrike" sz="8800" u="none">
                 <a:solidFill>
                   <a:srgbClr val="F2F2F2"/>
                 </a:solidFill>
@@ -20405,7 +20405,7 @@
         </a:gradFill>
       </a:fillStyleLst>
       <a:lnStyleLst>
-        <a:ln w="9525" cap="flat" cmpd="sng" algn="ctr">
+        <a:ln algn="ctr" cap="flat" cmpd="sng" w="9525">
           <a:solidFill>
             <a:schemeClr val="phClr">
               <a:shade val="95000"/>
@@ -20414,13 +20414,13 @@
           </a:solidFill>
           <a:prstDash val="solid"/>
         </a:ln>
-        <a:ln w="25400" cap="flat" cmpd="sng" algn="ctr">
+        <a:ln algn="ctr" cap="flat" cmpd="sng" w="25400">
           <a:solidFill>
             <a:schemeClr val="phClr"/>
           </a:solidFill>
           <a:prstDash val="solid"/>
         </a:ln>
-        <a:ln w="38100" cap="flat" cmpd="sng" algn="ctr">
+        <a:ln algn="ctr" cap="flat" cmpd="sng" w="38100">
           <a:solidFill>
             <a:schemeClr val="phClr"/>
           </a:solidFill>
@@ -20430,7 +20430,7 @@
       <a:effectStyleLst>
         <a:effectStyle>
           <a:effectLst>
-            <a:outerShdw blurRad="40000" dist="20000" dir="5400000" rotWithShape="0">
+            <a:outerShdw blurRad="40000" dir="5400000" dist="20000" rotWithShape="0">
               <a:srgbClr val="000000">
                 <a:alpha val="38000"/>
               </a:srgbClr>
@@ -20439,7 +20439,7 @@
         </a:effectStyle>
         <a:effectStyle>
           <a:effectLst>
-            <a:outerShdw blurRad="40000" dist="23000" dir="5400000" rotWithShape="0">
+            <a:outerShdw blurRad="40000" dir="5400000" dist="23000" rotWithShape="0">
               <a:srgbClr val="000000">
                 <a:alpha val="35000"/>
               </a:srgbClr>
@@ -20448,7 +20448,7 @@
         </a:effectStyle>
         <a:effectStyle>
           <a:effectLst>
-            <a:outerShdw blurRad="40000" dist="23000" dir="5400000" rotWithShape="0">
+            <a:outerShdw blurRad="40000" dir="5400000" dist="23000" rotWithShape="0">
               <a:srgbClr val="000000">
                 <a:alpha val="35000"/>
               </a:srgbClr>
@@ -20458,12 +20458,12 @@
             <a:camera prst="orthographicFront">
               <a:rot lat="0" lon="0" rev="0"/>
             </a:camera>
-            <a:lightRig rig="threePt" dir="t">
+            <a:lightRig dir="t" rig="threePt">
               <a:rot lat="0" lon="0" rev="1200000"/>
             </a:lightRig>
           </a:scene3d>
           <a:sp3d>
-            <a:bevelT w="63500" h="25400"/>
+            <a:bevelT h="25400" w="63500"/>
           </a:sp3d>
         </a:effectStyle>
       </a:effectStyleLst>
@@ -20494,7 +20494,7 @@
             </a:gs>
           </a:gsLst>
           <a:path path="circle">
-            <a:fillToRect l="50000" t="-80000" r="50000" b="180000"/>
+            <a:fillToRect b="180000" l="50000" r="50000" t="-80000"/>
           </a:path>
         </a:gradFill>
         <a:gradFill rotWithShape="1">
@@ -20513,7 +20513,7 @@
             </a:gs>
           </a:gsLst>
           <a:path path="circle">
-            <a:fillToRect l="50000" t="50000" r="50000" b="50000"/>
+            <a:fillToRect b="50000" l="50000" r="50000" t="50000"/>
           </a:path>
         </a:gradFill>
       </a:bgFillStyleLst>
@@ -20684,7 +20684,7 @@
         </a:gradFill>
       </a:fillStyleLst>
       <a:lnStyleLst>
-        <a:ln w="9525" cap="flat" cmpd="sng" algn="ctr">
+        <a:ln algn="ctr" cap="flat" cmpd="sng" w="9525">
           <a:solidFill>
             <a:schemeClr val="phClr">
               <a:shade val="95000"/>
@@ -20693,13 +20693,13 @@
           </a:solidFill>
           <a:prstDash val="solid"/>
         </a:ln>
-        <a:ln w="25400" cap="flat" cmpd="sng" algn="ctr">
+        <a:ln algn="ctr" cap="flat" cmpd="sng" w="25400">
           <a:solidFill>
             <a:schemeClr val="phClr"/>
           </a:solidFill>
           <a:prstDash val="solid"/>
         </a:ln>
-        <a:ln w="38100" cap="flat" cmpd="sng" algn="ctr">
+        <a:ln algn="ctr" cap="flat" cmpd="sng" w="38100">
           <a:solidFill>
             <a:schemeClr val="phClr"/>
           </a:solidFill>
@@ -20709,7 +20709,7 @@
       <a:effectStyleLst>
         <a:effectStyle>
           <a:effectLst>
-            <a:outerShdw blurRad="40000" dist="20000" dir="5400000" rotWithShape="0">
+            <a:outerShdw blurRad="40000" dir="5400000" dist="20000" rotWithShape="0">
               <a:srgbClr val="000000">
                 <a:alpha val="38000"/>
               </a:srgbClr>
@@ -20718,7 +20718,7 @@
         </a:effectStyle>
         <a:effectStyle>
           <a:effectLst>
-            <a:outerShdw blurRad="40000" dist="23000" dir="5400000" rotWithShape="0">
+            <a:outerShdw blurRad="40000" dir="5400000" dist="23000" rotWithShape="0">
               <a:srgbClr val="000000">
                 <a:alpha val="35000"/>
               </a:srgbClr>
@@ -20727,7 +20727,7 @@
         </a:effectStyle>
         <a:effectStyle>
           <a:effectLst>
-            <a:outerShdw blurRad="40000" dist="23000" dir="5400000" rotWithShape="0">
+            <a:outerShdw blurRad="40000" dir="5400000" dist="23000" rotWithShape="0">
               <a:srgbClr val="000000">
                 <a:alpha val="35000"/>
               </a:srgbClr>
@@ -20737,12 +20737,12 @@
             <a:camera prst="orthographicFront">
               <a:rot lat="0" lon="0" rev="0"/>
             </a:camera>
-            <a:lightRig rig="threePt" dir="t">
+            <a:lightRig dir="t" rig="threePt">
               <a:rot lat="0" lon="0" rev="1200000"/>
             </a:lightRig>
           </a:scene3d>
           <a:sp3d>
-            <a:bevelT w="63500" h="25400"/>
+            <a:bevelT h="25400" w="63500"/>
           </a:sp3d>
         </a:effectStyle>
       </a:effectStyleLst>
@@ -20773,7 +20773,7 @@
             </a:gs>
           </a:gsLst>
           <a:path path="circle">
-            <a:fillToRect l="50000" t="-80000" r="50000" b="180000"/>
+            <a:fillToRect b="180000" l="50000" r="50000" t="-80000"/>
           </a:path>
         </a:gradFill>
         <a:gradFill rotWithShape="1">
@@ -20792,7 +20792,7 @@
             </a:gs>
           </a:gsLst>
           <a:path path="circle">
-            <a:fillToRect l="50000" t="50000" r="50000" b="50000"/>
+            <a:fillToRect b="50000" l="50000" r="50000" t="50000"/>
           </a:path>
         </a:gradFill>
       </a:bgFillStyleLst>
